--- a/aDoc/Projet boutique en ligne.pptx
+++ b/aDoc/Projet boutique en ligne.pptx
@@ -432,7 +432,7 @@
             <a:fld id="{B61BEF0D-F0BB-DE4B-95CE-6DB70DBA9567}" type="datetimeFigureOut">
               <a:rPr lang="en-US" dirty="0"/>
               <a:pPr/>
-              <a:t>1/9/2021</a:t>
+              <a:t>1/13/2021</a:t>
             </a:fld>
             <a:endParaRPr lang="en-US" dirty="0"/>
           </a:p>
@@ -767,7 +767,7 @@
             <a:fld id="{B61BEF0D-F0BB-DE4B-95CE-6DB70DBA9567}" type="datetimeFigureOut">
               <a:rPr lang="en-US" dirty="0"/>
               <a:pPr/>
-              <a:t>1/9/2021</a:t>
+              <a:t>1/13/2021</a:t>
             </a:fld>
             <a:endParaRPr lang="en-US" dirty="0"/>
           </a:p>
@@ -1165,7 +1165,7 @@
             <a:fld id="{B61BEF0D-F0BB-DE4B-95CE-6DB70DBA9567}" type="datetimeFigureOut">
               <a:rPr lang="en-US" dirty="0"/>
               <a:pPr/>
-              <a:t>1/9/2021</a:t>
+              <a:t>1/13/2021</a:t>
             </a:fld>
             <a:endParaRPr lang="en-US" dirty="0"/>
           </a:p>
@@ -1498,7 +1498,7 @@
             <a:fld id="{B61BEF0D-F0BB-DE4B-95CE-6DB70DBA9567}" type="datetimeFigureOut">
               <a:rPr lang="en-US" dirty="0"/>
               <a:pPr/>
-              <a:t>1/9/2021</a:t>
+              <a:t>1/13/2021</a:t>
             </a:fld>
             <a:endParaRPr lang="en-US" dirty="0"/>
           </a:p>
@@ -1815,7 +1815,7 @@
             <a:fld id="{B61BEF0D-F0BB-DE4B-95CE-6DB70DBA9567}" type="datetimeFigureOut">
               <a:rPr lang="en-US" dirty="0"/>
               <a:pPr/>
-              <a:t>1/9/2021</a:t>
+              <a:t>1/13/2021</a:t>
             </a:fld>
             <a:endParaRPr lang="en-US" dirty="0"/>
           </a:p>
@@ -2208,7 +2208,7 @@
             <a:fld id="{B61BEF0D-F0BB-DE4B-95CE-6DB70DBA9567}" type="datetimeFigureOut">
               <a:rPr lang="en-US" dirty="0"/>
               <a:pPr/>
-              <a:t>1/9/2021</a:t>
+              <a:t>1/13/2021</a:t>
             </a:fld>
             <a:endParaRPr lang="en-US" dirty="0"/>
           </a:p>
@@ -2462,7 +2462,7 @@
             <a:fld id="{B61BEF0D-F0BB-DE4B-95CE-6DB70DBA9567}" type="datetimeFigureOut">
               <a:rPr lang="en-US" dirty="0"/>
               <a:pPr/>
-              <a:t>1/9/2021</a:t>
+              <a:t>1/13/2021</a:t>
             </a:fld>
             <a:endParaRPr lang="en-US" dirty="0"/>
           </a:p>
@@ -2721,7 +2721,7 @@
             <a:fld id="{B61BEF0D-F0BB-DE4B-95CE-6DB70DBA9567}" type="datetimeFigureOut">
               <a:rPr lang="en-US" dirty="0"/>
               <a:pPr/>
-              <a:t>1/9/2021</a:t>
+              <a:t>1/13/2021</a:t>
             </a:fld>
             <a:endParaRPr lang="en-US" dirty="0"/>
           </a:p>
@@ -2980,7 +2980,7 @@
             <a:fld id="{B61BEF0D-F0BB-DE4B-95CE-6DB70DBA9567}" type="datetimeFigureOut">
               <a:rPr lang="en-US" dirty="0"/>
               <a:pPr/>
-              <a:t>1/9/2021</a:t>
+              <a:t>1/13/2021</a:t>
             </a:fld>
             <a:endParaRPr lang="en-US" dirty="0"/>
           </a:p>
@@ -3306,7 +3306,7 @@
             <a:fld id="{B61BEF0D-F0BB-DE4B-95CE-6DB70DBA9567}" type="datetimeFigureOut">
               <a:rPr lang="en-US" dirty="0"/>
               <a:pPr/>
-              <a:t>1/9/2021</a:t>
+              <a:t>1/13/2021</a:t>
             </a:fld>
             <a:endParaRPr lang="en-US" dirty="0"/>
           </a:p>
@@ -3626,7 +3626,7 @@
             <a:fld id="{B61BEF0D-F0BB-DE4B-95CE-6DB70DBA9567}" type="datetimeFigureOut">
               <a:rPr lang="en-US" dirty="0"/>
               <a:pPr/>
-              <a:t>1/9/2021</a:t>
+              <a:t>1/13/2021</a:t>
             </a:fld>
             <a:endParaRPr lang="en-US" dirty="0"/>
           </a:p>
@@ -4080,7 +4080,7 @@
             <a:fld id="{B61BEF0D-F0BB-DE4B-95CE-6DB70DBA9567}" type="datetimeFigureOut">
               <a:rPr lang="en-US" dirty="0"/>
               <a:pPr/>
-              <a:t>1/9/2021</a:t>
+              <a:t>1/13/2021</a:t>
             </a:fld>
             <a:endParaRPr lang="en-US" dirty="0"/>
           </a:p>
@@ -4282,7 +4282,7 @@
             <a:fld id="{B61BEF0D-F0BB-DE4B-95CE-6DB70DBA9567}" type="datetimeFigureOut">
               <a:rPr lang="en-US" dirty="0"/>
               <a:pPr/>
-              <a:t>1/9/2021</a:t>
+              <a:t>1/13/2021</a:t>
             </a:fld>
             <a:endParaRPr lang="en-US" dirty="0"/>
           </a:p>
@@ -4456,7 +4456,7 @@
             <a:fld id="{B61BEF0D-F0BB-DE4B-95CE-6DB70DBA9567}" type="datetimeFigureOut">
               <a:rPr lang="en-US" dirty="0"/>
               <a:pPr/>
-              <a:t>1/9/2021</a:t>
+              <a:t>1/13/2021</a:t>
             </a:fld>
             <a:endParaRPr lang="en-US" dirty="0"/>
           </a:p>
@@ -4786,7 +4786,7 @@
             <a:fld id="{B61BEF0D-F0BB-DE4B-95CE-6DB70DBA9567}" type="datetimeFigureOut">
               <a:rPr lang="en-US" dirty="0"/>
               <a:pPr/>
-              <a:t>1/9/2021</a:t>
+              <a:t>1/13/2021</a:t>
             </a:fld>
             <a:endParaRPr lang="en-US" dirty="0"/>
           </a:p>
@@ -5128,7 +5128,7 @@
             <a:fld id="{B61BEF0D-F0BB-DE4B-95CE-6DB70DBA9567}" type="datetimeFigureOut">
               <a:rPr lang="en-US" dirty="0"/>
               <a:pPr/>
-              <a:t>1/9/2021</a:t>
+              <a:t>1/13/2021</a:t>
             </a:fld>
             <a:endParaRPr lang="en-US" dirty="0"/>
           </a:p>
@@ -7242,7 +7242,7 @@
             <a:fld id="{B61BEF0D-F0BB-DE4B-95CE-6DB70DBA9567}" type="datetimeFigureOut">
               <a:rPr lang="en-US" dirty="0"/>
               <a:pPr/>
-              <a:t>1/9/2021</a:t>
+              <a:t>1/13/2021</a:t>
             </a:fld>
             <a:endParaRPr lang="en-US" dirty="0"/>
           </a:p>

--- a/aDoc/Projet boutique en ligne.pptx
+++ b/aDoc/Projet boutique en ligne.pptx
@@ -5,7 +5,7 @@
     <p:sldMasterId id="2147483648" r:id="rId1"/>
   </p:sldMasterIdLst>
   <p:notesMasterIdLst>
-    <p:notesMasterId r:id="rId32"/>
+    <p:notesMasterId r:id="rId35"/>
   </p:notesMasterIdLst>
   <p:sldIdLst>
     <p:sldId id="256" r:id="rId2"/>
@@ -32,12 +32,15 @@
     <p:sldId id="274" r:id="rId23"/>
     <p:sldId id="275" r:id="rId24"/>
     <p:sldId id="288" r:id="rId25"/>
-    <p:sldId id="276" r:id="rId26"/>
-    <p:sldId id="277" r:id="rId27"/>
-    <p:sldId id="278" r:id="rId28"/>
-    <p:sldId id="279" r:id="rId29"/>
-    <p:sldId id="280" r:id="rId30"/>
-    <p:sldId id="281" r:id="rId31"/>
+    <p:sldId id="292" r:id="rId26"/>
+    <p:sldId id="276" r:id="rId27"/>
+    <p:sldId id="277" r:id="rId28"/>
+    <p:sldId id="278" r:id="rId29"/>
+    <p:sldId id="293" r:id="rId30"/>
+    <p:sldId id="279" r:id="rId31"/>
+    <p:sldId id="280" r:id="rId32"/>
+    <p:sldId id="294" r:id="rId33"/>
+    <p:sldId id="281" r:id="rId34"/>
   </p:sldIdLst>
   <p:sldSz cx="12192000" cy="6858000"/>
   <p:notesSz cx="6858000" cy="9144000"/>
@@ -4196,7 +4199,7 @@
           <a:p>
             <a:fld id="{2CDCDF8F-3D54-4115-A7BF-B22B247C4638}" type="datetimeFigureOut">
               <a:rPr lang="fr-FR" smtClean="0"/>
-              <a:t>20/01/2021</a:t>
+              <a:t>22/01/2021</a:t>
             </a:fld>
             <a:endParaRPr lang="fr-FR"/>
           </a:p>
@@ -4651,7 +4654,7 @@
           <a:p>
             <a:fld id="{30BF176E-CADB-48F9-B97C-1D186AD99C00}" type="datetime1">
               <a:rPr lang="en-US" smtClean="0"/>
-              <a:t>1/20/2021</a:t>
+              <a:t>1/22/2021</a:t>
             </a:fld>
             <a:endParaRPr lang="en-US" dirty="0"/>
           </a:p>
@@ -4985,7 +4988,7 @@
           <a:p>
             <a:fld id="{F8B59121-EE1F-4479-B37D-243652B9AF57}" type="datetime1">
               <a:rPr lang="en-US" smtClean="0"/>
-              <a:t>1/20/2021</a:t>
+              <a:t>1/22/2021</a:t>
             </a:fld>
             <a:endParaRPr lang="en-US" dirty="0"/>
           </a:p>
@@ -5382,7 +5385,7 @@
           <a:p>
             <a:fld id="{37C5854A-430C-41F8-B4AA-EEE3BC935C71}" type="datetime1">
               <a:rPr lang="en-US" smtClean="0"/>
-              <a:t>1/20/2021</a:t>
+              <a:t>1/22/2021</a:t>
             </a:fld>
             <a:endParaRPr lang="en-US" dirty="0"/>
           </a:p>
@@ -5714,7 +5717,7 @@
           <a:p>
             <a:fld id="{B00D6915-AD78-415E-9082-43687253A670}" type="datetime1">
               <a:rPr lang="en-US" smtClean="0"/>
-              <a:t>1/20/2021</a:t>
+              <a:t>1/22/2021</a:t>
             </a:fld>
             <a:endParaRPr lang="en-US" dirty="0"/>
           </a:p>
@@ -6030,7 +6033,7 @@
           <a:p>
             <a:fld id="{C688B8AB-7942-4DD7-9B83-C03FBC9CFF5D}" type="datetime1">
               <a:rPr lang="en-US" smtClean="0"/>
-              <a:t>1/20/2021</a:t>
+              <a:t>1/22/2021</a:t>
             </a:fld>
             <a:endParaRPr lang="en-US" dirty="0"/>
           </a:p>
@@ -6422,7 +6425,7 @@
           <a:p>
             <a:fld id="{6626BFCB-E957-4302-B399-C285F828936F}" type="datetime1">
               <a:rPr lang="en-US" smtClean="0"/>
-              <a:t>1/20/2021</a:t>
+              <a:t>1/22/2021</a:t>
             </a:fld>
             <a:endParaRPr lang="en-US" dirty="0"/>
           </a:p>
@@ -6675,7 +6678,7 @@
           <a:p>
             <a:fld id="{805BCEB2-B0F8-49F6-9921-FCDDB047B27B}" type="datetime1">
               <a:rPr lang="en-US" smtClean="0"/>
-              <a:t>1/20/2021</a:t>
+              <a:t>1/22/2021</a:t>
             </a:fld>
             <a:endParaRPr lang="en-US" dirty="0"/>
           </a:p>
@@ -6933,7 +6936,7 @@
           <a:p>
             <a:fld id="{8D966F9A-AED3-4BCA-93CD-F2BA2FA9764A}" type="datetime1">
               <a:rPr lang="en-US" smtClean="0"/>
-              <a:t>1/20/2021</a:t>
+              <a:t>1/22/2021</a:t>
             </a:fld>
             <a:endParaRPr lang="en-US" dirty="0"/>
           </a:p>
@@ -7191,7 +7194,7 @@
           <a:p>
             <a:fld id="{25471B62-9AD3-44B3-9B01-E63E073463FB}" type="datetime1">
               <a:rPr lang="en-US" smtClean="0"/>
-              <a:t>1/20/2021</a:t>
+              <a:t>1/22/2021</a:t>
             </a:fld>
             <a:endParaRPr lang="en-US" dirty="0"/>
           </a:p>
@@ -7516,7 +7519,7 @@
           <a:p>
             <a:fld id="{0B6236A2-B66E-4463-AD93-2D5632174887}" type="datetime1">
               <a:rPr lang="en-US" smtClean="0"/>
-              <a:t>1/20/2021</a:t>
+              <a:t>1/22/2021</a:t>
             </a:fld>
             <a:endParaRPr lang="en-US" dirty="0"/>
           </a:p>
@@ -7835,7 +7838,7 @@
           <a:p>
             <a:fld id="{7A72F98A-E971-4236-B7C4-1A6C45CC50CE}" type="datetime1">
               <a:rPr lang="en-US" smtClean="0"/>
-              <a:t>1/20/2021</a:t>
+              <a:t>1/22/2021</a:t>
             </a:fld>
             <a:endParaRPr lang="en-US" dirty="0"/>
           </a:p>
@@ -8288,7 +8291,7 @@
           <a:p>
             <a:fld id="{3FF510AB-544C-40EA-B938-196EAA3D0F2B}" type="datetime1">
               <a:rPr lang="en-US" smtClean="0"/>
-              <a:t>1/20/2021</a:t>
+              <a:t>1/22/2021</a:t>
             </a:fld>
             <a:endParaRPr lang="en-US" dirty="0"/>
           </a:p>
@@ -8489,7 +8492,7 @@
           <a:p>
             <a:fld id="{1D433965-0187-4094-8A8E-91F2CA57F05E}" type="datetime1">
               <a:rPr lang="en-US" smtClean="0"/>
-              <a:t>1/20/2021</a:t>
+              <a:t>1/22/2021</a:t>
             </a:fld>
             <a:endParaRPr lang="en-US" dirty="0"/>
           </a:p>
@@ -8662,7 +8665,7 @@
           <a:p>
             <a:fld id="{69129591-3F3E-4E3F-944D-AF26B2D532FD}" type="datetime1">
               <a:rPr lang="en-US" smtClean="0"/>
-              <a:t>1/20/2021</a:t>
+              <a:t>1/22/2021</a:t>
             </a:fld>
             <a:endParaRPr lang="en-US" dirty="0"/>
           </a:p>
@@ -8991,7 +8994,7 @@
           <a:p>
             <a:fld id="{29C7A8B3-BC23-4952-B9C1-8515DB3EAF5D}" type="datetime1">
               <a:rPr lang="en-US" smtClean="0"/>
-              <a:t>1/20/2021</a:t>
+              <a:t>1/22/2021</a:t>
             </a:fld>
             <a:endParaRPr lang="en-US" dirty="0"/>
           </a:p>
@@ -9332,7 +9335,7 @@
           <a:p>
             <a:fld id="{802DCC3A-F874-4662-A1A8-F3F6DA43E4A3}" type="datetime1">
               <a:rPr lang="en-US" smtClean="0"/>
-              <a:t>1/20/2021</a:t>
+              <a:t>1/22/2021</a:t>
             </a:fld>
             <a:endParaRPr lang="en-US" dirty="0"/>
           </a:p>
@@ -11445,7 +11448,7 @@
           <a:p>
             <a:fld id="{29463D4B-AA9E-408A-A82A-29FCBE21BC24}" type="datetime1">
               <a:rPr lang="en-US" smtClean="0"/>
-              <a:t>1/20/2021</a:t>
+              <a:t>1/22/2021</a:t>
             </a:fld>
             <a:endParaRPr lang="en-US" dirty="0"/>
           </a:p>
@@ -12131,11 +12134,13 @@
         <p:spPr>
           <a:xfrm>
             <a:off x="2589212" y="2133600"/>
-            <a:ext cx="3149115" cy="3777622"/>
+            <a:ext cx="5539720" cy="4100290"/>
           </a:xfrm>
         </p:spPr>
         <p:txBody>
-          <a:bodyPr/>
+          <a:bodyPr>
+            <a:normAutofit/>
+          </a:bodyPr>
           <a:lstStyle/>
           <a:p>
             <a:r>
@@ -12184,11 +12189,38 @@
             </a:r>
           </a:p>
           <a:p>
+            <a:pPr lvl="2"/>
+            <a:r>
+              <a:rPr lang="fr-FR" dirty="0"/>
+              <a:t>Anonyme?</a:t>
+            </a:r>
+          </a:p>
+          <a:p>
+            <a:pPr lvl="2"/>
+            <a:r>
+              <a:rPr lang="fr-FR" dirty="0"/>
+              <a:t>Formulaire de connexion</a:t>
+            </a:r>
+          </a:p>
+          <a:p>
+            <a:pPr lvl="2"/>
+            <a:r>
+              <a:rPr lang="fr-FR" dirty="0"/>
+              <a:t>Se déconnecter</a:t>
+            </a:r>
+          </a:p>
+          <a:p>
             <a:pPr lvl="1"/>
             <a:r>
               <a:rPr lang="fr-FR" dirty="0"/>
               <a:t>Autorisation</a:t>
             </a:r>
+          </a:p>
+          <a:p>
+            <a:pPr marL="914400" lvl="2" indent="0">
+              <a:buNone/>
+            </a:pPr>
+            <a:endParaRPr lang="fr-FR" dirty="0"/>
           </a:p>
         </p:txBody>
       </p:sp>
@@ -12394,8 +12426,13 @@
             </a:r>
             <a:r>
               <a:rPr lang="fr-FR" dirty="0"/>
-              <a:t> &amp; Autorisation </a:t>
-            </a:r>
+              <a:t> </a:t>
+            </a:r>
+            <a:r>
+              <a:rPr lang="fr-FR" sz="2800" dirty="0"/>
+              <a:t>&amp; Autorisation </a:t>
+            </a:r>
+            <a:endParaRPr lang="fr-FR" dirty="0"/>
           </a:p>
         </p:txBody>
       </p:sp>
@@ -12945,7 +12982,7 @@
           <a:p>
             <a:r>
               <a:rPr lang="fr-FR" dirty="0"/>
-              <a:t>Requête paramétrées de doctrine</a:t>
+              <a:t>Requête préparées de doctrine</a:t>
             </a:r>
           </a:p>
         </p:txBody>
@@ -13162,7 +13199,7 @@
             </a:r>
             <a:r>
               <a:rPr lang="fr-FR" sz="2800" dirty="0" err="1"/>
-              <a:t>Foregery</a:t>
+              <a:t>Forgery</a:t>
             </a:r>
             <a:r>
               <a:rPr lang="fr-FR" sz="2800" dirty="0"/>
@@ -13219,6 +13256,13 @@
             <a:r>
               <a:rPr lang="fr-FR" dirty="0"/>
               <a:t>Dans le formulaire</a:t>
+            </a:r>
+          </a:p>
+          <a:p>
+            <a:pPr lvl="1"/>
+            <a:r>
+              <a:rPr lang="fr-FR" dirty="0"/>
+              <a:t>Dans le serveur</a:t>
             </a:r>
           </a:p>
         </p:txBody>
@@ -13458,7 +13502,7 @@
             <a:pPr lvl="1"/>
             <a:r>
               <a:rPr lang="fr-FR" dirty="0"/>
-              <a:t>Trier les fonctionnalités -&gt; MVP</a:t>
+              <a:t>Trier les fonctionnalités</a:t>
             </a:r>
           </a:p>
           <a:p>
@@ -13478,6 +13522,12 @@
               <a:rPr lang="fr-FR" dirty="0"/>
               <a:t>Codé les parties essentielles</a:t>
             </a:r>
+          </a:p>
+          <a:p>
+            <a:pPr marL="0" indent="0">
+              <a:buNone/>
+            </a:pPr>
+            <a:endParaRPr lang="fr-FR" dirty="0"/>
           </a:p>
           <a:p>
             <a:endParaRPr lang="fr-FR" dirty="0"/>
@@ -13547,6 +13597,36 @@
           <a:chExt cx="0" cy="0"/>
         </a:xfrm>
       </p:grpSpPr>
+      <p:pic>
+        <p:nvPicPr>
+          <p:cNvPr id="13" name="Image 12">
+            <a:extLst>
+              <a:ext uri="{FF2B5EF4-FFF2-40B4-BE49-F238E27FC236}">
+                <a16:creationId xmlns:a16="http://schemas.microsoft.com/office/drawing/2014/main" id="{F6C78FAD-8253-4878-A592-A1D9AF80695C}"/>
+              </a:ext>
+            </a:extLst>
+          </p:cNvPr>
+          <p:cNvPicPr>
+            <a:picLocks noChangeAspect="1"/>
+          </p:cNvPicPr>
+          <p:nvPr/>
+        </p:nvPicPr>
+        <p:blipFill>
+          <a:blip r:embed="rId2"/>
+          <a:stretch>
+            <a:fillRect/>
+          </a:stretch>
+        </p:blipFill>
+        <p:spPr>
+          <a:xfrm>
+            <a:off x="2592922" y="1287624"/>
+            <a:ext cx="8790511" cy="5570376"/>
+          </a:xfrm>
+          <a:prstGeom prst="rect">
+            <a:avLst/>
+          </a:prstGeom>
+        </p:spPr>
+      </p:pic>
       <p:sp>
         <p:nvSpPr>
           <p:cNvPr id="2" name="Titre 1">
@@ -13581,49 +13661,6 @@
           </a:p>
         </p:txBody>
       </p:sp>
-      <p:pic>
-        <p:nvPicPr>
-          <p:cNvPr id="4" name="Espace réservé du contenu 3">
-            <a:extLst>
-              <a:ext uri="{FF2B5EF4-FFF2-40B4-BE49-F238E27FC236}">
-                <a16:creationId xmlns:a16="http://schemas.microsoft.com/office/drawing/2014/main" id="{8E0CB5AB-5586-4FF6-827C-EA894E206093}"/>
-              </a:ext>
-            </a:extLst>
-          </p:cNvPr>
-          <p:cNvPicPr>
-            <a:picLocks noGrp="1"/>
-          </p:cNvPicPr>
-          <p:nvPr>
-            <p:ph idx="1"/>
-          </p:nvPr>
-        </p:nvPicPr>
-        <p:blipFill>
-          <a:blip r:embed="rId2">
-            <a:extLst>
-              <a:ext uri="{28A0092B-C50C-407E-A947-70E740481C1C}">
-                <a14:useLocalDpi xmlns:a14="http://schemas.microsoft.com/office/drawing/2010/main" val="0"/>
-              </a:ext>
-            </a:extLst>
-          </a:blip>
-          <a:srcRect/>
-          <a:stretch>
-            <a:fillRect/>
-          </a:stretch>
-        </p:blipFill>
-        <p:spPr bwMode="auto">
-          <a:xfrm>
-            <a:off x="1156997" y="1819470"/>
-            <a:ext cx="10627566" cy="5038530"/>
-          </a:xfrm>
-          <a:prstGeom prst="rect">
-            <a:avLst/>
-          </a:prstGeom>
-          <a:noFill/>
-          <a:ln>
-            <a:noFill/>
-          </a:ln>
-        </p:spPr>
-      </p:pic>
       <p:sp>
         <p:nvSpPr>
           <p:cNvPr id="5" name="Titre 1">
@@ -13851,7 +13888,7 @@
           <a:p>
             <a:r>
               <a:rPr lang="fr-FR" dirty="0"/>
-              <a:t>Object </a:t>
+              <a:t>Doctrine : Object </a:t>
             </a:r>
             <a:r>
               <a:rPr lang="fr-FR" dirty="0" err="1"/>
@@ -15380,66 +15417,17 @@
         <p:spPr/>
         <p:txBody>
           <a:bodyPr>
-            <a:normAutofit fontScale="90000"/>
+            <a:normAutofit/>
           </a:bodyPr>
           <a:lstStyle/>
           <a:p>
             <a:r>
-              <a:rPr lang="fr-FR"/>
-              <a:t>Adresse de </a:t>
-            </a:r>
-            <a:br>
-              <a:rPr lang="fr-FR"/>
-            </a:br>
-            <a:r>
-              <a:rPr lang="fr-FR"/>
-              <a:t>livraison et </a:t>
-            </a:r>
-            <a:br>
-              <a:rPr lang="fr-FR"/>
-            </a:br>
-            <a:r>
-              <a:rPr lang="fr-FR"/>
-              <a:t>de facturation</a:t>
-            </a:r>
-            <a:endParaRPr lang="fr-FR" dirty="0"/>
+              <a:rPr lang="fr-FR" dirty="0"/>
+              <a:t>Adresse de livraison et de facturation</a:t>
+            </a:r>
           </a:p>
         </p:txBody>
       </p:sp>
-      <p:pic>
-        <p:nvPicPr>
-          <p:cNvPr id="6" name="Image 5">
-            <a:extLst>
-              <a:ext uri="{FF2B5EF4-FFF2-40B4-BE49-F238E27FC236}">
-                <a16:creationId xmlns:a16="http://schemas.microsoft.com/office/drawing/2014/main" id="{D253B947-E801-44CF-9570-0F8A6585855E}"/>
-              </a:ext>
-            </a:extLst>
-          </p:cNvPr>
-          <p:cNvPicPr/>
-          <p:nvPr/>
-        </p:nvPicPr>
-        <p:blipFill>
-          <a:blip r:embed="rId2">
-            <a:extLst>
-              <a:ext uri="{28A0092B-C50C-407E-A947-70E740481C1C}">
-                <a14:useLocalDpi xmlns:a14="http://schemas.microsoft.com/office/drawing/2010/main" val="0"/>
-              </a:ext>
-            </a:extLst>
-          </a:blip>
-          <a:stretch>
-            <a:fillRect/>
-          </a:stretch>
-        </p:blipFill>
-        <p:spPr>
-          <a:xfrm>
-            <a:off x="6667363" y="271780"/>
-            <a:ext cx="4996815" cy="6314440"/>
-          </a:xfrm>
-          <a:prstGeom prst="rect">
-            <a:avLst/>
-          </a:prstGeom>
-        </p:spPr>
-      </p:pic>
       <p:sp>
         <p:nvSpPr>
           <p:cNvPr id="7" name="Espace réservé du numéro de diapositive 6">
@@ -15470,6 +15458,36 @@
           </a:p>
         </p:txBody>
       </p:sp>
+      <p:pic>
+        <p:nvPicPr>
+          <p:cNvPr id="8" name="Image 7">
+            <a:extLst>
+              <a:ext uri="{FF2B5EF4-FFF2-40B4-BE49-F238E27FC236}">
+                <a16:creationId xmlns:a16="http://schemas.microsoft.com/office/drawing/2014/main" id="{395C3893-DF99-44E9-BD1F-1E1C0FFDA330}"/>
+              </a:ext>
+            </a:extLst>
+          </p:cNvPr>
+          <p:cNvPicPr>
+            <a:picLocks noChangeAspect="1"/>
+          </p:cNvPicPr>
+          <p:nvPr/>
+        </p:nvPicPr>
+        <p:blipFill>
+          <a:blip r:embed="rId2"/>
+          <a:stretch>
+            <a:fillRect/>
+          </a:stretch>
+        </p:blipFill>
+        <p:spPr>
+          <a:xfrm>
+            <a:off x="3210307" y="1565989"/>
+            <a:ext cx="7059010" cy="4667901"/>
+          </a:xfrm>
+          <a:prstGeom prst="rect">
+            <a:avLst/>
+          </a:prstGeom>
+        </p:spPr>
+      </p:pic>
     </p:spTree>
     <p:extLst>
       <p:ext uri="{BB962C8B-B14F-4D97-AF65-F5344CB8AC3E}">
@@ -15523,45 +15541,11 @@
           <a:p>
             <a:r>
               <a:rPr lang="fr-FR" dirty="0"/>
-              <a:t>suite</a:t>
+              <a:t>Suite</a:t>
             </a:r>
           </a:p>
         </p:txBody>
       </p:sp>
-      <p:pic>
-        <p:nvPicPr>
-          <p:cNvPr id="5" name="Image 4">
-            <a:extLst>
-              <a:ext uri="{FF2B5EF4-FFF2-40B4-BE49-F238E27FC236}">
-                <a16:creationId xmlns:a16="http://schemas.microsoft.com/office/drawing/2014/main" id="{BBF3AB75-392F-4E7C-B8A4-C30374711F5E}"/>
-              </a:ext>
-            </a:extLst>
-          </p:cNvPr>
-          <p:cNvPicPr/>
-          <p:nvPr/>
-        </p:nvPicPr>
-        <p:blipFill>
-          <a:blip r:embed="rId2">
-            <a:extLst>
-              <a:ext uri="{28A0092B-C50C-407E-A947-70E740481C1C}">
-                <a14:useLocalDpi xmlns:a14="http://schemas.microsoft.com/office/drawing/2010/main" val="0"/>
-              </a:ext>
-            </a:extLst>
-          </a:blip>
-          <a:stretch>
-            <a:fillRect/>
-          </a:stretch>
-        </p:blipFill>
-        <p:spPr>
-          <a:xfrm>
-            <a:off x="1862857" y="1437892"/>
-            <a:ext cx="10005682" cy="5121528"/>
-          </a:xfrm>
-          <a:prstGeom prst="rect">
-            <a:avLst/>
-          </a:prstGeom>
-        </p:spPr>
-      </p:pic>
       <p:sp>
         <p:nvSpPr>
           <p:cNvPr id="6" name="Espace réservé du numéro de diapositive 5">
@@ -15592,6 +15576,36 @@
           </a:p>
         </p:txBody>
       </p:sp>
+      <p:pic>
+        <p:nvPicPr>
+          <p:cNvPr id="8" name="Image 7">
+            <a:extLst>
+              <a:ext uri="{FF2B5EF4-FFF2-40B4-BE49-F238E27FC236}">
+                <a16:creationId xmlns:a16="http://schemas.microsoft.com/office/drawing/2014/main" id="{CDB11EB4-6728-4E62-B839-B4DEF6E0A9BC}"/>
+              </a:ext>
+            </a:extLst>
+          </p:cNvPr>
+          <p:cNvPicPr>
+            <a:picLocks noChangeAspect="1"/>
+          </p:cNvPicPr>
+          <p:nvPr/>
+        </p:nvPicPr>
+        <p:blipFill>
+          <a:blip r:embed="rId2"/>
+          <a:stretch>
+            <a:fillRect/>
+          </a:stretch>
+        </p:blipFill>
+        <p:spPr>
+          <a:xfrm>
+            <a:off x="370676" y="1871445"/>
+            <a:ext cx="11450648" cy="3115110"/>
+          </a:xfrm>
+          <a:prstGeom prst="rect">
+            <a:avLst/>
+          </a:prstGeom>
+        </p:spPr>
+      </p:pic>
     </p:spTree>
     <p:extLst>
       <p:ext uri="{BB962C8B-B14F-4D97-AF65-F5344CB8AC3E}">
@@ -15650,40 +15664,6 @@
           </a:p>
         </p:txBody>
       </p:sp>
-      <p:pic>
-        <p:nvPicPr>
-          <p:cNvPr id="4" name="Image 3">
-            <a:extLst>
-              <a:ext uri="{FF2B5EF4-FFF2-40B4-BE49-F238E27FC236}">
-                <a16:creationId xmlns:a16="http://schemas.microsoft.com/office/drawing/2014/main" id="{770B3ED0-F27D-4B8E-AD23-6C4948F7562F}"/>
-              </a:ext>
-            </a:extLst>
-          </p:cNvPr>
-          <p:cNvPicPr/>
-          <p:nvPr/>
-        </p:nvPicPr>
-        <p:blipFill>
-          <a:blip r:embed="rId2">
-            <a:extLst>
-              <a:ext uri="{28A0092B-C50C-407E-A947-70E740481C1C}">
-                <a14:useLocalDpi xmlns:a14="http://schemas.microsoft.com/office/drawing/2010/main" val="0"/>
-              </a:ext>
-            </a:extLst>
-          </a:blip>
-          <a:stretch>
-            <a:fillRect/>
-          </a:stretch>
-        </p:blipFill>
-        <p:spPr>
-          <a:xfrm>
-            <a:off x="2467040" y="1426611"/>
-            <a:ext cx="9354846" cy="5039503"/>
-          </a:xfrm>
-          <a:prstGeom prst="rect">
-            <a:avLst/>
-          </a:prstGeom>
-        </p:spPr>
-      </p:pic>
       <p:sp>
         <p:nvSpPr>
           <p:cNvPr id="5" name="Espace réservé du numéro de diapositive 4">
@@ -15714,6 +15694,36 @@
           </a:p>
         </p:txBody>
       </p:sp>
+      <p:pic>
+        <p:nvPicPr>
+          <p:cNvPr id="8" name="Image 7">
+            <a:extLst>
+              <a:ext uri="{FF2B5EF4-FFF2-40B4-BE49-F238E27FC236}">
+                <a16:creationId xmlns:a16="http://schemas.microsoft.com/office/drawing/2014/main" id="{3EC8156D-3230-4AC3-997C-BC748FA6CE43}"/>
+              </a:ext>
+            </a:extLst>
+          </p:cNvPr>
+          <p:cNvPicPr>
+            <a:picLocks noChangeAspect="1"/>
+          </p:cNvPicPr>
+          <p:nvPr/>
+        </p:nvPicPr>
+        <p:blipFill>
+          <a:blip r:embed="rId2"/>
+          <a:stretch>
+            <a:fillRect/>
+          </a:stretch>
+        </p:blipFill>
+        <p:spPr>
+          <a:xfrm>
+            <a:off x="806146" y="1661538"/>
+            <a:ext cx="10840963" cy="2657846"/>
+          </a:xfrm>
+          <a:prstGeom prst="rect">
+            <a:avLst/>
+          </a:prstGeom>
+        </p:spPr>
+      </p:pic>
     </p:spTree>
     <p:extLst>
       <p:ext uri="{BB962C8B-B14F-4D97-AF65-F5344CB8AC3E}">
@@ -15728,6 +15738,124 @@
 </file>
 
 <file path=ppt/slides/slide25.xml><?xml version="1.0" encoding="utf-8"?>
+<p:sld xmlns:a="http://schemas.openxmlformats.org/drawingml/2006/main" xmlns:r="http://schemas.openxmlformats.org/officeDocument/2006/relationships" xmlns:p="http://schemas.openxmlformats.org/presentationml/2006/main">
+  <p:cSld>
+    <p:spTree>
+      <p:nvGrpSpPr>
+        <p:cNvPr id="1" name=""/>
+        <p:cNvGrpSpPr/>
+        <p:nvPr/>
+      </p:nvGrpSpPr>
+      <p:grpSpPr>
+        <a:xfrm>
+          <a:off x="0" y="0"/>
+          <a:ext cx="0" cy="0"/>
+          <a:chOff x="0" y="0"/>
+          <a:chExt cx="0" cy="0"/>
+        </a:xfrm>
+      </p:grpSpPr>
+      <p:sp>
+        <p:nvSpPr>
+          <p:cNvPr id="2" name="Titre 1">
+            <a:extLst>
+              <a:ext uri="{FF2B5EF4-FFF2-40B4-BE49-F238E27FC236}">
+                <a16:creationId xmlns:a16="http://schemas.microsoft.com/office/drawing/2014/main" id="{22BE500A-3E2D-4BF5-AEEA-76B0AB4463C8}"/>
+              </a:ext>
+            </a:extLst>
+          </p:cNvPr>
+          <p:cNvSpPr>
+            <a:spLocks noGrp="1"/>
+          </p:cNvSpPr>
+          <p:nvPr>
+            <p:ph type="title"/>
+          </p:nvPr>
+        </p:nvSpPr>
+        <p:spPr/>
+        <p:txBody>
+          <a:bodyPr/>
+          <a:lstStyle/>
+          <a:p>
+            <a:r>
+              <a:rPr lang="fr-FR" dirty="0"/>
+              <a:t>Suite</a:t>
+            </a:r>
+          </a:p>
+        </p:txBody>
+      </p:sp>
+      <p:sp>
+        <p:nvSpPr>
+          <p:cNvPr id="5" name="Espace réservé du numéro de diapositive 4">
+            <a:extLst>
+              <a:ext uri="{FF2B5EF4-FFF2-40B4-BE49-F238E27FC236}">
+                <a16:creationId xmlns:a16="http://schemas.microsoft.com/office/drawing/2014/main" id="{0A4FE4C0-DC6F-4C23-B341-0850CBDDFE20}"/>
+              </a:ext>
+            </a:extLst>
+          </p:cNvPr>
+          <p:cNvSpPr>
+            <a:spLocks noGrp="1"/>
+          </p:cNvSpPr>
+          <p:nvPr>
+            <p:ph type="sldNum" sz="quarter" idx="12"/>
+          </p:nvPr>
+        </p:nvSpPr>
+        <p:spPr/>
+        <p:txBody>
+          <a:bodyPr/>
+          <a:lstStyle/>
+          <a:p>
+            <a:fld id="{D57F1E4F-1CFF-5643-939E-217C01CDF565}" type="slidenum">
+              <a:rPr lang="en-US" smtClean="0"/>
+              <a:pPr/>
+              <a:t>25</a:t>
+            </a:fld>
+            <a:endParaRPr lang="en-US" dirty="0"/>
+          </a:p>
+        </p:txBody>
+      </p:sp>
+      <p:pic>
+        <p:nvPicPr>
+          <p:cNvPr id="9" name="Image 8">
+            <a:extLst>
+              <a:ext uri="{FF2B5EF4-FFF2-40B4-BE49-F238E27FC236}">
+                <a16:creationId xmlns:a16="http://schemas.microsoft.com/office/drawing/2014/main" id="{B65D7560-25DE-41C4-9A2F-C44FDA96C404}"/>
+              </a:ext>
+            </a:extLst>
+          </p:cNvPr>
+          <p:cNvPicPr>
+            <a:picLocks noChangeAspect="1"/>
+          </p:cNvPicPr>
+          <p:nvPr/>
+        </p:nvPicPr>
+        <p:blipFill>
+          <a:blip r:embed="rId2"/>
+          <a:stretch>
+            <a:fillRect/>
+          </a:stretch>
+        </p:blipFill>
+        <p:spPr>
+          <a:xfrm>
+            <a:off x="2592925" y="1622065"/>
+            <a:ext cx="8735644" cy="4229690"/>
+          </a:xfrm>
+          <a:prstGeom prst="rect">
+            <a:avLst/>
+          </a:prstGeom>
+        </p:spPr>
+      </p:pic>
+    </p:spTree>
+    <p:extLst>
+      <p:ext uri="{BB962C8B-B14F-4D97-AF65-F5344CB8AC3E}">
+        <p14:creationId xmlns:p14="http://schemas.microsoft.com/office/powerpoint/2010/main" val="1817270068"/>
+      </p:ext>
+    </p:extLst>
+  </p:cSld>
+  <p:clrMapOvr>
+    <a:masterClrMapping/>
+  </p:clrMapOvr>
+</p:sld>
+</file>
+
+<file path=ppt/slides/slide26.xml><?xml version="1.0" encoding="utf-8"?>
 <p:sld xmlns:a="http://schemas.openxmlformats.org/drawingml/2006/main" xmlns:r="http://schemas.openxmlformats.org/officeDocument/2006/relationships" xmlns:p="http://schemas.openxmlformats.org/presentationml/2006/main">
   <p:cSld>
     <p:spTree>
@@ -15841,7 +15969,7 @@
             <a:fld id="{D57F1E4F-1CFF-5643-939E-217C01CDF565}" type="slidenum">
               <a:rPr lang="en-US" smtClean="0"/>
               <a:pPr/>
-              <a:t>25</a:t>
+              <a:t>26</a:t>
             </a:fld>
             <a:endParaRPr lang="en-US" dirty="0"/>
           </a:p>
@@ -15860,7 +15988,7 @@
 </p:sld>
 </file>
 
-<file path=ppt/slides/slide26.xml><?xml version="1.0" encoding="utf-8"?>
+<file path=ppt/slides/slide27.xml><?xml version="1.0" encoding="utf-8"?>
 <p:sld xmlns:a="http://schemas.openxmlformats.org/drawingml/2006/main" xmlns:r="http://schemas.openxmlformats.org/officeDocument/2006/relationships" xmlns:p="http://schemas.openxmlformats.org/presentationml/2006/main">
   <p:cSld>
     <p:spTree>
@@ -15988,7 +16116,7 @@
             <a:fld id="{D57F1E4F-1CFF-5643-939E-217C01CDF565}" type="slidenum">
               <a:rPr lang="en-US" smtClean="0"/>
               <a:pPr/>
-              <a:t>26</a:t>
+              <a:t>27</a:t>
             </a:fld>
             <a:endParaRPr lang="en-US" dirty="0"/>
           </a:p>
@@ -16007,7 +16135,7 @@
 </p:sld>
 </file>
 
-<file path=ppt/slides/slide27.xml><?xml version="1.0" encoding="utf-8"?>
+<file path=ppt/slides/slide28.xml><?xml version="1.0" encoding="utf-8"?>
 <p:sld xmlns:a="http://schemas.openxmlformats.org/drawingml/2006/main" xmlns:r="http://schemas.openxmlformats.org/officeDocument/2006/relationships" xmlns:p="http://schemas.openxmlformats.org/presentationml/2006/main">
   <p:cSld>
     <p:spTree>
@@ -16043,7 +16171,7 @@
         <p:spPr>
           <a:xfrm>
             <a:off x="2592925" y="624110"/>
-            <a:ext cx="2744185" cy="1280890"/>
+            <a:ext cx="4628969" cy="1280890"/>
           </a:xfrm>
         </p:spPr>
         <p:txBody>
@@ -16052,52 +16180,11 @@
           <a:p>
             <a:r>
               <a:rPr lang="fr-FR" dirty="0"/>
-              <a:t>Paiement</a:t>
-            </a:r>
-            <a:br>
-              <a:rPr lang="fr-FR" dirty="0"/>
-            </a:br>
-            <a:r>
-              <a:rPr lang="fr-FR" dirty="0"/>
-              <a:t>Réussi</a:t>
+              <a:t>Paiement Réussi</a:t>
             </a:r>
           </a:p>
         </p:txBody>
       </p:sp>
-      <p:pic>
-        <p:nvPicPr>
-          <p:cNvPr id="5" name="Image 4">
-            <a:extLst>
-              <a:ext uri="{FF2B5EF4-FFF2-40B4-BE49-F238E27FC236}">
-                <a16:creationId xmlns:a16="http://schemas.microsoft.com/office/drawing/2014/main" id="{786C12FE-D088-4646-AA6B-8EF62B308F13}"/>
-              </a:ext>
-            </a:extLst>
-          </p:cNvPr>
-          <p:cNvPicPr/>
-          <p:nvPr/>
-        </p:nvPicPr>
-        <p:blipFill>
-          <a:blip r:embed="rId2">
-            <a:extLst>
-              <a:ext uri="{28A0092B-C50C-407E-A947-70E740481C1C}">
-                <a14:useLocalDpi xmlns:a14="http://schemas.microsoft.com/office/drawing/2010/main" val="0"/>
-              </a:ext>
-            </a:extLst>
-          </a:blip>
-          <a:stretch>
-            <a:fillRect/>
-          </a:stretch>
-        </p:blipFill>
-        <p:spPr>
-          <a:xfrm>
-            <a:off x="6032182" y="439420"/>
-            <a:ext cx="5472430" cy="5979160"/>
-          </a:xfrm>
-          <a:prstGeom prst="rect">
-            <a:avLst/>
-          </a:prstGeom>
-        </p:spPr>
-      </p:pic>
       <p:sp>
         <p:nvSpPr>
           <p:cNvPr id="6" name="Espace réservé du numéro de diapositive 5">
@@ -16122,12 +16209,42 @@
             <a:fld id="{D57F1E4F-1CFF-5643-939E-217C01CDF565}" type="slidenum">
               <a:rPr lang="en-US" smtClean="0"/>
               <a:pPr/>
-              <a:t>27</a:t>
+              <a:t>28</a:t>
             </a:fld>
             <a:endParaRPr lang="en-US" dirty="0"/>
           </a:p>
         </p:txBody>
       </p:sp>
+      <p:pic>
+        <p:nvPicPr>
+          <p:cNvPr id="4" name="Image 3">
+            <a:extLst>
+              <a:ext uri="{FF2B5EF4-FFF2-40B4-BE49-F238E27FC236}">
+                <a16:creationId xmlns:a16="http://schemas.microsoft.com/office/drawing/2014/main" id="{1BDE1821-5734-41DB-BC82-ED196205F40C}"/>
+              </a:ext>
+            </a:extLst>
+          </p:cNvPr>
+          <p:cNvPicPr>
+            <a:picLocks noChangeAspect="1"/>
+          </p:cNvPicPr>
+          <p:nvPr/>
+        </p:nvPicPr>
+        <p:blipFill>
+          <a:blip r:embed="rId2"/>
+          <a:stretch>
+            <a:fillRect/>
+          </a:stretch>
+        </p:blipFill>
+        <p:spPr>
+          <a:xfrm>
+            <a:off x="3736254" y="1268963"/>
+            <a:ext cx="6933236" cy="5589037"/>
+          </a:xfrm>
+          <a:prstGeom prst="rect">
+            <a:avLst/>
+          </a:prstGeom>
+        </p:spPr>
+      </p:pic>
     </p:spTree>
     <p:extLst>
       <p:ext uri="{BB962C8B-B14F-4D97-AF65-F5344CB8AC3E}">
@@ -16141,7 +16258,372 @@
 </p:sld>
 </file>
 
-<file path=ppt/slides/slide28.xml><?xml version="1.0" encoding="utf-8"?>
+<file path=ppt/slides/slide29.xml><?xml version="1.0" encoding="utf-8"?>
+<p:sld xmlns:a="http://schemas.openxmlformats.org/drawingml/2006/main" xmlns:r="http://schemas.openxmlformats.org/officeDocument/2006/relationships" xmlns:p="http://schemas.openxmlformats.org/presentationml/2006/main">
+  <p:cSld>
+    <p:spTree>
+      <p:nvGrpSpPr>
+        <p:cNvPr id="1" name=""/>
+        <p:cNvGrpSpPr/>
+        <p:nvPr/>
+      </p:nvGrpSpPr>
+      <p:grpSpPr>
+        <a:xfrm>
+          <a:off x="0" y="0"/>
+          <a:ext cx="0" cy="0"/>
+          <a:chOff x="0" y="0"/>
+          <a:chExt cx="0" cy="0"/>
+        </a:xfrm>
+      </p:grpSpPr>
+      <p:sp>
+        <p:nvSpPr>
+          <p:cNvPr id="2" name="Titre 1">
+            <a:extLst>
+              <a:ext uri="{FF2B5EF4-FFF2-40B4-BE49-F238E27FC236}">
+                <a16:creationId xmlns:a16="http://schemas.microsoft.com/office/drawing/2014/main" id="{E52A49DA-3786-483F-AA3D-48B226E8225E}"/>
+              </a:ext>
+            </a:extLst>
+          </p:cNvPr>
+          <p:cNvSpPr>
+            <a:spLocks noGrp="1"/>
+          </p:cNvSpPr>
+          <p:nvPr>
+            <p:ph type="title"/>
+          </p:nvPr>
+        </p:nvSpPr>
+        <p:spPr>
+          <a:xfrm>
+            <a:off x="2592925" y="624110"/>
+            <a:ext cx="4628969" cy="1280890"/>
+          </a:xfrm>
+        </p:spPr>
+        <p:txBody>
+          <a:bodyPr/>
+          <a:lstStyle/>
+          <a:p>
+            <a:r>
+              <a:rPr lang="fr-FR" dirty="0"/>
+              <a:t>Suite</a:t>
+            </a:r>
+          </a:p>
+        </p:txBody>
+      </p:sp>
+      <p:sp>
+        <p:nvSpPr>
+          <p:cNvPr id="6" name="Espace réservé du numéro de diapositive 5">
+            <a:extLst>
+              <a:ext uri="{FF2B5EF4-FFF2-40B4-BE49-F238E27FC236}">
+                <a16:creationId xmlns:a16="http://schemas.microsoft.com/office/drawing/2014/main" id="{279E35C9-0FCF-4244-9B94-C771E613E77F}"/>
+              </a:ext>
+            </a:extLst>
+          </p:cNvPr>
+          <p:cNvSpPr>
+            <a:spLocks noGrp="1"/>
+          </p:cNvSpPr>
+          <p:nvPr>
+            <p:ph type="sldNum" sz="quarter" idx="12"/>
+          </p:nvPr>
+        </p:nvSpPr>
+        <p:spPr/>
+        <p:txBody>
+          <a:bodyPr/>
+          <a:lstStyle/>
+          <a:p>
+            <a:fld id="{D57F1E4F-1CFF-5643-939E-217C01CDF565}" type="slidenum">
+              <a:rPr lang="en-US" smtClean="0"/>
+              <a:pPr/>
+              <a:t>29</a:t>
+            </a:fld>
+            <a:endParaRPr lang="en-US" dirty="0"/>
+          </a:p>
+        </p:txBody>
+      </p:sp>
+      <p:pic>
+        <p:nvPicPr>
+          <p:cNvPr id="5" name="Image 4">
+            <a:extLst>
+              <a:ext uri="{FF2B5EF4-FFF2-40B4-BE49-F238E27FC236}">
+                <a16:creationId xmlns:a16="http://schemas.microsoft.com/office/drawing/2014/main" id="{88E0F381-5353-43EE-BD52-34B36B3360CC}"/>
+              </a:ext>
+            </a:extLst>
+          </p:cNvPr>
+          <p:cNvPicPr>
+            <a:picLocks noChangeAspect="1"/>
+          </p:cNvPicPr>
+          <p:nvPr/>
+        </p:nvPicPr>
+        <p:blipFill>
+          <a:blip r:embed="rId2"/>
+          <a:stretch>
+            <a:fillRect/>
+          </a:stretch>
+        </p:blipFill>
+        <p:spPr>
+          <a:xfrm>
+            <a:off x="3109495" y="1776182"/>
+            <a:ext cx="5973009" cy="3305636"/>
+          </a:xfrm>
+          <a:prstGeom prst="rect">
+            <a:avLst/>
+          </a:prstGeom>
+        </p:spPr>
+      </p:pic>
+    </p:spTree>
+    <p:extLst>
+      <p:ext uri="{BB962C8B-B14F-4D97-AF65-F5344CB8AC3E}">
+        <p14:creationId xmlns:p14="http://schemas.microsoft.com/office/powerpoint/2010/main" val="83798441"/>
+      </p:ext>
+    </p:extLst>
+  </p:cSld>
+  <p:clrMapOvr>
+    <a:masterClrMapping/>
+  </p:clrMapOvr>
+</p:sld>
+</file>
+
+<file path=ppt/slides/slide3.xml><?xml version="1.0" encoding="utf-8"?>
+<p:sld xmlns:a="http://schemas.openxmlformats.org/drawingml/2006/main" xmlns:r="http://schemas.openxmlformats.org/officeDocument/2006/relationships" xmlns:p="http://schemas.openxmlformats.org/presentationml/2006/main">
+  <p:cSld>
+    <p:spTree>
+      <p:nvGrpSpPr>
+        <p:cNvPr id="1" name=""/>
+        <p:cNvGrpSpPr/>
+        <p:nvPr/>
+      </p:nvGrpSpPr>
+      <p:grpSpPr>
+        <a:xfrm>
+          <a:off x="0" y="0"/>
+          <a:ext cx="0" cy="0"/>
+          <a:chOff x="0" y="0"/>
+          <a:chExt cx="0" cy="0"/>
+        </a:xfrm>
+      </p:grpSpPr>
+      <p:sp>
+        <p:nvSpPr>
+          <p:cNvPr id="2" name="Titre 1">
+            <a:extLst>
+              <a:ext uri="{FF2B5EF4-FFF2-40B4-BE49-F238E27FC236}">
+                <a16:creationId xmlns:a16="http://schemas.microsoft.com/office/drawing/2014/main" id="{2FB08107-5D89-4833-A71F-3919764899AF}"/>
+              </a:ext>
+            </a:extLst>
+          </p:cNvPr>
+          <p:cNvSpPr>
+            <a:spLocks noGrp="1"/>
+          </p:cNvSpPr>
+          <p:nvPr>
+            <p:ph type="title"/>
+          </p:nvPr>
+        </p:nvSpPr>
+        <p:spPr>
+          <a:xfrm>
+            <a:off x="2592925" y="624110"/>
+            <a:ext cx="8911687" cy="718129"/>
+          </a:xfrm>
+        </p:spPr>
+        <p:txBody>
+          <a:bodyPr/>
+          <a:lstStyle/>
+          <a:p>
+            <a:r>
+              <a:rPr lang="fr-FR" dirty="0"/>
+              <a:t>Introduction</a:t>
+            </a:r>
+          </a:p>
+        </p:txBody>
+      </p:sp>
+      <p:sp>
+        <p:nvSpPr>
+          <p:cNvPr id="3" name="Espace réservé du contenu 2">
+            <a:extLst>
+              <a:ext uri="{FF2B5EF4-FFF2-40B4-BE49-F238E27FC236}">
+                <a16:creationId xmlns:a16="http://schemas.microsoft.com/office/drawing/2014/main" id="{2A653035-8E14-4FF1-BF4C-27CDC02FA71A}"/>
+              </a:ext>
+            </a:extLst>
+          </p:cNvPr>
+          <p:cNvSpPr>
+            <a:spLocks noGrp="1"/>
+          </p:cNvSpPr>
+          <p:nvPr>
+            <p:ph idx="1"/>
+          </p:nvPr>
+        </p:nvSpPr>
+        <p:spPr/>
+        <p:txBody>
+          <a:bodyPr/>
+          <a:lstStyle/>
+          <a:p>
+            <a:r>
+              <a:rPr lang="fr-FR" dirty="0"/>
+              <a:t>Boutique en ligne</a:t>
+            </a:r>
+          </a:p>
+          <a:p>
+            <a:r>
+              <a:rPr lang="fr-FR" dirty="0"/>
+              <a:t>Caveau</a:t>
+            </a:r>
+          </a:p>
+          <a:p>
+            <a:pPr marL="0" indent="0">
+              <a:buNone/>
+            </a:pPr>
+            <a:endParaRPr lang="fr-FR" dirty="0"/>
+          </a:p>
+        </p:txBody>
+      </p:sp>
+      <p:sp>
+        <p:nvSpPr>
+          <p:cNvPr id="4" name="Titre 1">
+            <a:extLst>
+              <a:ext uri="{FF2B5EF4-FFF2-40B4-BE49-F238E27FC236}">
+                <a16:creationId xmlns:a16="http://schemas.microsoft.com/office/drawing/2014/main" id="{6D56432A-B5D7-444B-95E0-BA5D1CB5DA0F}"/>
+              </a:ext>
+            </a:extLst>
+          </p:cNvPr>
+          <p:cNvSpPr txBox="1">
+            <a:spLocks/>
+          </p:cNvSpPr>
+          <p:nvPr/>
+        </p:nvSpPr>
+        <p:spPr>
+          <a:xfrm>
+            <a:off x="2592925" y="1342239"/>
+            <a:ext cx="8911687" cy="718129"/>
+          </a:xfrm>
+          <a:prstGeom prst="rect">
+            <a:avLst/>
+          </a:prstGeom>
+        </p:spPr>
+        <p:txBody>
+          <a:bodyPr vert="horz" lIns="91440" tIns="45720" rIns="91440" bIns="45720" rtlCol="0" anchor="t">
+            <a:normAutofit/>
+          </a:bodyPr>
+          <a:lstStyle>
+            <a:lvl1pPr algn="l" defTabSz="457200" rtl="0" eaLnBrk="1" latinLnBrk="0" hangingPunct="1">
+              <a:spcBef>
+                <a:spcPct val="0"/>
+              </a:spcBef>
+              <a:buNone/>
+              <a:defRPr sz="3600" kern="1200">
+                <a:solidFill>
+                  <a:schemeClr val="accent2">
+                    <a:lumMod val="75000"/>
+                  </a:schemeClr>
+                </a:solidFill>
+                <a:latin typeface="+mj-lt"/>
+                <a:ea typeface="+mj-ea"/>
+                <a:cs typeface="+mj-cs"/>
+              </a:defRPr>
+            </a:lvl1pPr>
+            <a:lvl2pPr eaLnBrk="1" hangingPunct="1">
+              <a:defRPr>
+                <a:solidFill>
+                  <a:schemeClr val="tx2"/>
+                </a:solidFill>
+              </a:defRPr>
+            </a:lvl2pPr>
+            <a:lvl3pPr eaLnBrk="1" hangingPunct="1">
+              <a:defRPr>
+                <a:solidFill>
+                  <a:schemeClr val="tx2"/>
+                </a:solidFill>
+              </a:defRPr>
+            </a:lvl3pPr>
+            <a:lvl4pPr eaLnBrk="1" hangingPunct="1">
+              <a:defRPr>
+                <a:solidFill>
+                  <a:schemeClr val="tx2"/>
+                </a:solidFill>
+              </a:defRPr>
+            </a:lvl4pPr>
+            <a:lvl5pPr eaLnBrk="1" hangingPunct="1">
+              <a:defRPr>
+                <a:solidFill>
+                  <a:schemeClr val="tx2"/>
+                </a:solidFill>
+              </a:defRPr>
+            </a:lvl5pPr>
+            <a:lvl6pPr eaLnBrk="1" hangingPunct="1">
+              <a:defRPr>
+                <a:solidFill>
+                  <a:schemeClr val="tx2"/>
+                </a:solidFill>
+              </a:defRPr>
+            </a:lvl6pPr>
+            <a:lvl7pPr eaLnBrk="1" hangingPunct="1">
+              <a:defRPr>
+                <a:solidFill>
+                  <a:schemeClr val="tx2"/>
+                </a:solidFill>
+              </a:defRPr>
+            </a:lvl7pPr>
+            <a:lvl8pPr eaLnBrk="1" hangingPunct="1">
+              <a:defRPr>
+                <a:solidFill>
+                  <a:schemeClr val="tx2"/>
+                </a:solidFill>
+              </a:defRPr>
+            </a:lvl8pPr>
+            <a:lvl9pPr eaLnBrk="1" hangingPunct="1">
+              <a:defRPr>
+                <a:solidFill>
+                  <a:schemeClr val="tx2"/>
+                </a:solidFill>
+              </a:defRPr>
+            </a:lvl9pPr>
+          </a:lstStyle>
+          <a:p>
+            <a:r>
+              <a:rPr lang="fr-FR" sz="2800" dirty="0"/>
+              <a:t>Présentation</a:t>
+            </a:r>
+          </a:p>
+        </p:txBody>
+      </p:sp>
+      <p:sp>
+        <p:nvSpPr>
+          <p:cNvPr id="5" name="Espace réservé du numéro de diapositive 4">
+            <a:extLst>
+              <a:ext uri="{FF2B5EF4-FFF2-40B4-BE49-F238E27FC236}">
+                <a16:creationId xmlns:a16="http://schemas.microsoft.com/office/drawing/2014/main" id="{A98E89F2-F238-4834-95FA-31D8838593EF}"/>
+              </a:ext>
+            </a:extLst>
+          </p:cNvPr>
+          <p:cNvSpPr>
+            <a:spLocks noGrp="1"/>
+          </p:cNvSpPr>
+          <p:nvPr>
+            <p:ph type="sldNum" sz="quarter" idx="12"/>
+          </p:nvPr>
+        </p:nvSpPr>
+        <p:spPr/>
+        <p:txBody>
+          <a:bodyPr/>
+          <a:lstStyle/>
+          <a:p>
+            <a:fld id="{D57F1E4F-1CFF-5643-939E-217C01CDF565}" type="slidenum">
+              <a:rPr lang="en-US" smtClean="0"/>
+              <a:pPr/>
+              <a:t>3</a:t>
+            </a:fld>
+            <a:endParaRPr lang="en-US" dirty="0"/>
+          </a:p>
+        </p:txBody>
+      </p:sp>
+    </p:spTree>
+    <p:extLst>
+      <p:ext uri="{BB962C8B-B14F-4D97-AF65-F5344CB8AC3E}">
+        <p14:creationId xmlns:p14="http://schemas.microsoft.com/office/powerpoint/2010/main" val="276257526"/>
+      </p:ext>
+    </p:extLst>
+  </p:cSld>
+  <p:clrMapOvr>
+    <a:masterClrMapping/>
+  </p:clrMapOvr>
+</p:sld>
+</file>
+
+<file path=ppt/slides/slide30.xml><?xml version="1.0" encoding="utf-8"?>
 <p:sld xmlns:a="http://schemas.openxmlformats.org/drawingml/2006/main" xmlns:r="http://schemas.openxmlformats.org/officeDocument/2006/relationships" xmlns:p="http://schemas.openxmlformats.org/presentationml/2006/main">
   <p:cSld>
     <p:bg>
@@ -19985,7 +20467,7 @@
             <a:fld id="{D57F1E4F-1CFF-5643-939E-217C01CDF565}" type="slidenum">
               <a:rPr lang="en-US" smtClean="0"/>
               <a:pPr/>
-              <a:t>28</a:t>
+              <a:t>30</a:t>
             </a:fld>
             <a:endParaRPr lang="en-US" dirty="0"/>
           </a:p>
@@ -20004,7 +20486,7 @@
 </p:sld>
 </file>
 
-<file path=ppt/slides/slide29.xml><?xml version="1.0" encoding="utf-8"?>
+<file path=ppt/slides/slide31.xml><?xml version="1.0" encoding="utf-8"?>
 <p:sld xmlns:a="http://schemas.openxmlformats.org/drawingml/2006/main" xmlns:r="http://schemas.openxmlformats.org/officeDocument/2006/relationships" xmlns:p="http://schemas.openxmlformats.org/presentationml/2006/main">
   <p:cSld>
     <p:spTree>
@@ -20067,16 +20549,31 @@
         </p:nvSpPr>
         <p:spPr>
           <a:xfrm>
-            <a:off x="2589212" y="2133600"/>
-            <a:ext cx="8915400" cy="4165600"/>
+            <a:off x="2592925" y="1697372"/>
+            <a:ext cx="8915400" cy="4536518"/>
           </a:xfrm>
         </p:spPr>
         <p:txBody>
-          <a:bodyPr>
-            <a:normAutofit fontScale="92500" lnSpcReduction="20000"/>
+          <a:bodyPr numCol="1">
+            <a:normAutofit/>
           </a:bodyPr>
           <a:lstStyle/>
           <a:p>
+            <a:pPr marL="0" indent="0">
+              <a:buNone/>
+            </a:pPr>
+            <a:r>
+              <a:rPr lang="fr-FR" dirty="0"/>
+              <a:t>Fonctionnalités supplémentaires :</a:t>
+            </a:r>
+          </a:p>
+          <a:p>
+            <a:r>
+              <a:rPr lang="fr-FR" dirty="0"/>
+              <a:t>Mettre en place un Mailer</a:t>
+            </a:r>
+          </a:p>
+          <a:p>
             <a:r>
               <a:rPr lang="fr-FR" dirty="0"/>
               <a:t>Filtre &amp; panier en AJAX</a:t>
@@ -20085,59 +20582,7 @@
           <a:p>
             <a:r>
               <a:rPr lang="fr-FR" dirty="0"/>
-              <a:t>Cacher les bouton supprimer et modifier à l’admin lorsqu’il ne peut pas les utiliser</a:t>
-            </a:r>
-          </a:p>
-          <a:p>
-            <a:r>
-              <a:rPr lang="fr-FR" dirty="0"/>
-              <a:t>Mettre en place un Mailer</a:t>
-            </a:r>
-          </a:p>
-          <a:p>
-            <a:pPr lvl="1"/>
-            <a:r>
-              <a:rPr lang="fr-FR" dirty="0"/>
-              <a:t>Pour la vérification de l’inscription &amp; la connexion</a:t>
-            </a:r>
-          </a:p>
-          <a:p>
-            <a:pPr lvl="1"/>
-            <a:r>
-              <a:rPr lang="fr-FR" dirty="0"/>
-              <a:t>Pour envoyer la facturation par mail</a:t>
-            </a:r>
-          </a:p>
-          <a:p>
-            <a:pPr lvl="1"/>
-            <a:r>
-              <a:rPr lang="fr-FR" dirty="0"/>
-              <a:t>Newsletter? Prévenir lorsqu’un produit est à nouveau disponible?</a:t>
-            </a:r>
-          </a:p>
-          <a:p>
-            <a:pPr lvl="1"/>
-            <a:r>
-              <a:rPr lang="fr-FR" dirty="0"/>
-              <a:t>Formulaire de contact</a:t>
-            </a:r>
-          </a:p>
-          <a:p>
-            <a:r>
-              <a:rPr lang="fr-FR" dirty="0"/>
               <a:t>Disposition des produits en ligne ou en colonne</a:t>
-            </a:r>
-          </a:p>
-          <a:p>
-            <a:r>
-              <a:rPr lang="fr-FR" dirty="0"/>
-              <a:t>Version Anglaise du site</a:t>
-            </a:r>
-          </a:p>
-          <a:p>
-            <a:r>
-              <a:rPr lang="fr-FR" dirty="0"/>
-              <a:t>Optimisation du code</a:t>
             </a:r>
           </a:p>
           <a:p>
@@ -20155,6 +20600,15 @@
               <a:rPr lang="fr-FR" dirty="0"/>
               <a:t> drop photo produit</a:t>
             </a:r>
+          </a:p>
+          <a:p>
+            <a:endParaRPr lang="fr-FR" dirty="0"/>
+          </a:p>
+          <a:p>
+            <a:pPr marL="0" indent="0">
+              <a:buNone/>
+            </a:pPr>
+            <a:endParaRPr lang="fr-FR" dirty="0"/>
           </a:p>
         </p:txBody>
       </p:sp>
@@ -20182,7 +20636,7 @@
             <a:fld id="{D57F1E4F-1CFF-5643-939E-217C01CDF565}" type="slidenum">
               <a:rPr lang="en-US" smtClean="0"/>
               <a:pPr/>
-              <a:t>29</a:t>
+              <a:t>31</a:t>
             </a:fld>
             <a:endParaRPr lang="en-US" dirty="0"/>
           </a:p>
@@ -20201,7 +20655,7 @@
 </p:sld>
 </file>
 
-<file path=ppt/slides/slide3.xml><?xml version="1.0" encoding="utf-8"?>
+<file path=ppt/slides/slide32.xml><?xml version="1.0" encoding="utf-8"?>
 <p:sld xmlns:a="http://schemas.openxmlformats.org/drawingml/2006/main" xmlns:r="http://schemas.openxmlformats.org/officeDocument/2006/relationships" xmlns:p="http://schemas.openxmlformats.org/presentationml/2006/main">
   <p:cSld>
     <p:spTree>
@@ -20223,7 +20677,7 @@
           <p:cNvPr id="2" name="Titre 1">
             <a:extLst>
               <a:ext uri="{FF2B5EF4-FFF2-40B4-BE49-F238E27FC236}">
-                <a16:creationId xmlns:a16="http://schemas.microsoft.com/office/drawing/2014/main" id="{2FB08107-5D89-4833-A71F-3919764899AF}"/>
+                <a16:creationId xmlns:a16="http://schemas.microsoft.com/office/drawing/2014/main" id="{AB93AD89-B61E-4667-9655-14CEA836E846}"/>
               </a:ext>
             </a:extLst>
           </p:cNvPr>
@@ -20234,19 +20688,14 @@
             <p:ph type="title"/>
           </p:nvPr>
         </p:nvSpPr>
-        <p:spPr>
-          <a:xfrm>
-            <a:off x="2592925" y="624110"/>
-            <a:ext cx="8911687" cy="718129"/>
-          </a:xfrm>
-        </p:spPr>
+        <p:spPr/>
         <p:txBody>
           <a:bodyPr/>
           <a:lstStyle/>
           <a:p>
             <a:r>
               <a:rPr lang="fr-FR" dirty="0"/>
-              <a:t>Introduction</a:t>
+              <a:t>Axe d’améliorations</a:t>
             </a:r>
           </a:p>
         </p:txBody>
@@ -20256,7 +20705,7 @@
           <p:cNvPr id="3" name="Espace réservé du contenu 2">
             <a:extLst>
               <a:ext uri="{FF2B5EF4-FFF2-40B4-BE49-F238E27FC236}">
-                <a16:creationId xmlns:a16="http://schemas.microsoft.com/office/drawing/2014/main" id="{2A653035-8E14-4FF1-BF4C-27CDC02FA71A}"/>
+                <a16:creationId xmlns:a16="http://schemas.microsoft.com/office/drawing/2014/main" id="{54039D3C-5EF0-47BB-A8E9-C8454E5D3432}"/>
               </a:ext>
             </a:extLst>
           </p:cNvPr>
@@ -20267,20 +20716,48 @@
             <p:ph idx="1"/>
           </p:nvPr>
         </p:nvSpPr>
-        <p:spPr/>
+        <p:spPr>
+          <a:xfrm>
+            <a:off x="2592925" y="1697372"/>
+            <a:ext cx="3782708" cy="4174922"/>
+          </a:xfrm>
+        </p:spPr>
         <p:txBody>
-          <a:bodyPr/>
+          <a:bodyPr numCol="1">
+            <a:normAutofit/>
+          </a:bodyPr>
           <a:lstStyle/>
           <a:p>
+            <a:pPr marL="0" indent="0">
+              <a:buNone/>
+            </a:pPr>
             <a:r>
               <a:rPr lang="fr-FR" dirty="0"/>
-              <a:t>Boutique en ligne</a:t>
+              <a:t>Modification d’ interface :</a:t>
             </a:r>
           </a:p>
           <a:p>
             <a:r>
               <a:rPr lang="fr-FR" dirty="0"/>
-              <a:t>Caveau</a:t>
+              <a:t>Version Anglaise du site</a:t>
+            </a:r>
+          </a:p>
+          <a:p>
+            <a:r>
+              <a:rPr lang="fr-FR" dirty="0"/>
+              <a:t>Confirmation + de 18 ans</a:t>
+            </a:r>
+          </a:p>
+          <a:p>
+            <a:r>
+              <a:rPr lang="fr-FR" dirty="0"/>
+              <a:t>Modifier la quantité de produit dans le panier</a:t>
+            </a:r>
+          </a:p>
+          <a:p>
+            <a:r>
+              <a:rPr lang="fr-FR" dirty="0"/>
+              <a:t>Optimisation du code</a:t>
             </a:r>
           </a:p>
           <a:p>
@@ -20289,123 +20766,32 @@
             </a:pPr>
             <a:endParaRPr lang="fr-FR" dirty="0"/>
           </a:p>
+          <a:p>
+            <a:pPr marL="0" indent="0">
+              <a:buNone/>
+            </a:pPr>
+            <a:endParaRPr lang="fr-FR" dirty="0"/>
+          </a:p>
+          <a:p>
+            <a:pPr marL="0" indent="0">
+              <a:buNone/>
+            </a:pPr>
+            <a:endParaRPr lang="fr-FR" dirty="0"/>
+          </a:p>
+          <a:p>
+            <a:pPr marL="0" indent="0">
+              <a:buNone/>
+            </a:pPr>
+            <a:endParaRPr lang="fr-FR" dirty="0"/>
+          </a:p>
         </p:txBody>
       </p:sp>
       <p:sp>
         <p:nvSpPr>
-          <p:cNvPr id="4" name="Titre 1">
+          <p:cNvPr id="4" name="Espace réservé du numéro de diapositive 3">
             <a:extLst>
               <a:ext uri="{FF2B5EF4-FFF2-40B4-BE49-F238E27FC236}">
-                <a16:creationId xmlns:a16="http://schemas.microsoft.com/office/drawing/2014/main" id="{6D56432A-B5D7-444B-95E0-BA5D1CB5DA0F}"/>
-              </a:ext>
-            </a:extLst>
-          </p:cNvPr>
-          <p:cNvSpPr txBox="1">
-            <a:spLocks/>
-          </p:cNvSpPr>
-          <p:nvPr/>
-        </p:nvSpPr>
-        <p:spPr>
-          <a:xfrm>
-            <a:off x="2592925" y="1342239"/>
-            <a:ext cx="8911687" cy="718129"/>
-          </a:xfrm>
-          <a:prstGeom prst="rect">
-            <a:avLst/>
-          </a:prstGeom>
-        </p:spPr>
-        <p:txBody>
-          <a:bodyPr vert="horz" lIns="91440" tIns="45720" rIns="91440" bIns="45720" rtlCol="0" anchor="t">
-            <a:normAutofit/>
-          </a:bodyPr>
-          <a:lstStyle>
-            <a:lvl1pPr algn="l" defTabSz="457200" rtl="0" eaLnBrk="1" latinLnBrk="0" hangingPunct="1">
-              <a:spcBef>
-                <a:spcPct val="0"/>
-              </a:spcBef>
-              <a:buNone/>
-              <a:defRPr sz="3600" kern="1200">
-                <a:solidFill>
-                  <a:schemeClr val="accent2">
-                    <a:lumMod val="75000"/>
-                  </a:schemeClr>
-                </a:solidFill>
-                <a:latin typeface="+mj-lt"/>
-                <a:ea typeface="+mj-ea"/>
-                <a:cs typeface="+mj-cs"/>
-              </a:defRPr>
-            </a:lvl1pPr>
-            <a:lvl2pPr eaLnBrk="1" hangingPunct="1">
-              <a:defRPr>
-                <a:solidFill>
-                  <a:schemeClr val="tx2"/>
-                </a:solidFill>
-              </a:defRPr>
-            </a:lvl2pPr>
-            <a:lvl3pPr eaLnBrk="1" hangingPunct="1">
-              <a:defRPr>
-                <a:solidFill>
-                  <a:schemeClr val="tx2"/>
-                </a:solidFill>
-              </a:defRPr>
-            </a:lvl3pPr>
-            <a:lvl4pPr eaLnBrk="1" hangingPunct="1">
-              <a:defRPr>
-                <a:solidFill>
-                  <a:schemeClr val="tx2"/>
-                </a:solidFill>
-              </a:defRPr>
-            </a:lvl4pPr>
-            <a:lvl5pPr eaLnBrk="1" hangingPunct="1">
-              <a:defRPr>
-                <a:solidFill>
-                  <a:schemeClr val="tx2"/>
-                </a:solidFill>
-              </a:defRPr>
-            </a:lvl5pPr>
-            <a:lvl6pPr eaLnBrk="1" hangingPunct="1">
-              <a:defRPr>
-                <a:solidFill>
-                  <a:schemeClr val="tx2"/>
-                </a:solidFill>
-              </a:defRPr>
-            </a:lvl6pPr>
-            <a:lvl7pPr eaLnBrk="1" hangingPunct="1">
-              <a:defRPr>
-                <a:solidFill>
-                  <a:schemeClr val="tx2"/>
-                </a:solidFill>
-              </a:defRPr>
-            </a:lvl7pPr>
-            <a:lvl8pPr eaLnBrk="1" hangingPunct="1">
-              <a:defRPr>
-                <a:solidFill>
-                  <a:schemeClr val="tx2"/>
-                </a:solidFill>
-              </a:defRPr>
-            </a:lvl8pPr>
-            <a:lvl9pPr eaLnBrk="1" hangingPunct="1">
-              <a:defRPr>
-                <a:solidFill>
-                  <a:schemeClr val="tx2"/>
-                </a:solidFill>
-              </a:defRPr>
-            </a:lvl9pPr>
-          </a:lstStyle>
-          <a:p>
-            <a:r>
-              <a:rPr lang="fr-FR" sz="2800" dirty="0"/>
-              <a:t>Présentation</a:t>
-            </a:r>
-          </a:p>
-        </p:txBody>
-      </p:sp>
-      <p:sp>
-        <p:nvSpPr>
-          <p:cNvPr id="5" name="Espace réservé du numéro de diapositive 4">
-            <a:extLst>
-              <a:ext uri="{FF2B5EF4-FFF2-40B4-BE49-F238E27FC236}">
-                <a16:creationId xmlns:a16="http://schemas.microsoft.com/office/drawing/2014/main" id="{A98E89F2-F238-4834-95FA-31D8838593EF}"/>
+                <a16:creationId xmlns:a16="http://schemas.microsoft.com/office/drawing/2014/main" id="{46DB1B20-F829-46C5-BDA3-30E09C50F277}"/>
               </a:ext>
             </a:extLst>
           </p:cNvPr>
@@ -20424,16 +20810,291 @@
             <a:fld id="{D57F1E4F-1CFF-5643-939E-217C01CDF565}" type="slidenum">
               <a:rPr lang="en-US" smtClean="0"/>
               <a:pPr/>
-              <a:t>3</a:t>
+              <a:t>32</a:t>
             </a:fld>
             <a:endParaRPr lang="en-US" dirty="0"/>
+          </a:p>
+        </p:txBody>
+      </p:sp>
+      <p:sp>
+        <p:nvSpPr>
+          <p:cNvPr id="5" name="Espace réservé du contenu 2">
+            <a:extLst>
+              <a:ext uri="{FF2B5EF4-FFF2-40B4-BE49-F238E27FC236}">
+                <a16:creationId xmlns:a16="http://schemas.microsoft.com/office/drawing/2014/main" id="{AB68035C-6392-4802-ACD9-45AF2A75976C}"/>
+              </a:ext>
+            </a:extLst>
+          </p:cNvPr>
+          <p:cNvSpPr txBox="1">
+            <a:spLocks/>
+          </p:cNvSpPr>
+          <p:nvPr/>
+        </p:nvSpPr>
+        <p:spPr>
+          <a:xfrm>
+            <a:off x="6847542" y="1697372"/>
+            <a:ext cx="4561486" cy="4174922"/>
+          </a:xfrm>
+          <a:prstGeom prst="rect">
+            <a:avLst/>
+          </a:prstGeom>
+        </p:spPr>
+        <p:txBody>
+          <a:bodyPr vert="horz" lIns="91440" tIns="45720" rIns="91440" bIns="45720" numCol="1" rtlCol="0">
+            <a:normAutofit/>
+          </a:bodyPr>
+          <a:lstStyle>
+            <a:lvl1pPr marL="342900" indent="-342900" algn="l" defTabSz="457200" rtl="0" eaLnBrk="1" latinLnBrk="0" hangingPunct="1">
+              <a:spcBef>
+                <a:spcPts val="1000"/>
+              </a:spcBef>
+              <a:spcAft>
+                <a:spcPts val="0"/>
+              </a:spcAft>
+              <a:buClr>
+                <a:schemeClr val="accent1"/>
+              </a:buClr>
+              <a:buFont typeface="Wingdings 3" charset="2"/>
+              <a:buChar char=""/>
+              <a:defRPr sz="1800" kern="1200">
+                <a:solidFill>
+                  <a:schemeClr val="tx1">
+                    <a:lumMod val="75000"/>
+                    <a:lumOff val="25000"/>
+                  </a:schemeClr>
+                </a:solidFill>
+                <a:latin typeface="+mn-lt"/>
+                <a:ea typeface="+mn-ea"/>
+                <a:cs typeface="+mn-cs"/>
+              </a:defRPr>
+            </a:lvl1pPr>
+            <a:lvl2pPr marL="742950" indent="-285750" algn="l" defTabSz="457200" rtl="0" eaLnBrk="1" latinLnBrk="0" hangingPunct="1">
+              <a:spcBef>
+                <a:spcPts val="1000"/>
+              </a:spcBef>
+              <a:spcAft>
+                <a:spcPts val="0"/>
+              </a:spcAft>
+              <a:buClr>
+                <a:schemeClr val="accent1"/>
+              </a:buClr>
+              <a:buFont typeface="Wingdings 3" charset="2"/>
+              <a:buChar char=""/>
+              <a:defRPr sz="1600" kern="1200">
+                <a:solidFill>
+                  <a:schemeClr val="tx1">
+                    <a:lumMod val="75000"/>
+                    <a:lumOff val="25000"/>
+                  </a:schemeClr>
+                </a:solidFill>
+                <a:latin typeface="+mn-lt"/>
+                <a:ea typeface="+mn-ea"/>
+                <a:cs typeface="+mn-cs"/>
+              </a:defRPr>
+            </a:lvl2pPr>
+            <a:lvl3pPr marL="1143000" indent="-228600" algn="l" defTabSz="457200" rtl="0" eaLnBrk="1" latinLnBrk="0" hangingPunct="1">
+              <a:spcBef>
+                <a:spcPts val="1000"/>
+              </a:spcBef>
+              <a:spcAft>
+                <a:spcPts val="0"/>
+              </a:spcAft>
+              <a:buClr>
+                <a:schemeClr val="accent1"/>
+              </a:buClr>
+              <a:buFont typeface="Wingdings 3" charset="2"/>
+              <a:buChar char=""/>
+              <a:defRPr sz="1400" kern="1200">
+                <a:solidFill>
+                  <a:schemeClr val="tx1">
+                    <a:lumMod val="75000"/>
+                    <a:lumOff val="25000"/>
+                  </a:schemeClr>
+                </a:solidFill>
+                <a:latin typeface="+mn-lt"/>
+                <a:ea typeface="+mn-ea"/>
+                <a:cs typeface="+mn-cs"/>
+              </a:defRPr>
+            </a:lvl3pPr>
+            <a:lvl4pPr marL="1600200" indent="-228600" algn="l" defTabSz="457200" rtl="0" eaLnBrk="1" latinLnBrk="0" hangingPunct="1">
+              <a:spcBef>
+                <a:spcPts val="1000"/>
+              </a:spcBef>
+              <a:spcAft>
+                <a:spcPts val="0"/>
+              </a:spcAft>
+              <a:buClr>
+                <a:schemeClr val="accent1"/>
+              </a:buClr>
+              <a:buFont typeface="Wingdings 3" charset="2"/>
+              <a:buChar char=""/>
+              <a:defRPr sz="1200" kern="1200">
+                <a:solidFill>
+                  <a:schemeClr val="tx1">
+                    <a:lumMod val="75000"/>
+                    <a:lumOff val="25000"/>
+                  </a:schemeClr>
+                </a:solidFill>
+                <a:latin typeface="+mn-lt"/>
+                <a:ea typeface="+mn-ea"/>
+                <a:cs typeface="+mn-cs"/>
+              </a:defRPr>
+            </a:lvl4pPr>
+            <a:lvl5pPr marL="2057400" indent="-228600" algn="l" defTabSz="457200" rtl="0" eaLnBrk="1" latinLnBrk="0" hangingPunct="1">
+              <a:spcBef>
+                <a:spcPts val="1000"/>
+              </a:spcBef>
+              <a:spcAft>
+                <a:spcPts val="0"/>
+              </a:spcAft>
+              <a:buClr>
+                <a:schemeClr val="accent1"/>
+              </a:buClr>
+              <a:buFont typeface="Wingdings 3" charset="2"/>
+              <a:buChar char=""/>
+              <a:defRPr sz="1200" kern="1200">
+                <a:solidFill>
+                  <a:schemeClr val="tx1">
+                    <a:lumMod val="75000"/>
+                    <a:lumOff val="25000"/>
+                  </a:schemeClr>
+                </a:solidFill>
+                <a:latin typeface="+mn-lt"/>
+                <a:ea typeface="+mn-ea"/>
+                <a:cs typeface="+mn-cs"/>
+              </a:defRPr>
+            </a:lvl5pPr>
+            <a:lvl6pPr marL="2514600" indent="-228600" algn="l" defTabSz="457200" rtl="0" eaLnBrk="1" latinLnBrk="0" hangingPunct="1">
+              <a:spcBef>
+                <a:spcPts val="1000"/>
+              </a:spcBef>
+              <a:spcAft>
+                <a:spcPts val="0"/>
+              </a:spcAft>
+              <a:buClr>
+                <a:schemeClr val="accent1"/>
+              </a:buClr>
+              <a:buFont typeface="Wingdings 3" charset="2"/>
+              <a:buChar char=""/>
+              <a:defRPr sz="1200" kern="1200">
+                <a:solidFill>
+                  <a:schemeClr val="tx1">
+                    <a:lumMod val="75000"/>
+                    <a:lumOff val="25000"/>
+                  </a:schemeClr>
+                </a:solidFill>
+                <a:latin typeface="+mn-lt"/>
+                <a:ea typeface="+mn-ea"/>
+                <a:cs typeface="+mn-cs"/>
+              </a:defRPr>
+            </a:lvl6pPr>
+            <a:lvl7pPr marL="2971800" indent="-228600" algn="l" defTabSz="457200" rtl="0" eaLnBrk="1" latinLnBrk="0" hangingPunct="1">
+              <a:spcBef>
+                <a:spcPts val="1000"/>
+              </a:spcBef>
+              <a:spcAft>
+                <a:spcPts val="0"/>
+              </a:spcAft>
+              <a:buClr>
+                <a:schemeClr val="accent1"/>
+              </a:buClr>
+              <a:buFont typeface="Wingdings 3" charset="2"/>
+              <a:buChar char=""/>
+              <a:defRPr sz="1200" kern="1200">
+                <a:solidFill>
+                  <a:schemeClr val="tx1">
+                    <a:lumMod val="75000"/>
+                    <a:lumOff val="25000"/>
+                  </a:schemeClr>
+                </a:solidFill>
+                <a:latin typeface="+mn-lt"/>
+                <a:ea typeface="+mn-ea"/>
+                <a:cs typeface="+mn-cs"/>
+              </a:defRPr>
+            </a:lvl7pPr>
+            <a:lvl8pPr marL="3429000" indent="-228600" algn="l" defTabSz="457200" rtl="0" eaLnBrk="1" latinLnBrk="0" hangingPunct="1">
+              <a:spcBef>
+                <a:spcPts val="1000"/>
+              </a:spcBef>
+              <a:spcAft>
+                <a:spcPts val="0"/>
+              </a:spcAft>
+              <a:buClr>
+                <a:schemeClr val="accent1"/>
+              </a:buClr>
+              <a:buFont typeface="Wingdings 3" charset="2"/>
+              <a:buChar char=""/>
+              <a:defRPr sz="1200" kern="1200">
+                <a:solidFill>
+                  <a:schemeClr val="tx1">
+                    <a:lumMod val="75000"/>
+                    <a:lumOff val="25000"/>
+                  </a:schemeClr>
+                </a:solidFill>
+                <a:latin typeface="+mn-lt"/>
+                <a:ea typeface="+mn-ea"/>
+                <a:cs typeface="+mn-cs"/>
+              </a:defRPr>
+            </a:lvl8pPr>
+            <a:lvl9pPr marL="3886200" indent="-228600" algn="l" defTabSz="457200" rtl="0" eaLnBrk="1" latinLnBrk="0" hangingPunct="1">
+              <a:spcBef>
+                <a:spcPts val="1000"/>
+              </a:spcBef>
+              <a:spcAft>
+                <a:spcPts val="0"/>
+              </a:spcAft>
+              <a:buClr>
+                <a:schemeClr val="accent1"/>
+              </a:buClr>
+              <a:buFont typeface="Wingdings 3" charset="2"/>
+              <a:buChar char=""/>
+              <a:defRPr sz="1200" kern="1200">
+                <a:solidFill>
+                  <a:schemeClr val="tx1">
+                    <a:lumMod val="75000"/>
+                    <a:lumOff val="25000"/>
+                  </a:schemeClr>
+                </a:solidFill>
+                <a:latin typeface="+mn-lt"/>
+                <a:ea typeface="+mn-ea"/>
+                <a:cs typeface="+mn-cs"/>
+              </a:defRPr>
+            </a:lvl9pPr>
+          </a:lstStyle>
+          <a:p>
+            <a:pPr marL="0" indent="0">
+              <a:buFont typeface="Wingdings 3" charset="2"/>
+              <a:buNone/>
+            </a:pPr>
+            <a:r>
+              <a:rPr lang="fr-FR" dirty="0"/>
+              <a:t>Sécurité : </a:t>
+            </a:r>
+          </a:p>
+          <a:p>
+            <a:r>
+              <a:rPr lang="fr-FR" dirty="0"/>
+              <a:t>Ne pas afficher les boutons qui ne permettent pas d’effectuer l’action par l’utilisateur</a:t>
+            </a:r>
+          </a:p>
+          <a:p>
+            <a:r>
+              <a:rPr lang="fr-FR" dirty="0"/>
+              <a:t>Mieux sécuriser la gestion du stock de produit lorsqu’on commande un produit</a:t>
+            </a:r>
+          </a:p>
+          <a:p>
+            <a:r>
+              <a:rPr lang="fr-FR" dirty="0"/>
+              <a:t>Conserver l’adresse de livraison au même titre que l’adresse de facturation</a:t>
+            </a:r>
           </a:p>
         </p:txBody>
       </p:sp>
     </p:spTree>
     <p:extLst>
       <p:ext uri="{BB962C8B-B14F-4D97-AF65-F5344CB8AC3E}">
-        <p14:creationId xmlns:p14="http://schemas.microsoft.com/office/powerpoint/2010/main" val="276257526"/>
+        <p14:creationId xmlns:p14="http://schemas.microsoft.com/office/powerpoint/2010/main" val="2910063288"/>
       </p:ext>
     </p:extLst>
   </p:cSld>
@@ -20443,7 +21104,7 @@
 </p:sld>
 </file>
 
-<file path=ppt/slides/slide30.xml><?xml version="1.0" encoding="utf-8"?>
+<file path=ppt/slides/slide33.xml><?xml version="1.0" encoding="utf-8"?>
 <p:sld xmlns:a="http://schemas.openxmlformats.org/drawingml/2006/main" xmlns:r="http://schemas.openxmlformats.org/officeDocument/2006/relationships" xmlns:p="http://schemas.openxmlformats.org/presentationml/2006/main">
   <p:cSld>
     <p:spTree>
@@ -20537,7 +21198,7 @@
             <a:fld id="{D57F1E4F-1CFF-5643-939E-217C01CDF565}" type="slidenum">
               <a:rPr lang="en-US" smtClean="0"/>
               <a:pPr/>
-              <a:t>30</a:t>
+              <a:t>33</a:t>
             </a:fld>
             <a:endParaRPr lang="en-US" dirty="0"/>
           </a:p>

--- a/aDoc/Projet boutique en ligne.pptx
+++ b/aDoc/Projet boutique en ligne.pptx
@@ -4199,7 +4199,7 @@
           <a:p>
             <a:fld id="{2CDCDF8F-3D54-4115-A7BF-B22B247C4638}" type="datetimeFigureOut">
               <a:rPr lang="fr-FR" smtClean="0"/>
-              <a:t>22/01/2021</a:t>
+              <a:t>24/01/2021</a:t>
             </a:fld>
             <a:endParaRPr lang="fr-FR"/>
           </a:p>
@@ -4654,7 +4654,7 @@
           <a:p>
             <a:fld id="{30BF176E-CADB-48F9-B97C-1D186AD99C00}" type="datetime1">
               <a:rPr lang="en-US" smtClean="0"/>
-              <a:t>1/22/2021</a:t>
+              <a:t>1/24/2021</a:t>
             </a:fld>
             <a:endParaRPr lang="en-US" dirty="0"/>
           </a:p>
@@ -4988,7 +4988,7 @@
           <a:p>
             <a:fld id="{F8B59121-EE1F-4479-B37D-243652B9AF57}" type="datetime1">
               <a:rPr lang="en-US" smtClean="0"/>
-              <a:t>1/22/2021</a:t>
+              <a:t>1/24/2021</a:t>
             </a:fld>
             <a:endParaRPr lang="en-US" dirty="0"/>
           </a:p>
@@ -5385,7 +5385,7 @@
           <a:p>
             <a:fld id="{37C5854A-430C-41F8-B4AA-EEE3BC935C71}" type="datetime1">
               <a:rPr lang="en-US" smtClean="0"/>
-              <a:t>1/22/2021</a:t>
+              <a:t>1/24/2021</a:t>
             </a:fld>
             <a:endParaRPr lang="en-US" dirty="0"/>
           </a:p>
@@ -5717,7 +5717,7 @@
           <a:p>
             <a:fld id="{B00D6915-AD78-415E-9082-43687253A670}" type="datetime1">
               <a:rPr lang="en-US" smtClean="0"/>
-              <a:t>1/22/2021</a:t>
+              <a:t>1/24/2021</a:t>
             </a:fld>
             <a:endParaRPr lang="en-US" dirty="0"/>
           </a:p>
@@ -6033,7 +6033,7 @@
           <a:p>
             <a:fld id="{C688B8AB-7942-4DD7-9B83-C03FBC9CFF5D}" type="datetime1">
               <a:rPr lang="en-US" smtClean="0"/>
-              <a:t>1/22/2021</a:t>
+              <a:t>1/24/2021</a:t>
             </a:fld>
             <a:endParaRPr lang="en-US" dirty="0"/>
           </a:p>
@@ -6425,7 +6425,7 @@
           <a:p>
             <a:fld id="{6626BFCB-E957-4302-B399-C285F828936F}" type="datetime1">
               <a:rPr lang="en-US" smtClean="0"/>
-              <a:t>1/22/2021</a:t>
+              <a:t>1/24/2021</a:t>
             </a:fld>
             <a:endParaRPr lang="en-US" dirty="0"/>
           </a:p>
@@ -6678,7 +6678,7 @@
           <a:p>
             <a:fld id="{805BCEB2-B0F8-49F6-9921-FCDDB047B27B}" type="datetime1">
               <a:rPr lang="en-US" smtClean="0"/>
-              <a:t>1/22/2021</a:t>
+              <a:t>1/24/2021</a:t>
             </a:fld>
             <a:endParaRPr lang="en-US" dirty="0"/>
           </a:p>
@@ -6936,7 +6936,7 @@
           <a:p>
             <a:fld id="{8D966F9A-AED3-4BCA-93CD-F2BA2FA9764A}" type="datetime1">
               <a:rPr lang="en-US" smtClean="0"/>
-              <a:t>1/22/2021</a:t>
+              <a:t>1/24/2021</a:t>
             </a:fld>
             <a:endParaRPr lang="en-US" dirty="0"/>
           </a:p>
@@ -7194,7 +7194,7 @@
           <a:p>
             <a:fld id="{25471B62-9AD3-44B3-9B01-E63E073463FB}" type="datetime1">
               <a:rPr lang="en-US" smtClean="0"/>
-              <a:t>1/22/2021</a:t>
+              <a:t>1/24/2021</a:t>
             </a:fld>
             <a:endParaRPr lang="en-US" dirty="0"/>
           </a:p>
@@ -7519,7 +7519,7 @@
           <a:p>
             <a:fld id="{0B6236A2-B66E-4463-AD93-2D5632174887}" type="datetime1">
               <a:rPr lang="en-US" smtClean="0"/>
-              <a:t>1/22/2021</a:t>
+              <a:t>1/24/2021</a:t>
             </a:fld>
             <a:endParaRPr lang="en-US" dirty="0"/>
           </a:p>
@@ -7838,7 +7838,7 @@
           <a:p>
             <a:fld id="{7A72F98A-E971-4236-B7C4-1A6C45CC50CE}" type="datetime1">
               <a:rPr lang="en-US" smtClean="0"/>
-              <a:t>1/22/2021</a:t>
+              <a:t>1/24/2021</a:t>
             </a:fld>
             <a:endParaRPr lang="en-US" dirty="0"/>
           </a:p>
@@ -8291,7 +8291,7 @@
           <a:p>
             <a:fld id="{3FF510AB-544C-40EA-B938-196EAA3D0F2B}" type="datetime1">
               <a:rPr lang="en-US" smtClean="0"/>
-              <a:t>1/22/2021</a:t>
+              <a:t>1/24/2021</a:t>
             </a:fld>
             <a:endParaRPr lang="en-US" dirty="0"/>
           </a:p>
@@ -8492,7 +8492,7 @@
           <a:p>
             <a:fld id="{1D433965-0187-4094-8A8E-91F2CA57F05E}" type="datetime1">
               <a:rPr lang="en-US" smtClean="0"/>
-              <a:t>1/22/2021</a:t>
+              <a:t>1/24/2021</a:t>
             </a:fld>
             <a:endParaRPr lang="en-US" dirty="0"/>
           </a:p>
@@ -8665,7 +8665,7 @@
           <a:p>
             <a:fld id="{69129591-3F3E-4E3F-944D-AF26B2D532FD}" type="datetime1">
               <a:rPr lang="en-US" smtClean="0"/>
-              <a:t>1/22/2021</a:t>
+              <a:t>1/24/2021</a:t>
             </a:fld>
             <a:endParaRPr lang="en-US" dirty="0"/>
           </a:p>
@@ -8994,7 +8994,7 @@
           <a:p>
             <a:fld id="{29C7A8B3-BC23-4952-B9C1-8515DB3EAF5D}" type="datetime1">
               <a:rPr lang="en-US" smtClean="0"/>
-              <a:t>1/22/2021</a:t>
+              <a:t>1/24/2021</a:t>
             </a:fld>
             <a:endParaRPr lang="en-US" dirty="0"/>
           </a:p>
@@ -9335,7 +9335,7 @@
           <a:p>
             <a:fld id="{802DCC3A-F874-4662-A1A8-F3F6DA43E4A3}" type="datetime1">
               <a:rPr lang="en-US" smtClean="0"/>
-              <a:t>1/22/2021</a:t>
+              <a:t>1/24/2021</a:t>
             </a:fld>
             <a:endParaRPr lang="en-US" dirty="0"/>
           </a:p>
@@ -11448,7 +11448,7 @@
           <a:p>
             <a:fld id="{29463D4B-AA9E-408A-A82A-29FCBE21BC24}" type="datetime1">
               <a:rPr lang="en-US" smtClean="0"/>
-              <a:t>1/22/2021</a:t>
+              <a:t>1/24/2021</a:t>
             </a:fld>
             <a:endParaRPr lang="en-US" dirty="0"/>
           </a:p>
@@ -12060,6 +12060,14 @@
   <p:clrMapOvr>
     <a:masterClrMapping/>
   </p:clrMapOvr>
+  <mc:AlternateContent xmlns:mc="http://schemas.openxmlformats.org/markup-compatibility/2006" xmlns:p14="http://schemas.microsoft.com/office/powerpoint/2010/main">
+    <mc:Choice Requires="p14">
+      <p:transition spd="slow" p14:dur="2000" advTm="5406"/>
+    </mc:Choice>
+    <mc:Fallback xmlns="">
+      <p:transition spd="slow" advTm="5406"/>
+    </mc:Fallback>
+  </mc:AlternateContent>
 </p:sld>
 </file>
 
@@ -12374,6 +12382,14 @@
   <p:clrMapOvr>
     <a:masterClrMapping/>
   </p:clrMapOvr>
+  <mc:AlternateContent xmlns:mc="http://schemas.openxmlformats.org/markup-compatibility/2006" xmlns:p14="http://schemas.microsoft.com/office/powerpoint/2010/main">
+    <mc:Choice Requires="p14">
+      <p:transition spd="slow" p14:dur="2000" advTm="136960"/>
+    </mc:Choice>
+    <mc:Fallback xmlns="">
+      <p:transition spd="slow" advTm="136960"/>
+    </mc:Fallback>
+  </mc:AlternateContent>
 </p:sld>
 </file>
 
@@ -12624,6 +12640,14 @@
   <p:clrMapOvr>
     <a:masterClrMapping/>
   </p:clrMapOvr>
+  <mc:AlternateContent xmlns:mc="http://schemas.openxmlformats.org/markup-compatibility/2006" xmlns:p14="http://schemas.microsoft.com/office/powerpoint/2010/main">
+    <mc:Choice Requires="p14">
+      <p:transition spd="slow" p14:dur="2000" advTm="44525"/>
+    </mc:Choice>
+    <mc:Fallback xmlns="">
+      <p:transition spd="slow" advTm="44525"/>
+    </mc:Fallback>
+  </mc:AlternateContent>
 </p:sld>
 </file>
 
@@ -12874,6 +12898,14 @@
   <p:clrMapOvr>
     <a:masterClrMapping/>
   </p:clrMapOvr>
+  <mc:AlternateContent xmlns:mc="http://schemas.openxmlformats.org/markup-compatibility/2006" xmlns:p14="http://schemas.microsoft.com/office/powerpoint/2010/main">
+    <mc:Choice Requires="p14">
+      <p:transition spd="slow" p14:dur="2000" advTm="35444"/>
+    </mc:Choice>
+    <mc:Fallback xmlns="">
+      <p:transition spd="slow" advTm="35444"/>
+    </mc:Fallback>
+  </mc:AlternateContent>
 </p:sld>
 </file>
 
@@ -13137,6 +13169,14 @@
   <p:clrMapOvr>
     <a:masterClrMapping/>
   </p:clrMapOvr>
+  <mc:AlternateContent xmlns:mc="http://schemas.openxmlformats.org/markup-compatibility/2006" xmlns:p14="http://schemas.microsoft.com/office/powerpoint/2010/main">
+    <mc:Choice Requires="p14">
+      <p:transition spd="slow" p14:dur="2000" advTm="25369"/>
+    </mc:Choice>
+    <mc:Fallback xmlns="">
+      <p:transition spd="slow" advTm="25369"/>
+    </mc:Fallback>
+  </mc:AlternateContent>
 </p:sld>
 </file>
 
@@ -13417,6 +13457,14 @@
   <p:clrMapOvr>
     <a:masterClrMapping/>
   </p:clrMapOvr>
+  <mc:AlternateContent xmlns:mc="http://schemas.openxmlformats.org/markup-compatibility/2006" xmlns:p14="http://schemas.microsoft.com/office/powerpoint/2010/main">
+    <mc:Choice Requires="p14">
+      <p:transition spd="slow" p14:dur="2000" advTm="50701"/>
+    </mc:Choice>
+    <mc:Fallback xmlns="">
+      <p:transition spd="slow" advTm="50701"/>
+    </mc:Fallback>
+  </mc:AlternateContent>
 </p:sld>
 </file>
 
@@ -13527,9 +13575,20 @@
             <a:pPr marL="0" indent="0">
               <a:buNone/>
             </a:pPr>
+            <a:r>
+              <a:rPr lang="fr-FR" dirty="0"/>
+              <a:t>MVP/ Agile / </a:t>
+            </a:r>
+            <a:r>
+              <a:rPr lang="fr-FR" dirty="0" err="1"/>
+              <a:t>MoSCoW</a:t>
+            </a:r>
             <a:endParaRPr lang="fr-FR" dirty="0"/>
           </a:p>
           <a:p>
+            <a:pPr marL="0" indent="0">
+              <a:buNone/>
+            </a:pPr>
             <a:endParaRPr lang="fr-FR" dirty="0"/>
           </a:p>
           <a:p>
@@ -13577,6 +13636,14 @@
   <p:clrMapOvr>
     <a:masterClrMapping/>
   </p:clrMapOvr>
+  <mc:AlternateContent xmlns:mc="http://schemas.openxmlformats.org/markup-compatibility/2006" xmlns:p14="http://schemas.microsoft.com/office/powerpoint/2010/main">
+    <mc:Choice Requires="p14">
+      <p:transition spd="slow" p14:dur="2000" advTm="84964"/>
+    </mc:Choice>
+    <mc:Fallback xmlns="">
+      <p:transition spd="slow" advTm="84964"/>
+    </mc:Fallback>
+  </mc:AlternateContent>
 </p:sld>
 </file>
 
@@ -13810,6 +13877,14 @@
   <p:clrMapOvr>
     <a:masterClrMapping/>
   </p:clrMapOvr>
+  <mc:AlternateContent xmlns:mc="http://schemas.openxmlformats.org/markup-compatibility/2006" xmlns:p14="http://schemas.microsoft.com/office/powerpoint/2010/main">
+    <mc:Choice Requires="p14">
+      <p:transition spd="slow" p14:dur="2000" advTm="30791"/>
+    </mc:Choice>
+    <mc:Fallback xmlns="">
+      <p:transition spd="slow" advTm="30791"/>
+    </mc:Fallback>
+  </mc:AlternateContent>
 </p:sld>
 </file>
 
@@ -14189,6 +14264,14 @@
   <p:clrMapOvr>
     <a:masterClrMapping/>
   </p:clrMapOvr>
+  <mc:AlternateContent xmlns:mc="http://schemas.openxmlformats.org/markup-compatibility/2006" xmlns:p14="http://schemas.microsoft.com/office/powerpoint/2010/main">
+    <mc:Choice Requires="p14">
+      <p:transition spd="slow" p14:dur="2000" advTm="45531"/>
+    </mc:Choice>
+    <mc:Fallback xmlns="">
+      <p:transition spd="slow" advTm="45531"/>
+    </mc:Fallback>
+  </mc:AlternateContent>
 </p:sld>
 </file>
 
@@ -14423,6 +14506,14 @@
   <p:clrMapOvr>
     <a:masterClrMapping/>
   </p:clrMapOvr>
+  <mc:AlternateContent xmlns:mc="http://schemas.openxmlformats.org/markup-compatibility/2006" xmlns:p14="http://schemas.microsoft.com/office/powerpoint/2010/main">
+    <mc:Choice Requires="p14">
+      <p:transition spd="slow" p14:dur="2000" advTm="62502"/>
+    </mc:Choice>
+    <mc:Fallback xmlns="">
+      <p:transition spd="slow" advTm="62502"/>
+    </mc:Fallback>
+  </mc:AlternateContent>
 </p:sld>
 </file>
 
@@ -14657,6 +14748,14 @@
   <p:clrMapOvr>
     <a:masterClrMapping/>
   </p:clrMapOvr>
+  <mc:AlternateContent xmlns:mc="http://schemas.openxmlformats.org/markup-compatibility/2006" xmlns:p14="http://schemas.microsoft.com/office/powerpoint/2010/main">
+    <mc:Choice Requires="p14">
+      <p:transition spd="slow" p14:dur="2000" advTm="10778"/>
+    </mc:Choice>
+    <mc:Fallback xmlns="">
+      <p:transition spd="slow" advTm="10778"/>
+    </mc:Fallback>
+  </mc:AlternateContent>
 </p:sld>
 </file>
 
@@ -15125,6 +15224,14 @@
   <p:clrMapOvr>
     <a:masterClrMapping/>
   </p:clrMapOvr>
+  <mc:AlternateContent xmlns:mc="http://schemas.openxmlformats.org/markup-compatibility/2006" xmlns:p14="http://schemas.microsoft.com/office/powerpoint/2010/main">
+    <mc:Choice Requires="p14">
+      <p:transition spd="slow" p14:dur="2000" advTm="53383"/>
+    </mc:Choice>
+    <mc:Fallback xmlns="">
+      <p:transition spd="slow" advTm="53383"/>
+    </mc:Fallback>
+  </mc:AlternateContent>
 </p:sld>
 </file>
 
@@ -15244,6 +15351,14 @@
   <p:clrMapOvr>
     <a:masterClrMapping/>
   </p:clrMapOvr>
+  <mc:AlternateContent xmlns:mc="http://schemas.openxmlformats.org/markup-compatibility/2006" xmlns:p14="http://schemas.microsoft.com/office/powerpoint/2010/main">
+    <mc:Choice Requires="p14">
+      <p:transition spd="slow" p14:dur="2000" advTm="70045"/>
+    </mc:Choice>
+    <mc:Fallback xmlns="">
+      <p:transition spd="slow" advTm="70045"/>
+    </mc:Fallback>
+  </mc:AlternateContent>
 </p:sld>
 </file>
 
@@ -15378,6 +15493,14 @@
   <p:clrMapOvr>
     <a:masterClrMapping/>
   </p:clrMapOvr>
+  <mc:AlternateContent xmlns:mc="http://schemas.openxmlformats.org/markup-compatibility/2006" xmlns:p14="http://schemas.microsoft.com/office/powerpoint/2010/main">
+    <mc:Choice Requires="p14">
+      <p:transition spd="slow" p14:dur="2000" advTm="19291"/>
+    </mc:Choice>
+    <mc:Fallback xmlns="">
+      <p:transition spd="slow" advTm="19291"/>
+    </mc:Fallback>
+  </mc:AlternateContent>
 </p:sld>
 </file>
 
@@ -15498,6 +15621,14 @@
   <p:clrMapOvr>
     <a:masterClrMapping/>
   </p:clrMapOvr>
+  <mc:AlternateContent xmlns:mc="http://schemas.openxmlformats.org/markup-compatibility/2006" xmlns:p14="http://schemas.microsoft.com/office/powerpoint/2010/main">
+    <mc:Choice Requires="p14">
+      <p:transition spd="slow" p14:dur="2000" advTm="59719"/>
+    </mc:Choice>
+    <mc:Fallback xmlns="">
+      <p:transition spd="slow" advTm="59719"/>
+    </mc:Fallback>
+  </mc:AlternateContent>
 </p:sld>
 </file>
 
@@ -15616,6 +15747,14 @@
   <p:clrMapOvr>
     <a:masterClrMapping/>
   </p:clrMapOvr>
+  <mc:AlternateContent xmlns:mc="http://schemas.openxmlformats.org/markup-compatibility/2006" xmlns:p14="http://schemas.microsoft.com/office/powerpoint/2010/main">
+    <mc:Choice Requires="p14">
+      <p:transition spd="slow" p14:dur="2000" advTm="10637"/>
+    </mc:Choice>
+    <mc:Fallback xmlns="">
+      <p:transition spd="slow" advTm="10637"/>
+    </mc:Fallback>
+  </mc:AlternateContent>
 </p:sld>
 </file>
 
@@ -15734,6 +15873,14 @@
   <p:clrMapOvr>
     <a:masterClrMapping/>
   </p:clrMapOvr>
+  <mc:AlternateContent xmlns:mc="http://schemas.openxmlformats.org/markup-compatibility/2006" xmlns:p14="http://schemas.microsoft.com/office/powerpoint/2010/main">
+    <mc:Choice Requires="p14">
+      <p:transition spd="slow" p14:dur="2000" advTm="14991"/>
+    </mc:Choice>
+    <mc:Fallback xmlns="">
+      <p:transition spd="slow" advTm="14991"/>
+    </mc:Fallback>
+  </mc:AlternateContent>
 </p:sld>
 </file>
 
@@ -15852,6 +15999,14 @@
   <p:clrMapOvr>
     <a:masterClrMapping/>
   </p:clrMapOvr>
+  <mc:AlternateContent xmlns:mc="http://schemas.openxmlformats.org/markup-compatibility/2006" xmlns:p14="http://schemas.microsoft.com/office/powerpoint/2010/main">
+    <mc:Choice Requires="p14">
+      <p:transition spd="slow" p14:dur="2000" advTm="40361"/>
+    </mc:Choice>
+    <mc:Fallback xmlns="">
+      <p:transition spd="slow" advTm="40361"/>
+    </mc:Fallback>
+  </mc:AlternateContent>
 </p:sld>
 </file>
 
@@ -15985,6 +16140,14 @@
   <p:clrMapOvr>
     <a:masterClrMapping/>
   </p:clrMapOvr>
+  <mc:AlternateContent xmlns:mc="http://schemas.openxmlformats.org/markup-compatibility/2006" xmlns:p14="http://schemas.microsoft.com/office/powerpoint/2010/main">
+    <mc:Choice Requires="p14">
+      <p:transition spd="slow" p14:dur="2000" advTm="92725"/>
+    </mc:Choice>
+    <mc:Fallback xmlns="">
+      <p:transition spd="slow" advTm="92725"/>
+    </mc:Fallback>
+  </mc:AlternateContent>
 </p:sld>
 </file>
 
@@ -16132,6 +16295,14 @@
   <p:clrMapOvr>
     <a:masterClrMapping/>
   </p:clrMapOvr>
+  <mc:AlternateContent xmlns:mc="http://schemas.openxmlformats.org/markup-compatibility/2006" xmlns:p14="http://schemas.microsoft.com/office/powerpoint/2010/main">
+    <mc:Choice Requires="p14">
+      <p:transition spd="slow" p14:dur="2000" advTm="74918"/>
+    </mc:Choice>
+    <mc:Fallback xmlns="">
+      <p:transition spd="slow" advTm="74918"/>
+    </mc:Fallback>
+  </mc:AlternateContent>
 </p:sld>
 </file>
 
@@ -16255,6 +16426,14 @@
   <p:clrMapOvr>
     <a:masterClrMapping/>
   </p:clrMapOvr>
+  <mc:AlternateContent xmlns:mc="http://schemas.openxmlformats.org/markup-compatibility/2006" xmlns:p14="http://schemas.microsoft.com/office/powerpoint/2010/main">
+    <mc:Choice Requires="p14">
+      <p:transition spd="slow" p14:dur="2000" advTm="59903"/>
+    </mc:Choice>
+    <mc:Fallback xmlns="">
+      <p:transition spd="slow" advTm="59903"/>
+    </mc:Fallback>
+  </mc:AlternateContent>
 </p:sld>
 </file>
 
@@ -16378,6 +16557,14 @@
   <p:clrMapOvr>
     <a:masterClrMapping/>
   </p:clrMapOvr>
+  <mc:AlternateContent xmlns:mc="http://schemas.openxmlformats.org/markup-compatibility/2006" xmlns:p14="http://schemas.microsoft.com/office/powerpoint/2010/main">
+    <mc:Choice Requires="p14">
+      <p:transition spd="slow" p14:dur="2000" advTm="22593"/>
+    </mc:Choice>
+    <mc:Fallback xmlns="">
+      <p:transition spd="slow" advTm="22593"/>
+    </mc:Fallback>
+  </mc:AlternateContent>
 </p:sld>
 </file>
 
@@ -16461,6 +16648,20 @@
             <a:r>
               <a:rPr lang="fr-FR" dirty="0"/>
               <a:t>Caveau</a:t>
+            </a:r>
+          </a:p>
+          <a:p>
+            <a:pPr lvl="1"/>
+            <a:r>
+              <a:rPr lang="fr-FR" dirty="0"/>
+              <a:t>Futur projet Site Web</a:t>
+            </a:r>
+          </a:p>
+          <a:p>
+            <a:pPr lvl="1"/>
+            <a:r>
+              <a:rPr lang="fr-FR" dirty="0"/>
+              <a:t>Expédier du vin aux client et garder contact</a:t>
             </a:r>
           </a:p>
           <a:p>
@@ -16620,6 +16821,14 @@
   <p:clrMapOvr>
     <a:masterClrMapping/>
   </p:clrMapOvr>
+  <mc:AlternateContent xmlns:mc="http://schemas.openxmlformats.org/markup-compatibility/2006" xmlns:p14="http://schemas.microsoft.com/office/powerpoint/2010/main">
+    <mc:Choice Requires="p14">
+      <p:transition spd="slow" p14:dur="2000" advTm="30584"/>
+    </mc:Choice>
+    <mc:Fallback xmlns="">
+      <p:transition spd="slow" advTm="30584"/>
+    </mc:Fallback>
+  </mc:AlternateContent>
 </p:sld>
 </file>
 
@@ -20483,6 +20692,14 @@
   <p:clrMapOvr>
     <a:overrideClrMapping bg1="dk1" tx1="lt1" bg2="dk2" tx2="lt2" accent1="accent1" accent2="accent2" accent3="accent3" accent4="accent4" accent5="accent5" accent6="accent6" hlink="hlink" folHlink="folHlink"/>
   </p:clrMapOvr>
+  <mc:AlternateContent xmlns:mc="http://schemas.openxmlformats.org/markup-compatibility/2006" xmlns:p14="http://schemas.microsoft.com/office/powerpoint/2010/main">
+    <mc:Choice Requires="p14">
+      <p:transition spd="slow" p14:dur="2000" advTm="35999"/>
+    </mc:Choice>
+    <mc:Fallback xmlns="">
+      <p:transition spd="slow" advTm="35999"/>
+    </mc:Fallback>
+  </mc:AlternateContent>
 </p:sld>
 </file>
 
@@ -20602,6 +20819,9 @@
             </a:r>
           </a:p>
           <a:p>
+            <a:pPr marL="0" indent="0">
+              <a:buNone/>
+            </a:pPr>
             <a:endParaRPr lang="fr-FR" dirty="0"/>
           </a:p>
           <a:p>
@@ -20652,6 +20872,14 @@
   <p:clrMapOvr>
     <a:masterClrMapping/>
   </p:clrMapOvr>
+  <mc:AlternateContent xmlns:mc="http://schemas.openxmlformats.org/markup-compatibility/2006" xmlns:p14="http://schemas.microsoft.com/office/powerpoint/2010/main">
+    <mc:Choice Requires="p14">
+      <p:transition spd="slow" p14:dur="2000" advTm="51683"/>
+    </mc:Choice>
+    <mc:Fallback xmlns="">
+      <p:transition spd="slow" advTm="51683"/>
+    </mc:Fallback>
+  </mc:AlternateContent>
 </p:sld>
 </file>
 
@@ -21101,6 +21329,14 @@
   <p:clrMapOvr>
     <a:masterClrMapping/>
   </p:clrMapOvr>
+  <mc:AlternateContent xmlns:mc="http://schemas.openxmlformats.org/markup-compatibility/2006" xmlns:p14="http://schemas.microsoft.com/office/powerpoint/2010/main">
+    <mc:Choice Requires="p14">
+      <p:transition spd="slow" p14:dur="2000" advTm="44411"/>
+    </mc:Choice>
+    <mc:Fallback xmlns="">
+      <p:transition spd="slow" advTm="44411"/>
+    </mc:Fallback>
+  </mc:AlternateContent>
 </p:sld>
 </file>
 
@@ -21170,7 +21406,7 @@
           <a:bodyPr/>
           <a:lstStyle/>
           <a:p>
-            <a:endParaRPr lang="fr-FR"/>
+            <a:endParaRPr lang="fr-FR" dirty="0"/>
           </a:p>
         </p:txBody>
       </p:sp>
@@ -21214,6 +21450,14 @@
   <p:clrMapOvr>
     <a:masterClrMapping/>
   </p:clrMapOvr>
+  <mc:AlternateContent xmlns:mc="http://schemas.openxmlformats.org/markup-compatibility/2006" xmlns:p14="http://schemas.microsoft.com/office/powerpoint/2010/main">
+    <mc:Choice Requires="p14">
+      <p:transition spd="slow" p14:dur="2000" advTm="6144"/>
+    </mc:Choice>
+    <mc:Fallback xmlns="">
+      <p:transition spd="slow" advTm="6144"/>
+    </mc:Fallback>
+  </mc:AlternateContent>
 </p:sld>
 </file>
 
@@ -21512,6 +21756,14 @@
   <p:clrMapOvr>
     <a:masterClrMapping/>
   </p:clrMapOvr>
+  <mc:AlternateContent xmlns:mc="http://schemas.openxmlformats.org/markup-compatibility/2006" xmlns:p14="http://schemas.microsoft.com/office/powerpoint/2010/main">
+    <mc:Choice Requires="p14">
+      <p:transition spd="slow" p14:dur="2000" advTm="66888"/>
+    </mc:Choice>
+    <mc:Fallback xmlns="">
+      <p:transition spd="slow" advTm="66888"/>
+    </mc:Fallback>
+  </mc:AlternateContent>
 </p:sld>
 </file>
 
@@ -21773,6 +22025,14 @@
   <p:clrMapOvr>
     <a:masterClrMapping/>
   </p:clrMapOvr>
+  <mc:AlternateContent xmlns:mc="http://schemas.openxmlformats.org/markup-compatibility/2006" xmlns:p14="http://schemas.microsoft.com/office/powerpoint/2010/main">
+    <mc:Choice Requires="p14">
+      <p:transition spd="slow" p14:dur="2000" advTm="11722"/>
+    </mc:Choice>
+    <mc:Fallback xmlns="">
+      <p:transition spd="slow" advTm="11722"/>
+    </mc:Fallback>
+  </mc:AlternateContent>
 </p:sld>
 </file>
 
@@ -22097,6 +22357,14 @@
   <p:clrMapOvr>
     <a:masterClrMapping/>
   </p:clrMapOvr>
+  <mc:AlternateContent xmlns:mc="http://schemas.openxmlformats.org/markup-compatibility/2006" xmlns:p14="http://schemas.microsoft.com/office/powerpoint/2010/main">
+    <mc:Choice Requires="p14">
+      <p:transition spd="slow" p14:dur="2000" advTm="54976"/>
+    </mc:Choice>
+    <mc:Fallback xmlns="">
+      <p:transition spd="slow" advTm="54976"/>
+    </mc:Fallback>
+  </mc:AlternateContent>
 </p:sld>
 </file>
 
@@ -22169,7 +22437,7 @@
         <p:spPr>
           <a:xfrm>
             <a:off x="2589212" y="2133600"/>
-            <a:ext cx="5110999" cy="3777622"/>
+            <a:ext cx="5110999" cy="2396455"/>
           </a:xfrm>
         </p:spPr>
         <p:txBody>
@@ -22359,6 +22627,14 @@
   <p:clrMapOvr>
     <a:masterClrMapping/>
   </p:clrMapOvr>
+  <mc:AlternateContent xmlns:mc="http://schemas.openxmlformats.org/markup-compatibility/2006" xmlns:p14="http://schemas.microsoft.com/office/powerpoint/2010/main">
+    <mc:Choice Requires="p14">
+      <p:transition spd="slow" p14:dur="2000" advTm="46851"/>
+    </mc:Choice>
+    <mc:Fallback xmlns="">
+      <p:transition spd="slow" advTm="46851"/>
+    </mc:Fallback>
+  </mc:AlternateContent>
 </p:sld>
 </file>
 
@@ -23106,6 +23382,14 @@
   <p:clrMapOvr>
     <a:masterClrMapping/>
   </p:clrMapOvr>
+  <mc:AlternateContent xmlns:mc="http://schemas.openxmlformats.org/markup-compatibility/2006" xmlns:p14="http://schemas.microsoft.com/office/powerpoint/2010/main">
+    <mc:Choice Requires="p14">
+      <p:transition spd="slow" p14:dur="2000" advTm="148461"/>
+    </mc:Choice>
+    <mc:Fallback xmlns="">
+      <p:transition spd="slow" advTm="148461"/>
+    </mc:Fallback>
+  </mc:AlternateContent>
 </p:sld>
 </file>
 
@@ -23338,6 +23622,14 @@
   <p:clrMapOvr>
     <a:masterClrMapping/>
   </p:clrMapOvr>
+  <mc:AlternateContent xmlns:mc="http://schemas.openxmlformats.org/markup-compatibility/2006" xmlns:p14="http://schemas.microsoft.com/office/powerpoint/2010/main">
+    <mc:Choice Requires="p14">
+      <p:transition spd="slow" p14:dur="2000" advTm="60916"/>
+    </mc:Choice>
+    <mc:Fallback xmlns="">
+      <p:transition spd="slow" advTm="60916"/>
+    </mc:Fallback>
+  </mc:AlternateContent>
 </p:sld>
 </file>
 

--- a/aDoc/Projet boutique en ligne.pptx
+++ b/aDoc/Projet boutique en ligne.pptx
@@ -5,7 +5,7 @@
     <p:sldMasterId id="2147483648" r:id="rId1"/>
   </p:sldMasterIdLst>
   <p:notesMasterIdLst>
-    <p:notesMasterId r:id="rId35"/>
+    <p:notesMasterId r:id="rId36"/>
   </p:notesMasterIdLst>
   <p:sldIdLst>
     <p:sldId id="256" r:id="rId2"/>
@@ -35,12 +35,13 @@
     <p:sldId id="292" r:id="rId26"/>
     <p:sldId id="276" r:id="rId27"/>
     <p:sldId id="277" r:id="rId28"/>
-    <p:sldId id="278" r:id="rId29"/>
-    <p:sldId id="293" r:id="rId30"/>
-    <p:sldId id="279" r:id="rId31"/>
-    <p:sldId id="280" r:id="rId32"/>
-    <p:sldId id="294" r:id="rId33"/>
-    <p:sldId id="281" r:id="rId34"/>
+    <p:sldId id="296" r:id="rId29"/>
+    <p:sldId id="278" r:id="rId30"/>
+    <p:sldId id="293" r:id="rId31"/>
+    <p:sldId id="279" r:id="rId32"/>
+    <p:sldId id="280" r:id="rId33"/>
+    <p:sldId id="294" r:id="rId34"/>
+    <p:sldId id="281" r:id="rId35"/>
   </p:sldIdLst>
   <p:sldSz cx="12192000" cy="6858000"/>
   <p:notesSz cx="6858000" cy="9144000"/>
@@ -4199,7 +4200,7 @@
           <a:p>
             <a:fld id="{2CDCDF8F-3D54-4115-A7BF-B22B247C4638}" type="datetimeFigureOut">
               <a:rPr lang="fr-FR" smtClean="0"/>
-              <a:t>24/01/2021</a:t>
+              <a:t>01/02/2021</a:t>
             </a:fld>
             <a:endParaRPr lang="fr-FR"/>
           </a:p>
@@ -4654,7 +4655,7 @@
           <a:p>
             <a:fld id="{30BF176E-CADB-48F9-B97C-1D186AD99C00}" type="datetime1">
               <a:rPr lang="en-US" smtClean="0"/>
-              <a:t>1/24/2021</a:t>
+              <a:t>2/1/2021</a:t>
             </a:fld>
             <a:endParaRPr lang="en-US" dirty="0"/>
           </a:p>
@@ -4988,7 +4989,7 @@
           <a:p>
             <a:fld id="{F8B59121-EE1F-4479-B37D-243652B9AF57}" type="datetime1">
               <a:rPr lang="en-US" smtClean="0"/>
-              <a:t>1/24/2021</a:t>
+              <a:t>2/1/2021</a:t>
             </a:fld>
             <a:endParaRPr lang="en-US" dirty="0"/>
           </a:p>
@@ -5385,7 +5386,7 @@
           <a:p>
             <a:fld id="{37C5854A-430C-41F8-B4AA-EEE3BC935C71}" type="datetime1">
               <a:rPr lang="en-US" smtClean="0"/>
-              <a:t>1/24/2021</a:t>
+              <a:t>2/1/2021</a:t>
             </a:fld>
             <a:endParaRPr lang="en-US" dirty="0"/>
           </a:p>
@@ -5717,7 +5718,7 @@
           <a:p>
             <a:fld id="{B00D6915-AD78-415E-9082-43687253A670}" type="datetime1">
               <a:rPr lang="en-US" smtClean="0"/>
-              <a:t>1/24/2021</a:t>
+              <a:t>2/1/2021</a:t>
             </a:fld>
             <a:endParaRPr lang="en-US" dirty="0"/>
           </a:p>
@@ -6033,7 +6034,7 @@
           <a:p>
             <a:fld id="{C688B8AB-7942-4DD7-9B83-C03FBC9CFF5D}" type="datetime1">
               <a:rPr lang="en-US" smtClean="0"/>
-              <a:t>1/24/2021</a:t>
+              <a:t>2/1/2021</a:t>
             </a:fld>
             <a:endParaRPr lang="en-US" dirty="0"/>
           </a:p>
@@ -6425,7 +6426,7 @@
           <a:p>
             <a:fld id="{6626BFCB-E957-4302-B399-C285F828936F}" type="datetime1">
               <a:rPr lang="en-US" smtClean="0"/>
-              <a:t>1/24/2021</a:t>
+              <a:t>2/1/2021</a:t>
             </a:fld>
             <a:endParaRPr lang="en-US" dirty="0"/>
           </a:p>
@@ -6678,7 +6679,7 @@
           <a:p>
             <a:fld id="{805BCEB2-B0F8-49F6-9921-FCDDB047B27B}" type="datetime1">
               <a:rPr lang="en-US" smtClean="0"/>
-              <a:t>1/24/2021</a:t>
+              <a:t>2/1/2021</a:t>
             </a:fld>
             <a:endParaRPr lang="en-US" dirty="0"/>
           </a:p>
@@ -6936,7 +6937,7 @@
           <a:p>
             <a:fld id="{8D966F9A-AED3-4BCA-93CD-F2BA2FA9764A}" type="datetime1">
               <a:rPr lang="en-US" smtClean="0"/>
-              <a:t>1/24/2021</a:t>
+              <a:t>2/1/2021</a:t>
             </a:fld>
             <a:endParaRPr lang="en-US" dirty="0"/>
           </a:p>
@@ -7194,7 +7195,7 @@
           <a:p>
             <a:fld id="{25471B62-9AD3-44B3-9B01-E63E073463FB}" type="datetime1">
               <a:rPr lang="en-US" smtClean="0"/>
-              <a:t>1/24/2021</a:t>
+              <a:t>2/1/2021</a:t>
             </a:fld>
             <a:endParaRPr lang="en-US" dirty="0"/>
           </a:p>
@@ -7519,7 +7520,7 @@
           <a:p>
             <a:fld id="{0B6236A2-B66E-4463-AD93-2D5632174887}" type="datetime1">
               <a:rPr lang="en-US" smtClean="0"/>
-              <a:t>1/24/2021</a:t>
+              <a:t>2/1/2021</a:t>
             </a:fld>
             <a:endParaRPr lang="en-US" dirty="0"/>
           </a:p>
@@ -7838,7 +7839,7 @@
           <a:p>
             <a:fld id="{7A72F98A-E971-4236-B7C4-1A6C45CC50CE}" type="datetime1">
               <a:rPr lang="en-US" smtClean="0"/>
-              <a:t>1/24/2021</a:t>
+              <a:t>2/1/2021</a:t>
             </a:fld>
             <a:endParaRPr lang="en-US" dirty="0"/>
           </a:p>
@@ -8291,7 +8292,7 @@
           <a:p>
             <a:fld id="{3FF510AB-544C-40EA-B938-196EAA3D0F2B}" type="datetime1">
               <a:rPr lang="en-US" smtClean="0"/>
-              <a:t>1/24/2021</a:t>
+              <a:t>2/1/2021</a:t>
             </a:fld>
             <a:endParaRPr lang="en-US" dirty="0"/>
           </a:p>
@@ -8492,7 +8493,7 @@
           <a:p>
             <a:fld id="{1D433965-0187-4094-8A8E-91F2CA57F05E}" type="datetime1">
               <a:rPr lang="en-US" smtClean="0"/>
-              <a:t>1/24/2021</a:t>
+              <a:t>2/1/2021</a:t>
             </a:fld>
             <a:endParaRPr lang="en-US" dirty="0"/>
           </a:p>
@@ -8665,7 +8666,7 @@
           <a:p>
             <a:fld id="{69129591-3F3E-4E3F-944D-AF26B2D532FD}" type="datetime1">
               <a:rPr lang="en-US" smtClean="0"/>
-              <a:t>1/24/2021</a:t>
+              <a:t>2/1/2021</a:t>
             </a:fld>
             <a:endParaRPr lang="en-US" dirty="0"/>
           </a:p>
@@ -8994,7 +8995,7 @@
           <a:p>
             <a:fld id="{29C7A8B3-BC23-4952-B9C1-8515DB3EAF5D}" type="datetime1">
               <a:rPr lang="en-US" smtClean="0"/>
-              <a:t>1/24/2021</a:t>
+              <a:t>2/1/2021</a:t>
             </a:fld>
             <a:endParaRPr lang="en-US" dirty="0"/>
           </a:p>
@@ -9335,7 +9336,7 @@
           <a:p>
             <a:fld id="{802DCC3A-F874-4662-A1A8-F3F6DA43E4A3}" type="datetime1">
               <a:rPr lang="en-US" smtClean="0"/>
-              <a:t>1/24/2021</a:t>
+              <a:t>2/1/2021</a:t>
             </a:fld>
             <a:endParaRPr lang="en-US" dirty="0"/>
           </a:p>
@@ -11448,7 +11449,7 @@
           <a:p>
             <a:fld id="{29463D4B-AA9E-408A-A82A-29FCBE21BC24}" type="datetime1">
               <a:rPr lang="en-US" smtClean="0"/>
-              <a:t>1/24/2021</a:t>
+              <a:t>2/1/2021</a:t>
             </a:fld>
             <a:endParaRPr lang="en-US" dirty="0"/>
           </a:p>
@@ -12060,12 +12061,12 @@
   <p:clrMapOvr>
     <a:masterClrMapping/>
   </p:clrMapOvr>
-  <mc:AlternateContent xmlns:mc="http://schemas.openxmlformats.org/markup-compatibility/2006" xmlns:p14="http://schemas.microsoft.com/office/powerpoint/2010/main">
-    <mc:Choice Requires="p14">
-      <p:transition spd="slow" p14:dur="2000" advTm="5406"/>
+  <mc:AlternateContent xmlns:mc="http://schemas.openxmlformats.org/markup-compatibility/2006">
+    <mc:Choice xmlns:p14="http://schemas.microsoft.com/office/powerpoint/2010/main" Requires="p14">
+      <p:transition spd="slow" p14:dur="2000" advTm="6303"/>
     </mc:Choice>
-    <mc:Fallback xmlns="">
-      <p:transition spd="slow" advTm="5406"/>
+    <mc:Fallback>
+      <p:transition spd="slow" advTm="6303"/>
     </mc:Fallback>
   </mc:AlternateContent>
 </p:sld>
@@ -12152,24 +12153,69 @@
           <a:lstStyle/>
           <a:p>
             <a:r>
+              <a:rPr lang="fr-FR" dirty="0"/>
+              <a:t>«  </a:t>
+            </a:r>
+            <a:r>
               <a:rPr lang="fr-FR" dirty="0" err="1"/>
-              <a:t>Make:user</a:t>
-            </a:r>
-            <a:endParaRPr lang="fr-FR" dirty="0"/>
-          </a:p>
-          <a:p>
+              <a:t>php</a:t>
+            </a:r>
+            <a:r>
+              <a:rPr lang="fr-FR" dirty="0"/>
+              <a:t> bin/console </a:t>
+            </a:r>
             <a:r>
               <a:rPr lang="fr-FR" dirty="0" err="1"/>
-              <a:t>make:registration</a:t>
-            </a:r>
-            <a:endParaRPr lang="fr-FR" dirty="0"/>
-          </a:p>
-          <a:p>
+              <a:t>make:user</a:t>
+            </a:r>
+            <a:r>
+              <a:rPr lang="fr-FR" dirty="0"/>
+              <a:t> »</a:t>
+            </a:r>
+          </a:p>
+          <a:p>
+            <a:r>
+              <a:rPr lang="fr-FR" dirty="0"/>
+              <a:t>«  </a:t>
+            </a:r>
             <a:r>
               <a:rPr lang="fr-FR" dirty="0" err="1"/>
-              <a:t>Make:auth</a:t>
-            </a:r>
-            <a:endParaRPr lang="fr-FR" dirty="0"/>
+              <a:t>php</a:t>
+            </a:r>
+            <a:r>
+              <a:rPr lang="fr-FR" dirty="0"/>
+              <a:t> bin/console </a:t>
+            </a:r>
+            <a:r>
+              <a:rPr lang="fr-FR" dirty="0" err="1"/>
+              <a:t>make:registration-form</a:t>
+            </a:r>
+            <a:r>
+              <a:rPr lang="fr-FR" dirty="0"/>
+              <a:t> »</a:t>
+            </a:r>
+          </a:p>
+          <a:p>
+            <a:r>
+              <a:rPr lang="fr-FR" dirty="0"/>
+              <a:t>« </a:t>
+            </a:r>
+            <a:r>
+              <a:rPr lang="fr-FR" dirty="0" err="1"/>
+              <a:t>php</a:t>
+            </a:r>
+            <a:r>
+              <a:rPr lang="fr-FR" dirty="0"/>
+              <a:t> bin/console </a:t>
+            </a:r>
+            <a:r>
+              <a:rPr lang="fr-FR" dirty="0" err="1"/>
+              <a:t>make:auth</a:t>
+            </a:r>
+            <a:r>
+              <a:rPr lang="fr-FR" dirty="0"/>
+              <a:t> »</a:t>
+            </a:r>
           </a:p>
           <a:p>
             <a:r>
@@ -12186,7 +12232,7 @@
             <a:pPr lvl="1"/>
             <a:r>
               <a:rPr lang="fr-FR" dirty="0"/>
-              <a:t>ARGON2ID</a:t>
+              <a:t>ARGON2</a:t>
             </a:r>
           </a:p>
           <a:p>
@@ -12200,7 +12246,7 @@
             <a:pPr lvl="2"/>
             <a:r>
               <a:rPr lang="fr-FR" dirty="0"/>
-              <a:t>Anonyme?</a:t>
+              <a:t>Anonyme</a:t>
             </a:r>
           </a:p>
           <a:p>
@@ -12257,7 +12303,7 @@
         </p:spPr>
         <p:txBody>
           <a:bodyPr vert="horz" lIns="91440" tIns="45720" rIns="91440" bIns="45720" rtlCol="0" anchor="t">
-            <a:normAutofit/>
+            <a:normAutofit fontScale="92500"/>
           </a:bodyPr>
           <a:lstStyle>
             <a:lvl1pPr algn="l" defTabSz="457200" rtl="0" eaLnBrk="1" latinLnBrk="0" hangingPunct="1">
@@ -12335,10 +12381,9 @@
           </a:lstStyle>
           <a:p>
             <a:r>
-              <a:rPr lang="fr-FR"/>
-              <a:t>Principe de fonction de Symfony</a:t>
-            </a:r>
-            <a:endParaRPr lang="fr-FR" dirty="0"/>
+              <a:rPr lang="fr-FR" dirty="0"/>
+              <a:t>Principe de fonctionnement de Symfony</a:t>
+            </a:r>
           </a:p>
         </p:txBody>
       </p:sp>
@@ -12516,7 +12561,7 @@
         </p:spPr>
         <p:txBody>
           <a:bodyPr vert="horz" lIns="91440" tIns="45720" rIns="91440" bIns="45720" rtlCol="0" anchor="t">
-            <a:normAutofit/>
+            <a:normAutofit fontScale="92500"/>
           </a:bodyPr>
           <a:lstStyle>
             <a:lvl1pPr algn="l" defTabSz="457200" rtl="0" eaLnBrk="1" latinLnBrk="0" hangingPunct="1">
@@ -12595,7 +12640,7 @@
           <a:p>
             <a:r>
               <a:rPr lang="fr-FR" dirty="0"/>
-              <a:t>Principe de fonction de Symfony</a:t>
+              <a:t>Principe de fonctionnement de Symfony</a:t>
             </a:r>
           </a:p>
         </p:txBody>
@@ -12773,7 +12818,7 @@
         </p:spPr>
         <p:txBody>
           <a:bodyPr vert="horz" lIns="91440" tIns="45720" rIns="91440" bIns="45720" rtlCol="0" anchor="t">
-            <a:normAutofit/>
+            <a:normAutofit fontScale="92500"/>
           </a:bodyPr>
           <a:lstStyle>
             <a:lvl1pPr algn="l" defTabSz="457200" rtl="0" eaLnBrk="1" latinLnBrk="0" hangingPunct="1">
@@ -12851,10 +12896,9 @@
           </a:lstStyle>
           <a:p>
             <a:r>
-              <a:rPr lang="fr-FR"/>
-              <a:t>Principe de fonction de Symfony</a:t>
-            </a:r>
-            <a:endParaRPr lang="fr-FR" dirty="0"/>
+              <a:rPr lang="fr-FR" dirty="0"/>
+              <a:t>Principe de fonctionnement de Symfony</a:t>
+            </a:r>
           </a:p>
         </p:txBody>
       </p:sp>
@@ -13044,7 +13088,7 @@
         </p:spPr>
         <p:txBody>
           <a:bodyPr vert="horz" lIns="91440" tIns="45720" rIns="91440" bIns="45720" rtlCol="0" anchor="t">
-            <a:normAutofit/>
+            <a:normAutofit fontScale="92500"/>
           </a:bodyPr>
           <a:lstStyle>
             <a:lvl1pPr algn="l" defTabSz="457200" rtl="0" eaLnBrk="1" latinLnBrk="0" hangingPunct="1">
@@ -13122,10 +13166,9 @@
           </a:lstStyle>
           <a:p>
             <a:r>
-              <a:rPr lang="fr-FR"/>
-              <a:t>Principe de fonction de Symfony</a:t>
-            </a:r>
-            <a:endParaRPr lang="fr-FR" dirty="0"/>
+              <a:rPr lang="fr-FR" dirty="0"/>
+              <a:t>Principe de fonctionnement de Symfony</a:t>
+            </a:r>
           </a:p>
         </p:txBody>
       </p:sp>
@@ -13332,7 +13375,7 @@
         </p:spPr>
         <p:txBody>
           <a:bodyPr vert="horz" lIns="91440" tIns="45720" rIns="91440" bIns="45720" rtlCol="0" anchor="t">
-            <a:normAutofit/>
+            <a:normAutofit fontScale="92500"/>
           </a:bodyPr>
           <a:lstStyle>
             <a:lvl1pPr algn="l" defTabSz="457200" rtl="0" eaLnBrk="1" latinLnBrk="0" hangingPunct="1">
@@ -13410,10 +13453,9 @@
           </a:lstStyle>
           <a:p>
             <a:r>
-              <a:rPr lang="fr-FR"/>
-              <a:t>Principe de fonction de Symfony</a:t>
-            </a:r>
-            <a:endParaRPr lang="fr-FR" dirty="0"/>
+              <a:rPr lang="fr-FR" dirty="0"/>
+              <a:t>Principe de fonctionnement de Symfony</a:t>
+            </a:r>
           </a:p>
         </p:txBody>
       </p:sp>
@@ -13550,7 +13592,7 @@
             <a:pPr lvl="1"/>
             <a:r>
               <a:rPr lang="fr-FR" dirty="0"/>
-              <a:t>Trier les fonctionnalités</a:t>
+              <a:t>Trier les fonctionnalités (MVP)</a:t>
             </a:r>
           </a:p>
           <a:p>
@@ -13577,7 +13619,7 @@
             </a:pPr>
             <a:r>
               <a:rPr lang="fr-FR" dirty="0"/>
-              <a:t>MVP/ Agile / </a:t>
+              <a:t>Agile / </a:t>
             </a:r>
             <a:r>
               <a:rPr lang="fr-FR" dirty="0" err="1"/>
@@ -15313,10 +15355,10 @@
       </p:sp>
       <p:pic>
         <p:nvPicPr>
-          <p:cNvPr id="10" name="Image 9">
+          <p:cNvPr id="6" name="Image 5">
             <a:extLst>
               <a:ext uri="{FF2B5EF4-FFF2-40B4-BE49-F238E27FC236}">
-                <a16:creationId xmlns:a16="http://schemas.microsoft.com/office/drawing/2014/main" id="{CD23DF13-E974-49C3-A39B-03545D04AC72}"/>
+                <a16:creationId xmlns:a16="http://schemas.microsoft.com/office/drawing/2014/main" id="{AEA88056-B2DE-4A11-A14F-B5EF4D83A39A}"/>
               </a:ext>
             </a:extLst>
           </p:cNvPr>
@@ -15333,8 +15375,8 @@
         </p:blipFill>
         <p:spPr>
           <a:xfrm>
-            <a:off x="1275677" y="1773843"/>
-            <a:ext cx="9640645" cy="4296375"/>
+            <a:off x="2981025" y="1313676"/>
+            <a:ext cx="8135485" cy="5544324"/>
           </a:xfrm>
           <a:prstGeom prst="rect">
             <a:avLst/>
@@ -15583,10 +15625,10 @@
       </p:sp>
       <p:pic>
         <p:nvPicPr>
-          <p:cNvPr id="8" name="Image 7">
+          <p:cNvPr id="6" name="Image 5">
             <a:extLst>
               <a:ext uri="{FF2B5EF4-FFF2-40B4-BE49-F238E27FC236}">
-                <a16:creationId xmlns:a16="http://schemas.microsoft.com/office/drawing/2014/main" id="{395C3893-DF99-44E9-BD1F-1E1C0FFDA330}"/>
+                <a16:creationId xmlns:a16="http://schemas.microsoft.com/office/drawing/2014/main" id="{63D2225D-601B-4D19-9922-6BB1D1B79463}"/>
               </a:ext>
             </a:extLst>
           </p:cNvPr>
@@ -15603,8 +15645,8 @@
         </p:blipFill>
         <p:spPr>
           <a:xfrm>
-            <a:off x="3210307" y="1565989"/>
-            <a:ext cx="7059010" cy="4667901"/>
+            <a:off x="3185706" y="1390365"/>
+            <a:ext cx="6790632" cy="4756777"/>
           </a:xfrm>
           <a:prstGeom prst="rect">
             <a:avLst/>
@@ -15709,10 +15751,10 @@
       </p:sp>
       <p:pic>
         <p:nvPicPr>
-          <p:cNvPr id="8" name="Image 7">
+          <p:cNvPr id="4" name="Image 3">
             <a:extLst>
               <a:ext uri="{FF2B5EF4-FFF2-40B4-BE49-F238E27FC236}">
-                <a16:creationId xmlns:a16="http://schemas.microsoft.com/office/drawing/2014/main" id="{CDB11EB4-6728-4E62-B839-B4DEF6E0A9BC}"/>
+                <a16:creationId xmlns:a16="http://schemas.microsoft.com/office/drawing/2014/main" id="{E0860D15-7A34-4117-9ABA-BCE19494B519}"/>
               </a:ext>
             </a:extLst>
           </p:cNvPr>
@@ -15729,8 +15771,8 @@
         </p:blipFill>
         <p:spPr>
           <a:xfrm>
-            <a:off x="370676" y="1871445"/>
-            <a:ext cx="11450648" cy="3115110"/>
+            <a:off x="2592925" y="1905000"/>
+            <a:ext cx="8102370" cy="3652300"/>
           </a:xfrm>
           <a:prstGeom prst="rect">
             <a:avLst/>
@@ -15835,10 +15877,10 @@
       </p:sp>
       <p:pic>
         <p:nvPicPr>
-          <p:cNvPr id="8" name="Image 7">
+          <p:cNvPr id="4" name="Image 3">
             <a:extLst>
               <a:ext uri="{FF2B5EF4-FFF2-40B4-BE49-F238E27FC236}">
-                <a16:creationId xmlns:a16="http://schemas.microsoft.com/office/drawing/2014/main" id="{3EC8156D-3230-4AC3-997C-BC748FA6CE43}"/>
+                <a16:creationId xmlns:a16="http://schemas.microsoft.com/office/drawing/2014/main" id="{26E559A2-4F10-4759-AF1F-F4DD9BF26CFA}"/>
               </a:ext>
             </a:extLst>
           </p:cNvPr>
@@ -15855,8 +15897,8 @@
         </p:blipFill>
         <p:spPr>
           <a:xfrm>
-            <a:off x="806146" y="1661538"/>
-            <a:ext cx="10840963" cy="2657846"/>
+            <a:off x="2592925" y="1623555"/>
+            <a:ext cx="8257252" cy="3610889"/>
           </a:xfrm>
           <a:prstGeom prst="rect">
             <a:avLst/>
@@ -15973,16 +16015,15 @@
           </p:cNvPicPr>
           <p:nvPr/>
         </p:nvPicPr>
-        <p:blipFill>
+        <p:blipFill rotWithShape="1">
           <a:blip r:embed="rId2"/>
-          <a:stretch>
-            <a:fillRect/>
-          </a:stretch>
+          <a:srcRect t="36059"/>
+          <a:stretch/>
         </p:blipFill>
         <p:spPr>
           <a:xfrm>
-            <a:off x="2592925" y="1622065"/>
-            <a:ext cx="8735644" cy="4229690"/>
+            <a:off x="2592925" y="1594883"/>
+            <a:ext cx="8735644" cy="2704518"/>
           </a:xfrm>
           <a:prstGeom prst="rect">
             <a:avLst/>
@@ -16187,7 +16228,7 @@
         <p:spPr>
           <a:xfrm>
             <a:off x="2592925" y="624109"/>
-            <a:ext cx="2557573" cy="1951139"/>
+            <a:ext cx="6351783" cy="724045"/>
           </a:xfrm>
         </p:spPr>
         <p:txBody>
@@ -16202,59 +16243,11 @@
             </a:r>
             <a:r>
               <a:rPr lang="fr-FR" dirty="0"/>
-              <a:t> </a:t>
-            </a:r>
-            <a:br>
-              <a:rPr lang="fr-FR" dirty="0"/>
-            </a:br>
-            <a:r>
-              <a:rPr lang="fr-FR" dirty="0"/>
-              <a:t>paiement</a:t>
-            </a:r>
-            <a:br>
-              <a:rPr lang="fr-FR" dirty="0"/>
-            </a:br>
-            <a:r>
-              <a:rPr lang="fr-FR" dirty="0"/>
-              <a:t>Suite</a:t>
+              <a:t> paiement Suite</a:t>
             </a:r>
           </a:p>
         </p:txBody>
       </p:sp>
-      <p:pic>
-        <p:nvPicPr>
-          <p:cNvPr id="5" name="Image 4">
-            <a:extLst>
-              <a:ext uri="{FF2B5EF4-FFF2-40B4-BE49-F238E27FC236}">
-                <a16:creationId xmlns:a16="http://schemas.microsoft.com/office/drawing/2014/main" id="{494B2D72-FBAE-4BED-8579-9C055FCF4B22}"/>
-              </a:ext>
-            </a:extLst>
-          </p:cNvPr>
-          <p:cNvPicPr/>
-          <p:nvPr/>
-        </p:nvPicPr>
-        <p:blipFill>
-          <a:blip r:embed="rId2">
-            <a:extLst>
-              <a:ext uri="{28A0092B-C50C-407E-A947-70E740481C1C}">
-                <a14:useLocalDpi xmlns:a14="http://schemas.microsoft.com/office/drawing/2010/main" val="0"/>
-              </a:ext>
-            </a:extLst>
-          </a:blip>
-          <a:stretch>
-            <a:fillRect/>
-          </a:stretch>
-        </p:blipFill>
-        <p:spPr>
-          <a:xfrm>
-            <a:off x="5753566" y="220393"/>
-            <a:ext cx="6105641" cy="6417213"/>
-          </a:xfrm>
-          <a:prstGeom prst="rect">
-            <a:avLst/>
-          </a:prstGeom>
-        </p:spPr>
-      </p:pic>
       <p:sp>
         <p:nvSpPr>
           <p:cNvPr id="6" name="Espace réservé du numéro de diapositive 5">
@@ -16285,6 +16278,36 @@
           </a:p>
         </p:txBody>
       </p:sp>
+      <p:pic>
+        <p:nvPicPr>
+          <p:cNvPr id="4" name="Image 3">
+            <a:extLst>
+              <a:ext uri="{FF2B5EF4-FFF2-40B4-BE49-F238E27FC236}">
+                <a16:creationId xmlns:a16="http://schemas.microsoft.com/office/drawing/2014/main" id="{68C6F4FE-5C49-493C-8192-13B53BFD8562}"/>
+              </a:ext>
+            </a:extLst>
+          </p:cNvPr>
+          <p:cNvPicPr>
+            <a:picLocks noChangeAspect="1"/>
+          </p:cNvPicPr>
+          <p:nvPr/>
+        </p:nvPicPr>
+        <p:blipFill>
+          <a:blip r:embed="rId2"/>
+          <a:stretch>
+            <a:fillRect/>
+          </a:stretch>
+        </p:blipFill>
+        <p:spPr>
+          <a:xfrm>
+            <a:off x="2592925" y="1514207"/>
+            <a:ext cx="8930860" cy="4121935"/>
+          </a:xfrm>
+          <a:prstGeom prst="rect">
+            <a:avLst/>
+          </a:prstGeom>
+        </p:spPr>
+      </p:pic>
     </p:spTree>
     <p:extLst>
       <p:ext uri="{BB962C8B-B14F-4D97-AF65-F5344CB8AC3E}">
@@ -16328,7 +16351,7 @@
           <p:cNvPr id="2" name="Titre 1">
             <a:extLst>
               <a:ext uri="{FF2B5EF4-FFF2-40B4-BE49-F238E27FC236}">
-                <a16:creationId xmlns:a16="http://schemas.microsoft.com/office/drawing/2014/main" id="{E52A49DA-3786-483F-AA3D-48B226E8225E}"/>
+                <a16:creationId xmlns:a16="http://schemas.microsoft.com/office/drawing/2014/main" id="{F8BEFCBD-E66A-4F52-8F1C-4E09A4C9104D}"/>
               </a:ext>
             </a:extLst>
           </p:cNvPr>
@@ -16341,17 +16364,23 @@
         </p:nvSpPr>
         <p:spPr>
           <a:xfrm>
-            <a:off x="2592925" y="624110"/>
-            <a:ext cx="4628969" cy="1280890"/>
+            <a:off x="2592925" y="624109"/>
+            <a:ext cx="6351783" cy="724045"/>
           </a:xfrm>
         </p:spPr>
         <p:txBody>
-          <a:bodyPr/>
+          <a:bodyPr>
+            <a:normAutofit/>
+          </a:bodyPr>
           <a:lstStyle/>
           <a:p>
             <a:r>
+              <a:rPr lang="fr-FR" dirty="0" err="1"/>
+              <a:t>Stripe</a:t>
+            </a:r>
+            <a:r>
               <a:rPr lang="fr-FR" dirty="0"/>
-              <a:t>Paiement Réussi</a:t>
+              <a:t> paiement Suite</a:t>
             </a:r>
           </a:p>
         </p:txBody>
@@ -16361,7 +16390,7 @@
           <p:cNvPr id="6" name="Espace réservé du numéro de diapositive 5">
             <a:extLst>
               <a:ext uri="{FF2B5EF4-FFF2-40B4-BE49-F238E27FC236}">
-                <a16:creationId xmlns:a16="http://schemas.microsoft.com/office/drawing/2014/main" id="{279E35C9-0FCF-4244-9B94-C771E613E77F}"/>
+                <a16:creationId xmlns:a16="http://schemas.microsoft.com/office/drawing/2014/main" id="{51753DA1-63C9-4D05-B3F9-33661D995345}"/>
               </a:ext>
             </a:extLst>
           </p:cNvPr>
@@ -16388,10 +16417,10 @@
       </p:sp>
       <p:pic>
         <p:nvPicPr>
-          <p:cNvPr id="4" name="Image 3">
+          <p:cNvPr id="5" name="Image 4">
             <a:extLst>
               <a:ext uri="{FF2B5EF4-FFF2-40B4-BE49-F238E27FC236}">
-                <a16:creationId xmlns:a16="http://schemas.microsoft.com/office/drawing/2014/main" id="{1BDE1821-5734-41DB-BC82-ED196205F40C}"/>
+                <a16:creationId xmlns:a16="http://schemas.microsoft.com/office/drawing/2014/main" id="{4DE4817C-C3D3-42B2-AF01-FC2152C229B8}"/>
               </a:ext>
             </a:extLst>
           </p:cNvPr>
@@ -16408,8 +16437,8 @@
         </p:blipFill>
         <p:spPr>
           <a:xfrm>
-            <a:off x="3736254" y="1268963"/>
-            <a:ext cx="6933236" cy="5589037"/>
+            <a:off x="2592925" y="1643964"/>
+            <a:ext cx="7968733" cy="3854159"/>
           </a:xfrm>
           <a:prstGeom prst="rect">
             <a:avLst/>
@@ -16419,19 +16448,19 @@
     </p:spTree>
     <p:extLst>
       <p:ext uri="{BB962C8B-B14F-4D97-AF65-F5344CB8AC3E}">
-        <p14:creationId xmlns:p14="http://schemas.microsoft.com/office/powerpoint/2010/main" val="4073099296"/>
+        <p14:creationId xmlns:p14="http://schemas.microsoft.com/office/powerpoint/2010/main" val="253877625"/>
       </p:ext>
     </p:extLst>
   </p:cSld>
   <p:clrMapOvr>
     <a:masterClrMapping/>
   </p:clrMapOvr>
-  <mc:AlternateContent xmlns:mc="http://schemas.openxmlformats.org/markup-compatibility/2006" xmlns:p14="http://schemas.microsoft.com/office/powerpoint/2010/main">
-    <mc:Choice Requires="p14">
-      <p:transition spd="slow" p14:dur="2000" advTm="59903"/>
+  <mc:AlternateContent xmlns:mc="http://schemas.openxmlformats.org/markup-compatibility/2006">
+    <mc:Choice xmlns:p14="http://schemas.microsoft.com/office/powerpoint/2010/main" Requires="p14">
+      <p:transition spd="slow" p14:dur="2000" advTm="74918"/>
     </mc:Choice>
-    <mc:Fallback xmlns="">
-      <p:transition spd="slow" advTm="59903"/>
+    <mc:Fallback>
+      <p:transition spd="slow" advTm="74918"/>
     </mc:Fallback>
   </mc:AlternateContent>
 </p:sld>
@@ -16482,7 +16511,7 @@
           <a:p>
             <a:r>
               <a:rPr lang="fr-FR" dirty="0"/>
-              <a:t>Suite</a:t>
+              <a:t>Paiement Réussi</a:t>
             </a:r>
           </a:p>
         </p:txBody>
@@ -16522,7 +16551,7 @@
           <p:cNvPr id="5" name="Image 4">
             <a:extLst>
               <a:ext uri="{FF2B5EF4-FFF2-40B4-BE49-F238E27FC236}">
-                <a16:creationId xmlns:a16="http://schemas.microsoft.com/office/drawing/2014/main" id="{88E0F381-5353-43EE-BD52-34B36B3360CC}"/>
+                <a16:creationId xmlns:a16="http://schemas.microsoft.com/office/drawing/2014/main" id="{85E81FC9-21EE-4F46-B1B5-4C7D22EE0BA5}"/>
               </a:ext>
             </a:extLst>
           </p:cNvPr>
@@ -16539,8 +16568,8 @@
         </p:blipFill>
         <p:spPr>
           <a:xfrm>
-            <a:off x="3109495" y="1776182"/>
-            <a:ext cx="5973009" cy="3305636"/>
+            <a:off x="2673433" y="1264555"/>
+            <a:ext cx="6925642" cy="5468113"/>
           </a:xfrm>
           <a:prstGeom prst="rect">
             <a:avLst/>
@@ -16550,7 +16579,7 @@
     </p:spTree>
     <p:extLst>
       <p:ext uri="{BB962C8B-B14F-4D97-AF65-F5344CB8AC3E}">
-        <p14:creationId xmlns:p14="http://schemas.microsoft.com/office/powerpoint/2010/main" val="83798441"/>
+        <p14:creationId xmlns:p14="http://schemas.microsoft.com/office/powerpoint/2010/main" val="4073099296"/>
       </p:ext>
     </p:extLst>
   </p:cSld>
@@ -16559,10 +16588,10 @@
   </p:clrMapOvr>
   <mc:AlternateContent xmlns:mc="http://schemas.openxmlformats.org/markup-compatibility/2006" xmlns:p14="http://schemas.microsoft.com/office/powerpoint/2010/main">
     <mc:Choice Requires="p14">
-      <p:transition spd="slow" p14:dur="2000" advTm="22593"/>
+      <p:transition spd="slow" p14:dur="2000" advTm="59903"/>
     </mc:Choice>
     <mc:Fallback xmlns="">
-      <p:transition spd="slow" advTm="22593"/>
+      <p:transition spd="slow" advTm="59903"/>
     </mc:Fallback>
   </mc:AlternateContent>
 </p:sld>
@@ -16833,6 +16862,137 @@
 </file>
 
 <file path=ppt/slides/slide30.xml><?xml version="1.0" encoding="utf-8"?>
+<p:sld xmlns:a="http://schemas.openxmlformats.org/drawingml/2006/main" xmlns:r="http://schemas.openxmlformats.org/officeDocument/2006/relationships" xmlns:p="http://schemas.openxmlformats.org/presentationml/2006/main">
+  <p:cSld>
+    <p:spTree>
+      <p:nvGrpSpPr>
+        <p:cNvPr id="1" name=""/>
+        <p:cNvGrpSpPr/>
+        <p:nvPr/>
+      </p:nvGrpSpPr>
+      <p:grpSpPr>
+        <a:xfrm>
+          <a:off x="0" y="0"/>
+          <a:ext cx="0" cy="0"/>
+          <a:chOff x="0" y="0"/>
+          <a:chExt cx="0" cy="0"/>
+        </a:xfrm>
+      </p:grpSpPr>
+      <p:sp>
+        <p:nvSpPr>
+          <p:cNvPr id="2" name="Titre 1">
+            <a:extLst>
+              <a:ext uri="{FF2B5EF4-FFF2-40B4-BE49-F238E27FC236}">
+                <a16:creationId xmlns:a16="http://schemas.microsoft.com/office/drawing/2014/main" id="{E52A49DA-3786-483F-AA3D-48B226E8225E}"/>
+              </a:ext>
+            </a:extLst>
+          </p:cNvPr>
+          <p:cNvSpPr>
+            <a:spLocks noGrp="1"/>
+          </p:cNvSpPr>
+          <p:nvPr>
+            <p:ph type="title"/>
+          </p:nvPr>
+        </p:nvSpPr>
+        <p:spPr>
+          <a:xfrm>
+            <a:off x="2592925" y="624110"/>
+            <a:ext cx="6189568" cy="1280890"/>
+          </a:xfrm>
+        </p:spPr>
+        <p:txBody>
+          <a:bodyPr/>
+          <a:lstStyle/>
+          <a:p>
+            <a:r>
+              <a:rPr lang="fr-FR" dirty="0"/>
+              <a:t>Paiement Réussi Suite</a:t>
+            </a:r>
+          </a:p>
+        </p:txBody>
+      </p:sp>
+      <p:sp>
+        <p:nvSpPr>
+          <p:cNvPr id="6" name="Espace réservé du numéro de diapositive 5">
+            <a:extLst>
+              <a:ext uri="{FF2B5EF4-FFF2-40B4-BE49-F238E27FC236}">
+                <a16:creationId xmlns:a16="http://schemas.microsoft.com/office/drawing/2014/main" id="{279E35C9-0FCF-4244-9B94-C771E613E77F}"/>
+              </a:ext>
+            </a:extLst>
+          </p:cNvPr>
+          <p:cNvSpPr>
+            <a:spLocks noGrp="1"/>
+          </p:cNvSpPr>
+          <p:nvPr>
+            <p:ph type="sldNum" sz="quarter" idx="12"/>
+          </p:nvPr>
+        </p:nvSpPr>
+        <p:spPr/>
+        <p:txBody>
+          <a:bodyPr/>
+          <a:lstStyle/>
+          <a:p>
+            <a:fld id="{D57F1E4F-1CFF-5643-939E-217C01CDF565}" type="slidenum">
+              <a:rPr lang="en-US" smtClean="0"/>
+              <a:pPr/>
+              <a:t>30</a:t>
+            </a:fld>
+            <a:endParaRPr lang="en-US" dirty="0"/>
+          </a:p>
+        </p:txBody>
+      </p:sp>
+      <p:pic>
+        <p:nvPicPr>
+          <p:cNvPr id="5" name="Image 4">
+            <a:extLst>
+              <a:ext uri="{FF2B5EF4-FFF2-40B4-BE49-F238E27FC236}">
+                <a16:creationId xmlns:a16="http://schemas.microsoft.com/office/drawing/2014/main" id="{88E0F381-5353-43EE-BD52-34B36B3360CC}"/>
+              </a:ext>
+            </a:extLst>
+          </p:cNvPr>
+          <p:cNvPicPr>
+            <a:picLocks noChangeAspect="1"/>
+          </p:cNvPicPr>
+          <p:nvPr/>
+        </p:nvPicPr>
+        <p:blipFill>
+          <a:blip r:embed="rId2"/>
+          <a:stretch>
+            <a:fillRect/>
+          </a:stretch>
+        </p:blipFill>
+        <p:spPr>
+          <a:xfrm>
+            <a:off x="3109495" y="1776182"/>
+            <a:ext cx="5973009" cy="3305636"/>
+          </a:xfrm>
+          <a:prstGeom prst="rect">
+            <a:avLst/>
+          </a:prstGeom>
+        </p:spPr>
+      </p:pic>
+    </p:spTree>
+    <p:extLst>
+      <p:ext uri="{BB962C8B-B14F-4D97-AF65-F5344CB8AC3E}">
+        <p14:creationId xmlns:p14="http://schemas.microsoft.com/office/powerpoint/2010/main" val="83798441"/>
+      </p:ext>
+    </p:extLst>
+  </p:cSld>
+  <p:clrMapOvr>
+    <a:masterClrMapping/>
+  </p:clrMapOvr>
+  <mc:AlternateContent xmlns:mc="http://schemas.openxmlformats.org/markup-compatibility/2006" xmlns:p14="http://schemas.microsoft.com/office/powerpoint/2010/main">
+    <mc:Choice Requires="p14">
+      <p:transition spd="slow" p14:dur="2000" advTm="22593"/>
+    </mc:Choice>
+    <mc:Fallback xmlns="">
+      <p:transition spd="slow" advTm="22593"/>
+    </mc:Fallback>
+  </mc:AlternateContent>
+</p:sld>
+</file>
+
+<file path=ppt/slides/slide31.xml><?xml version="1.0" encoding="utf-8"?>
 <p:sld xmlns:a="http://schemas.openxmlformats.org/drawingml/2006/main" xmlns:r="http://schemas.openxmlformats.org/officeDocument/2006/relationships" xmlns:p="http://schemas.openxmlformats.org/presentationml/2006/main">
   <p:cSld>
     <p:bg>
@@ -20676,7 +20836,7 @@
             <a:fld id="{D57F1E4F-1CFF-5643-939E-217C01CDF565}" type="slidenum">
               <a:rPr lang="en-US" smtClean="0"/>
               <a:pPr/>
-              <a:t>30</a:t>
+              <a:t>31</a:t>
             </a:fld>
             <a:endParaRPr lang="en-US" dirty="0"/>
           </a:p>
@@ -20698,186 +20858,6 @@
     </mc:Choice>
     <mc:Fallback xmlns="">
       <p:transition spd="slow" advTm="35999"/>
-    </mc:Fallback>
-  </mc:AlternateContent>
-</p:sld>
-</file>
-
-<file path=ppt/slides/slide31.xml><?xml version="1.0" encoding="utf-8"?>
-<p:sld xmlns:a="http://schemas.openxmlformats.org/drawingml/2006/main" xmlns:r="http://schemas.openxmlformats.org/officeDocument/2006/relationships" xmlns:p="http://schemas.openxmlformats.org/presentationml/2006/main">
-  <p:cSld>
-    <p:spTree>
-      <p:nvGrpSpPr>
-        <p:cNvPr id="1" name=""/>
-        <p:cNvGrpSpPr/>
-        <p:nvPr/>
-      </p:nvGrpSpPr>
-      <p:grpSpPr>
-        <a:xfrm>
-          <a:off x="0" y="0"/>
-          <a:ext cx="0" cy="0"/>
-          <a:chOff x="0" y="0"/>
-          <a:chExt cx="0" cy="0"/>
-        </a:xfrm>
-      </p:grpSpPr>
-      <p:sp>
-        <p:nvSpPr>
-          <p:cNvPr id="2" name="Titre 1">
-            <a:extLst>
-              <a:ext uri="{FF2B5EF4-FFF2-40B4-BE49-F238E27FC236}">
-                <a16:creationId xmlns:a16="http://schemas.microsoft.com/office/drawing/2014/main" id="{AB93AD89-B61E-4667-9655-14CEA836E846}"/>
-              </a:ext>
-            </a:extLst>
-          </p:cNvPr>
-          <p:cNvSpPr>
-            <a:spLocks noGrp="1"/>
-          </p:cNvSpPr>
-          <p:nvPr>
-            <p:ph type="title"/>
-          </p:nvPr>
-        </p:nvSpPr>
-        <p:spPr/>
-        <p:txBody>
-          <a:bodyPr/>
-          <a:lstStyle/>
-          <a:p>
-            <a:r>
-              <a:rPr lang="fr-FR" dirty="0"/>
-              <a:t>Axe d’améliorations</a:t>
-            </a:r>
-          </a:p>
-        </p:txBody>
-      </p:sp>
-      <p:sp>
-        <p:nvSpPr>
-          <p:cNvPr id="3" name="Espace réservé du contenu 2">
-            <a:extLst>
-              <a:ext uri="{FF2B5EF4-FFF2-40B4-BE49-F238E27FC236}">
-                <a16:creationId xmlns:a16="http://schemas.microsoft.com/office/drawing/2014/main" id="{54039D3C-5EF0-47BB-A8E9-C8454E5D3432}"/>
-              </a:ext>
-            </a:extLst>
-          </p:cNvPr>
-          <p:cNvSpPr>
-            <a:spLocks noGrp="1"/>
-          </p:cNvSpPr>
-          <p:nvPr>
-            <p:ph idx="1"/>
-          </p:nvPr>
-        </p:nvSpPr>
-        <p:spPr>
-          <a:xfrm>
-            <a:off x="2592925" y="1697372"/>
-            <a:ext cx="8915400" cy="4536518"/>
-          </a:xfrm>
-        </p:spPr>
-        <p:txBody>
-          <a:bodyPr numCol="1">
-            <a:normAutofit/>
-          </a:bodyPr>
-          <a:lstStyle/>
-          <a:p>
-            <a:pPr marL="0" indent="0">
-              <a:buNone/>
-            </a:pPr>
-            <a:r>
-              <a:rPr lang="fr-FR" dirty="0"/>
-              <a:t>Fonctionnalités supplémentaires :</a:t>
-            </a:r>
-          </a:p>
-          <a:p>
-            <a:r>
-              <a:rPr lang="fr-FR" dirty="0"/>
-              <a:t>Mettre en place un Mailer</a:t>
-            </a:r>
-          </a:p>
-          <a:p>
-            <a:r>
-              <a:rPr lang="fr-FR" dirty="0"/>
-              <a:t>Filtre &amp; panier en AJAX</a:t>
-            </a:r>
-          </a:p>
-          <a:p>
-            <a:r>
-              <a:rPr lang="fr-FR" dirty="0"/>
-              <a:t>Disposition des produits en ligne ou en colonne</a:t>
-            </a:r>
-          </a:p>
-          <a:p>
-            <a:r>
-              <a:rPr lang="fr-FR" dirty="0"/>
-              <a:t>Modal de vérification sur certains bouton</a:t>
-            </a:r>
-          </a:p>
-          <a:p>
-            <a:r>
-              <a:rPr lang="fr-FR" dirty="0" err="1"/>
-              <a:t>Drag’n</a:t>
-            </a:r>
-            <a:r>
-              <a:rPr lang="fr-FR" dirty="0"/>
-              <a:t> drop photo produit</a:t>
-            </a:r>
-          </a:p>
-          <a:p>
-            <a:pPr marL="0" indent="0">
-              <a:buNone/>
-            </a:pPr>
-            <a:endParaRPr lang="fr-FR" dirty="0"/>
-          </a:p>
-          <a:p>
-            <a:pPr marL="0" indent="0">
-              <a:buNone/>
-            </a:pPr>
-            <a:endParaRPr lang="fr-FR" dirty="0"/>
-          </a:p>
-        </p:txBody>
-      </p:sp>
-      <p:sp>
-        <p:nvSpPr>
-          <p:cNvPr id="4" name="Espace réservé du numéro de diapositive 3">
-            <a:extLst>
-              <a:ext uri="{FF2B5EF4-FFF2-40B4-BE49-F238E27FC236}">
-                <a16:creationId xmlns:a16="http://schemas.microsoft.com/office/drawing/2014/main" id="{46DB1B20-F829-46C5-BDA3-30E09C50F277}"/>
-              </a:ext>
-            </a:extLst>
-          </p:cNvPr>
-          <p:cNvSpPr>
-            <a:spLocks noGrp="1"/>
-          </p:cNvSpPr>
-          <p:nvPr>
-            <p:ph type="sldNum" sz="quarter" idx="12"/>
-          </p:nvPr>
-        </p:nvSpPr>
-        <p:spPr/>
-        <p:txBody>
-          <a:bodyPr/>
-          <a:lstStyle/>
-          <a:p>
-            <a:fld id="{D57F1E4F-1CFF-5643-939E-217C01CDF565}" type="slidenum">
-              <a:rPr lang="en-US" smtClean="0"/>
-              <a:pPr/>
-              <a:t>31</a:t>
-            </a:fld>
-            <a:endParaRPr lang="en-US" dirty="0"/>
-          </a:p>
-        </p:txBody>
-      </p:sp>
-    </p:spTree>
-    <p:extLst>
-      <p:ext uri="{BB962C8B-B14F-4D97-AF65-F5344CB8AC3E}">
-        <p14:creationId xmlns:p14="http://schemas.microsoft.com/office/powerpoint/2010/main" val="3228067075"/>
-      </p:ext>
-    </p:extLst>
-  </p:cSld>
-  <p:clrMapOvr>
-    <a:masterClrMapping/>
-  </p:clrMapOvr>
-  <mc:AlternateContent xmlns:mc="http://schemas.openxmlformats.org/markup-compatibility/2006" xmlns:p14="http://schemas.microsoft.com/office/powerpoint/2010/main">
-    <mc:Choice Requires="p14">
-      <p:transition spd="slow" p14:dur="2000" advTm="51683"/>
-    </mc:Choice>
-    <mc:Fallback xmlns="">
-      <p:transition spd="slow" advTm="51683"/>
     </mc:Fallback>
   </mc:AlternateContent>
 </p:sld>
@@ -20947,7 +20927,7 @@
         <p:spPr>
           <a:xfrm>
             <a:off x="2592925" y="1697372"/>
-            <a:ext cx="3782708" cy="4174922"/>
+            <a:ext cx="8915400" cy="4536518"/>
           </a:xfrm>
         </p:spPr>
         <p:txBody>
@@ -20961,44 +20941,36 @@
             </a:pPr>
             <a:r>
               <a:rPr lang="fr-FR" dirty="0"/>
-              <a:t>Modification d’ interface :</a:t>
+              <a:t>Fonctionnalités supplémentaires :</a:t>
             </a:r>
           </a:p>
           <a:p>
             <a:r>
               <a:rPr lang="fr-FR" dirty="0"/>
-              <a:t>Version Anglaise du site</a:t>
+              <a:t>Mettre en place un Mailer</a:t>
             </a:r>
           </a:p>
           <a:p>
             <a:r>
               <a:rPr lang="fr-FR" dirty="0"/>
-              <a:t>Confirmation + de 18 ans</a:t>
+              <a:t>Filtre &amp; panier en AJAX</a:t>
             </a:r>
           </a:p>
           <a:p>
             <a:r>
               <a:rPr lang="fr-FR" dirty="0"/>
-              <a:t>Modifier la quantité de produit dans le panier</a:t>
-            </a:r>
-          </a:p>
-          <a:p>
+              <a:t>Disposition des produits en ligne ou en colonne</a:t>
+            </a:r>
+          </a:p>
+          <a:p>
+            <a:r>
+              <a:rPr lang="fr-FR" dirty="0" err="1"/>
+              <a:t>Drag’n</a:t>
+            </a:r>
             <a:r>
               <a:rPr lang="fr-FR" dirty="0"/>
-              <a:t>Optimisation du code</a:t>
-            </a:r>
-          </a:p>
-          <a:p>
-            <a:pPr marL="0" indent="0">
-              <a:buNone/>
-            </a:pPr>
-            <a:endParaRPr lang="fr-FR" dirty="0"/>
-          </a:p>
-          <a:p>
-            <a:pPr marL="0" indent="0">
-              <a:buNone/>
-            </a:pPr>
-            <a:endParaRPr lang="fr-FR" dirty="0"/>
+              <a:t> drop photo produit</a:t>
+            </a:r>
           </a:p>
           <a:p>
             <a:pPr marL="0" indent="0">
@@ -21039,6 +21011,176 @@
               <a:rPr lang="en-US" smtClean="0"/>
               <a:pPr/>
               <a:t>32</a:t>
+            </a:fld>
+            <a:endParaRPr lang="en-US" dirty="0"/>
+          </a:p>
+        </p:txBody>
+      </p:sp>
+    </p:spTree>
+    <p:extLst>
+      <p:ext uri="{BB962C8B-B14F-4D97-AF65-F5344CB8AC3E}">
+        <p14:creationId xmlns:p14="http://schemas.microsoft.com/office/powerpoint/2010/main" val="3228067075"/>
+      </p:ext>
+    </p:extLst>
+  </p:cSld>
+  <p:clrMapOvr>
+    <a:masterClrMapping/>
+  </p:clrMapOvr>
+  <mc:AlternateContent xmlns:mc="http://schemas.openxmlformats.org/markup-compatibility/2006" xmlns:p14="http://schemas.microsoft.com/office/powerpoint/2010/main">
+    <mc:Choice Requires="p14">
+      <p:transition spd="slow" p14:dur="2000" advTm="51683"/>
+    </mc:Choice>
+    <mc:Fallback xmlns="">
+      <p:transition spd="slow" advTm="51683"/>
+    </mc:Fallback>
+  </mc:AlternateContent>
+</p:sld>
+</file>
+
+<file path=ppt/slides/slide33.xml><?xml version="1.0" encoding="utf-8"?>
+<p:sld xmlns:a="http://schemas.openxmlformats.org/drawingml/2006/main" xmlns:r="http://schemas.openxmlformats.org/officeDocument/2006/relationships" xmlns:p="http://schemas.openxmlformats.org/presentationml/2006/main">
+  <p:cSld>
+    <p:spTree>
+      <p:nvGrpSpPr>
+        <p:cNvPr id="1" name=""/>
+        <p:cNvGrpSpPr/>
+        <p:nvPr/>
+      </p:nvGrpSpPr>
+      <p:grpSpPr>
+        <a:xfrm>
+          <a:off x="0" y="0"/>
+          <a:ext cx="0" cy="0"/>
+          <a:chOff x="0" y="0"/>
+          <a:chExt cx="0" cy="0"/>
+        </a:xfrm>
+      </p:grpSpPr>
+      <p:sp>
+        <p:nvSpPr>
+          <p:cNvPr id="2" name="Titre 1">
+            <a:extLst>
+              <a:ext uri="{FF2B5EF4-FFF2-40B4-BE49-F238E27FC236}">
+                <a16:creationId xmlns:a16="http://schemas.microsoft.com/office/drawing/2014/main" id="{AB93AD89-B61E-4667-9655-14CEA836E846}"/>
+              </a:ext>
+            </a:extLst>
+          </p:cNvPr>
+          <p:cNvSpPr>
+            <a:spLocks noGrp="1"/>
+          </p:cNvSpPr>
+          <p:nvPr>
+            <p:ph type="title"/>
+          </p:nvPr>
+        </p:nvSpPr>
+        <p:spPr/>
+        <p:txBody>
+          <a:bodyPr/>
+          <a:lstStyle/>
+          <a:p>
+            <a:r>
+              <a:rPr lang="fr-FR" dirty="0"/>
+              <a:t>Axe d’améliorations</a:t>
+            </a:r>
+          </a:p>
+        </p:txBody>
+      </p:sp>
+      <p:sp>
+        <p:nvSpPr>
+          <p:cNvPr id="3" name="Espace réservé du contenu 2">
+            <a:extLst>
+              <a:ext uri="{FF2B5EF4-FFF2-40B4-BE49-F238E27FC236}">
+                <a16:creationId xmlns:a16="http://schemas.microsoft.com/office/drawing/2014/main" id="{54039D3C-5EF0-47BB-A8E9-C8454E5D3432}"/>
+              </a:ext>
+            </a:extLst>
+          </p:cNvPr>
+          <p:cNvSpPr>
+            <a:spLocks noGrp="1"/>
+          </p:cNvSpPr>
+          <p:nvPr>
+            <p:ph idx="1"/>
+          </p:nvPr>
+        </p:nvSpPr>
+        <p:spPr>
+          <a:xfrm>
+            <a:off x="2592925" y="1697372"/>
+            <a:ext cx="3782708" cy="4174922"/>
+          </a:xfrm>
+        </p:spPr>
+        <p:txBody>
+          <a:bodyPr numCol="1">
+            <a:normAutofit/>
+          </a:bodyPr>
+          <a:lstStyle/>
+          <a:p>
+            <a:pPr marL="0" indent="0">
+              <a:buNone/>
+            </a:pPr>
+            <a:r>
+              <a:rPr lang="fr-FR" dirty="0"/>
+              <a:t>Modification d’ interface :</a:t>
+            </a:r>
+          </a:p>
+          <a:p>
+            <a:r>
+              <a:rPr lang="fr-FR" dirty="0"/>
+              <a:t>Version Anglaise du site</a:t>
+            </a:r>
+          </a:p>
+          <a:p>
+            <a:r>
+              <a:rPr lang="fr-FR" dirty="0"/>
+              <a:t>Confirmation + de 18 ans</a:t>
+            </a:r>
+          </a:p>
+          <a:p>
+            <a:r>
+              <a:rPr lang="fr-FR" dirty="0"/>
+              <a:t>Modifier la quantité de produit dans le panier</a:t>
+            </a:r>
+          </a:p>
+          <a:p>
+            <a:r>
+              <a:rPr lang="fr-FR" dirty="0"/>
+              <a:t>Optimisation du code</a:t>
+            </a:r>
+          </a:p>
+          <a:p>
+            <a:pPr marL="0" indent="0">
+              <a:buNone/>
+            </a:pPr>
+            <a:endParaRPr lang="fr-FR" dirty="0"/>
+          </a:p>
+          <a:p>
+            <a:pPr marL="0" indent="0">
+              <a:buNone/>
+            </a:pPr>
+            <a:endParaRPr lang="fr-FR" dirty="0"/>
+          </a:p>
+        </p:txBody>
+      </p:sp>
+      <p:sp>
+        <p:nvSpPr>
+          <p:cNvPr id="4" name="Espace réservé du numéro de diapositive 3">
+            <a:extLst>
+              <a:ext uri="{FF2B5EF4-FFF2-40B4-BE49-F238E27FC236}">
+                <a16:creationId xmlns:a16="http://schemas.microsoft.com/office/drawing/2014/main" id="{46DB1B20-F829-46C5-BDA3-30E09C50F277}"/>
+              </a:ext>
+            </a:extLst>
+          </p:cNvPr>
+          <p:cNvSpPr>
+            <a:spLocks noGrp="1"/>
+          </p:cNvSpPr>
+          <p:nvPr>
+            <p:ph type="sldNum" sz="quarter" idx="12"/>
+          </p:nvPr>
+        </p:nvSpPr>
+        <p:spPr/>
+        <p:txBody>
+          <a:bodyPr/>
+          <a:lstStyle/>
+          <a:p>
+            <a:fld id="{D57F1E4F-1CFF-5643-939E-217C01CDF565}" type="slidenum">
+              <a:rPr lang="en-US" smtClean="0"/>
+              <a:pPr/>
+              <a:t>33</a:t>
             </a:fld>
             <a:endParaRPr lang="en-US" dirty="0"/>
           </a:p>
@@ -21308,12 +21450,6 @@
           <a:p>
             <a:r>
               <a:rPr lang="fr-FR" dirty="0"/>
-              <a:t>Mieux sécuriser la gestion du stock de produit lorsqu’on commande un produit</a:t>
-            </a:r>
-          </a:p>
-          <a:p>
-            <a:r>
-              <a:rPr lang="fr-FR" dirty="0"/>
               <a:t>Conserver l’adresse de livraison au même titre que l’adresse de facturation</a:t>
             </a:r>
           </a:p>
@@ -21340,7 +21476,7 @@
 </p:sld>
 </file>
 
-<file path=ppt/slides/slide33.xml><?xml version="1.0" encoding="utf-8"?>
+<file path=ppt/slides/slide34.xml><?xml version="1.0" encoding="utf-8"?>
 <p:sld xmlns:a="http://schemas.openxmlformats.org/drawingml/2006/main" xmlns:r="http://schemas.openxmlformats.org/officeDocument/2006/relationships" xmlns:p="http://schemas.openxmlformats.org/presentationml/2006/main">
   <p:cSld>
     <p:spTree>
@@ -21380,7 +21516,7 @@
           <a:p>
             <a:r>
               <a:rPr lang="fr-FR" dirty="0"/>
-              <a:t>Conclusions</a:t>
+              <a:t>Conclusion</a:t>
             </a:r>
           </a:p>
         </p:txBody>
@@ -21406,7 +21542,16 @@
           <a:bodyPr/>
           <a:lstStyle/>
           <a:p>
-            <a:endParaRPr lang="fr-FR" dirty="0"/>
+            <a:r>
+              <a:rPr lang="fr-FR" dirty="0"/>
+              <a:t>La Formation</a:t>
+            </a:r>
+          </a:p>
+          <a:p>
+            <a:r>
+              <a:rPr lang="fr-FR" dirty="0"/>
+              <a:t>Le projet</a:t>
+            </a:r>
           </a:p>
         </p:txBody>
       </p:sp>
@@ -21434,7 +21579,7 @@
             <a:fld id="{D57F1E4F-1CFF-5643-939E-217C01CDF565}" type="slidenum">
               <a:rPr lang="en-US" smtClean="0"/>
               <a:pPr/>
-              <a:t>33</a:t>
+              <a:t>34</a:t>
             </a:fld>
             <a:endParaRPr lang="en-US" dirty="0"/>
           </a:p>
@@ -22104,12 +22249,12 @@
         </p:nvSpPr>
         <p:spPr>
           <a:xfrm>
-            <a:off x="2467151" y="2208244"/>
-            <a:ext cx="9163234" cy="4286451"/>
+            <a:off x="2467152" y="2208244"/>
+            <a:ext cx="3997444" cy="4150026"/>
           </a:xfrm>
         </p:spPr>
         <p:txBody>
-          <a:bodyPr numCol="2">
+          <a:bodyPr numCol="1">
             <a:normAutofit/>
           </a:bodyPr>
           <a:lstStyle/>
@@ -22128,7 +22273,11 @@
           <a:p>
             <a:r>
               <a:rPr lang="fr-FR" dirty="0"/>
-              <a:t>Commission Nationale de l’Informatique et des Libertés veille au respect et à l’application conforme du RGPD</a:t>
+              <a:t>Commission Nationale de l’Informatique et des Libertés </a:t>
+            </a:r>
+            <a:r>
+              <a:rPr lang="fr-FR" b="1" dirty="0"/>
+              <a:t>veille au respect et à l’application conforme du RGPD</a:t>
             </a:r>
           </a:p>
           <a:p>
@@ -22142,68 +22291,6 @@
               <a:buNone/>
             </a:pPr>
             <a:endParaRPr lang="fr-FR" dirty="0"/>
-          </a:p>
-          <a:p>
-            <a:r>
-              <a:rPr lang="fr-FR" dirty="0"/>
-              <a:t>Principes : </a:t>
-            </a:r>
-          </a:p>
-          <a:p>
-            <a:pPr lvl="1"/>
-            <a:r>
-              <a:rPr lang="fr-FR" dirty="0"/>
-              <a:t>Licéité du traitement</a:t>
-            </a:r>
-          </a:p>
-          <a:p>
-            <a:pPr lvl="1"/>
-            <a:r>
-              <a:rPr lang="fr-FR" dirty="0"/>
-              <a:t>Finalité du traitement</a:t>
-            </a:r>
-          </a:p>
-          <a:p>
-            <a:pPr lvl="1"/>
-            <a:r>
-              <a:rPr lang="fr-FR" dirty="0"/>
-              <a:t>Minimisation des données</a:t>
-            </a:r>
-          </a:p>
-          <a:p>
-            <a:pPr lvl="1"/>
-            <a:r>
-              <a:rPr lang="fr-FR" dirty="0"/>
-              <a:t>Protection particulière de certaines données</a:t>
-            </a:r>
-          </a:p>
-          <a:p>
-            <a:pPr lvl="1"/>
-            <a:r>
-              <a:rPr lang="fr-FR" dirty="0"/>
-              <a:t>Conservation limitée des données</a:t>
-            </a:r>
-          </a:p>
-          <a:p>
-            <a:pPr lvl="1"/>
-            <a:r>
-              <a:rPr lang="fr-FR" dirty="0"/>
-              <a:t>Obligation de sécurité</a:t>
-            </a:r>
-          </a:p>
-          <a:p>
-            <a:pPr lvl="1"/>
-            <a:r>
-              <a:rPr lang="fr-FR" dirty="0"/>
-              <a:t>Transparence</a:t>
-            </a:r>
-          </a:p>
-          <a:p>
-            <a:pPr lvl="1"/>
-            <a:r>
-              <a:rPr lang="fr-FR" dirty="0"/>
-              <a:t>Droits des personnes</a:t>
-            </a:r>
           </a:p>
         </p:txBody>
       </p:sp>
@@ -22344,6 +22431,555 @@
               <a:t>6</a:t>
             </a:fld>
             <a:endParaRPr lang="en-US" dirty="0"/>
+          </a:p>
+        </p:txBody>
+      </p:sp>
+      <p:sp>
+        <p:nvSpPr>
+          <p:cNvPr id="6" name="Espace réservé du contenu 2">
+            <a:extLst>
+              <a:ext uri="{FF2B5EF4-FFF2-40B4-BE49-F238E27FC236}">
+                <a16:creationId xmlns:a16="http://schemas.microsoft.com/office/drawing/2014/main" id="{6FB180E8-2623-43A0-8EEE-2401A416885F}"/>
+              </a:ext>
+            </a:extLst>
+          </p:cNvPr>
+          <p:cNvSpPr txBox="1">
+            <a:spLocks/>
+          </p:cNvSpPr>
+          <p:nvPr/>
+        </p:nvSpPr>
+        <p:spPr>
+          <a:xfrm>
+            <a:off x="2467151" y="4507226"/>
+            <a:ext cx="7899593" cy="2299961"/>
+          </a:xfrm>
+          <a:prstGeom prst="rect">
+            <a:avLst/>
+          </a:prstGeom>
+        </p:spPr>
+        <p:txBody>
+          <a:bodyPr vert="horz" lIns="91440" tIns="45720" rIns="91440" bIns="45720" numCol="2" rtlCol="0">
+            <a:normAutofit/>
+          </a:bodyPr>
+          <a:lstStyle>
+            <a:lvl1pPr marL="342900" indent="-342900" algn="l" defTabSz="457200" rtl="0" eaLnBrk="1" latinLnBrk="0" hangingPunct="1">
+              <a:spcBef>
+                <a:spcPts val="1000"/>
+              </a:spcBef>
+              <a:spcAft>
+                <a:spcPts val="0"/>
+              </a:spcAft>
+              <a:buClr>
+                <a:schemeClr val="accent1"/>
+              </a:buClr>
+              <a:buFont typeface="Wingdings 3" charset="2"/>
+              <a:buChar char=""/>
+              <a:defRPr sz="1800" kern="1200">
+                <a:solidFill>
+                  <a:schemeClr val="tx1">
+                    <a:lumMod val="75000"/>
+                    <a:lumOff val="25000"/>
+                  </a:schemeClr>
+                </a:solidFill>
+                <a:latin typeface="+mn-lt"/>
+                <a:ea typeface="+mn-ea"/>
+                <a:cs typeface="+mn-cs"/>
+              </a:defRPr>
+            </a:lvl1pPr>
+            <a:lvl2pPr marL="742950" indent="-285750" algn="l" defTabSz="457200" rtl="0" eaLnBrk="1" latinLnBrk="0" hangingPunct="1">
+              <a:spcBef>
+                <a:spcPts val="1000"/>
+              </a:spcBef>
+              <a:spcAft>
+                <a:spcPts val="0"/>
+              </a:spcAft>
+              <a:buClr>
+                <a:schemeClr val="accent1"/>
+              </a:buClr>
+              <a:buFont typeface="Wingdings 3" charset="2"/>
+              <a:buChar char=""/>
+              <a:defRPr sz="1600" kern="1200">
+                <a:solidFill>
+                  <a:schemeClr val="tx1">
+                    <a:lumMod val="75000"/>
+                    <a:lumOff val="25000"/>
+                  </a:schemeClr>
+                </a:solidFill>
+                <a:latin typeface="+mn-lt"/>
+                <a:ea typeface="+mn-ea"/>
+                <a:cs typeface="+mn-cs"/>
+              </a:defRPr>
+            </a:lvl2pPr>
+            <a:lvl3pPr marL="1143000" indent="-228600" algn="l" defTabSz="457200" rtl="0" eaLnBrk="1" latinLnBrk="0" hangingPunct="1">
+              <a:spcBef>
+                <a:spcPts val="1000"/>
+              </a:spcBef>
+              <a:spcAft>
+                <a:spcPts val="0"/>
+              </a:spcAft>
+              <a:buClr>
+                <a:schemeClr val="accent1"/>
+              </a:buClr>
+              <a:buFont typeface="Wingdings 3" charset="2"/>
+              <a:buChar char=""/>
+              <a:defRPr sz="1400" kern="1200">
+                <a:solidFill>
+                  <a:schemeClr val="tx1">
+                    <a:lumMod val="75000"/>
+                    <a:lumOff val="25000"/>
+                  </a:schemeClr>
+                </a:solidFill>
+                <a:latin typeface="+mn-lt"/>
+                <a:ea typeface="+mn-ea"/>
+                <a:cs typeface="+mn-cs"/>
+              </a:defRPr>
+            </a:lvl3pPr>
+            <a:lvl4pPr marL="1600200" indent="-228600" algn="l" defTabSz="457200" rtl="0" eaLnBrk="1" latinLnBrk="0" hangingPunct="1">
+              <a:spcBef>
+                <a:spcPts val="1000"/>
+              </a:spcBef>
+              <a:spcAft>
+                <a:spcPts val="0"/>
+              </a:spcAft>
+              <a:buClr>
+                <a:schemeClr val="accent1"/>
+              </a:buClr>
+              <a:buFont typeface="Wingdings 3" charset="2"/>
+              <a:buChar char=""/>
+              <a:defRPr sz="1200" kern="1200">
+                <a:solidFill>
+                  <a:schemeClr val="tx1">
+                    <a:lumMod val="75000"/>
+                    <a:lumOff val="25000"/>
+                  </a:schemeClr>
+                </a:solidFill>
+                <a:latin typeface="+mn-lt"/>
+                <a:ea typeface="+mn-ea"/>
+                <a:cs typeface="+mn-cs"/>
+              </a:defRPr>
+            </a:lvl4pPr>
+            <a:lvl5pPr marL="2057400" indent="-228600" algn="l" defTabSz="457200" rtl="0" eaLnBrk="1" latinLnBrk="0" hangingPunct="1">
+              <a:spcBef>
+                <a:spcPts val="1000"/>
+              </a:spcBef>
+              <a:spcAft>
+                <a:spcPts val="0"/>
+              </a:spcAft>
+              <a:buClr>
+                <a:schemeClr val="accent1"/>
+              </a:buClr>
+              <a:buFont typeface="Wingdings 3" charset="2"/>
+              <a:buChar char=""/>
+              <a:defRPr sz="1200" kern="1200">
+                <a:solidFill>
+                  <a:schemeClr val="tx1">
+                    <a:lumMod val="75000"/>
+                    <a:lumOff val="25000"/>
+                  </a:schemeClr>
+                </a:solidFill>
+                <a:latin typeface="+mn-lt"/>
+                <a:ea typeface="+mn-ea"/>
+                <a:cs typeface="+mn-cs"/>
+              </a:defRPr>
+            </a:lvl5pPr>
+            <a:lvl6pPr marL="2514600" indent="-228600" algn="l" defTabSz="457200" rtl="0" eaLnBrk="1" latinLnBrk="0" hangingPunct="1">
+              <a:spcBef>
+                <a:spcPts val="1000"/>
+              </a:spcBef>
+              <a:spcAft>
+                <a:spcPts val="0"/>
+              </a:spcAft>
+              <a:buClr>
+                <a:schemeClr val="accent1"/>
+              </a:buClr>
+              <a:buFont typeface="Wingdings 3" charset="2"/>
+              <a:buChar char=""/>
+              <a:defRPr sz="1200" kern="1200">
+                <a:solidFill>
+                  <a:schemeClr val="tx1">
+                    <a:lumMod val="75000"/>
+                    <a:lumOff val="25000"/>
+                  </a:schemeClr>
+                </a:solidFill>
+                <a:latin typeface="+mn-lt"/>
+                <a:ea typeface="+mn-ea"/>
+                <a:cs typeface="+mn-cs"/>
+              </a:defRPr>
+            </a:lvl6pPr>
+            <a:lvl7pPr marL="2971800" indent="-228600" algn="l" defTabSz="457200" rtl="0" eaLnBrk="1" latinLnBrk="0" hangingPunct="1">
+              <a:spcBef>
+                <a:spcPts val="1000"/>
+              </a:spcBef>
+              <a:spcAft>
+                <a:spcPts val="0"/>
+              </a:spcAft>
+              <a:buClr>
+                <a:schemeClr val="accent1"/>
+              </a:buClr>
+              <a:buFont typeface="Wingdings 3" charset="2"/>
+              <a:buChar char=""/>
+              <a:defRPr sz="1200" kern="1200">
+                <a:solidFill>
+                  <a:schemeClr val="tx1">
+                    <a:lumMod val="75000"/>
+                    <a:lumOff val="25000"/>
+                  </a:schemeClr>
+                </a:solidFill>
+                <a:latin typeface="+mn-lt"/>
+                <a:ea typeface="+mn-ea"/>
+                <a:cs typeface="+mn-cs"/>
+              </a:defRPr>
+            </a:lvl7pPr>
+            <a:lvl8pPr marL="3429000" indent="-228600" algn="l" defTabSz="457200" rtl="0" eaLnBrk="1" latinLnBrk="0" hangingPunct="1">
+              <a:spcBef>
+                <a:spcPts val="1000"/>
+              </a:spcBef>
+              <a:spcAft>
+                <a:spcPts val="0"/>
+              </a:spcAft>
+              <a:buClr>
+                <a:schemeClr val="accent1"/>
+              </a:buClr>
+              <a:buFont typeface="Wingdings 3" charset="2"/>
+              <a:buChar char=""/>
+              <a:defRPr sz="1200" kern="1200">
+                <a:solidFill>
+                  <a:schemeClr val="tx1">
+                    <a:lumMod val="75000"/>
+                    <a:lumOff val="25000"/>
+                  </a:schemeClr>
+                </a:solidFill>
+                <a:latin typeface="+mn-lt"/>
+                <a:ea typeface="+mn-ea"/>
+                <a:cs typeface="+mn-cs"/>
+              </a:defRPr>
+            </a:lvl8pPr>
+            <a:lvl9pPr marL="3886200" indent="-228600" algn="l" defTabSz="457200" rtl="0" eaLnBrk="1" latinLnBrk="0" hangingPunct="1">
+              <a:spcBef>
+                <a:spcPts val="1000"/>
+              </a:spcBef>
+              <a:spcAft>
+                <a:spcPts val="0"/>
+              </a:spcAft>
+              <a:buClr>
+                <a:schemeClr val="accent1"/>
+              </a:buClr>
+              <a:buFont typeface="Wingdings 3" charset="2"/>
+              <a:buChar char=""/>
+              <a:defRPr sz="1200" kern="1200">
+                <a:solidFill>
+                  <a:schemeClr val="tx1">
+                    <a:lumMod val="75000"/>
+                    <a:lumOff val="25000"/>
+                  </a:schemeClr>
+                </a:solidFill>
+                <a:latin typeface="+mn-lt"/>
+                <a:ea typeface="+mn-ea"/>
+                <a:cs typeface="+mn-cs"/>
+              </a:defRPr>
+            </a:lvl9pPr>
+          </a:lstStyle>
+          <a:p>
+            <a:pPr marL="0" indent="0">
+              <a:buFont typeface="Wingdings 3" charset="2"/>
+              <a:buNone/>
+            </a:pPr>
+            <a:endParaRPr lang="fr-FR" dirty="0"/>
+          </a:p>
+        </p:txBody>
+      </p:sp>
+      <p:sp>
+        <p:nvSpPr>
+          <p:cNvPr id="7" name="Espace réservé du contenu 2">
+            <a:extLst>
+              <a:ext uri="{FF2B5EF4-FFF2-40B4-BE49-F238E27FC236}">
+                <a16:creationId xmlns:a16="http://schemas.microsoft.com/office/drawing/2014/main" id="{F72DCD62-E337-4D56-B5D2-CD49D42EDF21}"/>
+              </a:ext>
+            </a:extLst>
+          </p:cNvPr>
+          <p:cNvSpPr txBox="1">
+            <a:spLocks/>
+          </p:cNvSpPr>
+          <p:nvPr/>
+        </p:nvSpPr>
+        <p:spPr>
+          <a:xfrm>
+            <a:off x="6649291" y="2208244"/>
+            <a:ext cx="4663750" cy="4150026"/>
+          </a:xfrm>
+          <a:prstGeom prst="rect">
+            <a:avLst/>
+          </a:prstGeom>
+        </p:spPr>
+        <p:txBody>
+          <a:bodyPr vert="horz" lIns="91440" tIns="45720" rIns="91440" bIns="45720" numCol="1" rtlCol="0">
+            <a:normAutofit/>
+          </a:bodyPr>
+          <a:lstStyle>
+            <a:lvl1pPr marL="342900" indent="-342900" algn="l" defTabSz="457200" rtl="0" eaLnBrk="1" latinLnBrk="0" hangingPunct="1">
+              <a:spcBef>
+                <a:spcPts val="1000"/>
+              </a:spcBef>
+              <a:spcAft>
+                <a:spcPts val="0"/>
+              </a:spcAft>
+              <a:buClr>
+                <a:schemeClr val="accent1"/>
+              </a:buClr>
+              <a:buFont typeface="Wingdings 3" charset="2"/>
+              <a:buChar char=""/>
+              <a:defRPr sz="1800" kern="1200">
+                <a:solidFill>
+                  <a:schemeClr val="tx1">
+                    <a:lumMod val="75000"/>
+                    <a:lumOff val="25000"/>
+                  </a:schemeClr>
+                </a:solidFill>
+                <a:latin typeface="+mn-lt"/>
+                <a:ea typeface="+mn-ea"/>
+                <a:cs typeface="+mn-cs"/>
+              </a:defRPr>
+            </a:lvl1pPr>
+            <a:lvl2pPr marL="742950" indent="-285750" algn="l" defTabSz="457200" rtl="0" eaLnBrk="1" latinLnBrk="0" hangingPunct="1">
+              <a:spcBef>
+                <a:spcPts val="1000"/>
+              </a:spcBef>
+              <a:spcAft>
+                <a:spcPts val="0"/>
+              </a:spcAft>
+              <a:buClr>
+                <a:schemeClr val="accent1"/>
+              </a:buClr>
+              <a:buFont typeface="Wingdings 3" charset="2"/>
+              <a:buChar char=""/>
+              <a:defRPr sz="1600" kern="1200">
+                <a:solidFill>
+                  <a:schemeClr val="tx1">
+                    <a:lumMod val="75000"/>
+                    <a:lumOff val="25000"/>
+                  </a:schemeClr>
+                </a:solidFill>
+                <a:latin typeface="+mn-lt"/>
+                <a:ea typeface="+mn-ea"/>
+                <a:cs typeface="+mn-cs"/>
+              </a:defRPr>
+            </a:lvl2pPr>
+            <a:lvl3pPr marL="1143000" indent="-228600" algn="l" defTabSz="457200" rtl="0" eaLnBrk="1" latinLnBrk="0" hangingPunct="1">
+              <a:spcBef>
+                <a:spcPts val="1000"/>
+              </a:spcBef>
+              <a:spcAft>
+                <a:spcPts val="0"/>
+              </a:spcAft>
+              <a:buClr>
+                <a:schemeClr val="accent1"/>
+              </a:buClr>
+              <a:buFont typeface="Wingdings 3" charset="2"/>
+              <a:buChar char=""/>
+              <a:defRPr sz="1400" kern="1200">
+                <a:solidFill>
+                  <a:schemeClr val="tx1">
+                    <a:lumMod val="75000"/>
+                    <a:lumOff val="25000"/>
+                  </a:schemeClr>
+                </a:solidFill>
+                <a:latin typeface="+mn-lt"/>
+                <a:ea typeface="+mn-ea"/>
+                <a:cs typeface="+mn-cs"/>
+              </a:defRPr>
+            </a:lvl3pPr>
+            <a:lvl4pPr marL="1600200" indent="-228600" algn="l" defTabSz="457200" rtl="0" eaLnBrk="1" latinLnBrk="0" hangingPunct="1">
+              <a:spcBef>
+                <a:spcPts val="1000"/>
+              </a:spcBef>
+              <a:spcAft>
+                <a:spcPts val="0"/>
+              </a:spcAft>
+              <a:buClr>
+                <a:schemeClr val="accent1"/>
+              </a:buClr>
+              <a:buFont typeface="Wingdings 3" charset="2"/>
+              <a:buChar char=""/>
+              <a:defRPr sz="1200" kern="1200">
+                <a:solidFill>
+                  <a:schemeClr val="tx1">
+                    <a:lumMod val="75000"/>
+                    <a:lumOff val="25000"/>
+                  </a:schemeClr>
+                </a:solidFill>
+                <a:latin typeface="+mn-lt"/>
+                <a:ea typeface="+mn-ea"/>
+                <a:cs typeface="+mn-cs"/>
+              </a:defRPr>
+            </a:lvl4pPr>
+            <a:lvl5pPr marL="2057400" indent="-228600" algn="l" defTabSz="457200" rtl="0" eaLnBrk="1" latinLnBrk="0" hangingPunct="1">
+              <a:spcBef>
+                <a:spcPts val="1000"/>
+              </a:spcBef>
+              <a:spcAft>
+                <a:spcPts val="0"/>
+              </a:spcAft>
+              <a:buClr>
+                <a:schemeClr val="accent1"/>
+              </a:buClr>
+              <a:buFont typeface="Wingdings 3" charset="2"/>
+              <a:buChar char=""/>
+              <a:defRPr sz="1200" kern="1200">
+                <a:solidFill>
+                  <a:schemeClr val="tx1">
+                    <a:lumMod val="75000"/>
+                    <a:lumOff val="25000"/>
+                  </a:schemeClr>
+                </a:solidFill>
+                <a:latin typeface="+mn-lt"/>
+                <a:ea typeface="+mn-ea"/>
+                <a:cs typeface="+mn-cs"/>
+              </a:defRPr>
+            </a:lvl5pPr>
+            <a:lvl6pPr marL="2514600" indent="-228600" algn="l" defTabSz="457200" rtl="0" eaLnBrk="1" latinLnBrk="0" hangingPunct="1">
+              <a:spcBef>
+                <a:spcPts val="1000"/>
+              </a:spcBef>
+              <a:spcAft>
+                <a:spcPts val="0"/>
+              </a:spcAft>
+              <a:buClr>
+                <a:schemeClr val="accent1"/>
+              </a:buClr>
+              <a:buFont typeface="Wingdings 3" charset="2"/>
+              <a:buChar char=""/>
+              <a:defRPr sz="1200" kern="1200">
+                <a:solidFill>
+                  <a:schemeClr val="tx1">
+                    <a:lumMod val="75000"/>
+                    <a:lumOff val="25000"/>
+                  </a:schemeClr>
+                </a:solidFill>
+                <a:latin typeface="+mn-lt"/>
+                <a:ea typeface="+mn-ea"/>
+                <a:cs typeface="+mn-cs"/>
+              </a:defRPr>
+            </a:lvl6pPr>
+            <a:lvl7pPr marL="2971800" indent="-228600" algn="l" defTabSz="457200" rtl="0" eaLnBrk="1" latinLnBrk="0" hangingPunct="1">
+              <a:spcBef>
+                <a:spcPts val="1000"/>
+              </a:spcBef>
+              <a:spcAft>
+                <a:spcPts val="0"/>
+              </a:spcAft>
+              <a:buClr>
+                <a:schemeClr val="accent1"/>
+              </a:buClr>
+              <a:buFont typeface="Wingdings 3" charset="2"/>
+              <a:buChar char=""/>
+              <a:defRPr sz="1200" kern="1200">
+                <a:solidFill>
+                  <a:schemeClr val="tx1">
+                    <a:lumMod val="75000"/>
+                    <a:lumOff val="25000"/>
+                  </a:schemeClr>
+                </a:solidFill>
+                <a:latin typeface="+mn-lt"/>
+                <a:ea typeface="+mn-ea"/>
+                <a:cs typeface="+mn-cs"/>
+              </a:defRPr>
+            </a:lvl7pPr>
+            <a:lvl8pPr marL="3429000" indent="-228600" algn="l" defTabSz="457200" rtl="0" eaLnBrk="1" latinLnBrk="0" hangingPunct="1">
+              <a:spcBef>
+                <a:spcPts val="1000"/>
+              </a:spcBef>
+              <a:spcAft>
+                <a:spcPts val="0"/>
+              </a:spcAft>
+              <a:buClr>
+                <a:schemeClr val="accent1"/>
+              </a:buClr>
+              <a:buFont typeface="Wingdings 3" charset="2"/>
+              <a:buChar char=""/>
+              <a:defRPr sz="1200" kern="1200">
+                <a:solidFill>
+                  <a:schemeClr val="tx1">
+                    <a:lumMod val="75000"/>
+                    <a:lumOff val="25000"/>
+                  </a:schemeClr>
+                </a:solidFill>
+                <a:latin typeface="+mn-lt"/>
+                <a:ea typeface="+mn-ea"/>
+                <a:cs typeface="+mn-cs"/>
+              </a:defRPr>
+            </a:lvl8pPr>
+            <a:lvl9pPr marL="3886200" indent="-228600" algn="l" defTabSz="457200" rtl="0" eaLnBrk="1" latinLnBrk="0" hangingPunct="1">
+              <a:spcBef>
+                <a:spcPts val="1000"/>
+              </a:spcBef>
+              <a:spcAft>
+                <a:spcPts val="0"/>
+              </a:spcAft>
+              <a:buClr>
+                <a:schemeClr val="accent1"/>
+              </a:buClr>
+              <a:buFont typeface="Wingdings 3" charset="2"/>
+              <a:buChar char=""/>
+              <a:defRPr sz="1200" kern="1200">
+                <a:solidFill>
+                  <a:schemeClr val="tx1">
+                    <a:lumMod val="75000"/>
+                    <a:lumOff val="25000"/>
+                  </a:schemeClr>
+                </a:solidFill>
+                <a:latin typeface="+mn-lt"/>
+                <a:ea typeface="+mn-ea"/>
+                <a:cs typeface="+mn-cs"/>
+              </a:defRPr>
+            </a:lvl9pPr>
+          </a:lstStyle>
+          <a:p>
+            <a:r>
+              <a:rPr lang="fr-FR" dirty="0"/>
+              <a:t>Licéité du traitement </a:t>
+            </a:r>
+          </a:p>
+          <a:p>
+            <a:r>
+              <a:rPr lang="fr-FR" dirty="0"/>
+              <a:t>Finalité du traitement</a:t>
+            </a:r>
+          </a:p>
+          <a:p>
+            <a:r>
+              <a:rPr lang="fr-FR" dirty="0"/>
+              <a:t>Minimisation des données</a:t>
+            </a:r>
+          </a:p>
+          <a:p>
+            <a:r>
+              <a:rPr lang="fr-FR" dirty="0"/>
+              <a:t>Protection particulière de certaines données </a:t>
+            </a:r>
+          </a:p>
+          <a:p>
+            <a:r>
+              <a:rPr lang="fr-FR" dirty="0"/>
+              <a:t>Conservation limitée des données</a:t>
+            </a:r>
+          </a:p>
+          <a:p>
+            <a:r>
+              <a:rPr lang="fr-FR" dirty="0"/>
+              <a:t>Obligation de sécurité </a:t>
+            </a:r>
+          </a:p>
+          <a:p>
+            <a:r>
+              <a:rPr lang="fr-FR" dirty="0"/>
+              <a:t>Transparence </a:t>
+            </a:r>
+          </a:p>
+          <a:p>
+            <a:r>
+              <a:rPr lang="fr-FR" dirty="0"/>
+              <a:t>Droits des personnes </a:t>
+            </a:r>
           </a:p>
         </p:txBody>
       </p:sp>
@@ -23433,12 +24069,14 @@
           </a:xfrm>
         </p:spPr>
         <p:txBody>
-          <a:bodyPr/>
+          <a:bodyPr>
+            <a:normAutofit fontScale="90000"/>
+          </a:bodyPr>
           <a:lstStyle/>
           <a:p>
             <a:r>
               <a:rPr lang="fr-FR" dirty="0"/>
-              <a:t>Principe de fonction de Symfony</a:t>
+              <a:t>Principe de fonctionnement de Symfony</a:t>
             </a:r>
           </a:p>
         </p:txBody>

--- a/aDoc/Projet boutique en ligne.pptx
+++ b/aDoc/Projet boutique en ligne.pptx
@@ -5,7 +5,7 @@
     <p:sldMasterId id="2147483648" r:id="rId1"/>
   </p:sldMasterIdLst>
   <p:notesMasterIdLst>
-    <p:notesMasterId r:id="rId36"/>
+    <p:notesMasterId r:id="rId38"/>
   </p:notesMasterIdLst>
   <p:sldIdLst>
     <p:sldId id="256" r:id="rId2"/>
@@ -18,30 +18,32 @@
     <p:sldId id="261" r:id="rId9"/>
     <p:sldId id="287" r:id="rId10"/>
     <p:sldId id="267" r:id="rId11"/>
-    <p:sldId id="268" r:id="rId12"/>
-    <p:sldId id="269" r:id="rId13"/>
-    <p:sldId id="270" r:id="rId14"/>
-    <p:sldId id="271" r:id="rId15"/>
-    <p:sldId id="285" r:id="rId16"/>
-    <p:sldId id="262" r:id="rId17"/>
-    <p:sldId id="266" r:id="rId18"/>
-    <p:sldId id="286" r:id="rId19"/>
-    <p:sldId id="291" r:id="rId20"/>
-    <p:sldId id="272" r:id="rId21"/>
-    <p:sldId id="273" r:id="rId22"/>
-    <p:sldId id="274" r:id="rId23"/>
-    <p:sldId id="275" r:id="rId24"/>
-    <p:sldId id="288" r:id="rId25"/>
-    <p:sldId id="292" r:id="rId26"/>
-    <p:sldId id="276" r:id="rId27"/>
-    <p:sldId id="277" r:id="rId28"/>
-    <p:sldId id="296" r:id="rId29"/>
-    <p:sldId id="278" r:id="rId30"/>
-    <p:sldId id="293" r:id="rId31"/>
-    <p:sldId id="279" r:id="rId32"/>
-    <p:sldId id="280" r:id="rId33"/>
-    <p:sldId id="294" r:id="rId34"/>
-    <p:sldId id="281" r:id="rId35"/>
+    <p:sldId id="297" r:id="rId12"/>
+    <p:sldId id="268" r:id="rId13"/>
+    <p:sldId id="269" r:id="rId14"/>
+    <p:sldId id="270" r:id="rId15"/>
+    <p:sldId id="271" r:id="rId16"/>
+    <p:sldId id="285" r:id="rId17"/>
+    <p:sldId id="262" r:id="rId18"/>
+    <p:sldId id="266" r:id="rId19"/>
+    <p:sldId id="286" r:id="rId20"/>
+    <p:sldId id="291" r:id="rId21"/>
+    <p:sldId id="298" r:id="rId22"/>
+    <p:sldId id="299" r:id="rId23"/>
+    <p:sldId id="273" r:id="rId24"/>
+    <p:sldId id="274" r:id="rId25"/>
+    <p:sldId id="275" r:id="rId26"/>
+    <p:sldId id="288" r:id="rId27"/>
+    <p:sldId id="292" r:id="rId28"/>
+    <p:sldId id="276" r:id="rId29"/>
+    <p:sldId id="277" r:id="rId30"/>
+    <p:sldId id="296" r:id="rId31"/>
+    <p:sldId id="278" r:id="rId32"/>
+    <p:sldId id="293" r:id="rId33"/>
+    <p:sldId id="279" r:id="rId34"/>
+    <p:sldId id="280" r:id="rId35"/>
+    <p:sldId id="294" r:id="rId36"/>
+    <p:sldId id="281" r:id="rId37"/>
   </p:sldIdLst>
   <p:sldSz cx="12192000" cy="6858000"/>
   <p:notesSz cx="6858000" cy="9144000"/>
@@ -4200,7 +4202,7 @@
           <a:p>
             <a:fld id="{2CDCDF8F-3D54-4115-A7BF-B22B247C4638}" type="datetimeFigureOut">
               <a:rPr lang="fr-FR" smtClean="0"/>
-              <a:t>01/02/2021</a:t>
+              <a:t>02/02/2021</a:t>
             </a:fld>
             <a:endParaRPr lang="fr-FR"/>
           </a:p>
@@ -4655,7 +4657,7 @@
           <a:p>
             <a:fld id="{30BF176E-CADB-48F9-B97C-1D186AD99C00}" type="datetime1">
               <a:rPr lang="en-US" smtClean="0"/>
-              <a:t>2/1/2021</a:t>
+              <a:t>2/2/2021</a:t>
             </a:fld>
             <a:endParaRPr lang="en-US" dirty="0"/>
           </a:p>
@@ -4989,7 +4991,7 @@
           <a:p>
             <a:fld id="{F8B59121-EE1F-4479-B37D-243652B9AF57}" type="datetime1">
               <a:rPr lang="en-US" smtClean="0"/>
-              <a:t>2/1/2021</a:t>
+              <a:t>2/2/2021</a:t>
             </a:fld>
             <a:endParaRPr lang="en-US" dirty="0"/>
           </a:p>
@@ -5386,7 +5388,7 @@
           <a:p>
             <a:fld id="{37C5854A-430C-41F8-B4AA-EEE3BC935C71}" type="datetime1">
               <a:rPr lang="en-US" smtClean="0"/>
-              <a:t>2/1/2021</a:t>
+              <a:t>2/2/2021</a:t>
             </a:fld>
             <a:endParaRPr lang="en-US" dirty="0"/>
           </a:p>
@@ -5718,7 +5720,7 @@
           <a:p>
             <a:fld id="{B00D6915-AD78-415E-9082-43687253A670}" type="datetime1">
               <a:rPr lang="en-US" smtClean="0"/>
-              <a:t>2/1/2021</a:t>
+              <a:t>2/2/2021</a:t>
             </a:fld>
             <a:endParaRPr lang="en-US" dirty="0"/>
           </a:p>
@@ -6034,7 +6036,7 @@
           <a:p>
             <a:fld id="{C688B8AB-7942-4DD7-9B83-C03FBC9CFF5D}" type="datetime1">
               <a:rPr lang="en-US" smtClean="0"/>
-              <a:t>2/1/2021</a:t>
+              <a:t>2/2/2021</a:t>
             </a:fld>
             <a:endParaRPr lang="en-US" dirty="0"/>
           </a:p>
@@ -6426,7 +6428,7 @@
           <a:p>
             <a:fld id="{6626BFCB-E957-4302-B399-C285F828936F}" type="datetime1">
               <a:rPr lang="en-US" smtClean="0"/>
-              <a:t>2/1/2021</a:t>
+              <a:t>2/2/2021</a:t>
             </a:fld>
             <a:endParaRPr lang="en-US" dirty="0"/>
           </a:p>
@@ -6679,7 +6681,7 @@
           <a:p>
             <a:fld id="{805BCEB2-B0F8-49F6-9921-FCDDB047B27B}" type="datetime1">
               <a:rPr lang="en-US" smtClean="0"/>
-              <a:t>2/1/2021</a:t>
+              <a:t>2/2/2021</a:t>
             </a:fld>
             <a:endParaRPr lang="en-US" dirty="0"/>
           </a:p>
@@ -6937,7 +6939,7 @@
           <a:p>
             <a:fld id="{8D966F9A-AED3-4BCA-93CD-F2BA2FA9764A}" type="datetime1">
               <a:rPr lang="en-US" smtClean="0"/>
-              <a:t>2/1/2021</a:t>
+              <a:t>2/2/2021</a:t>
             </a:fld>
             <a:endParaRPr lang="en-US" dirty="0"/>
           </a:p>
@@ -7195,7 +7197,7 @@
           <a:p>
             <a:fld id="{25471B62-9AD3-44B3-9B01-E63E073463FB}" type="datetime1">
               <a:rPr lang="en-US" smtClean="0"/>
-              <a:t>2/1/2021</a:t>
+              <a:t>2/2/2021</a:t>
             </a:fld>
             <a:endParaRPr lang="en-US" dirty="0"/>
           </a:p>
@@ -7520,7 +7522,7 @@
           <a:p>
             <a:fld id="{0B6236A2-B66E-4463-AD93-2D5632174887}" type="datetime1">
               <a:rPr lang="en-US" smtClean="0"/>
-              <a:t>2/1/2021</a:t>
+              <a:t>2/2/2021</a:t>
             </a:fld>
             <a:endParaRPr lang="en-US" dirty="0"/>
           </a:p>
@@ -7839,7 +7841,7 @@
           <a:p>
             <a:fld id="{7A72F98A-E971-4236-B7C4-1A6C45CC50CE}" type="datetime1">
               <a:rPr lang="en-US" smtClean="0"/>
-              <a:t>2/1/2021</a:t>
+              <a:t>2/2/2021</a:t>
             </a:fld>
             <a:endParaRPr lang="en-US" dirty="0"/>
           </a:p>
@@ -8292,7 +8294,7 @@
           <a:p>
             <a:fld id="{3FF510AB-544C-40EA-B938-196EAA3D0F2B}" type="datetime1">
               <a:rPr lang="en-US" smtClean="0"/>
-              <a:t>2/1/2021</a:t>
+              <a:t>2/2/2021</a:t>
             </a:fld>
             <a:endParaRPr lang="en-US" dirty="0"/>
           </a:p>
@@ -8493,7 +8495,7 @@
           <a:p>
             <a:fld id="{1D433965-0187-4094-8A8E-91F2CA57F05E}" type="datetime1">
               <a:rPr lang="en-US" smtClean="0"/>
-              <a:t>2/1/2021</a:t>
+              <a:t>2/2/2021</a:t>
             </a:fld>
             <a:endParaRPr lang="en-US" dirty="0"/>
           </a:p>
@@ -8666,7 +8668,7 @@
           <a:p>
             <a:fld id="{69129591-3F3E-4E3F-944D-AF26B2D532FD}" type="datetime1">
               <a:rPr lang="en-US" smtClean="0"/>
-              <a:t>2/1/2021</a:t>
+              <a:t>2/2/2021</a:t>
             </a:fld>
             <a:endParaRPr lang="en-US" dirty="0"/>
           </a:p>
@@ -8995,7 +8997,7 @@
           <a:p>
             <a:fld id="{29C7A8B3-BC23-4952-B9C1-8515DB3EAF5D}" type="datetime1">
               <a:rPr lang="en-US" smtClean="0"/>
-              <a:t>2/1/2021</a:t>
+              <a:t>2/2/2021</a:t>
             </a:fld>
             <a:endParaRPr lang="en-US" dirty="0"/>
           </a:p>
@@ -9336,7 +9338,7 @@
           <a:p>
             <a:fld id="{802DCC3A-F874-4662-A1A8-F3F6DA43E4A3}" type="datetime1">
               <a:rPr lang="en-US" smtClean="0"/>
-              <a:t>2/1/2021</a:t>
+              <a:t>2/2/2021</a:t>
             </a:fld>
             <a:endParaRPr lang="en-US" dirty="0"/>
           </a:p>
@@ -11449,7 +11451,7 @@
           <a:p>
             <a:fld id="{29463D4B-AA9E-408A-A82A-29FCBE21BC24}" type="datetime1">
               <a:rPr lang="en-US" smtClean="0"/>
-              <a:t>2/1/2021</a:t>
+              <a:t>2/2/2021</a:t>
             </a:fld>
             <a:endParaRPr lang="en-US" dirty="0"/>
           </a:p>
@@ -12014,10 +12016,9 @@
           <a:lstStyle/>
           <a:p>
             <a:r>
-              <a:rPr lang="fr-FR"/>
-              <a:t>2020-2121 Lisa Foret</a:t>
+              <a:rPr lang="fr-FR" dirty="0"/>
+              <a:t>2020-2021 Lisa Foret</a:t>
             </a:r>
-            <a:endParaRPr lang="fr-FR" dirty="0"/>
           </a:p>
         </p:txBody>
       </p:sp>
@@ -12061,11 +12062,11 @@
   <p:clrMapOvr>
     <a:masterClrMapping/>
   </p:clrMapOvr>
-  <mc:AlternateContent xmlns:mc="http://schemas.openxmlformats.org/markup-compatibility/2006">
-    <mc:Choice xmlns:p14="http://schemas.microsoft.com/office/powerpoint/2010/main" Requires="p14">
+  <mc:AlternateContent xmlns:mc="http://schemas.openxmlformats.org/markup-compatibility/2006" xmlns:p14="http://schemas.microsoft.com/office/powerpoint/2010/main">
+    <mc:Choice Requires="p14">
       <p:transition spd="slow" p14:dur="2000" advTm="6303"/>
     </mc:Choice>
-    <mc:Fallback>
+    <mc:Fallback xmlns="">
       <p:transition spd="slow" advTm="6303"/>
     </mc:Fallback>
   </mc:AlternateContent>
@@ -12118,9 +12119,10 @@
           <a:lstStyle/>
           <a:p>
             <a:r>
-              <a:rPr lang="fr-FR" sz="2400" dirty="0"/>
+              <a:rPr lang="fr-FR" sz="2400"/>
               <a:t>Gestion des utilisateurs</a:t>
             </a:r>
+            <a:endParaRPr lang="fr-FR" sz="2400" dirty="0"/>
           </a:p>
         </p:txBody>
       </p:sp>
@@ -12153,120 +12155,67 @@
           <a:lstStyle/>
           <a:p>
             <a:r>
-              <a:rPr lang="fr-FR" dirty="0"/>
-              <a:t>«  </a:t>
+              <a:rPr lang="fr-FR"/>
+              <a:t>«  php bin/console make:user »</a:t>
             </a:r>
+          </a:p>
+          <a:p>
             <a:r>
-              <a:rPr lang="fr-FR" dirty="0" err="1"/>
-              <a:t>php</a:t>
+              <a:rPr lang="fr-FR"/>
+              <a:t>«  php bin/console make:registration-form »</a:t>
             </a:r>
+          </a:p>
+          <a:p>
             <a:r>
-              <a:rPr lang="fr-FR" dirty="0"/>
-              <a:t> bin/console </a:t>
+              <a:rPr lang="fr-FR"/>
+              <a:t>« php bin/console make:auth »</a:t>
             </a:r>
+          </a:p>
+          <a:p>
             <a:r>
-              <a:rPr lang="fr-FR" dirty="0" err="1"/>
-              <a:t>make:user</a:t>
+              <a:rPr lang="fr-FR"/>
+              <a:t>Fichier Security. yaml</a:t>
             </a:r>
-            <a:r>
-              <a:rPr lang="fr-FR" dirty="0"/>
-              <a:t> »</a:t>
-            </a:r>
-          </a:p>
-          <a:p>
-            <a:r>
-              <a:rPr lang="fr-FR" dirty="0"/>
-              <a:t>«  </a:t>
-            </a:r>
-            <a:r>
-              <a:rPr lang="fr-FR" dirty="0" err="1"/>
-              <a:t>php</a:t>
-            </a:r>
-            <a:r>
-              <a:rPr lang="fr-FR" dirty="0"/>
-              <a:t> bin/console </a:t>
-            </a:r>
-            <a:r>
-              <a:rPr lang="fr-FR" dirty="0" err="1"/>
-              <a:t>make:registration-form</a:t>
-            </a:r>
-            <a:r>
-              <a:rPr lang="fr-FR" dirty="0"/>
-              <a:t> »</a:t>
-            </a:r>
-          </a:p>
-          <a:p>
-            <a:r>
-              <a:rPr lang="fr-FR" dirty="0"/>
-              <a:t>« </a:t>
-            </a:r>
-            <a:r>
-              <a:rPr lang="fr-FR" dirty="0" err="1"/>
-              <a:t>php</a:t>
-            </a:r>
-            <a:r>
-              <a:rPr lang="fr-FR" dirty="0"/>
-              <a:t> bin/console </a:t>
-            </a:r>
-            <a:r>
-              <a:rPr lang="fr-FR" dirty="0" err="1"/>
-              <a:t>make:auth</a:t>
-            </a:r>
-            <a:r>
-              <a:rPr lang="fr-FR" dirty="0"/>
-              <a:t> »</a:t>
-            </a:r>
-          </a:p>
-          <a:p>
-            <a:r>
-              <a:rPr lang="fr-FR" dirty="0"/>
-              <a:t>Fichier Security. </a:t>
-            </a:r>
-            <a:r>
-              <a:rPr lang="fr-FR" dirty="0" err="1"/>
-              <a:t>yaml</a:t>
-            </a:r>
-            <a:endParaRPr lang="fr-FR" dirty="0"/>
           </a:p>
           <a:p>
             <a:pPr lvl="1"/>
             <a:r>
-              <a:rPr lang="fr-FR" dirty="0"/>
+              <a:rPr lang="fr-FR"/>
               <a:t>ARGON2</a:t>
             </a:r>
           </a:p>
           <a:p>
             <a:pPr lvl="1"/>
             <a:r>
-              <a:rPr lang="fr-FR" dirty="0"/>
+              <a:rPr lang="fr-FR"/>
               <a:t>Authentification</a:t>
             </a:r>
           </a:p>
           <a:p>
             <a:pPr lvl="2"/>
             <a:r>
-              <a:rPr lang="fr-FR" dirty="0"/>
+              <a:rPr lang="fr-FR"/>
               <a:t>Anonyme</a:t>
             </a:r>
           </a:p>
           <a:p>
             <a:pPr lvl="2"/>
             <a:r>
-              <a:rPr lang="fr-FR" dirty="0"/>
+              <a:rPr lang="fr-FR"/>
               <a:t>Formulaire de connexion</a:t>
             </a:r>
           </a:p>
           <a:p>
             <a:pPr lvl="2"/>
             <a:r>
-              <a:rPr lang="fr-FR" dirty="0"/>
+              <a:rPr lang="fr-FR"/>
               <a:t>Se déconnecter</a:t>
             </a:r>
           </a:p>
           <a:p>
             <a:pPr lvl="1"/>
             <a:r>
-              <a:rPr lang="fr-FR" dirty="0"/>
+              <a:rPr lang="fr-FR"/>
               <a:t>Autorisation</a:t>
             </a:r>
           </a:p>
@@ -12381,9 +12330,10 @@
           </a:lstStyle>
           <a:p>
             <a:r>
-              <a:rPr lang="fr-FR" dirty="0"/>
+              <a:rPr lang="fr-FR"/>
               <a:t>Principe de fonctionnement de Symfony</a:t>
             </a:r>
+            <a:endParaRPr lang="fr-FR" dirty="0"/>
           </a:p>
         </p:txBody>
       </p:sp>
@@ -12439,6 +12389,377 @@
 </file>
 
 <file path=ppt/slides/slide11.xml><?xml version="1.0" encoding="utf-8"?>
+<p:sld xmlns:a="http://schemas.openxmlformats.org/drawingml/2006/main" xmlns:r="http://schemas.openxmlformats.org/officeDocument/2006/relationships" xmlns:p="http://schemas.openxmlformats.org/presentationml/2006/main">
+  <p:cSld>
+    <p:spTree>
+      <p:nvGrpSpPr>
+        <p:cNvPr id="1" name=""/>
+        <p:cNvGrpSpPr/>
+        <p:nvPr/>
+      </p:nvGrpSpPr>
+      <p:grpSpPr>
+        <a:xfrm>
+          <a:off x="0" y="0"/>
+          <a:ext cx="0" cy="0"/>
+          <a:chOff x="0" y="0"/>
+          <a:chExt cx="0" cy="0"/>
+        </a:xfrm>
+      </p:grpSpPr>
+      <p:sp>
+        <p:nvSpPr>
+          <p:cNvPr id="2" name="Titre 1">
+            <a:extLst>
+              <a:ext uri="{FF2B5EF4-FFF2-40B4-BE49-F238E27FC236}">
+                <a16:creationId xmlns:a16="http://schemas.microsoft.com/office/drawing/2014/main" id="{349D8956-40D8-4FF3-9100-BE2B895D5B81}"/>
+              </a:ext>
+            </a:extLst>
+          </p:cNvPr>
+          <p:cNvSpPr>
+            <a:spLocks noGrp="1"/>
+          </p:cNvSpPr>
+          <p:nvPr>
+            <p:ph type="title"/>
+          </p:nvPr>
+        </p:nvSpPr>
+        <p:spPr>
+          <a:xfrm>
+            <a:off x="2592925" y="1287624"/>
+            <a:ext cx="8911687" cy="635523"/>
+          </a:xfrm>
+        </p:spPr>
+        <p:txBody>
+          <a:bodyPr>
+            <a:normAutofit/>
+          </a:bodyPr>
+          <a:lstStyle/>
+          <a:p>
+            <a:r>
+              <a:rPr lang="fr-FR" sz="2400"/>
+              <a:t>Gestion des utilisateurs</a:t>
+            </a:r>
+            <a:endParaRPr lang="fr-FR" sz="2400" dirty="0"/>
+          </a:p>
+        </p:txBody>
+      </p:sp>
+      <p:sp>
+        <p:nvSpPr>
+          <p:cNvPr id="3" name="Espace réservé du contenu 2">
+            <a:extLst>
+              <a:ext uri="{FF2B5EF4-FFF2-40B4-BE49-F238E27FC236}">
+                <a16:creationId xmlns:a16="http://schemas.microsoft.com/office/drawing/2014/main" id="{328D7F66-51B2-4CBB-B151-2500D0C88A4C}"/>
+              </a:ext>
+            </a:extLst>
+          </p:cNvPr>
+          <p:cNvSpPr>
+            <a:spLocks noGrp="1"/>
+          </p:cNvSpPr>
+          <p:nvPr>
+            <p:ph idx="1"/>
+          </p:nvPr>
+        </p:nvSpPr>
+        <p:spPr>
+          <a:xfrm>
+            <a:off x="2589212" y="2133600"/>
+            <a:ext cx="5539720" cy="4100290"/>
+          </a:xfrm>
+        </p:spPr>
+        <p:txBody>
+          <a:bodyPr>
+            <a:normAutofit/>
+          </a:bodyPr>
+          <a:lstStyle/>
+          <a:p>
+            <a:r>
+              <a:rPr lang="fr-FR" dirty="0"/>
+              <a:t>Fichier Security. </a:t>
+            </a:r>
+            <a:r>
+              <a:rPr lang="fr-FR" dirty="0" err="1"/>
+              <a:t>yaml</a:t>
+            </a:r>
+            <a:endParaRPr lang="fr-FR" dirty="0"/>
+          </a:p>
+          <a:p>
+            <a:pPr lvl="1"/>
+            <a:r>
+              <a:rPr lang="fr-FR" dirty="0"/>
+              <a:t>ARGON2</a:t>
+            </a:r>
+          </a:p>
+          <a:p>
+            <a:pPr lvl="1"/>
+            <a:r>
+              <a:rPr lang="fr-FR" dirty="0"/>
+              <a:t>Authentification</a:t>
+            </a:r>
+          </a:p>
+          <a:p>
+            <a:pPr lvl="1"/>
+            <a:r>
+              <a:rPr lang="fr-FR" dirty="0"/>
+              <a:t>Autorisation</a:t>
+            </a:r>
+          </a:p>
+          <a:p>
+            <a:pPr marL="914400" lvl="2" indent="0">
+              <a:buNone/>
+            </a:pPr>
+            <a:endParaRPr lang="fr-FR" dirty="0"/>
+          </a:p>
+        </p:txBody>
+      </p:sp>
+      <p:sp>
+        <p:nvSpPr>
+          <p:cNvPr id="4" name="Titre 1">
+            <a:extLst>
+              <a:ext uri="{FF2B5EF4-FFF2-40B4-BE49-F238E27FC236}">
+                <a16:creationId xmlns:a16="http://schemas.microsoft.com/office/drawing/2014/main" id="{573D2DEE-B80D-4144-8ED3-47CB2AB8914E}"/>
+              </a:ext>
+            </a:extLst>
+          </p:cNvPr>
+          <p:cNvSpPr txBox="1">
+            <a:spLocks/>
+          </p:cNvSpPr>
+          <p:nvPr/>
+        </p:nvSpPr>
+        <p:spPr>
+          <a:xfrm>
+            <a:off x="2592925" y="624110"/>
+            <a:ext cx="8911687" cy="663514"/>
+          </a:xfrm>
+          <a:prstGeom prst="rect">
+            <a:avLst/>
+          </a:prstGeom>
+        </p:spPr>
+        <p:txBody>
+          <a:bodyPr vert="horz" lIns="91440" tIns="45720" rIns="91440" bIns="45720" rtlCol="0" anchor="t">
+            <a:normAutofit fontScale="92500"/>
+          </a:bodyPr>
+          <a:lstStyle>
+            <a:lvl1pPr algn="l" defTabSz="457200" rtl="0" eaLnBrk="1" latinLnBrk="0" hangingPunct="1">
+              <a:spcBef>
+                <a:spcPct val="0"/>
+              </a:spcBef>
+              <a:buNone/>
+              <a:defRPr sz="3600" kern="1200">
+                <a:solidFill>
+                  <a:schemeClr val="accent2">
+                    <a:lumMod val="75000"/>
+                  </a:schemeClr>
+                </a:solidFill>
+                <a:latin typeface="+mj-lt"/>
+                <a:ea typeface="+mj-ea"/>
+                <a:cs typeface="+mj-cs"/>
+              </a:defRPr>
+            </a:lvl1pPr>
+            <a:lvl2pPr eaLnBrk="1" hangingPunct="1">
+              <a:defRPr>
+                <a:solidFill>
+                  <a:schemeClr val="tx2"/>
+                </a:solidFill>
+              </a:defRPr>
+            </a:lvl2pPr>
+            <a:lvl3pPr eaLnBrk="1" hangingPunct="1">
+              <a:defRPr>
+                <a:solidFill>
+                  <a:schemeClr val="tx2"/>
+                </a:solidFill>
+              </a:defRPr>
+            </a:lvl3pPr>
+            <a:lvl4pPr eaLnBrk="1" hangingPunct="1">
+              <a:defRPr>
+                <a:solidFill>
+                  <a:schemeClr val="tx2"/>
+                </a:solidFill>
+              </a:defRPr>
+            </a:lvl4pPr>
+            <a:lvl5pPr eaLnBrk="1" hangingPunct="1">
+              <a:defRPr>
+                <a:solidFill>
+                  <a:schemeClr val="tx2"/>
+                </a:solidFill>
+              </a:defRPr>
+            </a:lvl5pPr>
+            <a:lvl6pPr eaLnBrk="1" hangingPunct="1">
+              <a:defRPr>
+                <a:solidFill>
+                  <a:schemeClr val="tx2"/>
+                </a:solidFill>
+              </a:defRPr>
+            </a:lvl6pPr>
+            <a:lvl7pPr eaLnBrk="1" hangingPunct="1">
+              <a:defRPr>
+                <a:solidFill>
+                  <a:schemeClr val="tx2"/>
+                </a:solidFill>
+              </a:defRPr>
+            </a:lvl7pPr>
+            <a:lvl8pPr eaLnBrk="1" hangingPunct="1">
+              <a:defRPr>
+                <a:solidFill>
+                  <a:schemeClr val="tx2"/>
+                </a:solidFill>
+              </a:defRPr>
+            </a:lvl8pPr>
+            <a:lvl9pPr eaLnBrk="1" hangingPunct="1">
+              <a:defRPr>
+                <a:solidFill>
+                  <a:schemeClr val="tx2"/>
+                </a:solidFill>
+              </a:defRPr>
+            </a:lvl9pPr>
+          </a:lstStyle>
+          <a:p>
+            <a:r>
+              <a:rPr lang="fr-FR"/>
+              <a:t>Principe de fonctionnement de Symfony</a:t>
+            </a:r>
+            <a:endParaRPr lang="fr-FR" dirty="0"/>
+          </a:p>
+        </p:txBody>
+      </p:sp>
+      <p:sp>
+        <p:nvSpPr>
+          <p:cNvPr id="5" name="Espace réservé du numéro de diapositive 4">
+            <a:extLst>
+              <a:ext uri="{FF2B5EF4-FFF2-40B4-BE49-F238E27FC236}">
+                <a16:creationId xmlns:a16="http://schemas.microsoft.com/office/drawing/2014/main" id="{0921CA45-E9ED-4326-A050-D5F4E2B1269F}"/>
+              </a:ext>
+            </a:extLst>
+          </p:cNvPr>
+          <p:cNvSpPr>
+            <a:spLocks noGrp="1"/>
+          </p:cNvSpPr>
+          <p:nvPr>
+            <p:ph type="sldNum" sz="quarter" idx="12"/>
+          </p:nvPr>
+        </p:nvSpPr>
+        <p:spPr/>
+        <p:txBody>
+          <a:bodyPr/>
+          <a:lstStyle/>
+          <a:p>
+            <a:fld id="{D57F1E4F-1CFF-5643-939E-217C01CDF565}" type="slidenum">
+              <a:rPr lang="en-US" smtClean="0"/>
+              <a:pPr/>
+              <a:t>11</a:t>
+            </a:fld>
+            <a:endParaRPr lang="en-US" dirty="0"/>
+          </a:p>
+        </p:txBody>
+      </p:sp>
+      <p:pic>
+        <p:nvPicPr>
+          <p:cNvPr id="7" name="Image 6">
+            <a:extLst>
+              <a:ext uri="{FF2B5EF4-FFF2-40B4-BE49-F238E27FC236}">
+                <a16:creationId xmlns:a16="http://schemas.microsoft.com/office/drawing/2014/main" id="{E7D896C0-1A63-4CCA-B4A7-CE778B0027D0}"/>
+              </a:ext>
+            </a:extLst>
+          </p:cNvPr>
+          <p:cNvPicPr>
+            <a:picLocks noChangeAspect="1"/>
+          </p:cNvPicPr>
+          <p:nvPr/>
+        </p:nvPicPr>
+        <p:blipFill>
+          <a:blip r:embed="rId2"/>
+          <a:stretch>
+            <a:fillRect/>
+          </a:stretch>
+        </p:blipFill>
+        <p:spPr>
+          <a:xfrm>
+            <a:off x="7048768" y="1923147"/>
+            <a:ext cx="4170220" cy="1066800"/>
+          </a:xfrm>
+          <a:prstGeom prst="rect">
+            <a:avLst/>
+          </a:prstGeom>
+        </p:spPr>
+      </p:pic>
+      <p:pic>
+        <p:nvPicPr>
+          <p:cNvPr id="9" name="Image 8" descr="Une image contenant texte, écran, capture d’écran&#10;&#10;Description générée automatiquement">
+            <a:extLst>
+              <a:ext uri="{FF2B5EF4-FFF2-40B4-BE49-F238E27FC236}">
+                <a16:creationId xmlns:a16="http://schemas.microsoft.com/office/drawing/2014/main" id="{8C654566-BDAE-4BEA-AC36-1C6D0EBD66C7}"/>
+              </a:ext>
+            </a:extLst>
+          </p:cNvPr>
+          <p:cNvPicPr>
+            <a:picLocks noChangeAspect="1"/>
+          </p:cNvPicPr>
+          <p:nvPr/>
+        </p:nvPicPr>
+        <p:blipFill>
+          <a:blip r:embed="rId3"/>
+          <a:stretch>
+            <a:fillRect/>
+          </a:stretch>
+        </p:blipFill>
+        <p:spPr>
+          <a:xfrm>
+            <a:off x="6417718" y="3189654"/>
+            <a:ext cx="4801270" cy="2172003"/>
+          </a:xfrm>
+          <a:prstGeom prst="rect">
+            <a:avLst/>
+          </a:prstGeom>
+        </p:spPr>
+      </p:pic>
+      <p:pic>
+        <p:nvPicPr>
+          <p:cNvPr id="11" name="Image 10">
+            <a:extLst>
+              <a:ext uri="{FF2B5EF4-FFF2-40B4-BE49-F238E27FC236}">
+                <a16:creationId xmlns:a16="http://schemas.microsoft.com/office/drawing/2014/main" id="{89952A0D-A127-4025-A9B7-8FEF362DDBFE}"/>
+              </a:ext>
+            </a:extLst>
+          </p:cNvPr>
+          <p:cNvPicPr>
+            <a:picLocks noChangeAspect="1"/>
+          </p:cNvPicPr>
+          <p:nvPr/>
+        </p:nvPicPr>
+        <p:blipFill>
+          <a:blip r:embed="rId4"/>
+          <a:stretch>
+            <a:fillRect/>
+          </a:stretch>
+        </p:blipFill>
+        <p:spPr>
+          <a:xfrm>
+            <a:off x="6437556" y="5550844"/>
+            <a:ext cx="4801270" cy="905900"/>
+          </a:xfrm>
+          <a:prstGeom prst="rect">
+            <a:avLst/>
+          </a:prstGeom>
+        </p:spPr>
+      </p:pic>
+    </p:spTree>
+    <p:extLst>
+      <p:ext uri="{BB962C8B-B14F-4D97-AF65-F5344CB8AC3E}">
+        <p14:creationId xmlns:p14="http://schemas.microsoft.com/office/powerpoint/2010/main" val="3947073539"/>
+      </p:ext>
+    </p:extLst>
+  </p:cSld>
+  <p:clrMapOvr>
+    <a:masterClrMapping/>
+  </p:clrMapOvr>
+  <mc:AlternateContent xmlns:mc="http://schemas.openxmlformats.org/markup-compatibility/2006" xmlns:p14="http://schemas.microsoft.com/office/powerpoint/2010/main">
+    <mc:Choice Requires="p14">
+      <p:transition spd="slow" p14:dur="2000" advTm="136960"/>
+    </mc:Choice>
+    <mc:Fallback xmlns="">
+      <p:transition spd="slow" advTm="136960"/>
+    </mc:Fallback>
+  </mc:AlternateContent>
+</p:sld>
+</file>
+
+<file path=ppt/slides/slide12.xml><?xml version="1.0" encoding="utf-8"?>
 <p:sld xmlns:a="http://schemas.openxmlformats.org/drawingml/2006/main" xmlns:r="http://schemas.openxmlformats.org/officeDocument/2006/relationships" xmlns:p="http://schemas.openxmlformats.org/presentationml/2006/main">
   <p:cSld>
     <p:spTree>
@@ -12669,7 +12990,7 @@
             <a:fld id="{D57F1E4F-1CFF-5643-939E-217C01CDF565}" type="slidenum">
               <a:rPr lang="en-US" smtClean="0"/>
               <a:pPr/>
-              <a:t>11</a:t>
+              <a:t>12</a:t>
             </a:fld>
             <a:endParaRPr lang="en-US" dirty="0"/>
           </a:p>
@@ -12696,7 +13017,7 @@
 </p:sld>
 </file>
 
-<file path=ppt/slides/slide12.xml><?xml version="1.0" encoding="utf-8"?>
+<file path=ppt/slides/slide13.xml><?xml version="1.0" encoding="utf-8"?>
 <p:sld xmlns:a="http://schemas.openxmlformats.org/drawingml/2006/main" xmlns:r="http://schemas.openxmlformats.org/officeDocument/2006/relationships" xmlns:p="http://schemas.openxmlformats.org/presentationml/2006/main">
   <p:cSld>
     <p:spTree>
@@ -12926,7 +13247,7 @@
             <a:fld id="{D57F1E4F-1CFF-5643-939E-217C01CDF565}" type="slidenum">
               <a:rPr lang="en-US" smtClean="0"/>
               <a:pPr/>
-              <a:t>12</a:t>
+              <a:t>13</a:t>
             </a:fld>
             <a:endParaRPr lang="en-US" dirty="0"/>
           </a:p>
@@ -12953,7 +13274,7 @@
 </p:sld>
 </file>
 
-<file path=ppt/slides/slide13.xml><?xml version="1.0" encoding="utf-8"?>
+<file path=ppt/slides/slide14.xml><?xml version="1.0" encoding="utf-8"?>
 <p:sld xmlns:a="http://schemas.openxmlformats.org/drawingml/2006/main" xmlns:r="http://schemas.openxmlformats.org/officeDocument/2006/relationships" xmlns:p="http://schemas.openxmlformats.org/presentationml/2006/main">
   <p:cSld>
     <p:spTree>
@@ -13041,24 +13362,7 @@
           <a:p>
             <a:r>
               <a:rPr lang="fr-FR" dirty="0"/>
-              <a:t>Echappement de données avec </a:t>
-            </a:r>
-            <a:r>
-              <a:rPr lang="fr-FR" dirty="0" err="1"/>
-              <a:t>Twig</a:t>
-            </a:r>
-            <a:endParaRPr lang="fr-FR" dirty="0"/>
-          </a:p>
-          <a:p>
-            <a:r>
-              <a:rPr lang="fr-FR" dirty="0"/>
-              <a:t>Contraintes de validation</a:t>
-            </a:r>
-          </a:p>
-          <a:p>
-            <a:r>
-              <a:rPr lang="fr-FR" dirty="0"/>
-              <a:t>Requête préparées de doctrine</a:t>
+              <a:t>Requêtes préparées de doctrine</a:t>
             </a:r>
           </a:p>
         </p:txBody>
@@ -13196,7 +13500,7 @@
             <a:fld id="{D57F1E4F-1CFF-5643-939E-217C01CDF565}" type="slidenum">
               <a:rPr lang="en-US" smtClean="0"/>
               <a:pPr/>
-              <a:t>13</a:t>
+              <a:t>14</a:t>
             </a:fld>
             <a:endParaRPr lang="en-US" dirty="0"/>
           </a:p>
@@ -13223,7 +13527,7 @@
 </p:sld>
 </file>
 
-<file path=ppt/slides/slide14.xml><?xml version="1.0" encoding="utf-8"?>
+<file path=ppt/slides/slide15.xml><?xml version="1.0" encoding="utf-8"?>
 <p:sld xmlns:a="http://schemas.openxmlformats.org/drawingml/2006/main" xmlns:r="http://schemas.openxmlformats.org/officeDocument/2006/relationships" xmlns:p="http://schemas.openxmlformats.org/presentationml/2006/main">
   <p:cSld>
     <p:spTree>
@@ -13324,7 +13628,15 @@
             </a:r>
             <a:r>
               <a:rPr lang="fr-FR" dirty="0"/>
-              <a:t> CSRF : chaine de caractère hacher, aléatoire et unique</a:t>
+              <a:t> CSRF : chaine de caractère </a:t>
+            </a:r>
+            <a:r>
+              <a:rPr lang="fr-FR" dirty="0" err="1"/>
+              <a:t>hashée</a:t>
+            </a:r>
+            <a:r>
+              <a:rPr lang="fr-FR" dirty="0"/>
+              <a:t>, aléatoire et unique</a:t>
             </a:r>
           </a:p>
           <a:p>
@@ -13483,7 +13795,7 @@
             <a:fld id="{D57F1E4F-1CFF-5643-939E-217C01CDF565}" type="slidenum">
               <a:rPr lang="en-US" smtClean="0"/>
               <a:pPr/>
-              <a:t>14</a:t>
+              <a:t>15</a:t>
             </a:fld>
             <a:endParaRPr lang="en-US" dirty="0"/>
           </a:p>
@@ -13510,7 +13822,7 @@
 </p:sld>
 </file>
 
-<file path=ppt/slides/slide15.xml><?xml version="1.0" encoding="utf-8"?>
+<file path=ppt/slides/slide16.xml><?xml version="1.0" encoding="utf-8"?>
 <p:sld xmlns:a="http://schemas.openxmlformats.org/drawingml/2006/main" xmlns:r="http://schemas.openxmlformats.org/officeDocument/2006/relationships" xmlns:p="http://schemas.openxmlformats.org/presentationml/2006/main">
   <p:cSld>
     <p:spTree>
@@ -13610,7 +13922,7 @@
           <a:p>
             <a:r>
               <a:rPr lang="fr-FR" dirty="0"/>
-              <a:t>Codé les parties essentielles</a:t>
+              <a:t>Coder les parties essentielles</a:t>
             </a:r>
           </a:p>
           <a:p>
@@ -13662,7 +13974,7 @@
             <a:fld id="{D57F1E4F-1CFF-5643-939E-217C01CDF565}" type="slidenum">
               <a:rPr lang="en-US" smtClean="0"/>
               <a:pPr/>
-              <a:t>15</a:t>
+              <a:t>16</a:t>
             </a:fld>
             <a:endParaRPr lang="en-US" dirty="0"/>
           </a:p>
@@ -13689,7 +14001,7 @@
 </p:sld>
 </file>
 
-<file path=ppt/slides/slide16.xml><?xml version="1.0" encoding="utf-8"?>
+<file path=ppt/slides/slide17.xml><?xml version="1.0" encoding="utf-8"?>
 <p:sld xmlns:a="http://schemas.openxmlformats.org/drawingml/2006/main" xmlns:r="http://schemas.openxmlformats.org/officeDocument/2006/relationships" xmlns:p="http://schemas.openxmlformats.org/presentationml/2006/main">
   <p:cSld>
     <p:spTree>
@@ -13903,7 +14215,7 @@
             <a:fld id="{D57F1E4F-1CFF-5643-939E-217C01CDF565}" type="slidenum">
               <a:rPr lang="en-US" smtClean="0"/>
               <a:pPr/>
-              <a:t>16</a:t>
+              <a:t>17</a:t>
             </a:fld>
             <a:endParaRPr lang="en-US" dirty="0"/>
           </a:p>
@@ -13930,7 +14242,7 @@
 </p:sld>
 </file>
 
-<file path=ppt/slides/slide17.xml><?xml version="1.0" encoding="utf-8"?>
+<file path=ppt/slides/slide18.xml><?xml version="1.0" encoding="utf-8"?>
 <p:sld xmlns:a="http://schemas.openxmlformats.org/drawingml/2006/main" xmlns:r="http://schemas.openxmlformats.org/officeDocument/2006/relationships" xmlns:p="http://schemas.openxmlformats.org/presentationml/2006/main">
   <p:cSld>
     <p:spTree>
@@ -14116,7 +14428,7 @@
           <a:p>
             <a:r>
               <a:rPr lang="fr-FR" dirty="0"/>
-              <a:t>Requête simplifiées avec le « </a:t>
+              <a:t>Requêtes simplifiées avec le « </a:t>
             </a:r>
             <a:r>
               <a:rPr lang="fr-FR" dirty="0" err="1"/>
@@ -14290,7 +14602,7 @@
             <a:fld id="{D57F1E4F-1CFF-5643-939E-217C01CDF565}" type="slidenum">
               <a:rPr lang="en-US" smtClean="0"/>
               <a:pPr/>
-              <a:t>17</a:t>
+              <a:t>18</a:t>
             </a:fld>
             <a:endParaRPr lang="en-US" dirty="0"/>
           </a:p>
@@ -14317,7 +14629,7 @@
 </p:sld>
 </file>
 
-<file path=ppt/slides/slide18.xml><?xml version="1.0" encoding="utf-8"?>
+<file path=ppt/slides/slide19.xml><?xml version="1.0" encoding="utf-8"?>
 <p:sld xmlns:a="http://schemas.openxmlformats.org/drawingml/2006/main" xmlns:r="http://schemas.openxmlformats.org/officeDocument/2006/relationships" xmlns:p="http://schemas.openxmlformats.org/presentationml/2006/main">
   <p:cSld>
     <p:spTree>
@@ -14502,7 +14814,7 @@
             <a:fld id="{D57F1E4F-1CFF-5643-939E-217C01CDF565}" type="slidenum">
               <a:rPr lang="en-US" smtClean="0"/>
               <a:pPr/>
-              <a:t>18</a:t>
+              <a:t>19</a:t>
             </a:fld>
             <a:endParaRPr lang="en-US" dirty="0"/>
           </a:p>
@@ -14554,248 +14866,6 @@
     </mc:Choice>
     <mc:Fallback xmlns="">
       <p:transition spd="slow" advTm="62502"/>
-    </mc:Fallback>
-  </mc:AlternateContent>
-</p:sld>
-</file>
-
-<file path=ppt/slides/slide19.xml><?xml version="1.0" encoding="utf-8"?>
-<p:sld xmlns:a="http://schemas.openxmlformats.org/drawingml/2006/main" xmlns:r="http://schemas.openxmlformats.org/officeDocument/2006/relationships" xmlns:p="http://schemas.openxmlformats.org/presentationml/2006/main">
-  <p:cSld>
-    <p:spTree>
-      <p:nvGrpSpPr>
-        <p:cNvPr id="1" name=""/>
-        <p:cNvGrpSpPr/>
-        <p:nvPr/>
-      </p:nvGrpSpPr>
-      <p:grpSpPr>
-        <a:xfrm>
-          <a:off x="0" y="0"/>
-          <a:ext cx="0" cy="0"/>
-          <a:chOff x="0" y="0"/>
-          <a:chExt cx="0" cy="0"/>
-        </a:xfrm>
-      </p:grpSpPr>
-      <p:sp>
-        <p:nvSpPr>
-          <p:cNvPr id="2" name="Titre 1">
-            <a:extLst>
-              <a:ext uri="{FF2B5EF4-FFF2-40B4-BE49-F238E27FC236}">
-                <a16:creationId xmlns:a16="http://schemas.microsoft.com/office/drawing/2014/main" id="{C50B0DDB-1A97-47A0-9D71-B020CCD98B38}"/>
-              </a:ext>
-            </a:extLst>
-          </p:cNvPr>
-          <p:cNvSpPr>
-            <a:spLocks noGrp="1"/>
-          </p:cNvSpPr>
-          <p:nvPr>
-            <p:ph type="title"/>
-          </p:nvPr>
-        </p:nvSpPr>
-        <p:spPr>
-          <a:xfrm>
-            <a:off x="2592925" y="1378855"/>
-            <a:ext cx="8911687" cy="663514"/>
-          </a:xfrm>
-        </p:spPr>
-        <p:txBody>
-          <a:bodyPr>
-            <a:normAutofit/>
-          </a:bodyPr>
-          <a:lstStyle/>
-          <a:p>
-            <a:r>
-              <a:rPr lang="fr-FR" sz="2800" dirty="0"/>
-              <a:t>Maquettes</a:t>
-            </a:r>
-          </a:p>
-        </p:txBody>
-      </p:sp>
-      <p:sp>
-        <p:nvSpPr>
-          <p:cNvPr id="4" name="Titre 1">
-            <a:extLst>
-              <a:ext uri="{FF2B5EF4-FFF2-40B4-BE49-F238E27FC236}">
-                <a16:creationId xmlns:a16="http://schemas.microsoft.com/office/drawing/2014/main" id="{F500B718-29B6-434D-9753-2331D3A3957B}"/>
-              </a:ext>
-            </a:extLst>
-          </p:cNvPr>
-          <p:cNvSpPr txBox="1">
-            <a:spLocks/>
-          </p:cNvSpPr>
-          <p:nvPr/>
-        </p:nvSpPr>
-        <p:spPr>
-          <a:xfrm>
-            <a:off x="2592925" y="624110"/>
-            <a:ext cx="8911687" cy="663514"/>
-          </a:xfrm>
-          <a:prstGeom prst="rect">
-            <a:avLst/>
-          </a:prstGeom>
-        </p:spPr>
-        <p:txBody>
-          <a:bodyPr vert="horz" lIns="91440" tIns="45720" rIns="91440" bIns="45720" rtlCol="0" anchor="t">
-            <a:normAutofit/>
-          </a:bodyPr>
-          <a:lstStyle>
-            <a:lvl1pPr algn="l" defTabSz="457200" rtl="0" eaLnBrk="1" latinLnBrk="0" hangingPunct="1">
-              <a:spcBef>
-                <a:spcPct val="0"/>
-              </a:spcBef>
-              <a:buNone/>
-              <a:defRPr sz="3600" kern="1200">
-                <a:solidFill>
-                  <a:schemeClr val="accent2">
-                    <a:lumMod val="75000"/>
-                  </a:schemeClr>
-                </a:solidFill>
-                <a:latin typeface="+mj-lt"/>
-                <a:ea typeface="+mj-ea"/>
-                <a:cs typeface="+mj-cs"/>
-              </a:defRPr>
-            </a:lvl1pPr>
-            <a:lvl2pPr eaLnBrk="1" hangingPunct="1">
-              <a:defRPr>
-                <a:solidFill>
-                  <a:schemeClr val="tx2"/>
-                </a:solidFill>
-              </a:defRPr>
-            </a:lvl2pPr>
-            <a:lvl3pPr eaLnBrk="1" hangingPunct="1">
-              <a:defRPr>
-                <a:solidFill>
-                  <a:schemeClr val="tx2"/>
-                </a:solidFill>
-              </a:defRPr>
-            </a:lvl3pPr>
-            <a:lvl4pPr eaLnBrk="1" hangingPunct="1">
-              <a:defRPr>
-                <a:solidFill>
-                  <a:schemeClr val="tx2"/>
-                </a:solidFill>
-              </a:defRPr>
-            </a:lvl4pPr>
-            <a:lvl5pPr eaLnBrk="1" hangingPunct="1">
-              <a:defRPr>
-                <a:solidFill>
-                  <a:schemeClr val="tx2"/>
-                </a:solidFill>
-              </a:defRPr>
-            </a:lvl5pPr>
-            <a:lvl6pPr eaLnBrk="1" hangingPunct="1">
-              <a:defRPr>
-                <a:solidFill>
-                  <a:schemeClr val="tx2"/>
-                </a:solidFill>
-              </a:defRPr>
-            </a:lvl6pPr>
-            <a:lvl7pPr eaLnBrk="1" hangingPunct="1">
-              <a:defRPr>
-                <a:solidFill>
-                  <a:schemeClr val="tx2"/>
-                </a:solidFill>
-              </a:defRPr>
-            </a:lvl7pPr>
-            <a:lvl8pPr eaLnBrk="1" hangingPunct="1">
-              <a:defRPr>
-                <a:solidFill>
-                  <a:schemeClr val="tx2"/>
-                </a:solidFill>
-              </a:defRPr>
-            </a:lvl8pPr>
-            <a:lvl9pPr eaLnBrk="1" hangingPunct="1">
-              <a:defRPr>
-                <a:solidFill>
-                  <a:schemeClr val="tx2"/>
-                </a:solidFill>
-              </a:defRPr>
-            </a:lvl9pPr>
-          </a:lstStyle>
-          <a:p>
-            <a:r>
-              <a:rPr lang="fr-FR" dirty="0"/>
-              <a:t>Développement &amp; Conception</a:t>
-            </a:r>
-          </a:p>
-        </p:txBody>
-      </p:sp>
-      <p:sp>
-        <p:nvSpPr>
-          <p:cNvPr id="5" name="Espace réservé du numéro de diapositive 4">
-            <a:extLst>
-              <a:ext uri="{FF2B5EF4-FFF2-40B4-BE49-F238E27FC236}">
-                <a16:creationId xmlns:a16="http://schemas.microsoft.com/office/drawing/2014/main" id="{D26BEB69-F9AE-4E56-BC93-00AD41F7B27B}"/>
-              </a:ext>
-            </a:extLst>
-          </p:cNvPr>
-          <p:cNvSpPr>
-            <a:spLocks noGrp="1"/>
-          </p:cNvSpPr>
-          <p:nvPr>
-            <p:ph type="sldNum" sz="quarter" idx="12"/>
-          </p:nvPr>
-        </p:nvSpPr>
-        <p:spPr/>
-        <p:txBody>
-          <a:bodyPr/>
-          <a:lstStyle/>
-          <a:p>
-            <a:fld id="{D57F1E4F-1CFF-5643-939E-217C01CDF565}" type="slidenum">
-              <a:rPr lang="en-US" smtClean="0"/>
-              <a:pPr/>
-              <a:t>19</a:t>
-            </a:fld>
-            <a:endParaRPr lang="en-US" dirty="0"/>
-          </a:p>
-        </p:txBody>
-      </p:sp>
-      <p:pic>
-        <p:nvPicPr>
-          <p:cNvPr id="7" name="Image 6">
-            <a:extLst>
-              <a:ext uri="{FF2B5EF4-FFF2-40B4-BE49-F238E27FC236}">
-                <a16:creationId xmlns:a16="http://schemas.microsoft.com/office/drawing/2014/main" id="{13A410AF-4E77-4A82-9D16-A0712ADA9DB4}"/>
-              </a:ext>
-            </a:extLst>
-          </p:cNvPr>
-          <p:cNvPicPr>
-            <a:picLocks noChangeAspect="1"/>
-          </p:cNvPicPr>
-          <p:nvPr/>
-        </p:nvPicPr>
-        <p:blipFill>
-          <a:blip r:embed="rId2"/>
-          <a:stretch>
-            <a:fillRect/>
-          </a:stretch>
-        </p:blipFill>
-        <p:spPr>
-          <a:xfrm>
-            <a:off x="3508309" y="1899910"/>
-            <a:ext cx="8390613" cy="4958090"/>
-          </a:xfrm>
-          <a:prstGeom prst="rect">
-            <a:avLst/>
-          </a:prstGeom>
-        </p:spPr>
-      </p:pic>
-    </p:spTree>
-    <p:extLst>
-      <p:ext uri="{BB962C8B-B14F-4D97-AF65-F5344CB8AC3E}">
-        <p14:creationId xmlns:p14="http://schemas.microsoft.com/office/powerpoint/2010/main" val="4191827091"/>
-      </p:ext>
-    </p:extLst>
-  </p:cSld>
-  <p:clrMapOvr>
-    <a:masterClrMapping/>
-  </p:clrMapOvr>
-  <mc:AlternateContent xmlns:mc="http://schemas.openxmlformats.org/markup-compatibility/2006" xmlns:p14="http://schemas.microsoft.com/office/powerpoint/2010/main">
-    <mc:Choice Requires="p14">
-      <p:transition spd="slow" p14:dur="2000" advTm="10778"/>
-    </mc:Choice>
-    <mc:Fallback xmlns="">
-      <p:transition spd="slow" advTm="10778"/>
     </mc:Fallback>
   </mc:AlternateContent>
 </p:sld>
@@ -15299,6 +15369,3681 @@
           <p:cNvPr id="2" name="Titre 1">
             <a:extLst>
               <a:ext uri="{FF2B5EF4-FFF2-40B4-BE49-F238E27FC236}">
+                <a16:creationId xmlns:a16="http://schemas.microsoft.com/office/drawing/2014/main" id="{C50B0DDB-1A97-47A0-9D71-B020CCD98B38}"/>
+              </a:ext>
+            </a:extLst>
+          </p:cNvPr>
+          <p:cNvSpPr>
+            <a:spLocks noGrp="1"/>
+          </p:cNvSpPr>
+          <p:nvPr>
+            <p:ph type="title"/>
+          </p:nvPr>
+        </p:nvSpPr>
+        <p:spPr>
+          <a:xfrm>
+            <a:off x="2592925" y="1378855"/>
+            <a:ext cx="8911687" cy="663514"/>
+          </a:xfrm>
+        </p:spPr>
+        <p:txBody>
+          <a:bodyPr>
+            <a:normAutofit/>
+          </a:bodyPr>
+          <a:lstStyle/>
+          <a:p>
+            <a:r>
+              <a:rPr lang="fr-FR" sz="2800" dirty="0"/>
+              <a:t>Maquettes</a:t>
+            </a:r>
+          </a:p>
+        </p:txBody>
+      </p:sp>
+      <p:sp>
+        <p:nvSpPr>
+          <p:cNvPr id="4" name="Titre 1">
+            <a:extLst>
+              <a:ext uri="{FF2B5EF4-FFF2-40B4-BE49-F238E27FC236}">
+                <a16:creationId xmlns:a16="http://schemas.microsoft.com/office/drawing/2014/main" id="{F500B718-29B6-434D-9753-2331D3A3957B}"/>
+              </a:ext>
+            </a:extLst>
+          </p:cNvPr>
+          <p:cNvSpPr txBox="1">
+            <a:spLocks/>
+          </p:cNvSpPr>
+          <p:nvPr/>
+        </p:nvSpPr>
+        <p:spPr>
+          <a:xfrm>
+            <a:off x="2592925" y="624110"/>
+            <a:ext cx="8911687" cy="663514"/>
+          </a:xfrm>
+          <a:prstGeom prst="rect">
+            <a:avLst/>
+          </a:prstGeom>
+        </p:spPr>
+        <p:txBody>
+          <a:bodyPr vert="horz" lIns="91440" tIns="45720" rIns="91440" bIns="45720" rtlCol="0" anchor="t">
+            <a:normAutofit/>
+          </a:bodyPr>
+          <a:lstStyle>
+            <a:lvl1pPr algn="l" defTabSz="457200" rtl="0" eaLnBrk="1" latinLnBrk="0" hangingPunct="1">
+              <a:spcBef>
+                <a:spcPct val="0"/>
+              </a:spcBef>
+              <a:buNone/>
+              <a:defRPr sz="3600" kern="1200">
+                <a:solidFill>
+                  <a:schemeClr val="accent2">
+                    <a:lumMod val="75000"/>
+                  </a:schemeClr>
+                </a:solidFill>
+                <a:latin typeface="+mj-lt"/>
+                <a:ea typeface="+mj-ea"/>
+                <a:cs typeface="+mj-cs"/>
+              </a:defRPr>
+            </a:lvl1pPr>
+            <a:lvl2pPr eaLnBrk="1" hangingPunct="1">
+              <a:defRPr>
+                <a:solidFill>
+                  <a:schemeClr val="tx2"/>
+                </a:solidFill>
+              </a:defRPr>
+            </a:lvl2pPr>
+            <a:lvl3pPr eaLnBrk="1" hangingPunct="1">
+              <a:defRPr>
+                <a:solidFill>
+                  <a:schemeClr val="tx2"/>
+                </a:solidFill>
+              </a:defRPr>
+            </a:lvl3pPr>
+            <a:lvl4pPr eaLnBrk="1" hangingPunct="1">
+              <a:defRPr>
+                <a:solidFill>
+                  <a:schemeClr val="tx2"/>
+                </a:solidFill>
+              </a:defRPr>
+            </a:lvl4pPr>
+            <a:lvl5pPr eaLnBrk="1" hangingPunct="1">
+              <a:defRPr>
+                <a:solidFill>
+                  <a:schemeClr val="tx2"/>
+                </a:solidFill>
+              </a:defRPr>
+            </a:lvl5pPr>
+            <a:lvl6pPr eaLnBrk="1" hangingPunct="1">
+              <a:defRPr>
+                <a:solidFill>
+                  <a:schemeClr val="tx2"/>
+                </a:solidFill>
+              </a:defRPr>
+            </a:lvl6pPr>
+            <a:lvl7pPr eaLnBrk="1" hangingPunct="1">
+              <a:defRPr>
+                <a:solidFill>
+                  <a:schemeClr val="tx2"/>
+                </a:solidFill>
+              </a:defRPr>
+            </a:lvl7pPr>
+            <a:lvl8pPr eaLnBrk="1" hangingPunct="1">
+              <a:defRPr>
+                <a:solidFill>
+                  <a:schemeClr val="tx2"/>
+                </a:solidFill>
+              </a:defRPr>
+            </a:lvl8pPr>
+            <a:lvl9pPr eaLnBrk="1" hangingPunct="1">
+              <a:defRPr>
+                <a:solidFill>
+                  <a:schemeClr val="tx2"/>
+                </a:solidFill>
+              </a:defRPr>
+            </a:lvl9pPr>
+          </a:lstStyle>
+          <a:p>
+            <a:r>
+              <a:rPr lang="fr-FR" dirty="0"/>
+              <a:t>Développement &amp; Conception</a:t>
+            </a:r>
+          </a:p>
+        </p:txBody>
+      </p:sp>
+      <p:sp>
+        <p:nvSpPr>
+          <p:cNvPr id="5" name="Espace réservé du numéro de diapositive 4">
+            <a:extLst>
+              <a:ext uri="{FF2B5EF4-FFF2-40B4-BE49-F238E27FC236}">
+                <a16:creationId xmlns:a16="http://schemas.microsoft.com/office/drawing/2014/main" id="{D26BEB69-F9AE-4E56-BC93-00AD41F7B27B}"/>
+              </a:ext>
+            </a:extLst>
+          </p:cNvPr>
+          <p:cNvSpPr>
+            <a:spLocks noGrp="1"/>
+          </p:cNvSpPr>
+          <p:nvPr>
+            <p:ph type="sldNum" sz="quarter" idx="12"/>
+          </p:nvPr>
+        </p:nvSpPr>
+        <p:spPr/>
+        <p:txBody>
+          <a:bodyPr/>
+          <a:lstStyle/>
+          <a:p>
+            <a:fld id="{D57F1E4F-1CFF-5643-939E-217C01CDF565}" type="slidenum">
+              <a:rPr lang="en-US" smtClean="0"/>
+              <a:pPr/>
+              <a:t>20</a:t>
+            </a:fld>
+            <a:endParaRPr lang="en-US" dirty="0"/>
+          </a:p>
+        </p:txBody>
+      </p:sp>
+      <p:pic>
+        <p:nvPicPr>
+          <p:cNvPr id="7" name="Image 6">
+            <a:extLst>
+              <a:ext uri="{FF2B5EF4-FFF2-40B4-BE49-F238E27FC236}">
+                <a16:creationId xmlns:a16="http://schemas.microsoft.com/office/drawing/2014/main" id="{13A410AF-4E77-4A82-9D16-A0712ADA9DB4}"/>
+              </a:ext>
+            </a:extLst>
+          </p:cNvPr>
+          <p:cNvPicPr>
+            <a:picLocks noChangeAspect="1"/>
+          </p:cNvPicPr>
+          <p:nvPr/>
+        </p:nvPicPr>
+        <p:blipFill>
+          <a:blip r:embed="rId2"/>
+          <a:stretch>
+            <a:fillRect/>
+          </a:stretch>
+        </p:blipFill>
+        <p:spPr>
+          <a:xfrm>
+            <a:off x="3508309" y="1899910"/>
+            <a:ext cx="8390613" cy="4958090"/>
+          </a:xfrm>
+          <a:prstGeom prst="rect">
+            <a:avLst/>
+          </a:prstGeom>
+        </p:spPr>
+      </p:pic>
+    </p:spTree>
+    <p:extLst>
+      <p:ext uri="{BB962C8B-B14F-4D97-AF65-F5344CB8AC3E}">
+        <p14:creationId xmlns:p14="http://schemas.microsoft.com/office/powerpoint/2010/main" val="4191827091"/>
+      </p:ext>
+    </p:extLst>
+  </p:cSld>
+  <p:clrMapOvr>
+    <a:masterClrMapping/>
+  </p:clrMapOvr>
+  <mc:AlternateContent xmlns:mc="http://schemas.openxmlformats.org/markup-compatibility/2006" xmlns:p14="http://schemas.microsoft.com/office/powerpoint/2010/main">
+    <mc:Choice Requires="p14">
+      <p:transition spd="slow" p14:dur="2000" advTm="10778"/>
+    </mc:Choice>
+    <mc:Fallback xmlns="">
+      <p:transition spd="slow" advTm="10778"/>
+    </mc:Fallback>
+  </mc:AlternateContent>
+</p:sld>
+</file>
+
+<file path=ppt/slides/slide21.xml><?xml version="1.0" encoding="utf-8"?>
+<p:sld xmlns:a="http://schemas.openxmlformats.org/drawingml/2006/main" xmlns:r="http://schemas.openxmlformats.org/officeDocument/2006/relationships" xmlns:p="http://schemas.openxmlformats.org/presentationml/2006/main">
+  <p:cSld>
+    <p:bg>
+      <p:bgPr>
+        <a:gradFill rotWithShape="1">
+          <a:gsLst>
+            <a:gs pos="0">
+              <a:schemeClr val="bg2">
+                <a:tint val="90000"/>
+                <a:lumMod val="120000"/>
+              </a:schemeClr>
+            </a:gs>
+            <a:gs pos="100000">
+              <a:schemeClr val="bg2">
+                <a:shade val="98000"/>
+                <a:satMod val="120000"/>
+                <a:lumMod val="98000"/>
+              </a:schemeClr>
+            </a:gs>
+          </a:gsLst>
+          <a:lin ang="5400000" scaled="0"/>
+        </a:gradFill>
+        <a:effectLst/>
+      </p:bgPr>
+    </p:bg>
+    <p:spTree>
+      <p:nvGrpSpPr>
+        <p:cNvPr id="1" name=""/>
+        <p:cNvGrpSpPr/>
+        <p:nvPr/>
+      </p:nvGrpSpPr>
+      <p:grpSpPr>
+        <a:xfrm>
+          <a:off x="0" y="0"/>
+          <a:ext cx="0" cy="0"/>
+          <a:chOff x="0" y="0"/>
+          <a:chExt cx="0" cy="0"/>
+        </a:xfrm>
+      </p:grpSpPr>
+      <p:grpSp>
+        <p:nvGrpSpPr>
+          <p:cNvPr id="12" name="Group 11">
+            <a:extLst>
+              <a:ext uri="{FF2B5EF4-FFF2-40B4-BE49-F238E27FC236}">
+                <a16:creationId xmlns:a16="http://schemas.microsoft.com/office/drawing/2014/main" id="{F27737A0-D7E0-4415-8E90-FD4F69E76C19}"/>
+              </a:ext>
+              <a:ext uri="{C183D7F6-B498-43B3-948B-1728B52AA6E4}">
+                <adec:decorative xmlns:adec="http://schemas.microsoft.com/office/drawing/2017/decorative" val="1"/>
+              </a:ext>
+            </a:extLst>
+          </p:cNvPr>
+          <p:cNvGrpSpPr>
+            <a:grpSpLocks noGrp="1" noUngrp="1" noRot="1" noChangeAspect="1" noMove="1" noResize="1"/>
+          </p:cNvGrpSpPr>
+          <p:nvPr>
+            <p:extLst>
+              <p:ext uri="{386F3935-93C4-4BCD-93E2-E3B085C9AB24}">
+                <p16:designElem xmlns:p16="http://schemas.microsoft.com/office/powerpoint/2015/main" val="1"/>
+              </p:ext>
+            </p:extLst>
+          </p:nvPr>
+        </p:nvGrpSpPr>
+        <p:grpSpPr>
+          <a:xfrm>
+            <a:off x="9" y="228600"/>
+            <a:ext cx="2851523" cy="6638625"/>
+            <a:chOff x="2487613" y="285750"/>
+            <a:chExt cx="2428875" cy="5654676"/>
+          </a:xfrm>
+        </p:grpSpPr>
+        <p:sp>
+          <p:nvSpPr>
+            <p:cNvPr id="13" name="Freeform 11">
+              <a:extLst>
+                <a:ext uri="{FF2B5EF4-FFF2-40B4-BE49-F238E27FC236}">
+                  <a16:creationId xmlns:a16="http://schemas.microsoft.com/office/drawing/2014/main" id="{506CE375-B39D-4C51-A858-F4A383311088}"/>
+                </a:ext>
+                <a:ext uri="{C183D7F6-B498-43B3-948B-1728B52AA6E4}">
+                  <adec:decorative xmlns:adec="http://schemas.microsoft.com/office/drawing/2017/decorative" val="1"/>
+                </a:ext>
+              </a:extLst>
+            </p:cNvPr>
+            <p:cNvSpPr/>
+            <p:nvPr>
+              <p:extLst>
+                <p:ext uri="{386F3935-93C4-4BCD-93E2-E3B085C9AB24}">
+                  <p16:designElem xmlns:p16="http://schemas.microsoft.com/office/powerpoint/2015/main" val="1"/>
+                </p:ext>
+              </p:extLst>
+            </p:nvPr>
+          </p:nvSpPr>
+          <p:spPr bwMode="auto">
+            <a:xfrm>
+              <a:off x="2487613" y="2284413"/>
+              <a:ext cx="85725" cy="533400"/>
+            </a:xfrm>
+            <a:custGeom>
+              <a:avLst/>
+              <a:gdLst/>
+              <a:ahLst/>
+              <a:cxnLst/>
+              <a:rect l="0" t="0" r="r" b="b"/>
+              <a:pathLst>
+                <a:path w="22" h="136">
+                  <a:moveTo>
+                    <a:pt x="22" y="136"/>
+                  </a:moveTo>
+                  <a:cubicBezTo>
+                    <a:pt x="20" y="117"/>
+                    <a:pt x="19" y="99"/>
+                    <a:pt x="17" y="80"/>
+                  </a:cubicBezTo>
+                  <a:cubicBezTo>
+                    <a:pt x="11" y="54"/>
+                    <a:pt x="6" y="27"/>
+                    <a:pt x="0" y="0"/>
+                  </a:cubicBezTo>
+                  <a:cubicBezTo>
+                    <a:pt x="0" y="35"/>
+                    <a:pt x="0" y="35"/>
+                    <a:pt x="0" y="35"/>
+                  </a:cubicBezTo>
+                  <a:cubicBezTo>
+                    <a:pt x="6" y="64"/>
+                    <a:pt x="13" y="94"/>
+                    <a:pt x="20" y="124"/>
+                  </a:cubicBezTo>
+                  <a:cubicBezTo>
+                    <a:pt x="20" y="128"/>
+                    <a:pt x="21" y="132"/>
+                    <a:pt x="22" y="136"/>
+                  </a:cubicBezTo>
+                  <a:close/>
+                </a:path>
+              </a:pathLst>
+            </a:custGeom>
+            <a:solidFill>
+              <a:schemeClr val="tx2">
+                <a:alpha val="20000"/>
+              </a:schemeClr>
+            </a:solidFill>
+            <a:ln>
+              <a:noFill/>
+            </a:ln>
+          </p:spPr>
+        </p:sp>
+        <p:sp>
+          <p:nvSpPr>
+            <p:cNvPr id="14" name="Freeform 12">
+              <a:extLst>
+                <a:ext uri="{FF2B5EF4-FFF2-40B4-BE49-F238E27FC236}">
+                  <a16:creationId xmlns:a16="http://schemas.microsoft.com/office/drawing/2014/main" id="{64EA8B46-395C-41F6-BE09-548B1080986C}"/>
+                </a:ext>
+                <a:ext uri="{C183D7F6-B498-43B3-948B-1728B52AA6E4}">
+                  <adec:decorative xmlns:adec="http://schemas.microsoft.com/office/drawing/2017/decorative" val="1"/>
+                </a:ext>
+              </a:extLst>
+            </p:cNvPr>
+            <p:cNvSpPr/>
+            <p:nvPr>
+              <p:extLst>
+                <p:ext uri="{386F3935-93C4-4BCD-93E2-E3B085C9AB24}">
+                  <p16:designElem xmlns:p16="http://schemas.microsoft.com/office/powerpoint/2015/main" val="1"/>
+                </p:ext>
+              </p:extLst>
+            </p:nvPr>
+          </p:nvSpPr>
+          <p:spPr bwMode="auto">
+            <a:xfrm>
+              <a:off x="2597151" y="2779713"/>
+              <a:ext cx="550863" cy="1978025"/>
+            </a:xfrm>
+            <a:custGeom>
+              <a:avLst/>
+              <a:gdLst/>
+              <a:ahLst/>
+              <a:cxnLst/>
+              <a:rect l="0" t="0" r="r" b="b"/>
+              <a:pathLst>
+                <a:path w="140" h="504">
+                  <a:moveTo>
+                    <a:pt x="86" y="350"/>
+                  </a:moveTo>
+                  <a:cubicBezTo>
+                    <a:pt x="103" y="402"/>
+                    <a:pt x="120" y="453"/>
+                    <a:pt x="139" y="504"/>
+                  </a:cubicBezTo>
+                  <a:cubicBezTo>
+                    <a:pt x="139" y="495"/>
+                    <a:pt x="139" y="487"/>
+                    <a:pt x="140" y="478"/>
+                  </a:cubicBezTo>
+                  <a:cubicBezTo>
+                    <a:pt x="124" y="435"/>
+                    <a:pt x="109" y="391"/>
+                    <a:pt x="95" y="347"/>
+                  </a:cubicBezTo>
+                  <a:cubicBezTo>
+                    <a:pt x="58" y="233"/>
+                    <a:pt x="27" y="117"/>
+                    <a:pt x="0" y="0"/>
+                  </a:cubicBezTo>
+                  <a:cubicBezTo>
+                    <a:pt x="2" y="20"/>
+                    <a:pt x="4" y="41"/>
+                    <a:pt x="6" y="61"/>
+                  </a:cubicBezTo>
+                  <a:cubicBezTo>
+                    <a:pt x="30" y="158"/>
+                    <a:pt x="56" y="255"/>
+                    <a:pt x="86" y="350"/>
+                  </a:cubicBezTo>
+                  <a:close/>
+                </a:path>
+              </a:pathLst>
+            </a:custGeom>
+            <a:solidFill>
+              <a:schemeClr val="tx2">
+                <a:alpha val="20000"/>
+              </a:schemeClr>
+            </a:solidFill>
+            <a:ln>
+              <a:noFill/>
+            </a:ln>
+          </p:spPr>
+        </p:sp>
+        <p:sp>
+          <p:nvSpPr>
+            <p:cNvPr id="15" name="Freeform 13">
+              <a:extLst>
+                <a:ext uri="{FF2B5EF4-FFF2-40B4-BE49-F238E27FC236}">
+                  <a16:creationId xmlns:a16="http://schemas.microsoft.com/office/drawing/2014/main" id="{BC7EDC6D-8B00-48D9-B8FD-9B5285FBCE02}"/>
+                </a:ext>
+                <a:ext uri="{C183D7F6-B498-43B3-948B-1728B52AA6E4}">
+                  <adec:decorative xmlns:adec="http://schemas.microsoft.com/office/drawing/2017/decorative" val="1"/>
+                </a:ext>
+              </a:extLst>
+            </p:cNvPr>
+            <p:cNvSpPr/>
+            <p:nvPr>
+              <p:extLst>
+                <p:ext uri="{386F3935-93C4-4BCD-93E2-E3B085C9AB24}">
+                  <p16:designElem xmlns:p16="http://schemas.microsoft.com/office/powerpoint/2015/main" val="1"/>
+                </p:ext>
+              </p:extLst>
+            </p:nvPr>
+          </p:nvSpPr>
+          <p:spPr bwMode="auto">
+            <a:xfrm>
+              <a:off x="3175001" y="4730750"/>
+              <a:ext cx="519113" cy="1209675"/>
+            </a:xfrm>
+            <a:custGeom>
+              <a:avLst/>
+              <a:gdLst/>
+              <a:ahLst/>
+              <a:cxnLst/>
+              <a:rect l="0" t="0" r="r" b="b"/>
+              <a:pathLst>
+                <a:path w="132" h="308">
+                  <a:moveTo>
+                    <a:pt x="8" y="22"/>
+                  </a:moveTo>
+                  <a:cubicBezTo>
+                    <a:pt x="5" y="15"/>
+                    <a:pt x="2" y="8"/>
+                    <a:pt x="0" y="0"/>
+                  </a:cubicBezTo>
+                  <a:cubicBezTo>
+                    <a:pt x="0" y="10"/>
+                    <a:pt x="0" y="19"/>
+                    <a:pt x="0" y="29"/>
+                  </a:cubicBezTo>
+                  <a:cubicBezTo>
+                    <a:pt x="21" y="85"/>
+                    <a:pt x="44" y="140"/>
+                    <a:pt x="68" y="194"/>
+                  </a:cubicBezTo>
+                  <a:cubicBezTo>
+                    <a:pt x="85" y="232"/>
+                    <a:pt x="104" y="270"/>
+                    <a:pt x="123" y="308"/>
+                  </a:cubicBezTo>
+                  <a:cubicBezTo>
+                    <a:pt x="132" y="308"/>
+                    <a:pt x="132" y="308"/>
+                    <a:pt x="132" y="308"/>
+                  </a:cubicBezTo>
+                  <a:cubicBezTo>
+                    <a:pt x="113" y="269"/>
+                    <a:pt x="94" y="230"/>
+                    <a:pt x="77" y="190"/>
+                  </a:cubicBezTo>
+                  <a:cubicBezTo>
+                    <a:pt x="52" y="135"/>
+                    <a:pt x="29" y="79"/>
+                    <a:pt x="8" y="22"/>
+                  </a:cubicBezTo>
+                  <a:close/>
+                </a:path>
+              </a:pathLst>
+            </a:custGeom>
+            <a:solidFill>
+              <a:schemeClr val="tx2">
+                <a:alpha val="20000"/>
+              </a:schemeClr>
+            </a:solidFill>
+            <a:ln>
+              <a:noFill/>
+            </a:ln>
+          </p:spPr>
+        </p:sp>
+        <p:sp>
+          <p:nvSpPr>
+            <p:cNvPr id="16" name="Freeform 14">
+              <a:extLst>
+                <a:ext uri="{FF2B5EF4-FFF2-40B4-BE49-F238E27FC236}">
+                  <a16:creationId xmlns:a16="http://schemas.microsoft.com/office/drawing/2014/main" id="{DE4BD3C3-5C1B-4305-BFA1-9054820BDDA9}"/>
+                </a:ext>
+                <a:ext uri="{C183D7F6-B498-43B3-948B-1728B52AA6E4}">
+                  <adec:decorative xmlns:adec="http://schemas.microsoft.com/office/drawing/2017/decorative" val="1"/>
+                </a:ext>
+              </a:extLst>
+            </p:cNvPr>
+            <p:cNvSpPr/>
+            <p:nvPr>
+              <p:extLst>
+                <p:ext uri="{386F3935-93C4-4BCD-93E2-E3B085C9AB24}">
+                  <p16:designElem xmlns:p16="http://schemas.microsoft.com/office/powerpoint/2015/main" val="1"/>
+                </p:ext>
+              </p:extLst>
+            </p:nvPr>
+          </p:nvSpPr>
+          <p:spPr bwMode="auto">
+            <a:xfrm>
+              <a:off x="3305176" y="5630863"/>
+              <a:ext cx="146050" cy="309563"/>
+            </a:xfrm>
+            <a:custGeom>
+              <a:avLst/>
+              <a:gdLst/>
+              <a:ahLst/>
+              <a:cxnLst/>
+              <a:rect l="0" t="0" r="r" b="b"/>
+              <a:pathLst>
+                <a:path w="37" h="79">
+                  <a:moveTo>
+                    <a:pt x="28" y="79"/>
+                  </a:moveTo>
+                  <a:cubicBezTo>
+                    <a:pt x="37" y="79"/>
+                    <a:pt x="37" y="79"/>
+                    <a:pt x="37" y="79"/>
+                  </a:cubicBezTo>
+                  <a:cubicBezTo>
+                    <a:pt x="24" y="53"/>
+                    <a:pt x="12" y="27"/>
+                    <a:pt x="0" y="0"/>
+                  </a:cubicBezTo>
+                  <a:cubicBezTo>
+                    <a:pt x="8" y="27"/>
+                    <a:pt x="17" y="53"/>
+                    <a:pt x="28" y="79"/>
+                  </a:cubicBezTo>
+                  <a:close/>
+                </a:path>
+              </a:pathLst>
+            </a:custGeom>
+            <a:solidFill>
+              <a:schemeClr val="tx2">
+                <a:alpha val="20000"/>
+              </a:schemeClr>
+            </a:solidFill>
+            <a:ln>
+              <a:noFill/>
+            </a:ln>
+          </p:spPr>
+        </p:sp>
+        <p:sp>
+          <p:nvSpPr>
+            <p:cNvPr id="17" name="Freeform 15">
+              <a:extLst>
+                <a:ext uri="{FF2B5EF4-FFF2-40B4-BE49-F238E27FC236}">
+                  <a16:creationId xmlns:a16="http://schemas.microsoft.com/office/drawing/2014/main" id="{4635ED79-E821-4CFD-9F97-D6137E5DCAC0}"/>
+                </a:ext>
+                <a:ext uri="{C183D7F6-B498-43B3-948B-1728B52AA6E4}">
+                  <adec:decorative xmlns:adec="http://schemas.microsoft.com/office/drawing/2017/decorative" val="1"/>
+                </a:ext>
+              </a:extLst>
+            </p:cNvPr>
+            <p:cNvSpPr/>
+            <p:nvPr>
+              <p:extLst>
+                <p:ext uri="{386F3935-93C4-4BCD-93E2-E3B085C9AB24}">
+                  <p16:designElem xmlns:p16="http://schemas.microsoft.com/office/powerpoint/2015/main" val="1"/>
+                </p:ext>
+              </p:extLst>
+            </p:nvPr>
+          </p:nvSpPr>
+          <p:spPr bwMode="auto">
+            <a:xfrm>
+              <a:off x="2573338" y="2817813"/>
+              <a:ext cx="700088" cy="2835275"/>
+            </a:xfrm>
+            <a:custGeom>
+              <a:avLst/>
+              <a:gdLst/>
+              <a:ahLst/>
+              <a:cxnLst/>
+              <a:rect l="0" t="0" r="r" b="b"/>
+              <a:pathLst>
+                <a:path w="178" h="722">
+                  <a:moveTo>
+                    <a:pt x="162" y="660"/>
+                  </a:moveTo>
+                  <a:cubicBezTo>
+                    <a:pt x="145" y="618"/>
+                    <a:pt x="130" y="576"/>
+                    <a:pt x="116" y="534"/>
+                  </a:cubicBezTo>
+                  <a:cubicBezTo>
+                    <a:pt x="84" y="437"/>
+                    <a:pt x="59" y="337"/>
+                    <a:pt x="40" y="236"/>
+                  </a:cubicBezTo>
+                  <a:cubicBezTo>
+                    <a:pt x="29" y="175"/>
+                    <a:pt x="20" y="113"/>
+                    <a:pt x="12" y="51"/>
+                  </a:cubicBezTo>
+                  <a:cubicBezTo>
+                    <a:pt x="8" y="34"/>
+                    <a:pt x="4" y="17"/>
+                    <a:pt x="0" y="0"/>
+                  </a:cubicBezTo>
+                  <a:cubicBezTo>
+                    <a:pt x="8" y="79"/>
+                    <a:pt x="19" y="159"/>
+                    <a:pt x="33" y="237"/>
+                  </a:cubicBezTo>
+                  <a:cubicBezTo>
+                    <a:pt x="51" y="339"/>
+                    <a:pt x="76" y="439"/>
+                    <a:pt x="107" y="537"/>
+                  </a:cubicBezTo>
+                  <a:cubicBezTo>
+                    <a:pt x="123" y="586"/>
+                    <a:pt x="141" y="634"/>
+                    <a:pt x="160" y="681"/>
+                  </a:cubicBezTo>
+                  <a:cubicBezTo>
+                    <a:pt x="166" y="695"/>
+                    <a:pt x="172" y="708"/>
+                    <a:pt x="178" y="722"/>
+                  </a:cubicBezTo>
+                  <a:cubicBezTo>
+                    <a:pt x="176" y="717"/>
+                    <a:pt x="175" y="713"/>
+                    <a:pt x="174" y="708"/>
+                  </a:cubicBezTo>
+                  <a:cubicBezTo>
+                    <a:pt x="169" y="692"/>
+                    <a:pt x="165" y="676"/>
+                    <a:pt x="162" y="660"/>
+                  </a:cubicBezTo>
+                  <a:close/>
+                </a:path>
+              </a:pathLst>
+            </a:custGeom>
+            <a:solidFill>
+              <a:schemeClr val="tx2">
+                <a:alpha val="20000"/>
+              </a:schemeClr>
+            </a:solidFill>
+            <a:ln>
+              <a:noFill/>
+            </a:ln>
+          </p:spPr>
+        </p:sp>
+        <p:sp>
+          <p:nvSpPr>
+            <p:cNvPr id="18" name="Freeform 16">
+              <a:extLst>
+                <a:ext uri="{FF2B5EF4-FFF2-40B4-BE49-F238E27FC236}">
+                  <a16:creationId xmlns:a16="http://schemas.microsoft.com/office/drawing/2014/main" id="{92FD5F9A-0D1B-4304-AC95-EA6A4E70E45F}"/>
+                </a:ext>
+                <a:ext uri="{C183D7F6-B498-43B3-948B-1728B52AA6E4}">
+                  <adec:decorative xmlns:adec="http://schemas.microsoft.com/office/drawing/2017/decorative" val="1"/>
+                </a:ext>
+              </a:extLst>
+            </p:cNvPr>
+            <p:cNvSpPr/>
+            <p:nvPr>
+              <p:extLst>
+                <p:ext uri="{386F3935-93C4-4BCD-93E2-E3B085C9AB24}">
+                  <p16:designElem xmlns:p16="http://schemas.microsoft.com/office/powerpoint/2015/main" val="1"/>
+                </p:ext>
+              </p:extLst>
+            </p:nvPr>
+          </p:nvSpPr>
+          <p:spPr bwMode="auto">
+            <a:xfrm>
+              <a:off x="2506663" y="285750"/>
+              <a:ext cx="90488" cy="2493963"/>
+            </a:xfrm>
+            <a:custGeom>
+              <a:avLst/>
+              <a:gdLst/>
+              <a:ahLst/>
+              <a:cxnLst/>
+              <a:rect l="0" t="0" r="r" b="b"/>
+              <a:pathLst>
+                <a:path w="23" h="635">
+                  <a:moveTo>
+                    <a:pt x="11" y="577"/>
+                  </a:moveTo>
+                  <a:cubicBezTo>
+                    <a:pt x="12" y="581"/>
+                    <a:pt x="12" y="585"/>
+                    <a:pt x="12" y="589"/>
+                  </a:cubicBezTo>
+                  <a:cubicBezTo>
+                    <a:pt x="15" y="603"/>
+                    <a:pt x="19" y="617"/>
+                    <a:pt x="22" y="632"/>
+                  </a:cubicBezTo>
+                  <a:cubicBezTo>
+                    <a:pt x="22" y="633"/>
+                    <a:pt x="22" y="634"/>
+                    <a:pt x="23" y="635"/>
+                  </a:cubicBezTo>
+                  <a:cubicBezTo>
+                    <a:pt x="21" y="615"/>
+                    <a:pt x="19" y="596"/>
+                    <a:pt x="17" y="576"/>
+                  </a:cubicBezTo>
+                  <a:cubicBezTo>
+                    <a:pt x="9" y="474"/>
+                    <a:pt x="5" y="372"/>
+                    <a:pt x="5" y="269"/>
+                  </a:cubicBezTo>
+                  <a:cubicBezTo>
+                    <a:pt x="6" y="179"/>
+                    <a:pt x="9" y="90"/>
+                    <a:pt x="15" y="0"/>
+                  </a:cubicBezTo>
+                  <a:cubicBezTo>
+                    <a:pt x="12" y="0"/>
+                    <a:pt x="12" y="0"/>
+                    <a:pt x="12" y="0"/>
+                  </a:cubicBezTo>
+                  <a:cubicBezTo>
+                    <a:pt x="5" y="89"/>
+                    <a:pt x="2" y="179"/>
+                    <a:pt x="1" y="269"/>
+                  </a:cubicBezTo>
+                  <a:cubicBezTo>
+                    <a:pt x="0" y="372"/>
+                    <a:pt x="3" y="474"/>
+                    <a:pt x="11" y="577"/>
+                  </a:cubicBezTo>
+                  <a:close/>
+                </a:path>
+              </a:pathLst>
+            </a:custGeom>
+            <a:solidFill>
+              <a:schemeClr val="tx2">
+                <a:alpha val="20000"/>
+              </a:schemeClr>
+            </a:solidFill>
+            <a:ln>
+              <a:noFill/>
+            </a:ln>
+          </p:spPr>
+        </p:sp>
+        <p:sp>
+          <p:nvSpPr>
+            <p:cNvPr id="19" name="Freeform 17">
+              <a:extLst>
+                <a:ext uri="{FF2B5EF4-FFF2-40B4-BE49-F238E27FC236}">
+                  <a16:creationId xmlns:a16="http://schemas.microsoft.com/office/drawing/2014/main" id="{E9BB96F9-6F99-413C-909E-6FCF017C13FB}"/>
+                </a:ext>
+                <a:ext uri="{C183D7F6-B498-43B3-948B-1728B52AA6E4}">
+                  <adec:decorative xmlns:adec="http://schemas.microsoft.com/office/drawing/2017/decorative" val="1"/>
+                </a:ext>
+              </a:extLst>
+            </p:cNvPr>
+            <p:cNvSpPr/>
+            <p:nvPr>
+              <p:extLst>
+                <p:ext uri="{386F3935-93C4-4BCD-93E2-E3B085C9AB24}">
+                  <p16:designElem xmlns:p16="http://schemas.microsoft.com/office/powerpoint/2015/main" val="1"/>
+                </p:ext>
+              </p:extLst>
+            </p:nvPr>
+          </p:nvSpPr>
+          <p:spPr bwMode="auto">
+            <a:xfrm>
+              <a:off x="2554288" y="2598738"/>
+              <a:ext cx="66675" cy="420688"/>
+            </a:xfrm>
+            <a:custGeom>
+              <a:avLst/>
+              <a:gdLst/>
+              <a:ahLst/>
+              <a:cxnLst/>
+              <a:rect l="0" t="0" r="r" b="b"/>
+              <a:pathLst>
+                <a:path w="17" h="107">
+                  <a:moveTo>
+                    <a:pt x="0" y="0"/>
+                  </a:moveTo>
+                  <a:cubicBezTo>
+                    <a:pt x="2" y="19"/>
+                    <a:pt x="3" y="37"/>
+                    <a:pt x="5" y="56"/>
+                  </a:cubicBezTo>
+                  <a:cubicBezTo>
+                    <a:pt x="9" y="73"/>
+                    <a:pt x="13" y="90"/>
+                    <a:pt x="17" y="107"/>
+                  </a:cubicBezTo>
+                  <a:cubicBezTo>
+                    <a:pt x="15" y="87"/>
+                    <a:pt x="13" y="66"/>
+                    <a:pt x="11" y="46"/>
+                  </a:cubicBezTo>
+                  <a:cubicBezTo>
+                    <a:pt x="10" y="45"/>
+                    <a:pt x="10" y="44"/>
+                    <a:pt x="10" y="43"/>
+                  </a:cubicBezTo>
+                  <a:cubicBezTo>
+                    <a:pt x="7" y="28"/>
+                    <a:pt x="3" y="14"/>
+                    <a:pt x="0" y="0"/>
+                  </a:cubicBezTo>
+                  <a:close/>
+                </a:path>
+              </a:pathLst>
+            </a:custGeom>
+            <a:solidFill>
+              <a:schemeClr val="tx2">
+                <a:alpha val="20000"/>
+              </a:schemeClr>
+            </a:solidFill>
+            <a:ln>
+              <a:noFill/>
+            </a:ln>
+          </p:spPr>
+        </p:sp>
+        <p:sp>
+          <p:nvSpPr>
+            <p:cNvPr id="20" name="Freeform 18">
+              <a:extLst>
+                <a:ext uri="{FF2B5EF4-FFF2-40B4-BE49-F238E27FC236}">
+                  <a16:creationId xmlns:a16="http://schemas.microsoft.com/office/drawing/2014/main" id="{1CCAEE3F-DFD6-4F56-91DF-94C715261B52}"/>
+                </a:ext>
+                <a:ext uri="{C183D7F6-B498-43B3-948B-1728B52AA6E4}">
+                  <adec:decorative xmlns:adec="http://schemas.microsoft.com/office/drawing/2017/decorative" val="1"/>
+                </a:ext>
+              </a:extLst>
+            </p:cNvPr>
+            <p:cNvSpPr/>
+            <p:nvPr>
+              <p:extLst>
+                <p:ext uri="{386F3935-93C4-4BCD-93E2-E3B085C9AB24}">
+                  <p16:designElem xmlns:p16="http://schemas.microsoft.com/office/powerpoint/2015/main" val="1"/>
+                </p:ext>
+              </p:extLst>
+            </p:nvPr>
+          </p:nvSpPr>
+          <p:spPr bwMode="auto">
+            <a:xfrm>
+              <a:off x="3143251" y="4757738"/>
+              <a:ext cx="161925" cy="873125"/>
+            </a:xfrm>
+            <a:custGeom>
+              <a:avLst/>
+              <a:gdLst/>
+              <a:ahLst/>
+              <a:cxnLst/>
+              <a:rect l="0" t="0" r="r" b="b"/>
+              <a:pathLst>
+                <a:path w="41" h="222">
+                  <a:moveTo>
+                    <a:pt x="0" y="0"/>
+                  </a:moveTo>
+                  <a:cubicBezTo>
+                    <a:pt x="0" y="31"/>
+                    <a:pt x="2" y="62"/>
+                    <a:pt x="5" y="93"/>
+                  </a:cubicBezTo>
+                  <a:cubicBezTo>
+                    <a:pt x="8" y="117"/>
+                    <a:pt x="12" y="142"/>
+                    <a:pt x="17" y="166"/>
+                  </a:cubicBezTo>
+                  <a:cubicBezTo>
+                    <a:pt x="19" y="172"/>
+                    <a:pt x="22" y="178"/>
+                    <a:pt x="24" y="184"/>
+                  </a:cubicBezTo>
+                  <a:cubicBezTo>
+                    <a:pt x="30" y="197"/>
+                    <a:pt x="35" y="209"/>
+                    <a:pt x="41" y="222"/>
+                  </a:cubicBezTo>
+                  <a:cubicBezTo>
+                    <a:pt x="40" y="219"/>
+                    <a:pt x="39" y="215"/>
+                    <a:pt x="38" y="212"/>
+                  </a:cubicBezTo>
+                  <a:cubicBezTo>
+                    <a:pt x="26" y="172"/>
+                    <a:pt x="18" y="132"/>
+                    <a:pt x="13" y="92"/>
+                  </a:cubicBezTo>
+                  <a:cubicBezTo>
+                    <a:pt x="11" y="68"/>
+                    <a:pt x="9" y="45"/>
+                    <a:pt x="8" y="22"/>
+                  </a:cubicBezTo>
+                  <a:cubicBezTo>
+                    <a:pt x="8" y="21"/>
+                    <a:pt x="7" y="20"/>
+                    <a:pt x="7" y="18"/>
+                  </a:cubicBezTo>
+                  <a:cubicBezTo>
+                    <a:pt x="5" y="12"/>
+                    <a:pt x="2" y="6"/>
+                    <a:pt x="0" y="0"/>
+                  </a:cubicBezTo>
+                  <a:close/>
+                </a:path>
+              </a:pathLst>
+            </a:custGeom>
+            <a:solidFill>
+              <a:schemeClr val="tx2">
+                <a:alpha val="20000"/>
+              </a:schemeClr>
+            </a:solidFill>
+            <a:ln>
+              <a:noFill/>
+            </a:ln>
+          </p:spPr>
+        </p:sp>
+        <p:sp>
+          <p:nvSpPr>
+            <p:cNvPr id="21" name="Freeform 19">
+              <a:extLst>
+                <a:ext uri="{FF2B5EF4-FFF2-40B4-BE49-F238E27FC236}">
+                  <a16:creationId xmlns:a16="http://schemas.microsoft.com/office/drawing/2014/main" id="{A9965128-6557-433B-B75B-BDF30731111E}"/>
+                </a:ext>
+                <a:ext uri="{C183D7F6-B498-43B3-948B-1728B52AA6E4}">
+                  <adec:decorative xmlns:adec="http://schemas.microsoft.com/office/drawing/2017/decorative" val="1"/>
+                </a:ext>
+              </a:extLst>
+            </p:cNvPr>
+            <p:cNvSpPr/>
+            <p:nvPr>
+              <p:extLst>
+                <p:ext uri="{386F3935-93C4-4BCD-93E2-E3B085C9AB24}">
+                  <p16:designElem xmlns:p16="http://schemas.microsoft.com/office/powerpoint/2015/main" val="1"/>
+                </p:ext>
+              </p:extLst>
+            </p:nvPr>
+          </p:nvSpPr>
+          <p:spPr bwMode="auto">
+            <a:xfrm>
+              <a:off x="3148013" y="1282700"/>
+              <a:ext cx="1768475" cy="3448050"/>
+            </a:xfrm>
+            <a:custGeom>
+              <a:avLst/>
+              <a:gdLst/>
+              <a:ahLst/>
+              <a:cxnLst/>
+              <a:rect l="0" t="0" r="r" b="b"/>
+              <a:pathLst>
+                <a:path w="450" h="878">
+                  <a:moveTo>
+                    <a:pt x="7" y="854"/>
+                  </a:moveTo>
+                  <a:cubicBezTo>
+                    <a:pt x="10" y="772"/>
+                    <a:pt x="26" y="691"/>
+                    <a:pt x="50" y="613"/>
+                  </a:cubicBezTo>
+                  <a:cubicBezTo>
+                    <a:pt x="75" y="535"/>
+                    <a:pt x="109" y="460"/>
+                    <a:pt x="149" y="388"/>
+                  </a:cubicBezTo>
+                  <a:cubicBezTo>
+                    <a:pt x="189" y="316"/>
+                    <a:pt x="235" y="248"/>
+                    <a:pt x="285" y="183"/>
+                  </a:cubicBezTo>
+                  <a:cubicBezTo>
+                    <a:pt x="310" y="151"/>
+                    <a:pt x="337" y="119"/>
+                    <a:pt x="364" y="89"/>
+                  </a:cubicBezTo>
+                  <a:cubicBezTo>
+                    <a:pt x="378" y="74"/>
+                    <a:pt x="392" y="58"/>
+                    <a:pt x="406" y="44"/>
+                  </a:cubicBezTo>
+                  <a:cubicBezTo>
+                    <a:pt x="421" y="29"/>
+                    <a:pt x="435" y="15"/>
+                    <a:pt x="450" y="1"/>
+                  </a:cubicBezTo>
+                  <a:cubicBezTo>
+                    <a:pt x="450" y="0"/>
+                    <a:pt x="450" y="0"/>
+                    <a:pt x="450" y="0"/>
+                  </a:cubicBezTo>
+                  <a:cubicBezTo>
+                    <a:pt x="434" y="14"/>
+                    <a:pt x="420" y="28"/>
+                    <a:pt x="405" y="43"/>
+                  </a:cubicBezTo>
+                  <a:cubicBezTo>
+                    <a:pt x="391" y="57"/>
+                    <a:pt x="377" y="72"/>
+                    <a:pt x="363" y="88"/>
+                  </a:cubicBezTo>
+                  <a:cubicBezTo>
+                    <a:pt x="335" y="118"/>
+                    <a:pt x="308" y="149"/>
+                    <a:pt x="283" y="181"/>
+                  </a:cubicBezTo>
+                  <a:cubicBezTo>
+                    <a:pt x="232" y="246"/>
+                    <a:pt x="185" y="314"/>
+                    <a:pt x="145" y="386"/>
+                  </a:cubicBezTo>
+                  <a:cubicBezTo>
+                    <a:pt x="104" y="457"/>
+                    <a:pt x="70" y="533"/>
+                    <a:pt x="45" y="611"/>
+                  </a:cubicBezTo>
+                  <a:cubicBezTo>
+                    <a:pt x="19" y="690"/>
+                    <a:pt x="3" y="771"/>
+                    <a:pt x="0" y="854"/>
+                  </a:cubicBezTo>
+                  <a:cubicBezTo>
+                    <a:pt x="0" y="856"/>
+                    <a:pt x="0" y="857"/>
+                    <a:pt x="0" y="859"/>
+                  </a:cubicBezTo>
+                  <a:cubicBezTo>
+                    <a:pt x="2" y="865"/>
+                    <a:pt x="4" y="872"/>
+                    <a:pt x="7" y="878"/>
+                  </a:cubicBezTo>
+                  <a:cubicBezTo>
+                    <a:pt x="7" y="870"/>
+                    <a:pt x="7" y="862"/>
+                    <a:pt x="7" y="854"/>
+                  </a:cubicBezTo>
+                  <a:close/>
+                </a:path>
+              </a:pathLst>
+            </a:custGeom>
+            <a:solidFill>
+              <a:schemeClr val="tx2">
+                <a:alpha val="20000"/>
+              </a:schemeClr>
+            </a:solidFill>
+            <a:ln>
+              <a:noFill/>
+            </a:ln>
+          </p:spPr>
+        </p:sp>
+        <p:sp>
+          <p:nvSpPr>
+            <p:cNvPr id="22" name="Freeform 20">
+              <a:extLst>
+                <a:ext uri="{FF2B5EF4-FFF2-40B4-BE49-F238E27FC236}">
+                  <a16:creationId xmlns:a16="http://schemas.microsoft.com/office/drawing/2014/main" id="{6ACA7D22-11B5-4768-B195-51BF6E7C1691}"/>
+                </a:ext>
+                <a:ext uri="{C183D7F6-B498-43B3-948B-1728B52AA6E4}">
+                  <adec:decorative xmlns:adec="http://schemas.microsoft.com/office/drawing/2017/decorative" val="1"/>
+                </a:ext>
+              </a:extLst>
+            </p:cNvPr>
+            <p:cNvSpPr/>
+            <p:nvPr>
+              <p:extLst>
+                <p:ext uri="{386F3935-93C4-4BCD-93E2-E3B085C9AB24}">
+                  <p16:designElem xmlns:p16="http://schemas.microsoft.com/office/powerpoint/2015/main" val="1"/>
+                </p:ext>
+              </p:extLst>
+            </p:nvPr>
+          </p:nvSpPr>
+          <p:spPr bwMode="auto">
+            <a:xfrm>
+              <a:off x="3273426" y="5653088"/>
+              <a:ext cx="138113" cy="287338"/>
+            </a:xfrm>
+            <a:custGeom>
+              <a:avLst/>
+              <a:gdLst/>
+              <a:ahLst/>
+              <a:cxnLst/>
+              <a:rect l="0" t="0" r="r" b="b"/>
+              <a:pathLst>
+                <a:path w="35" h="73">
+                  <a:moveTo>
+                    <a:pt x="0" y="0"/>
+                  </a:moveTo>
+                  <a:cubicBezTo>
+                    <a:pt x="7" y="24"/>
+                    <a:pt x="16" y="49"/>
+                    <a:pt x="26" y="73"/>
+                  </a:cubicBezTo>
+                  <a:cubicBezTo>
+                    <a:pt x="35" y="73"/>
+                    <a:pt x="35" y="73"/>
+                    <a:pt x="35" y="73"/>
+                  </a:cubicBezTo>
+                  <a:cubicBezTo>
+                    <a:pt x="23" y="49"/>
+                    <a:pt x="11" y="24"/>
+                    <a:pt x="0" y="0"/>
+                  </a:cubicBezTo>
+                  <a:close/>
+                </a:path>
+              </a:pathLst>
+            </a:custGeom>
+            <a:solidFill>
+              <a:schemeClr val="tx2">
+                <a:alpha val="20000"/>
+              </a:schemeClr>
+            </a:solidFill>
+            <a:ln>
+              <a:noFill/>
+            </a:ln>
+          </p:spPr>
+        </p:sp>
+        <p:sp>
+          <p:nvSpPr>
+            <p:cNvPr id="23" name="Freeform 21">
+              <a:extLst>
+                <a:ext uri="{FF2B5EF4-FFF2-40B4-BE49-F238E27FC236}">
+                  <a16:creationId xmlns:a16="http://schemas.microsoft.com/office/drawing/2014/main" id="{A10AD997-8BE7-4F95-8B7C-4E59DA1AC56B}"/>
+                </a:ext>
+                <a:ext uri="{C183D7F6-B498-43B3-948B-1728B52AA6E4}">
+                  <adec:decorative xmlns:adec="http://schemas.microsoft.com/office/drawing/2017/decorative" val="1"/>
+                </a:ext>
+              </a:extLst>
+            </p:cNvPr>
+            <p:cNvSpPr/>
+            <p:nvPr>
+              <p:extLst>
+                <p:ext uri="{386F3935-93C4-4BCD-93E2-E3B085C9AB24}">
+                  <p16:designElem xmlns:p16="http://schemas.microsoft.com/office/powerpoint/2015/main" val="1"/>
+                </p:ext>
+              </p:extLst>
+            </p:nvPr>
+          </p:nvSpPr>
+          <p:spPr bwMode="auto">
+            <a:xfrm>
+              <a:off x="3143251" y="4656138"/>
+              <a:ext cx="31750" cy="188913"/>
+            </a:xfrm>
+            <a:custGeom>
+              <a:avLst/>
+              <a:gdLst/>
+              <a:ahLst/>
+              <a:cxnLst/>
+              <a:rect l="0" t="0" r="r" b="b"/>
+              <a:pathLst>
+                <a:path w="8" h="48">
+                  <a:moveTo>
+                    <a:pt x="7" y="44"/>
+                  </a:moveTo>
+                  <a:cubicBezTo>
+                    <a:pt x="7" y="46"/>
+                    <a:pt x="8" y="47"/>
+                    <a:pt x="8" y="48"/>
+                  </a:cubicBezTo>
+                  <a:cubicBezTo>
+                    <a:pt x="8" y="38"/>
+                    <a:pt x="8" y="29"/>
+                    <a:pt x="8" y="19"/>
+                  </a:cubicBezTo>
+                  <a:cubicBezTo>
+                    <a:pt x="5" y="13"/>
+                    <a:pt x="3" y="6"/>
+                    <a:pt x="1" y="0"/>
+                  </a:cubicBezTo>
+                  <a:cubicBezTo>
+                    <a:pt x="0" y="9"/>
+                    <a:pt x="0" y="17"/>
+                    <a:pt x="0" y="26"/>
+                  </a:cubicBezTo>
+                  <a:cubicBezTo>
+                    <a:pt x="2" y="32"/>
+                    <a:pt x="5" y="38"/>
+                    <a:pt x="7" y="44"/>
+                  </a:cubicBezTo>
+                  <a:close/>
+                </a:path>
+              </a:pathLst>
+            </a:custGeom>
+            <a:solidFill>
+              <a:schemeClr val="tx2">
+                <a:alpha val="20000"/>
+              </a:schemeClr>
+            </a:solidFill>
+            <a:ln>
+              <a:noFill/>
+            </a:ln>
+          </p:spPr>
+        </p:sp>
+        <p:sp>
+          <p:nvSpPr>
+            <p:cNvPr id="24" name="Freeform 22">
+              <a:extLst>
+                <a:ext uri="{FF2B5EF4-FFF2-40B4-BE49-F238E27FC236}">
+                  <a16:creationId xmlns:a16="http://schemas.microsoft.com/office/drawing/2014/main" id="{DE270B5A-1647-4C9C-BA5F-6BC559F869D0}"/>
+                </a:ext>
+                <a:ext uri="{C183D7F6-B498-43B3-948B-1728B52AA6E4}">
+                  <adec:decorative xmlns:adec="http://schemas.microsoft.com/office/drawing/2017/decorative" val="1"/>
+                </a:ext>
+              </a:extLst>
+            </p:cNvPr>
+            <p:cNvSpPr/>
+            <p:nvPr>
+              <p:extLst>
+                <p:ext uri="{386F3935-93C4-4BCD-93E2-E3B085C9AB24}">
+                  <p16:designElem xmlns:p16="http://schemas.microsoft.com/office/powerpoint/2015/main" val="1"/>
+                </p:ext>
+              </p:extLst>
+            </p:nvPr>
+          </p:nvSpPr>
+          <p:spPr bwMode="auto">
+            <a:xfrm>
+              <a:off x="3211513" y="5410200"/>
+              <a:ext cx="203200" cy="530225"/>
+            </a:xfrm>
+            <a:custGeom>
+              <a:avLst/>
+              <a:gdLst/>
+              <a:ahLst/>
+              <a:cxnLst/>
+              <a:rect l="0" t="0" r="r" b="b"/>
+              <a:pathLst>
+                <a:path w="52" h="135">
+                  <a:moveTo>
+                    <a:pt x="7" y="18"/>
+                  </a:moveTo>
+                  <a:cubicBezTo>
+                    <a:pt x="5" y="12"/>
+                    <a:pt x="2" y="6"/>
+                    <a:pt x="0" y="0"/>
+                  </a:cubicBezTo>
+                  <a:cubicBezTo>
+                    <a:pt x="3" y="16"/>
+                    <a:pt x="7" y="32"/>
+                    <a:pt x="12" y="48"/>
+                  </a:cubicBezTo>
+                  <a:cubicBezTo>
+                    <a:pt x="13" y="53"/>
+                    <a:pt x="14" y="57"/>
+                    <a:pt x="16" y="62"/>
+                  </a:cubicBezTo>
+                  <a:cubicBezTo>
+                    <a:pt x="27" y="86"/>
+                    <a:pt x="39" y="111"/>
+                    <a:pt x="51" y="135"/>
+                  </a:cubicBezTo>
+                  <a:cubicBezTo>
+                    <a:pt x="52" y="135"/>
+                    <a:pt x="52" y="135"/>
+                    <a:pt x="52" y="135"/>
+                  </a:cubicBezTo>
+                  <a:cubicBezTo>
+                    <a:pt x="41" y="109"/>
+                    <a:pt x="32" y="83"/>
+                    <a:pt x="24" y="56"/>
+                  </a:cubicBezTo>
+                  <a:cubicBezTo>
+                    <a:pt x="18" y="43"/>
+                    <a:pt x="13" y="31"/>
+                    <a:pt x="7" y="18"/>
+                  </a:cubicBezTo>
+                  <a:close/>
+                </a:path>
+              </a:pathLst>
+            </a:custGeom>
+            <a:solidFill>
+              <a:schemeClr val="tx2">
+                <a:alpha val="20000"/>
+              </a:schemeClr>
+            </a:solidFill>
+            <a:ln>
+              <a:noFill/>
+            </a:ln>
+          </p:spPr>
+        </p:sp>
+      </p:grpSp>
+      <p:grpSp>
+        <p:nvGrpSpPr>
+          <p:cNvPr id="26" name="Group 25">
+            <a:extLst>
+              <a:ext uri="{FF2B5EF4-FFF2-40B4-BE49-F238E27FC236}">
+                <a16:creationId xmlns:a16="http://schemas.microsoft.com/office/drawing/2014/main" id="{57D8AB18-1DD7-4D60-B9FA-190B47BB267A}"/>
+              </a:ext>
+              <a:ext uri="{C183D7F6-B498-43B3-948B-1728B52AA6E4}">
+                <adec:decorative xmlns:adec="http://schemas.microsoft.com/office/drawing/2017/decorative" val="1"/>
+              </a:ext>
+            </a:extLst>
+          </p:cNvPr>
+          <p:cNvGrpSpPr>
+            <a:grpSpLocks noGrp="1" noUngrp="1" noRot="1" noChangeAspect="1" noMove="1" noResize="1"/>
+          </p:cNvGrpSpPr>
+          <p:nvPr>
+            <p:extLst>
+              <p:ext uri="{386F3935-93C4-4BCD-93E2-E3B085C9AB24}">
+                <p16:designElem xmlns:p16="http://schemas.microsoft.com/office/powerpoint/2015/main" val="1"/>
+              </p:ext>
+            </p:extLst>
+          </p:nvPr>
+        </p:nvGrpSpPr>
+        <p:grpSpPr>
+          <a:xfrm>
+            <a:off x="27224" y="157"/>
+            <a:ext cx="2356675" cy="6853096"/>
+            <a:chOff x="6627813" y="195610"/>
+            <a:chExt cx="1952625" cy="5678141"/>
+          </a:xfrm>
+        </p:grpSpPr>
+        <p:sp>
+          <p:nvSpPr>
+            <p:cNvPr id="27" name="Freeform 27">
+              <a:extLst>
+                <a:ext uri="{FF2B5EF4-FFF2-40B4-BE49-F238E27FC236}">
+                  <a16:creationId xmlns:a16="http://schemas.microsoft.com/office/drawing/2014/main" id="{AE3C8994-22F6-4B7D-B50B-80ECD1E2AF9A}"/>
+                </a:ext>
+                <a:ext uri="{C183D7F6-B498-43B3-948B-1728B52AA6E4}">
+                  <adec:decorative xmlns:adec="http://schemas.microsoft.com/office/drawing/2017/decorative" val="1"/>
+                </a:ext>
+              </a:extLst>
+            </p:cNvPr>
+            <p:cNvSpPr/>
+            <p:nvPr>
+              <p:extLst>
+                <p:ext uri="{386F3935-93C4-4BCD-93E2-E3B085C9AB24}">
+                  <p16:designElem xmlns:p16="http://schemas.microsoft.com/office/powerpoint/2015/main" val="1"/>
+                </p:ext>
+              </p:extLst>
+            </p:nvPr>
+          </p:nvSpPr>
+          <p:spPr bwMode="auto">
+            <a:xfrm>
+              <a:off x="6627813" y="195610"/>
+              <a:ext cx="409575" cy="3646488"/>
+            </a:xfrm>
+            <a:custGeom>
+              <a:avLst/>
+              <a:gdLst/>
+              <a:ahLst/>
+              <a:cxnLst/>
+              <a:rect l="0" t="0" r="r" b="b"/>
+              <a:pathLst>
+                <a:path w="103" h="920">
+                  <a:moveTo>
+                    <a:pt x="7" y="210"/>
+                  </a:moveTo>
+                  <a:cubicBezTo>
+                    <a:pt x="11" y="288"/>
+                    <a:pt x="17" y="367"/>
+                    <a:pt x="26" y="445"/>
+                  </a:cubicBezTo>
+                  <a:cubicBezTo>
+                    <a:pt x="34" y="523"/>
+                    <a:pt x="44" y="601"/>
+                    <a:pt x="57" y="679"/>
+                  </a:cubicBezTo>
+                  <a:cubicBezTo>
+                    <a:pt x="69" y="757"/>
+                    <a:pt x="84" y="834"/>
+                    <a:pt x="101" y="911"/>
+                  </a:cubicBezTo>
+                  <a:cubicBezTo>
+                    <a:pt x="102" y="914"/>
+                    <a:pt x="103" y="917"/>
+                    <a:pt x="103" y="920"/>
+                  </a:cubicBezTo>
+                  <a:cubicBezTo>
+                    <a:pt x="102" y="905"/>
+                    <a:pt x="100" y="889"/>
+                    <a:pt x="99" y="874"/>
+                  </a:cubicBezTo>
+                  <a:cubicBezTo>
+                    <a:pt x="99" y="871"/>
+                    <a:pt x="99" y="868"/>
+                    <a:pt x="99" y="866"/>
+                  </a:cubicBezTo>
+                  <a:cubicBezTo>
+                    <a:pt x="85" y="803"/>
+                    <a:pt x="73" y="741"/>
+                    <a:pt x="63" y="678"/>
+                  </a:cubicBezTo>
+                  <a:cubicBezTo>
+                    <a:pt x="50" y="600"/>
+                    <a:pt x="39" y="523"/>
+                    <a:pt x="30" y="444"/>
+                  </a:cubicBezTo>
+                  <a:cubicBezTo>
+                    <a:pt x="21" y="366"/>
+                    <a:pt x="14" y="288"/>
+                    <a:pt x="9" y="209"/>
+                  </a:cubicBezTo>
+                  <a:cubicBezTo>
+                    <a:pt x="7" y="170"/>
+                    <a:pt x="5" y="131"/>
+                    <a:pt x="3" y="92"/>
+                  </a:cubicBezTo>
+                  <a:cubicBezTo>
+                    <a:pt x="2" y="61"/>
+                    <a:pt x="1" y="31"/>
+                    <a:pt x="1" y="0"/>
+                  </a:cubicBezTo>
+                  <a:cubicBezTo>
+                    <a:pt x="0" y="0"/>
+                    <a:pt x="0" y="0"/>
+                    <a:pt x="0" y="0"/>
+                  </a:cubicBezTo>
+                  <a:cubicBezTo>
+                    <a:pt x="0" y="31"/>
+                    <a:pt x="1" y="61"/>
+                    <a:pt x="1" y="92"/>
+                  </a:cubicBezTo>
+                  <a:cubicBezTo>
+                    <a:pt x="3" y="131"/>
+                    <a:pt x="4" y="170"/>
+                    <a:pt x="7" y="210"/>
+                  </a:cubicBezTo>
+                  <a:close/>
+                </a:path>
+              </a:pathLst>
+            </a:custGeom>
+            <a:solidFill>
+              <a:schemeClr val="tx2"/>
+            </a:solidFill>
+            <a:ln>
+              <a:noFill/>
+            </a:ln>
+          </p:spPr>
+        </p:sp>
+        <p:sp>
+          <p:nvSpPr>
+            <p:cNvPr id="28" name="Freeform 28">
+              <a:extLst>
+                <a:ext uri="{FF2B5EF4-FFF2-40B4-BE49-F238E27FC236}">
+                  <a16:creationId xmlns:a16="http://schemas.microsoft.com/office/drawing/2014/main" id="{DDCDE2FF-5BFC-4807-AB1E-D6928F8F46CF}"/>
+                </a:ext>
+                <a:ext uri="{C183D7F6-B498-43B3-948B-1728B52AA6E4}">
+                  <adec:decorative xmlns:adec="http://schemas.microsoft.com/office/drawing/2017/decorative" val="1"/>
+                </a:ext>
+              </a:extLst>
+            </p:cNvPr>
+            <p:cNvSpPr/>
+            <p:nvPr>
+              <p:extLst>
+                <p:ext uri="{386F3935-93C4-4BCD-93E2-E3B085C9AB24}">
+                  <p16:designElem xmlns:p16="http://schemas.microsoft.com/office/powerpoint/2015/main" val="1"/>
+                </p:ext>
+              </p:extLst>
+            </p:nvPr>
+          </p:nvSpPr>
+          <p:spPr bwMode="auto">
+            <a:xfrm>
+              <a:off x="7061201" y="3771900"/>
+              <a:ext cx="350838" cy="1309688"/>
+            </a:xfrm>
+            <a:custGeom>
+              <a:avLst/>
+              <a:gdLst/>
+              <a:ahLst/>
+              <a:cxnLst/>
+              <a:rect l="0" t="0" r="r" b="b"/>
+              <a:pathLst>
+                <a:path w="88" h="330">
+                  <a:moveTo>
+                    <a:pt x="53" y="229"/>
+                  </a:moveTo>
+                  <a:cubicBezTo>
+                    <a:pt x="64" y="263"/>
+                    <a:pt x="75" y="297"/>
+                    <a:pt x="88" y="330"/>
+                  </a:cubicBezTo>
+                  <a:cubicBezTo>
+                    <a:pt x="88" y="323"/>
+                    <a:pt x="88" y="315"/>
+                    <a:pt x="88" y="308"/>
+                  </a:cubicBezTo>
+                  <a:cubicBezTo>
+                    <a:pt x="88" y="307"/>
+                    <a:pt x="88" y="305"/>
+                    <a:pt x="88" y="304"/>
+                  </a:cubicBezTo>
+                  <a:cubicBezTo>
+                    <a:pt x="79" y="278"/>
+                    <a:pt x="70" y="252"/>
+                    <a:pt x="62" y="226"/>
+                  </a:cubicBezTo>
+                  <a:cubicBezTo>
+                    <a:pt x="38" y="152"/>
+                    <a:pt x="17" y="76"/>
+                    <a:pt x="0" y="0"/>
+                  </a:cubicBezTo>
+                  <a:cubicBezTo>
+                    <a:pt x="2" y="21"/>
+                    <a:pt x="4" y="42"/>
+                    <a:pt x="7" y="63"/>
+                  </a:cubicBezTo>
+                  <a:cubicBezTo>
+                    <a:pt x="21" y="119"/>
+                    <a:pt x="36" y="174"/>
+                    <a:pt x="53" y="229"/>
+                  </a:cubicBezTo>
+                  <a:close/>
+                </a:path>
+              </a:pathLst>
+            </a:custGeom>
+            <a:solidFill>
+              <a:schemeClr val="tx2"/>
+            </a:solidFill>
+            <a:ln>
+              <a:noFill/>
+            </a:ln>
+          </p:spPr>
+        </p:sp>
+        <p:sp>
+          <p:nvSpPr>
+            <p:cNvPr id="29" name="Freeform 29">
+              <a:extLst>
+                <a:ext uri="{FF2B5EF4-FFF2-40B4-BE49-F238E27FC236}">
+                  <a16:creationId xmlns:a16="http://schemas.microsoft.com/office/drawing/2014/main" id="{63EF93F1-6EAF-4409-A623-76533740E143}"/>
+                </a:ext>
+                <a:ext uri="{C183D7F6-B498-43B3-948B-1728B52AA6E4}">
+                  <adec:decorative xmlns:adec="http://schemas.microsoft.com/office/drawing/2017/decorative" val="1"/>
+                </a:ext>
+              </a:extLst>
+            </p:cNvPr>
+            <p:cNvSpPr/>
+            <p:nvPr>
+              <p:extLst>
+                <p:ext uri="{386F3935-93C4-4BCD-93E2-E3B085C9AB24}">
+                  <p16:designElem xmlns:p16="http://schemas.microsoft.com/office/powerpoint/2015/main" val="1"/>
+                </p:ext>
+              </p:extLst>
+            </p:nvPr>
+          </p:nvSpPr>
+          <p:spPr bwMode="auto">
+            <a:xfrm>
+              <a:off x="7439026" y="5053013"/>
+              <a:ext cx="357188" cy="820738"/>
+            </a:xfrm>
+            <a:custGeom>
+              <a:avLst/>
+              <a:gdLst/>
+              <a:ahLst/>
+              <a:cxnLst/>
+              <a:rect l="0" t="0" r="r" b="b"/>
+              <a:pathLst>
+                <a:path w="90" h="207">
+                  <a:moveTo>
+                    <a:pt x="6" y="15"/>
+                  </a:moveTo>
+                  <a:cubicBezTo>
+                    <a:pt x="4" y="10"/>
+                    <a:pt x="2" y="5"/>
+                    <a:pt x="0" y="0"/>
+                  </a:cubicBezTo>
+                  <a:cubicBezTo>
+                    <a:pt x="0" y="9"/>
+                    <a:pt x="0" y="19"/>
+                    <a:pt x="1" y="29"/>
+                  </a:cubicBezTo>
+                  <a:cubicBezTo>
+                    <a:pt x="14" y="62"/>
+                    <a:pt x="27" y="95"/>
+                    <a:pt x="42" y="127"/>
+                  </a:cubicBezTo>
+                  <a:cubicBezTo>
+                    <a:pt x="54" y="154"/>
+                    <a:pt x="67" y="181"/>
+                    <a:pt x="80" y="207"/>
+                  </a:cubicBezTo>
+                  <a:cubicBezTo>
+                    <a:pt x="90" y="207"/>
+                    <a:pt x="90" y="207"/>
+                    <a:pt x="90" y="207"/>
+                  </a:cubicBezTo>
+                  <a:cubicBezTo>
+                    <a:pt x="76" y="180"/>
+                    <a:pt x="63" y="152"/>
+                    <a:pt x="50" y="123"/>
+                  </a:cubicBezTo>
+                  <a:cubicBezTo>
+                    <a:pt x="34" y="88"/>
+                    <a:pt x="20" y="51"/>
+                    <a:pt x="6" y="15"/>
+                  </a:cubicBezTo>
+                  <a:close/>
+                </a:path>
+              </a:pathLst>
+            </a:custGeom>
+            <a:solidFill>
+              <a:schemeClr val="tx2"/>
+            </a:solidFill>
+            <a:ln>
+              <a:noFill/>
+            </a:ln>
+          </p:spPr>
+        </p:sp>
+        <p:sp>
+          <p:nvSpPr>
+            <p:cNvPr id="30" name="Freeform 30">
+              <a:extLst>
+                <a:ext uri="{FF2B5EF4-FFF2-40B4-BE49-F238E27FC236}">
+                  <a16:creationId xmlns:a16="http://schemas.microsoft.com/office/drawing/2014/main" id="{ED3B5256-3F5C-4FDE-8A9A-5A124E92BA34}"/>
+                </a:ext>
+                <a:ext uri="{C183D7F6-B498-43B3-948B-1728B52AA6E4}">
+                  <adec:decorative xmlns:adec="http://schemas.microsoft.com/office/drawing/2017/decorative" val="1"/>
+                </a:ext>
+              </a:extLst>
+            </p:cNvPr>
+            <p:cNvSpPr/>
+            <p:nvPr>
+              <p:extLst>
+                <p:ext uri="{386F3935-93C4-4BCD-93E2-E3B085C9AB24}">
+                  <p16:designElem xmlns:p16="http://schemas.microsoft.com/office/powerpoint/2015/main" val="1"/>
+                </p:ext>
+              </p:extLst>
+            </p:nvPr>
+          </p:nvSpPr>
+          <p:spPr bwMode="auto">
+            <a:xfrm>
+              <a:off x="7037388" y="3811588"/>
+              <a:ext cx="457200" cy="1852613"/>
+            </a:xfrm>
+            <a:custGeom>
+              <a:avLst/>
+              <a:gdLst/>
+              <a:ahLst/>
+              <a:cxnLst/>
+              <a:rect l="0" t="0" r="r" b="b"/>
+              <a:pathLst>
+                <a:path w="115" h="467">
+                  <a:moveTo>
+                    <a:pt x="101" y="409"/>
+                  </a:moveTo>
+                  <a:cubicBezTo>
+                    <a:pt x="93" y="388"/>
+                    <a:pt x="85" y="366"/>
+                    <a:pt x="78" y="344"/>
+                  </a:cubicBezTo>
+                  <a:cubicBezTo>
+                    <a:pt x="57" y="281"/>
+                    <a:pt x="41" y="216"/>
+                    <a:pt x="29" y="151"/>
+                  </a:cubicBezTo>
+                  <a:cubicBezTo>
+                    <a:pt x="22" y="119"/>
+                    <a:pt x="17" y="86"/>
+                    <a:pt x="13" y="53"/>
+                  </a:cubicBezTo>
+                  <a:cubicBezTo>
+                    <a:pt x="9" y="35"/>
+                    <a:pt x="4" y="18"/>
+                    <a:pt x="0" y="0"/>
+                  </a:cubicBezTo>
+                  <a:cubicBezTo>
+                    <a:pt x="5" y="51"/>
+                    <a:pt x="12" y="102"/>
+                    <a:pt x="21" y="152"/>
+                  </a:cubicBezTo>
+                  <a:cubicBezTo>
+                    <a:pt x="33" y="218"/>
+                    <a:pt x="49" y="283"/>
+                    <a:pt x="69" y="347"/>
+                  </a:cubicBezTo>
+                  <a:cubicBezTo>
+                    <a:pt x="79" y="378"/>
+                    <a:pt x="90" y="410"/>
+                    <a:pt x="103" y="441"/>
+                  </a:cubicBezTo>
+                  <a:cubicBezTo>
+                    <a:pt x="107" y="449"/>
+                    <a:pt x="111" y="458"/>
+                    <a:pt x="115" y="467"/>
+                  </a:cubicBezTo>
+                  <a:cubicBezTo>
+                    <a:pt x="114" y="464"/>
+                    <a:pt x="113" y="461"/>
+                    <a:pt x="112" y="458"/>
+                  </a:cubicBezTo>
+                  <a:cubicBezTo>
+                    <a:pt x="108" y="442"/>
+                    <a:pt x="104" y="425"/>
+                    <a:pt x="101" y="409"/>
+                  </a:cubicBezTo>
+                  <a:close/>
+                </a:path>
+              </a:pathLst>
+            </a:custGeom>
+            <a:solidFill>
+              <a:schemeClr val="tx2"/>
+            </a:solidFill>
+            <a:ln>
+              <a:noFill/>
+            </a:ln>
+          </p:spPr>
+        </p:sp>
+        <p:sp>
+          <p:nvSpPr>
+            <p:cNvPr id="31" name="Freeform 31">
+              <a:extLst>
+                <a:ext uri="{FF2B5EF4-FFF2-40B4-BE49-F238E27FC236}">
+                  <a16:creationId xmlns:a16="http://schemas.microsoft.com/office/drawing/2014/main" id="{ED5D4282-BFB9-4BFC-A20D-18E1C4EEA64D}"/>
+                </a:ext>
+                <a:ext uri="{C183D7F6-B498-43B3-948B-1728B52AA6E4}">
+                  <adec:decorative xmlns:adec="http://schemas.microsoft.com/office/drawing/2017/decorative" val="1"/>
+                </a:ext>
+              </a:extLst>
+            </p:cNvPr>
+            <p:cNvSpPr/>
+            <p:nvPr>
+              <p:extLst>
+                <p:ext uri="{386F3935-93C4-4BCD-93E2-E3B085C9AB24}">
+                  <p16:designElem xmlns:p16="http://schemas.microsoft.com/office/powerpoint/2015/main" val="1"/>
+                </p:ext>
+              </p:extLst>
+            </p:nvPr>
+          </p:nvSpPr>
+          <p:spPr bwMode="auto">
+            <a:xfrm>
+              <a:off x="6992938" y="1263650"/>
+              <a:ext cx="144463" cy="2508250"/>
+            </a:xfrm>
+            <a:custGeom>
+              <a:avLst/>
+              <a:gdLst/>
+              <a:ahLst/>
+              <a:cxnLst/>
+              <a:rect l="0" t="0" r="r" b="b"/>
+              <a:pathLst>
+                <a:path w="36" h="633">
+                  <a:moveTo>
+                    <a:pt x="17" y="633"/>
+                  </a:moveTo>
+                  <a:cubicBezTo>
+                    <a:pt x="15" y="621"/>
+                    <a:pt x="14" y="609"/>
+                    <a:pt x="13" y="597"/>
+                  </a:cubicBezTo>
+                  <a:cubicBezTo>
+                    <a:pt x="8" y="530"/>
+                    <a:pt x="5" y="464"/>
+                    <a:pt x="5" y="398"/>
+                  </a:cubicBezTo>
+                  <a:cubicBezTo>
+                    <a:pt x="5" y="331"/>
+                    <a:pt x="8" y="265"/>
+                    <a:pt x="13" y="198"/>
+                  </a:cubicBezTo>
+                  <a:cubicBezTo>
+                    <a:pt x="15" y="165"/>
+                    <a:pt x="18" y="132"/>
+                    <a:pt x="22" y="99"/>
+                  </a:cubicBezTo>
+                  <a:cubicBezTo>
+                    <a:pt x="26" y="66"/>
+                    <a:pt x="30" y="33"/>
+                    <a:pt x="36" y="0"/>
+                  </a:cubicBezTo>
+                  <a:cubicBezTo>
+                    <a:pt x="35" y="0"/>
+                    <a:pt x="35" y="0"/>
+                    <a:pt x="35" y="0"/>
+                  </a:cubicBezTo>
+                  <a:cubicBezTo>
+                    <a:pt x="29" y="33"/>
+                    <a:pt x="24" y="66"/>
+                    <a:pt x="20" y="99"/>
+                  </a:cubicBezTo>
+                  <a:cubicBezTo>
+                    <a:pt x="16" y="132"/>
+                    <a:pt x="13" y="165"/>
+                    <a:pt x="10" y="198"/>
+                  </a:cubicBezTo>
+                  <a:cubicBezTo>
+                    <a:pt x="4" y="264"/>
+                    <a:pt x="1" y="331"/>
+                    <a:pt x="1" y="398"/>
+                  </a:cubicBezTo>
+                  <a:cubicBezTo>
+                    <a:pt x="0" y="461"/>
+                    <a:pt x="2" y="525"/>
+                    <a:pt x="7" y="589"/>
+                  </a:cubicBezTo>
+                  <a:cubicBezTo>
+                    <a:pt x="10" y="603"/>
+                    <a:pt x="13" y="618"/>
+                    <a:pt x="16" y="632"/>
+                  </a:cubicBezTo>
+                  <a:cubicBezTo>
+                    <a:pt x="16" y="632"/>
+                    <a:pt x="17" y="633"/>
+                    <a:pt x="17" y="633"/>
+                  </a:cubicBezTo>
+                  <a:close/>
+                </a:path>
+              </a:pathLst>
+            </a:custGeom>
+            <a:solidFill>
+              <a:schemeClr val="tx2"/>
+            </a:solidFill>
+            <a:ln>
+              <a:noFill/>
+            </a:ln>
+          </p:spPr>
+        </p:sp>
+        <p:sp>
+          <p:nvSpPr>
+            <p:cNvPr id="32" name="Freeform 32">
+              <a:extLst>
+                <a:ext uri="{FF2B5EF4-FFF2-40B4-BE49-F238E27FC236}">
+                  <a16:creationId xmlns:a16="http://schemas.microsoft.com/office/drawing/2014/main" id="{3E6394EB-0752-433A-BA70-AF42B45F17F7}"/>
+                </a:ext>
+                <a:ext uri="{C183D7F6-B498-43B3-948B-1728B52AA6E4}">
+                  <adec:decorative xmlns:adec="http://schemas.microsoft.com/office/drawing/2017/decorative" val="1"/>
+                </a:ext>
+              </a:extLst>
+            </p:cNvPr>
+            <p:cNvSpPr/>
+            <p:nvPr>
+              <p:extLst>
+                <p:ext uri="{386F3935-93C4-4BCD-93E2-E3B085C9AB24}">
+                  <p16:designElem xmlns:p16="http://schemas.microsoft.com/office/powerpoint/2015/main" val="1"/>
+                </p:ext>
+              </p:extLst>
+            </p:nvPr>
+          </p:nvSpPr>
+          <p:spPr bwMode="auto">
+            <a:xfrm>
+              <a:off x="7526338" y="5640388"/>
+              <a:ext cx="111125" cy="233363"/>
+            </a:xfrm>
+            <a:custGeom>
+              <a:avLst/>
+              <a:gdLst/>
+              <a:ahLst/>
+              <a:cxnLst/>
+              <a:rect l="0" t="0" r="r" b="b"/>
+              <a:pathLst>
+                <a:path w="28" h="59">
+                  <a:moveTo>
+                    <a:pt x="22" y="59"/>
+                  </a:moveTo>
+                  <a:cubicBezTo>
+                    <a:pt x="28" y="59"/>
+                    <a:pt x="28" y="59"/>
+                    <a:pt x="28" y="59"/>
+                  </a:cubicBezTo>
+                  <a:cubicBezTo>
+                    <a:pt x="18" y="40"/>
+                    <a:pt x="9" y="20"/>
+                    <a:pt x="0" y="0"/>
+                  </a:cubicBezTo>
+                  <a:cubicBezTo>
+                    <a:pt x="6" y="20"/>
+                    <a:pt x="13" y="40"/>
+                    <a:pt x="22" y="59"/>
+                  </a:cubicBezTo>
+                  <a:close/>
+                </a:path>
+              </a:pathLst>
+            </a:custGeom>
+            <a:solidFill>
+              <a:schemeClr val="tx2"/>
+            </a:solidFill>
+            <a:ln>
+              <a:noFill/>
+            </a:ln>
+          </p:spPr>
+        </p:sp>
+        <p:sp>
+          <p:nvSpPr>
+            <p:cNvPr id="33" name="Freeform 33">
+              <a:extLst>
+                <a:ext uri="{FF2B5EF4-FFF2-40B4-BE49-F238E27FC236}">
+                  <a16:creationId xmlns:a16="http://schemas.microsoft.com/office/drawing/2014/main" id="{DF27BE5F-DA8D-4260-9D0D-69E9CE146992}"/>
+                </a:ext>
+                <a:ext uri="{C183D7F6-B498-43B3-948B-1728B52AA6E4}">
+                  <adec:decorative xmlns:adec="http://schemas.microsoft.com/office/drawing/2017/decorative" val="1"/>
+                </a:ext>
+              </a:extLst>
+            </p:cNvPr>
+            <p:cNvSpPr/>
+            <p:nvPr>
+              <p:extLst>
+                <p:ext uri="{386F3935-93C4-4BCD-93E2-E3B085C9AB24}">
+                  <p16:designElem xmlns:p16="http://schemas.microsoft.com/office/powerpoint/2015/main" val="1"/>
+                </p:ext>
+              </p:extLst>
+            </p:nvPr>
+          </p:nvSpPr>
+          <p:spPr bwMode="auto">
+            <a:xfrm>
+              <a:off x="7021513" y="3598863"/>
+              <a:ext cx="68263" cy="423863"/>
+            </a:xfrm>
+            <a:custGeom>
+              <a:avLst/>
+              <a:gdLst/>
+              <a:ahLst/>
+              <a:cxnLst/>
+              <a:rect l="0" t="0" r="r" b="b"/>
+              <a:pathLst>
+                <a:path w="17" h="107">
+                  <a:moveTo>
+                    <a:pt x="4" y="54"/>
+                  </a:moveTo>
+                  <a:cubicBezTo>
+                    <a:pt x="8" y="72"/>
+                    <a:pt x="13" y="89"/>
+                    <a:pt x="17" y="107"/>
+                  </a:cubicBezTo>
+                  <a:cubicBezTo>
+                    <a:pt x="14" y="86"/>
+                    <a:pt x="12" y="65"/>
+                    <a:pt x="10" y="44"/>
+                  </a:cubicBezTo>
+                  <a:cubicBezTo>
+                    <a:pt x="10" y="44"/>
+                    <a:pt x="9" y="43"/>
+                    <a:pt x="9" y="43"/>
+                  </a:cubicBezTo>
+                  <a:cubicBezTo>
+                    <a:pt x="6" y="29"/>
+                    <a:pt x="3" y="14"/>
+                    <a:pt x="0" y="0"/>
+                  </a:cubicBezTo>
+                  <a:cubicBezTo>
+                    <a:pt x="0" y="2"/>
+                    <a:pt x="0" y="5"/>
+                    <a:pt x="0" y="8"/>
+                  </a:cubicBezTo>
+                  <a:cubicBezTo>
+                    <a:pt x="1" y="23"/>
+                    <a:pt x="3" y="39"/>
+                    <a:pt x="4" y="54"/>
+                  </a:cubicBezTo>
+                  <a:close/>
+                </a:path>
+              </a:pathLst>
+            </a:custGeom>
+            <a:solidFill>
+              <a:schemeClr val="tx2"/>
+            </a:solidFill>
+            <a:ln>
+              <a:noFill/>
+            </a:ln>
+          </p:spPr>
+        </p:sp>
+        <p:sp>
+          <p:nvSpPr>
+            <p:cNvPr id="34" name="Freeform 34">
+              <a:extLst>
+                <a:ext uri="{FF2B5EF4-FFF2-40B4-BE49-F238E27FC236}">
+                  <a16:creationId xmlns:a16="http://schemas.microsoft.com/office/drawing/2014/main" id="{9A6E5CBE-AE54-40B7-9A00-E3975FEACB1D}"/>
+                </a:ext>
+                <a:ext uri="{C183D7F6-B498-43B3-948B-1728B52AA6E4}">
+                  <adec:decorative xmlns:adec="http://schemas.microsoft.com/office/drawing/2017/decorative" val="1"/>
+                </a:ext>
+              </a:extLst>
+            </p:cNvPr>
+            <p:cNvSpPr/>
+            <p:nvPr>
+              <p:extLst>
+                <p:ext uri="{386F3935-93C4-4BCD-93E2-E3B085C9AB24}">
+                  <p16:designElem xmlns:p16="http://schemas.microsoft.com/office/powerpoint/2015/main" val="1"/>
+                </p:ext>
+              </p:extLst>
+            </p:nvPr>
+          </p:nvSpPr>
+          <p:spPr bwMode="auto">
+            <a:xfrm>
+              <a:off x="7412038" y="2801938"/>
+              <a:ext cx="1168400" cy="2251075"/>
+            </a:xfrm>
+            <a:custGeom>
+              <a:avLst/>
+              <a:gdLst/>
+              <a:ahLst/>
+              <a:cxnLst/>
+              <a:rect l="0" t="0" r="r" b="b"/>
+              <a:pathLst>
+                <a:path w="294" h="568">
+                  <a:moveTo>
+                    <a:pt x="8" y="553"/>
+                  </a:moveTo>
+                  <a:cubicBezTo>
+                    <a:pt x="9" y="501"/>
+                    <a:pt x="19" y="448"/>
+                    <a:pt x="35" y="397"/>
+                  </a:cubicBezTo>
+                  <a:cubicBezTo>
+                    <a:pt x="51" y="347"/>
+                    <a:pt x="73" y="298"/>
+                    <a:pt x="99" y="252"/>
+                  </a:cubicBezTo>
+                  <a:cubicBezTo>
+                    <a:pt x="124" y="205"/>
+                    <a:pt x="154" y="161"/>
+                    <a:pt x="187" y="119"/>
+                  </a:cubicBezTo>
+                  <a:cubicBezTo>
+                    <a:pt x="203" y="98"/>
+                    <a:pt x="220" y="77"/>
+                    <a:pt x="238" y="58"/>
+                  </a:cubicBezTo>
+                  <a:cubicBezTo>
+                    <a:pt x="247" y="48"/>
+                    <a:pt x="256" y="38"/>
+                    <a:pt x="265" y="28"/>
+                  </a:cubicBezTo>
+                  <a:cubicBezTo>
+                    <a:pt x="274" y="19"/>
+                    <a:pt x="284" y="9"/>
+                    <a:pt x="294" y="0"/>
+                  </a:cubicBezTo>
+                  <a:cubicBezTo>
+                    <a:pt x="293" y="0"/>
+                    <a:pt x="293" y="0"/>
+                    <a:pt x="293" y="0"/>
+                  </a:cubicBezTo>
+                  <a:cubicBezTo>
+                    <a:pt x="283" y="9"/>
+                    <a:pt x="273" y="18"/>
+                    <a:pt x="264" y="27"/>
+                  </a:cubicBezTo>
+                  <a:cubicBezTo>
+                    <a:pt x="255" y="37"/>
+                    <a:pt x="246" y="47"/>
+                    <a:pt x="237" y="56"/>
+                  </a:cubicBezTo>
+                  <a:cubicBezTo>
+                    <a:pt x="218" y="76"/>
+                    <a:pt x="201" y="96"/>
+                    <a:pt x="185" y="117"/>
+                  </a:cubicBezTo>
+                  <a:cubicBezTo>
+                    <a:pt x="151" y="159"/>
+                    <a:pt x="121" y="203"/>
+                    <a:pt x="95" y="249"/>
+                  </a:cubicBezTo>
+                  <a:cubicBezTo>
+                    <a:pt x="68" y="296"/>
+                    <a:pt x="46" y="345"/>
+                    <a:pt x="30" y="396"/>
+                  </a:cubicBezTo>
+                  <a:cubicBezTo>
+                    <a:pt x="13" y="445"/>
+                    <a:pt x="3" y="497"/>
+                    <a:pt x="0" y="549"/>
+                  </a:cubicBezTo>
+                  <a:cubicBezTo>
+                    <a:pt x="3" y="555"/>
+                    <a:pt x="5" y="561"/>
+                    <a:pt x="7" y="568"/>
+                  </a:cubicBezTo>
+                  <a:cubicBezTo>
+                    <a:pt x="7" y="563"/>
+                    <a:pt x="7" y="558"/>
+                    <a:pt x="8" y="553"/>
+                  </a:cubicBezTo>
+                  <a:close/>
+                </a:path>
+              </a:pathLst>
+            </a:custGeom>
+            <a:solidFill>
+              <a:schemeClr val="tx2"/>
+            </a:solidFill>
+            <a:ln>
+              <a:noFill/>
+            </a:ln>
+          </p:spPr>
+        </p:sp>
+        <p:sp>
+          <p:nvSpPr>
+            <p:cNvPr id="35" name="Freeform 35">
+              <a:extLst>
+                <a:ext uri="{FF2B5EF4-FFF2-40B4-BE49-F238E27FC236}">
+                  <a16:creationId xmlns:a16="http://schemas.microsoft.com/office/drawing/2014/main" id="{6C307890-5461-4D51-ADA6-A3DA6D35B852}"/>
+                </a:ext>
+                <a:ext uri="{C183D7F6-B498-43B3-948B-1728B52AA6E4}">
+                  <adec:decorative xmlns:adec="http://schemas.microsoft.com/office/drawing/2017/decorative" val="1"/>
+                </a:ext>
+              </a:extLst>
+            </p:cNvPr>
+            <p:cNvSpPr/>
+            <p:nvPr>
+              <p:extLst>
+                <p:ext uri="{386F3935-93C4-4BCD-93E2-E3B085C9AB24}">
+                  <p16:designElem xmlns:p16="http://schemas.microsoft.com/office/powerpoint/2015/main" val="1"/>
+                </p:ext>
+              </p:extLst>
+            </p:nvPr>
+          </p:nvSpPr>
+          <p:spPr bwMode="auto">
+            <a:xfrm>
+              <a:off x="7494588" y="5664200"/>
+              <a:ext cx="100013" cy="209550"/>
+            </a:xfrm>
+            <a:custGeom>
+              <a:avLst/>
+              <a:gdLst/>
+              <a:ahLst/>
+              <a:cxnLst/>
+              <a:rect l="0" t="0" r="r" b="b"/>
+              <a:pathLst>
+                <a:path w="25" h="53">
+                  <a:moveTo>
+                    <a:pt x="0" y="0"/>
+                  </a:moveTo>
+                  <a:cubicBezTo>
+                    <a:pt x="5" y="18"/>
+                    <a:pt x="12" y="36"/>
+                    <a:pt x="19" y="53"/>
+                  </a:cubicBezTo>
+                  <a:cubicBezTo>
+                    <a:pt x="25" y="53"/>
+                    <a:pt x="25" y="53"/>
+                    <a:pt x="25" y="53"/>
+                  </a:cubicBezTo>
+                  <a:cubicBezTo>
+                    <a:pt x="16" y="36"/>
+                    <a:pt x="8" y="18"/>
+                    <a:pt x="0" y="0"/>
+                  </a:cubicBezTo>
+                  <a:close/>
+                </a:path>
+              </a:pathLst>
+            </a:custGeom>
+            <a:solidFill>
+              <a:schemeClr val="tx2"/>
+            </a:solidFill>
+            <a:ln>
+              <a:noFill/>
+            </a:ln>
+          </p:spPr>
+        </p:sp>
+        <p:sp>
+          <p:nvSpPr>
+            <p:cNvPr id="36" name="Freeform 36">
+              <a:extLst>
+                <a:ext uri="{FF2B5EF4-FFF2-40B4-BE49-F238E27FC236}">
+                  <a16:creationId xmlns:a16="http://schemas.microsoft.com/office/drawing/2014/main" id="{3F9B7E4B-6412-4B97-AD48-30B1F61F3BE9}"/>
+                </a:ext>
+                <a:ext uri="{C183D7F6-B498-43B3-948B-1728B52AA6E4}">
+                  <adec:decorative xmlns:adec="http://schemas.microsoft.com/office/drawing/2017/decorative" val="1"/>
+                </a:ext>
+              </a:extLst>
+            </p:cNvPr>
+            <p:cNvSpPr/>
+            <p:nvPr>
+              <p:extLst>
+                <p:ext uri="{386F3935-93C4-4BCD-93E2-E3B085C9AB24}">
+                  <p16:designElem xmlns:p16="http://schemas.microsoft.com/office/powerpoint/2015/main" val="1"/>
+                </p:ext>
+              </p:extLst>
+            </p:nvPr>
+          </p:nvSpPr>
+          <p:spPr bwMode="auto">
+            <a:xfrm>
+              <a:off x="7412038" y="5081588"/>
+              <a:ext cx="114300" cy="558800"/>
+            </a:xfrm>
+            <a:custGeom>
+              <a:avLst/>
+              <a:gdLst/>
+              <a:ahLst/>
+              <a:cxnLst/>
+              <a:rect l="0" t="0" r="r" b="b"/>
+              <a:pathLst>
+                <a:path w="29" h="141">
+                  <a:moveTo>
+                    <a:pt x="0" y="0"/>
+                  </a:moveTo>
+                  <a:cubicBezTo>
+                    <a:pt x="0" y="30"/>
+                    <a:pt x="2" y="60"/>
+                    <a:pt x="7" y="89"/>
+                  </a:cubicBezTo>
+                  <a:cubicBezTo>
+                    <a:pt x="11" y="98"/>
+                    <a:pt x="14" y="108"/>
+                    <a:pt x="18" y="117"/>
+                  </a:cubicBezTo>
+                  <a:cubicBezTo>
+                    <a:pt x="22" y="125"/>
+                    <a:pt x="25" y="133"/>
+                    <a:pt x="29" y="141"/>
+                  </a:cubicBezTo>
+                  <a:cubicBezTo>
+                    <a:pt x="28" y="139"/>
+                    <a:pt x="28" y="137"/>
+                    <a:pt x="27" y="135"/>
+                  </a:cubicBezTo>
+                  <a:cubicBezTo>
+                    <a:pt x="16" y="98"/>
+                    <a:pt x="10" y="60"/>
+                    <a:pt x="8" y="22"/>
+                  </a:cubicBezTo>
+                  <a:cubicBezTo>
+                    <a:pt x="7" y="18"/>
+                    <a:pt x="5" y="15"/>
+                    <a:pt x="4" y="11"/>
+                  </a:cubicBezTo>
+                  <a:cubicBezTo>
+                    <a:pt x="2" y="7"/>
+                    <a:pt x="1" y="3"/>
+                    <a:pt x="0" y="0"/>
+                  </a:cubicBezTo>
+                  <a:close/>
+                </a:path>
+              </a:pathLst>
+            </a:custGeom>
+            <a:solidFill>
+              <a:schemeClr val="tx2"/>
+            </a:solidFill>
+            <a:ln>
+              <a:noFill/>
+            </a:ln>
+          </p:spPr>
+        </p:sp>
+        <p:sp>
+          <p:nvSpPr>
+            <p:cNvPr id="37" name="Freeform 37">
+              <a:extLst>
+                <a:ext uri="{FF2B5EF4-FFF2-40B4-BE49-F238E27FC236}">
+                  <a16:creationId xmlns:a16="http://schemas.microsoft.com/office/drawing/2014/main" id="{D345D359-869B-4305-B7D7-0B5C4FDEC1C9}"/>
+                </a:ext>
+                <a:ext uri="{C183D7F6-B498-43B3-948B-1728B52AA6E4}">
+                  <adec:decorative xmlns:adec="http://schemas.microsoft.com/office/drawing/2017/decorative" val="1"/>
+                </a:ext>
+              </a:extLst>
+            </p:cNvPr>
+            <p:cNvSpPr/>
+            <p:nvPr>
+              <p:extLst>
+                <p:ext uri="{386F3935-93C4-4BCD-93E2-E3B085C9AB24}">
+                  <p16:designElem xmlns:p16="http://schemas.microsoft.com/office/powerpoint/2015/main" val="1"/>
+                </p:ext>
+              </p:extLst>
+            </p:nvPr>
+          </p:nvSpPr>
+          <p:spPr bwMode="auto">
+            <a:xfrm>
+              <a:off x="7412038" y="4978400"/>
+              <a:ext cx="31750" cy="188913"/>
+            </a:xfrm>
+            <a:custGeom>
+              <a:avLst/>
+              <a:gdLst/>
+              <a:ahLst/>
+              <a:cxnLst/>
+              <a:rect l="0" t="0" r="r" b="b"/>
+              <a:pathLst>
+                <a:path w="8" h="48">
+                  <a:moveTo>
+                    <a:pt x="0" y="26"/>
+                  </a:moveTo>
+                  <a:cubicBezTo>
+                    <a:pt x="1" y="29"/>
+                    <a:pt x="2" y="33"/>
+                    <a:pt x="4" y="37"/>
+                  </a:cubicBezTo>
+                  <a:cubicBezTo>
+                    <a:pt x="5" y="41"/>
+                    <a:pt x="7" y="44"/>
+                    <a:pt x="8" y="48"/>
+                  </a:cubicBezTo>
+                  <a:cubicBezTo>
+                    <a:pt x="7" y="38"/>
+                    <a:pt x="7" y="28"/>
+                    <a:pt x="7" y="19"/>
+                  </a:cubicBezTo>
+                  <a:cubicBezTo>
+                    <a:pt x="5" y="12"/>
+                    <a:pt x="3" y="6"/>
+                    <a:pt x="0" y="0"/>
+                  </a:cubicBezTo>
+                  <a:cubicBezTo>
+                    <a:pt x="0" y="1"/>
+                    <a:pt x="0" y="3"/>
+                    <a:pt x="0" y="4"/>
+                  </a:cubicBezTo>
+                  <a:cubicBezTo>
+                    <a:pt x="0" y="11"/>
+                    <a:pt x="0" y="19"/>
+                    <a:pt x="0" y="26"/>
+                  </a:cubicBezTo>
+                  <a:close/>
+                </a:path>
+              </a:pathLst>
+            </a:custGeom>
+            <a:solidFill>
+              <a:schemeClr val="tx2"/>
+            </a:solidFill>
+            <a:ln>
+              <a:noFill/>
+            </a:ln>
+          </p:spPr>
+        </p:sp>
+        <p:sp>
+          <p:nvSpPr>
+            <p:cNvPr id="38" name="Freeform 38">
+              <a:extLst>
+                <a:ext uri="{FF2B5EF4-FFF2-40B4-BE49-F238E27FC236}">
+                  <a16:creationId xmlns:a16="http://schemas.microsoft.com/office/drawing/2014/main" id="{2F688B27-AEB8-45BD-9597-78A97EE0DD61}"/>
+                </a:ext>
+                <a:ext uri="{C183D7F6-B498-43B3-948B-1728B52AA6E4}">
+                  <adec:decorative xmlns:adec="http://schemas.microsoft.com/office/drawing/2017/decorative" val="1"/>
+                </a:ext>
+              </a:extLst>
+            </p:cNvPr>
+            <p:cNvSpPr/>
+            <p:nvPr>
+              <p:extLst>
+                <p:ext uri="{386F3935-93C4-4BCD-93E2-E3B085C9AB24}">
+                  <p16:designElem xmlns:p16="http://schemas.microsoft.com/office/powerpoint/2015/main" val="1"/>
+                </p:ext>
+              </p:extLst>
+            </p:nvPr>
+          </p:nvSpPr>
+          <p:spPr bwMode="auto">
+            <a:xfrm>
+              <a:off x="7439026" y="5434013"/>
+              <a:ext cx="174625" cy="439738"/>
+            </a:xfrm>
+            <a:custGeom>
+              <a:avLst/>
+              <a:gdLst/>
+              <a:ahLst/>
+              <a:cxnLst/>
+              <a:rect l="0" t="0" r="r" b="b"/>
+              <a:pathLst>
+                <a:path w="44" h="111">
+                  <a:moveTo>
+                    <a:pt x="11" y="28"/>
+                  </a:moveTo>
+                  <a:cubicBezTo>
+                    <a:pt x="7" y="19"/>
+                    <a:pt x="4" y="9"/>
+                    <a:pt x="0" y="0"/>
+                  </a:cubicBezTo>
+                  <a:cubicBezTo>
+                    <a:pt x="3" y="16"/>
+                    <a:pt x="7" y="33"/>
+                    <a:pt x="11" y="49"/>
+                  </a:cubicBezTo>
+                  <a:cubicBezTo>
+                    <a:pt x="12" y="52"/>
+                    <a:pt x="13" y="55"/>
+                    <a:pt x="14" y="58"/>
+                  </a:cubicBezTo>
+                  <a:cubicBezTo>
+                    <a:pt x="22" y="76"/>
+                    <a:pt x="30" y="94"/>
+                    <a:pt x="39" y="111"/>
+                  </a:cubicBezTo>
+                  <a:cubicBezTo>
+                    <a:pt x="44" y="111"/>
+                    <a:pt x="44" y="111"/>
+                    <a:pt x="44" y="111"/>
+                  </a:cubicBezTo>
+                  <a:cubicBezTo>
+                    <a:pt x="35" y="92"/>
+                    <a:pt x="28" y="72"/>
+                    <a:pt x="22" y="52"/>
+                  </a:cubicBezTo>
+                  <a:cubicBezTo>
+                    <a:pt x="18" y="44"/>
+                    <a:pt x="15" y="36"/>
+                    <a:pt x="11" y="28"/>
+                  </a:cubicBezTo>
+                  <a:close/>
+                </a:path>
+              </a:pathLst>
+            </a:custGeom>
+            <a:solidFill>
+              <a:schemeClr val="tx2"/>
+            </a:solidFill>
+            <a:ln>
+              <a:noFill/>
+            </a:ln>
+          </p:spPr>
+        </p:sp>
+      </p:grpSp>
+      <p:sp>
+        <p:nvSpPr>
+          <p:cNvPr id="40" name="Rectangle 39">
+            <a:extLst>
+              <a:ext uri="{FF2B5EF4-FFF2-40B4-BE49-F238E27FC236}">
+                <a16:creationId xmlns:a16="http://schemas.microsoft.com/office/drawing/2014/main" id="{4EB21FA6-8B6A-4699-8408-91E69980018A}"/>
+              </a:ext>
+              <a:ext uri="{C183D7F6-B498-43B3-948B-1728B52AA6E4}">
+                <adec:decorative xmlns:adec="http://schemas.microsoft.com/office/drawing/2017/decorative" val="1"/>
+              </a:ext>
+            </a:extLst>
+          </p:cNvPr>
+          <p:cNvSpPr>
+            <a:spLocks noGrp="1" noRot="1" noChangeAspect="1" noMove="1" noResize="1" noEditPoints="1" noAdjustHandles="1" noChangeArrowheads="1" noChangeShapeType="1" noTextEdit="1"/>
+          </p:cNvSpPr>
+          <p:nvPr>
+            <p:extLst>
+              <p:ext uri="{386F3935-93C4-4BCD-93E2-E3B085C9AB24}">
+                <p16:designElem xmlns:p16="http://schemas.microsoft.com/office/powerpoint/2015/main" val="1"/>
+              </p:ext>
+            </p:extLst>
+          </p:nvPr>
+        </p:nvSpPr>
+        <p:spPr>
+          <a:xfrm>
+            <a:off x="0" y="0"/>
+            <a:ext cx="182880" cy="6858000"/>
+          </a:xfrm>
+          <a:prstGeom prst="rect">
+            <a:avLst/>
+          </a:prstGeom>
+          <a:solidFill>
+            <a:schemeClr val="tx2"/>
+          </a:solidFill>
+          <a:ln>
+            <a:noFill/>
+          </a:ln>
+          <a:effectLst/>
+        </p:spPr>
+        <p:style>
+          <a:lnRef idx="1">
+            <a:schemeClr val="accent1"/>
+          </a:lnRef>
+          <a:fillRef idx="3">
+            <a:schemeClr val="accent1"/>
+          </a:fillRef>
+          <a:effectRef idx="2">
+            <a:schemeClr val="accent1"/>
+          </a:effectRef>
+          <a:fontRef idx="minor">
+            <a:schemeClr val="lt1"/>
+          </a:fontRef>
+        </p:style>
+      </p:sp>
+      <p:sp>
+        <p:nvSpPr>
+          <p:cNvPr id="42" name="Freeform 6">
+            <a:extLst>
+              <a:ext uri="{FF2B5EF4-FFF2-40B4-BE49-F238E27FC236}">
+                <a16:creationId xmlns:a16="http://schemas.microsoft.com/office/drawing/2014/main" id="{BA1AABB7-0FD0-4445-8B8B-7A0C680C5CE8}"/>
+              </a:ext>
+              <a:ext uri="{C183D7F6-B498-43B3-948B-1728B52AA6E4}">
+                <adec:decorative xmlns:adec="http://schemas.microsoft.com/office/drawing/2017/decorative" val="1"/>
+              </a:ext>
+            </a:extLst>
+          </p:cNvPr>
+          <p:cNvSpPr>
+            <a:spLocks noGrp="1" noRot="1" noChangeAspect="1" noMove="1" noResize="1" noEditPoints="1" noAdjustHandles="1" noChangeArrowheads="1" noChangeShapeType="1" noTextEdit="1"/>
+          </p:cNvSpPr>
+          <p:nvPr>
+            <p:extLst>
+              <p:ext uri="{386F3935-93C4-4BCD-93E2-E3B085C9AB24}">
+                <p16:designElem xmlns:p16="http://schemas.microsoft.com/office/powerpoint/2015/main" val="1"/>
+              </p:ext>
+            </p:extLst>
+          </p:nvPr>
+        </p:nvSpPr>
+        <p:spPr bwMode="auto">
+          <a:xfrm>
+            <a:off x="0" y="4323810"/>
+            <a:ext cx="1744652" cy="778589"/>
+          </a:xfrm>
+          <a:custGeom>
+            <a:avLst/>
+            <a:gdLst/>
+            <a:ahLst/>
+            <a:cxnLst/>
+            <a:rect l="0" t="0" r="r" b="b"/>
+            <a:pathLst>
+              <a:path w="372" h="166">
+                <a:moveTo>
+                  <a:pt x="287" y="166"/>
+                </a:moveTo>
+                <a:cubicBezTo>
+                  <a:pt x="290" y="166"/>
+                  <a:pt x="292" y="165"/>
+                  <a:pt x="293" y="164"/>
+                </a:cubicBezTo>
+                <a:cubicBezTo>
+                  <a:pt x="293" y="163"/>
+                  <a:pt x="294" y="163"/>
+                  <a:pt x="294" y="163"/>
+                </a:cubicBezTo>
+                <a:cubicBezTo>
+                  <a:pt x="370" y="87"/>
+                  <a:pt x="370" y="87"/>
+                  <a:pt x="370" y="87"/>
+                </a:cubicBezTo>
+                <a:cubicBezTo>
+                  <a:pt x="372" y="85"/>
+                  <a:pt x="372" y="81"/>
+                  <a:pt x="370" y="78"/>
+                </a:cubicBezTo>
+                <a:cubicBezTo>
+                  <a:pt x="294" y="3"/>
+                  <a:pt x="294" y="3"/>
+                  <a:pt x="294" y="3"/>
+                </a:cubicBezTo>
+                <a:cubicBezTo>
+                  <a:pt x="294" y="2"/>
+                  <a:pt x="293" y="2"/>
+                  <a:pt x="293" y="2"/>
+                </a:cubicBezTo>
+                <a:cubicBezTo>
+                  <a:pt x="292" y="1"/>
+                  <a:pt x="290" y="0"/>
+                  <a:pt x="287" y="0"/>
+                </a:cubicBezTo>
+                <a:cubicBezTo>
+                  <a:pt x="0" y="0"/>
+                  <a:pt x="0" y="0"/>
+                  <a:pt x="0" y="0"/>
+                </a:cubicBezTo>
+                <a:cubicBezTo>
+                  <a:pt x="0" y="166"/>
+                  <a:pt x="0" y="166"/>
+                  <a:pt x="0" y="166"/>
+                </a:cubicBezTo>
+                <a:lnTo>
+                  <a:pt x="287" y="166"/>
+                </a:lnTo>
+                <a:close/>
+              </a:path>
+            </a:pathLst>
+          </a:custGeom>
+          <a:solidFill>
+            <a:schemeClr val="accent1"/>
+          </a:solidFill>
+          <a:ln>
+            <a:noFill/>
+          </a:ln>
+        </p:spPr>
+      </p:sp>
+      <p:sp useBgFill="1">
+        <p:nvSpPr>
+          <p:cNvPr id="44" name="Rectangle 43">
+            <a:extLst>
+              <a:ext uri="{FF2B5EF4-FFF2-40B4-BE49-F238E27FC236}">
+                <a16:creationId xmlns:a16="http://schemas.microsoft.com/office/drawing/2014/main" id="{0A70830C-46DB-4663-B2D6-B9AAB2D8A3D1}"/>
+              </a:ext>
+              <a:ext uri="{C183D7F6-B498-43B3-948B-1728B52AA6E4}">
+                <adec:decorative xmlns:adec="http://schemas.microsoft.com/office/drawing/2017/decorative" val="1"/>
+              </a:ext>
+            </a:extLst>
+          </p:cNvPr>
+          <p:cNvSpPr>
+            <a:spLocks noGrp="1" noRot="1" noChangeAspect="1" noMove="1" noResize="1" noEditPoints="1" noAdjustHandles="1" noChangeArrowheads="1" noChangeShapeType="1" noTextEdit="1"/>
+          </p:cNvSpPr>
+          <p:nvPr>
+            <p:extLst>
+              <p:ext uri="{386F3935-93C4-4BCD-93E2-E3B085C9AB24}">
+                <p16:designElem xmlns:p16="http://schemas.microsoft.com/office/powerpoint/2015/main" val="1"/>
+              </p:ext>
+            </p:extLst>
+          </p:nvPr>
+        </p:nvSpPr>
+        <p:spPr>
+          <a:xfrm>
+            <a:off x="0" y="-786"/>
+            <a:ext cx="12192000" cy="6854038"/>
+          </a:xfrm>
+          <a:prstGeom prst="rect">
+            <a:avLst/>
+          </a:prstGeom>
+          <a:ln>
+            <a:noFill/>
+          </a:ln>
+        </p:spPr>
+        <p:style>
+          <a:lnRef idx="2">
+            <a:schemeClr val="accent1">
+              <a:shade val="50000"/>
+            </a:schemeClr>
+          </a:lnRef>
+          <a:fillRef idx="1">
+            <a:schemeClr val="accent1"/>
+          </a:fillRef>
+          <a:effectRef idx="0">
+            <a:schemeClr val="accent1"/>
+          </a:effectRef>
+          <a:fontRef idx="minor">
+            <a:schemeClr val="lt1"/>
+          </a:fontRef>
+        </p:style>
+        <p:txBody>
+          <a:bodyPr rtlCol="0" anchor="ctr"/>
+          <a:lstStyle/>
+          <a:p>
+            <a:pPr algn="ctr"/>
+            <a:endParaRPr lang="en-US"/>
+          </a:p>
+        </p:txBody>
+      </p:sp>
+      <p:sp>
+        <p:nvSpPr>
+          <p:cNvPr id="46" name="Rectangle 45">
+            <a:extLst>
+              <a:ext uri="{FF2B5EF4-FFF2-40B4-BE49-F238E27FC236}">
+                <a16:creationId xmlns:a16="http://schemas.microsoft.com/office/drawing/2014/main" id="{A29AE10D-6D26-4BB1-85E6-3C644CE56CBD}"/>
+              </a:ext>
+              <a:ext uri="{C183D7F6-B498-43B3-948B-1728B52AA6E4}">
+                <adec:decorative xmlns:adec="http://schemas.microsoft.com/office/drawing/2017/decorative" val="1"/>
+              </a:ext>
+            </a:extLst>
+          </p:cNvPr>
+          <p:cNvSpPr>
+            <a:spLocks noGrp="1" noRot="1" noChangeAspect="1" noMove="1" noResize="1" noEditPoints="1" noAdjustHandles="1" noChangeArrowheads="1" noChangeShapeType="1" noTextEdit="1"/>
+          </p:cNvSpPr>
+          <p:nvPr>
+            <p:extLst>
+              <p:ext uri="{386F3935-93C4-4BCD-93E2-E3B085C9AB24}">
+                <p16:designElem xmlns:p16="http://schemas.microsoft.com/office/powerpoint/2015/main" val="1"/>
+              </p:ext>
+            </p:extLst>
+          </p:nvPr>
+        </p:nvSpPr>
+        <p:spPr bwMode="white">
+          <a:xfrm>
+            <a:off x="-2" y="0"/>
+            <a:ext cx="7540751" cy="6858000"/>
+          </a:xfrm>
+          <a:prstGeom prst="rect">
+            <a:avLst/>
+          </a:prstGeom>
+          <a:solidFill>
+            <a:srgbClr val="463C56">
+              <a:alpha val="90000"/>
+            </a:srgbClr>
+          </a:solidFill>
+          <a:ln>
+            <a:noFill/>
+          </a:ln>
+          <a:effectLst/>
+        </p:spPr>
+        <p:style>
+          <a:lnRef idx="1">
+            <a:schemeClr val="accent1"/>
+          </a:lnRef>
+          <a:fillRef idx="3">
+            <a:schemeClr val="accent1"/>
+          </a:fillRef>
+          <a:effectRef idx="2">
+            <a:schemeClr val="accent1"/>
+          </a:effectRef>
+          <a:fontRef idx="minor">
+            <a:schemeClr val="lt1"/>
+          </a:fontRef>
+        </p:style>
+      </p:sp>
+      <p:sp>
+        <p:nvSpPr>
+          <p:cNvPr id="2" name="Titre 1">
+            <a:extLst>
+              <a:ext uri="{FF2B5EF4-FFF2-40B4-BE49-F238E27FC236}">
+                <a16:creationId xmlns:a16="http://schemas.microsoft.com/office/drawing/2014/main" id="{A06687B1-F4AF-4131-A289-23DEF637C213}"/>
+              </a:ext>
+            </a:extLst>
+          </p:cNvPr>
+          <p:cNvSpPr>
+            <a:spLocks noGrp="1"/>
+          </p:cNvSpPr>
+          <p:nvPr>
+            <p:ph type="title"/>
+          </p:nvPr>
+        </p:nvSpPr>
+        <p:spPr>
+          <a:xfrm>
+            <a:off x="540278" y="967417"/>
+            <a:ext cx="6675215" cy="3943250"/>
+          </a:xfrm>
+        </p:spPr>
+        <p:txBody>
+          <a:bodyPr vert="horz" lIns="91440" tIns="45720" rIns="91440" bIns="45720" rtlCol="0" anchor="b">
+            <a:normAutofit/>
+          </a:bodyPr>
+          <a:lstStyle/>
+          <a:p>
+            <a:r>
+              <a:rPr lang="en-US" sz="4800" dirty="0" err="1">
+                <a:solidFill>
+                  <a:srgbClr val="FEFFFF"/>
+                </a:solidFill>
+              </a:rPr>
+              <a:t>Entité</a:t>
+            </a:r>
+            <a:r>
+              <a:rPr lang="en-US" sz="4800">
+                <a:solidFill>
+                  <a:srgbClr val="FEFFFF"/>
+                </a:solidFill>
+              </a:rPr>
+              <a:t> Cart</a:t>
+            </a:r>
+            <a:endParaRPr lang="en-US" sz="4800" dirty="0">
+              <a:solidFill>
+                <a:srgbClr val="FEFFFF"/>
+              </a:solidFill>
+            </a:endParaRPr>
+          </a:p>
+        </p:txBody>
+      </p:sp>
+      <p:pic>
+        <p:nvPicPr>
+          <p:cNvPr id="39" name="Image 38">
+            <a:extLst>
+              <a:ext uri="{FF2B5EF4-FFF2-40B4-BE49-F238E27FC236}">
+                <a16:creationId xmlns:a16="http://schemas.microsoft.com/office/drawing/2014/main" id="{EF017148-61D7-43B7-889F-A00C9EB573F2}"/>
+              </a:ext>
+            </a:extLst>
+          </p:cNvPr>
+          <p:cNvPicPr>
+            <a:picLocks noChangeAspect="1"/>
+          </p:cNvPicPr>
+          <p:nvPr/>
+        </p:nvPicPr>
+        <p:blipFill rotWithShape="1">
+          <a:blip r:embed="rId2"/>
+          <a:srcRect l="1147" r="6274"/>
+          <a:stretch/>
+        </p:blipFill>
+        <p:spPr>
+          <a:xfrm>
+            <a:off x="7500951" y="10"/>
+            <a:ext cx="4691049" cy="6858776"/>
+          </a:xfrm>
+          <a:prstGeom prst="rect">
+            <a:avLst/>
+          </a:prstGeom>
+        </p:spPr>
+      </p:pic>
+      <p:sp>
+        <p:nvSpPr>
+          <p:cNvPr id="48" name="Freeform 23">
+            <a:extLst>
+              <a:ext uri="{FF2B5EF4-FFF2-40B4-BE49-F238E27FC236}">
+                <a16:creationId xmlns:a16="http://schemas.microsoft.com/office/drawing/2014/main" id="{E5727076-22F1-4B9C-8490-6D1C0E1E966D}"/>
+              </a:ext>
+              <a:ext uri="{C183D7F6-B498-43B3-948B-1728B52AA6E4}">
+                <adec:decorative xmlns:adec="http://schemas.microsoft.com/office/drawing/2017/decorative" val="1"/>
+              </a:ext>
+            </a:extLst>
+          </p:cNvPr>
+          <p:cNvSpPr>
+            <a:spLocks noGrp="1" noRot="1" noChangeAspect="1" noMove="1" noResize="1" noEditPoints="1" noAdjustHandles="1" noChangeArrowheads="1" noChangeShapeType="1" noTextEdit="1"/>
+          </p:cNvSpPr>
+          <p:nvPr>
+            <p:extLst>
+              <p:ext uri="{386F3935-93C4-4BCD-93E2-E3B085C9AB24}">
+                <p16:designElem xmlns:p16="http://schemas.microsoft.com/office/powerpoint/2015/main" val="1"/>
+              </p:ext>
+            </p:extLst>
+          </p:nvPr>
+        </p:nvSpPr>
+        <p:spPr bwMode="grayWhite">
+          <a:xfrm>
+            <a:off x="0" y="5033007"/>
+            <a:ext cx="8404003" cy="857047"/>
+          </a:xfrm>
+          <a:custGeom>
+            <a:avLst/>
+            <a:gdLst>
+              <a:gd name="connsiteX0" fmla="*/ 0 w 8404003"/>
+              <a:gd name="connsiteY0" fmla="*/ 0 h 857047"/>
+              <a:gd name="connsiteX1" fmla="*/ 797860 w 8404003"/>
+              <a:gd name="connsiteY1" fmla="*/ 0 h 857047"/>
+              <a:gd name="connsiteX2" fmla="*/ 2482050 w 8404003"/>
+              <a:gd name="connsiteY2" fmla="*/ 0 h 857047"/>
+              <a:gd name="connsiteX3" fmla="*/ 3003610 w 8404003"/>
+              <a:gd name="connsiteY3" fmla="*/ 0 h 857047"/>
+              <a:gd name="connsiteX4" fmla="*/ 3219959 w 8404003"/>
+              <a:gd name="connsiteY4" fmla="*/ 0 h 857047"/>
+              <a:gd name="connsiteX5" fmla="*/ 3311869 w 8404003"/>
+              <a:gd name="connsiteY5" fmla="*/ 0 h 857047"/>
+              <a:gd name="connsiteX6" fmla="*/ 3326218 w 8404003"/>
+              <a:gd name="connsiteY6" fmla="*/ 0 h 857047"/>
+              <a:gd name="connsiteX7" fmla="*/ 3426656 w 8404003"/>
+              <a:gd name="connsiteY7" fmla="*/ 0 h 857047"/>
+              <a:gd name="connsiteX8" fmla="*/ 3516436 w 8404003"/>
+              <a:gd name="connsiteY8" fmla="*/ 0 h 857047"/>
+              <a:gd name="connsiteX9" fmla="*/ 3601649 w 8404003"/>
+              <a:gd name="connsiteY9" fmla="*/ 0 h 857047"/>
+              <a:gd name="connsiteX10" fmla="*/ 3699274 w 8404003"/>
+              <a:gd name="connsiteY10" fmla="*/ 0 h 857047"/>
+              <a:gd name="connsiteX11" fmla="*/ 3718421 w 8404003"/>
+              <a:gd name="connsiteY11" fmla="*/ 0 h 857047"/>
+              <a:gd name="connsiteX12" fmla="*/ 3910939 w 8404003"/>
+              <a:gd name="connsiteY12" fmla="*/ 0 h 857047"/>
+              <a:gd name="connsiteX13" fmla="*/ 3927053 w 8404003"/>
+              <a:gd name="connsiteY13" fmla="*/ 0 h 857047"/>
+              <a:gd name="connsiteX14" fmla="*/ 4198137 w 8404003"/>
+              <a:gd name="connsiteY14" fmla="*/ 0 h 857047"/>
+              <a:gd name="connsiteX15" fmla="*/ 4230161 w 8404003"/>
+              <a:gd name="connsiteY15" fmla="*/ 0 h 857047"/>
+              <a:gd name="connsiteX16" fmla="*/ 4245215 w 8404003"/>
+              <a:gd name="connsiteY16" fmla="*/ 0 h 857047"/>
+              <a:gd name="connsiteX17" fmla="*/ 4350592 w 8404003"/>
+              <a:gd name="connsiteY17" fmla="*/ 0 h 857047"/>
+              <a:gd name="connsiteX18" fmla="*/ 4357296 w 8404003"/>
+              <a:gd name="connsiteY18" fmla="*/ 0 h 857047"/>
+              <a:gd name="connsiteX19" fmla="*/ 4404222 w 8404003"/>
+              <a:gd name="connsiteY19" fmla="*/ 0 h 857047"/>
+              <a:gd name="connsiteX20" fmla="*/ 4531592 w 8404003"/>
+              <a:gd name="connsiteY20" fmla="*/ 0 h 857047"/>
+              <a:gd name="connsiteX21" fmla="*/ 4598953 w 8404003"/>
+              <a:gd name="connsiteY21" fmla="*/ 0 h 857047"/>
+              <a:gd name="connsiteX22" fmla="*/ 4779630 w 8404003"/>
+              <a:gd name="connsiteY22" fmla="*/ 0 h 857047"/>
+              <a:gd name="connsiteX23" fmla="*/ 5132321 w 8404003"/>
+              <a:gd name="connsiteY23" fmla="*/ 0 h 857047"/>
+              <a:gd name="connsiteX24" fmla="*/ 5141543 w 8404003"/>
+              <a:gd name="connsiteY24" fmla="*/ 0 h 857047"/>
+              <a:gd name="connsiteX25" fmla="*/ 5188556 w 8404003"/>
+              <a:gd name="connsiteY25" fmla="*/ 0 h 857047"/>
+              <a:gd name="connsiteX26" fmla="*/ 5206100 w 8404003"/>
+              <a:gd name="connsiteY26" fmla="*/ 0 h 857047"/>
+              <a:gd name="connsiteX27" fmla="*/ 5722554 w 8404003"/>
+              <a:gd name="connsiteY27" fmla="*/ 0 h 857047"/>
+              <a:gd name="connsiteX28" fmla="*/ 5732230 w 8404003"/>
+              <a:gd name="connsiteY28" fmla="*/ 0 h 857047"/>
+              <a:gd name="connsiteX29" fmla="*/ 5798594 w 8404003"/>
+              <a:gd name="connsiteY29" fmla="*/ 0 h 857047"/>
+              <a:gd name="connsiteX30" fmla="*/ 5799962 w 8404003"/>
+              <a:gd name="connsiteY30" fmla="*/ 0 h 857047"/>
+              <a:gd name="connsiteX31" fmla="*/ 6338565 w 8404003"/>
+              <a:gd name="connsiteY31" fmla="*/ 0 h 857047"/>
+              <a:gd name="connsiteX32" fmla="*/ 6649966 w 8404003"/>
+              <a:gd name="connsiteY32" fmla="*/ 0 h 857047"/>
+              <a:gd name="connsiteX33" fmla="*/ 6730668 w 8404003"/>
+              <a:gd name="connsiteY33" fmla="*/ 0 h 857047"/>
+              <a:gd name="connsiteX34" fmla="*/ 7178721 w 8404003"/>
+              <a:gd name="connsiteY34" fmla="*/ 0 h 857047"/>
+              <a:gd name="connsiteX35" fmla="*/ 7277889 w 8404003"/>
+              <a:gd name="connsiteY35" fmla="*/ 0 h 857047"/>
+              <a:gd name="connsiteX36" fmla="*/ 7782893 w 8404003"/>
+              <a:gd name="connsiteY36" fmla="*/ 0 h 857047"/>
+              <a:gd name="connsiteX37" fmla="*/ 8006080 w 8404003"/>
+              <a:gd name="connsiteY37" fmla="*/ 0 h 857047"/>
+              <a:gd name="connsiteX38" fmla="*/ 8030270 w 8404003"/>
+              <a:gd name="connsiteY38" fmla="*/ 10516 h 857047"/>
+              <a:gd name="connsiteX39" fmla="*/ 8035108 w 8404003"/>
+              <a:gd name="connsiteY39" fmla="*/ 15774 h 857047"/>
+              <a:gd name="connsiteX40" fmla="*/ 8393118 w 8404003"/>
+              <a:gd name="connsiteY40" fmla="*/ 404863 h 857047"/>
+              <a:gd name="connsiteX41" fmla="*/ 8393118 w 8404003"/>
+              <a:gd name="connsiteY41" fmla="*/ 452185 h 857047"/>
+              <a:gd name="connsiteX42" fmla="*/ 8035108 w 8404003"/>
+              <a:gd name="connsiteY42" fmla="*/ 841273 h 857047"/>
+              <a:gd name="connsiteX43" fmla="*/ 8030270 w 8404003"/>
+              <a:gd name="connsiteY43" fmla="*/ 846531 h 857047"/>
+              <a:gd name="connsiteX44" fmla="*/ 8006080 w 8404003"/>
+              <a:gd name="connsiteY44" fmla="*/ 857047 h 857047"/>
+              <a:gd name="connsiteX45" fmla="*/ 7889742 w 8404003"/>
+              <a:gd name="connsiteY45" fmla="*/ 857047 h 857047"/>
+              <a:gd name="connsiteX46" fmla="*/ 7782893 w 8404003"/>
+              <a:gd name="connsiteY46" fmla="*/ 857047 h 857047"/>
+              <a:gd name="connsiteX47" fmla="*/ 7776190 w 8404003"/>
+              <a:gd name="connsiteY47" fmla="*/ 857047 h 857047"/>
+              <a:gd name="connsiteX48" fmla="*/ 7730315 w 8404003"/>
+              <a:gd name="connsiteY48" fmla="*/ 857047 h 857047"/>
+              <a:gd name="connsiteX49" fmla="*/ 7729264 w 8404003"/>
+              <a:gd name="connsiteY49" fmla="*/ 857047 h 857047"/>
+              <a:gd name="connsiteX50" fmla="*/ 7601893 w 8404003"/>
+              <a:gd name="connsiteY50" fmla="*/ 857047 h 857047"/>
+              <a:gd name="connsiteX51" fmla="*/ 7467477 w 8404003"/>
+              <a:gd name="connsiteY51" fmla="*/ 857047 h 857047"/>
+              <a:gd name="connsiteX52" fmla="*/ 7353856 w 8404003"/>
+              <a:gd name="connsiteY52" fmla="*/ 857047 h 857047"/>
+              <a:gd name="connsiteX53" fmla="*/ 7075374 w 8404003"/>
+              <a:gd name="connsiteY53" fmla="*/ 857047 h 857047"/>
+              <a:gd name="connsiteX54" fmla="*/ 6944929 w 8404003"/>
+              <a:gd name="connsiteY54" fmla="*/ 857047 h 857047"/>
+              <a:gd name="connsiteX55" fmla="*/ 6528153 w 8404003"/>
+              <a:gd name="connsiteY55" fmla="*/ 857047 h 857047"/>
+              <a:gd name="connsiteX56" fmla="*/ 6334891 w 8404003"/>
+              <a:gd name="connsiteY56" fmla="*/ 857047 h 857047"/>
+              <a:gd name="connsiteX57" fmla="*/ 5799962 w 8404003"/>
+              <a:gd name="connsiteY57" fmla="*/ 857047 h 857047"/>
+              <a:gd name="connsiteX58" fmla="*/ 5722554 w 8404003"/>
+              <a:gd name="connsiteY58" fmla="*/ 857047 h 857047"/>
+              <a:gd name="connsiteX59" fmla="*/ 5648775 w 8404003"/>
+              <a:gd name="connsiteY59" fmla="*/ 857047 h 857047"/>
+              <a:gd name="connsiteX60" fmla="*/ 5483520 w 8404003"/>
+              <a:gd name="connsiteY60" fmla="*/ 857047 h 857047"/>
+              <a:gd name="connsiteX61" fmla="*/ 5473550 w 8404003"/>
+              <a:gd name="connsiteY61" fmla="*/ 857047 h 857047"/>
+              <a:gd name="connsiteX62" fmla="*/ 5132321 w 8404003"/>
+              <a:gd name="connsiteY62" fmla="*/ 857047 h 857047"/>
+              <a:gd name="connsiteX63" fmla="*/ 5047108 w 8404003"/>
+              <a:gd name="connsiteY63" fmla="*/ 857047 h 857047"/>
+              <a:gd name="connsiteX64" fmla="*/ 4954764 w 8404003"/>
+              <a:gd name="connsiteY64" fmla="*/ 857047 h 857047"/>
+              <a:gd name="connsiteX65" fmla="*/ 4930335 w 8404003"/>
+              <a:gd name="connsiteY65" fmla="*/ 857047 h 857047"/>
+              <a:gd name="connsiteX66" fmla="*/ 4450619 w 8404003"/>
+              <a:gd name="connsiteY66" fmla="*/ 857047 h 857047"/>
+              <a:gd name="connsiteX67" fmla="*/ 4350592 w 8404003"/>
+              <a:gd name="connsiteY67" fmla="*/ 857047 h 857047"/>
+              <a:gd name="connsiteX68" fmla="*/ 4335538 w 8404003"/>
+              <a:gd name="connsiteY68" fmla="*/ 857047 h 857047"/>
+              <a:gd name="connsiteX69" fmla="*/ 4230161 w 8404003"/>
+              <a:gd name="connsiteY69" fmla="*/ 857047 h 857047"/>
+              <a:gd name="connsiteX70" fmla="*/ 4215812 w 8404003"/>
+              <a:gd name="connsiteY70" fmla="*/ 857047 h 857047"/>
+              <a:gd name="connsiteX71" fmla="*/ 4115374 w 8404003"/>
+              <a:gd name="connsiteY71" fmla="*/ 857047 h 857047"/>
+              <a:gd name="connsiteX72" fmla="*/ 4049804 w 8404003"/>
+              <a:gd name="connsiteY72" fmla="*/ 857047 h 857047"/>
+              <a:gd name="connsiteX73" fmla="*/ 3842757 w 8404003"/>
+              <a:gd name="connsiteY73" fmla="*/ 857047 h 857047"/>
+              <a:gd name="connsiteX74" fmla="*/ 3614977 w 8404003"/>
+              <a:gd name="connsiteY74" fmla="*/ 857047 h 857047"/>
+              <a:gd name="connsiteX75" fmla="*/ 3516436 w 8404003"/>
+              <a:gd name="connsiteY75" fmla="*/ 857047 h 857047"/>
+              <a:gd name="connsiteX76" fmla="*/ 3452333 w 8404003"/>
+              <a:gd name="connsiteY76" fmla="*/ 857047 h 857047"/>
+              <a:gd name="connsiteX77" fmla="*/ 3311869 w 8404003"/>
+              <a:gd name="connsiteY77" fmla="*/ 857047 h 857047"/>
+              <a:gd name="connsiteX78" fmla="*/ 3300088 w 8404003"/>
+              <a:gd name="connsiteY78" fmla="*/ 857047 h 857047"/>
+              <a:gd name="connsiteX79" fmla="*/ 3272588 w 8404003"/>
+              <a:gd name="connsiteY79" fmla="*/ 857047 h 857047"/>
+              <a:gd name="connsiteX80" fmla="*/ 3179295 w 8404003"/>
+              <a:gd name="connsiteY80" fmla="*/ 857047 h 857047"/>
+              <a:gd name="connsiteX81" fmla="*/ 3003610 w 8404003"/>
+              <a:gd name="connsiteY81" fmla="*/ 857047 h 857047"/>
+              <a:gd name="connsiteX82" fmla="*/ 2997618 w 8404003"/>
+              <a:gd name="connsiteY82" fmla="*/ 857047 h 857047"/>
+              <a:gd name="connsiteX83" fmla="*/ 797860 w 8404003"/>
+              <a:gd name="connsiteY83" fmla="*/ 857047 h 857047"/>
+              <a:gd name="connsiteX84" fmla="*/ 0 w 8404003"/>
+              <a:gd name="connsiteY84" fmla="*/ 857047 h 857047"/>
+              <a:gd name="connsiteX85" fmla="*/ 0 w 8404003"/>
+              <a:gd name="connsiteY85" fmla="*/ 0 h 857047"/>
+            </a:gdLst>
+            <a:ahLst/>
+            <a:cxnLst>
+              <a:cxn ang="0">
+                <a:pos x="connsiteX0" y="connsiteY0"/>
+              </a:cxn>
+              <a:cxn ang="0">
+                <a:pos x="connsiteX1" y="connsiteY1"/>
+              </a:cxn>
+              <a:cxn ang="0">
+                <a:pos x="connsiteX2" y="connsiteY2"/>
+              </a:cxn>
+              <a:cxn ang="0">
+                <a:pos x="connsiteX3" y="connsiteY3"/>
+              </a:cxn>
+              <a:cxn ang="0">
+                <a:pos x="connsiteX4" y="connsiteY4"/>
+              </a:cxn>
+              <a:cxn ang="0">
+                <a:pos x="connsiteX5" y="connsiteY5"/>
+              </a:cxn>
+              <a:cxn ang="0">
+                <a:pos x="connsiteX6" y="connsiteY6"/>
+              </a:cxn>
+              <a:cxn ang="0">
+                <a:pos x="connsiteX7" y="connsiteY7"/>
+              </a:cxn>
+              <a:cxn ang="0">
+                <a:pos x="connsiteX8" y="connsiteY8"/>
+              </a:cxn>
+              <a:cxn ang="0">
+                <a:pos x="connsiteX9" y="connsiteY9"/>
+              </a:cxn>
+              <a:cxn ang="0">
+                <a:pos x="connsiteX10" y="connsiteY10"/>
+              </a:cxn>
+              <a:cxn ang="0">
+                <a:pos x="connsiteX11" y="connsiteY11"/>
+              </a:cxn>
+              <a:cxn ang="0">
+                <a:pos x="connsiteX12" y="connsiteY12"/>
+              </a:cxn>
+              <a:cxn ang="0">
+                <a:pos x="connsiteX13" y="connsiteY13"/>
+              </a:cxn>
+              <a:cxn ang="0">
+                <a:pos x="connsiteX14" y="connsiteY14"/>
+              </a:cxn>
+              <a:cxn ang="0">
+                <a:pos x="connsiteX15" y="connsiteY15"/>
+              </a:cxn>
+              <a:cxn ang="0">
+                <a:pos x="connsiteX16" y="connsiteY16"/>
+              </a:cxn>
+              <a:cxn ang="0">
+                <a:pos x="connsiteX17" y="connsiteY17"/>
+              </a:cxn>
+              <a:cxn ang="0">
+                <a:pos x="connsiteX18" y="connsiteY18"/>
+              </a:cxn>
+              <a:cxn ang="0">
+                <a:pos x="connsiteX19" y="connsiteY19"/>
+              </a:cxn>
+              <a:cxn ang="0">
+                <a:pos x="connsiteX20" y="connsiteY20"/>
+              </a:cxn>
+              <a:cxn ang="0">
+                <a:pos x="connsiteX21" y="connsiteY21"/>
+              </a:cxn>
+              <a:cxn ang="0">
+                <a:pos x="connsiteX22" y="connsiteY22"/>
+              </a:cxn>
+              <a:cxn ang="0">
+                <a:pos x="connsiteX23" y="connsiteY23"/>
+              </a:cxn>
+              <a:cxn ang="0">
+                <a:pos x="connsiteX24" y="connsiteY24"/>
+              </a:cxn>
+              <a:cxn ang="0">
+                <a:pos x="connsiteX25" y="connsiteY25"/>
+              </a:cxn>
+              <a:cxn ang="0">
+                <a:pos x="connsiteX26" y="connsiteY26"/>
+              </a:cxn>
+              <a:cxn ang="0">
+                <a:pos x="connsiteX27" y="connsiteY27"/>
+              </a:cxn>
+              <a:cxn ang="0">
+                <a:pos x="connsiteX28" y="connsiteY28"/>
+              </a:cxn>
+              <a:cxn ang="0">
+                <a:pos x="connsiteX29" y="connsiteY29"/>
+              </a:cxn>
+              <a:cxn ang="0">
+                <a:pos x="connsiteX30" y="connsiteY30"/>
+              </a:cxn>
+              <a:cxn ang="0">
+                <a:pos x="connsiteX31" y="connsiteY31"/>
+              </a:cxn>
+              <a:cxn ang="0">
+                <a:pos x="connsiteX32" y="connsiteY32"/>
+              </a:cxn>
+              <a:cxn ang="0">
+                <a:pos x="connsiteX33" y="connsiteY33"/>
+              </a:cxn>
+              <a:cxn ang="0">
+                <a:pos x="connsiteX34" y="connsiteY34"/>
+              </a:cxn>
+              <a:cxn ang="0">
+                <a:pos x="connsiteX35" y="connsiteY35"/>
+              </a:cxn>
+              <a:cxn ang="0">
+                <a:pos x="connsiteX36" y="connsiteY36"/>
+              </a:cxn>
+              <a:cxn ang="0">
+                <a:pos x="connsiteX37" y="connsiteY37"/>
+              </a:cxn>
+              <a:cxn ang="0">
+                <a:pos x="connsiteX38" y="connsiteY38"/>
+              </a:cxn>
+              <a:cxn ang="0">
+                <a:pos x="connsiteX39" y="connsiteY39"/>
+              </a:cxn>
+              <a:cxn ang="0">
+                <a:pos x="connsiteX40" y="connsiteY40"/>
+              </a:cxn>
+              <a:cxn ang="0">
+                <a:pos x="connsiteX41" y="connsiteY41"/>
+              </a:cxn>
+              <a:cxn ang="0">
+                <a:pos x="connsiteX42" y="connsiteY42"/>
+              </a:cxn>
+              <a:cxn ang="0">
+                <a:pos x="connsiteX43" y="connsiteY43"/>
+              </a:cxn>
+              <a:cxn ang="0">
+                <a:pos x="connsiteX44" y="connsiteY44"/>
+              </a:cxn>
+              <a:cxn ang="0">
+                <a:pos x="connsiteX45" y="connsiteY45"/>
+              </a:cxn>
+              <a:cxn ang="0">
+                <a:pos x="connsiteX46" y="connsiteY46"/>
+              </a:cxn>
+              <a:cxn ang="0">
+                <a:pos x="connsiteX47" y="connsiteY47"/>
+              </a:cxn>
+              <a:cxn ang="0">
+                <a:pos x="connsiteX48" y="connsiteY48"/>
+              </a:cxn>
+              <a:cxn ang="0">
+                <a:pos x="connsiteX49" y="connsiteY49"/>
+              </a:cxn>
+              <a:cxn ang="0">
+                <a:pos x="connsiteX50" y="connsiteY50"/>
+              </a:cxn>
+              <a:cxn ang="0">
+                <a:pos x="connsiteX51" y="connsiteY51"/>
+              </a:cxn>
+              <a:cxn ang="0">
+                <a:pos x="connsiteX52" y="connsiteY52"/>
+              </a:cxn>
+              <a:cxn ang="0">
+                <a:pos x="connsiteX53" y="connsiteY53"/>
+              </a:cxn>
+              <a:cxn ang="0">
+                <a:pos x="connsiteX54" y="connsiteY54"/>
+              </a:cxn>
+              <a:cxn ang="0">
+                <a:pos x="connsiteX55" y="connsiteY55"/>
+              </a:cxn>
+              <a:cxn ang="0">
+                <a:pos x="connsiteX56" y="connsiteY56"/>
+              </a:cxn>
+              <a:cxn ang="0">
+                <a:pos x="connsiteX57" y="connsiteY57"/>
+              </a:cxn>
+              <a:cxn ang="0">
+                <a:pos x="connsiteX58" y="connsiteY58"/>
+              </a:cxn>
+              <a:cxn ang="0">
+                <a:pos x="connsiteX59" y="connsiteY59"/>
+              </a:cxn>
+              <a:cxn ang="0">
+                <a:pos x="connsiteX60" y="connsiteY60"/>
+              </a:cxn>
+              <a:cxn ang="0">
+                <a:pos x="connsiteX61" y="connsiteY61"/>
+              </a:cxn>
+              <a:cxn ang="0">
+                <a:pos x="connsiteX62" y="connsiteY62"/>
+              </a:cxn>
+              <a:cxn ang="0">
+                <a:pos x="connsiteX63" y="connsiteY63"/>
+              </a:cxn>
+              <a:cxn ang="0">
+                <a:pos x="connsiteX64" y="connsiteY64"/>
+              </a:cxn>
+              <a:cxn ang="0">
+                <a:pos x="connsiteX65" y="connsiteY65"/>
+              </a:cxn>
+              <a:cxn ang="0">
+                <a:pos x="connsiteX66" y="connsiteY66"/>
+              </a:cxn>
+              <a:cxn ang="0">
+                <a:pos x="connsiteX67" y="connsiteY67"/>
+              </a:cxn>
+              <a:cxn ang="0">
+                <a:pos x="connsiteX68" y="connsiteY68"/>
+              </a:cxn>
+              <a:cxn ang="0">
+                <a:pos x="connsiteX69" y="connsiteY69"/>
+              </a:cxn>
+              <a:cxn ang="0">
+                <a:pos x="connsiteX70" y="connsiteY70"/>
+              </a:cxn>
+              <a:cxn ang="0">
+                <a:pos x="connsiteX71" y="connsiteY71"/>
+              </a:cxn>
+              <a:cxn ang="0">
+                <a:pos x="connsiteX72" y="connsiteY72"/>
+              </a:cxn>
+              <a:cxn ang="0">
+                <a:pos x="connsiteX73" y="connsiteY73"/>
+              </a:cxn>
+              <a:cxn ang="0">
+                <a:pos x="connsiteX74" y="connsiteY74"/>
+              </a:cxn>
+              <a:cxn ang="0">
+                <a:pos x="connsiteX75" y="connsiteY75"/>
+              </a:cxn>
+              <a:cxn ang="0">
+                <a:pos x="connsiteX76" y="connsiteY76"/>
+              </a:cxn>
+              <a:cxn ang="0">
+                <a:pos x="connsiteX77" y="connsiteY77"/>
+              </a:cxn>
+              <a:cxn ang="0">
+                <a:pos x="connsiteX78" y="connsiteY78"/>
+              </a:cxn>
+              <a:cxn ang="0">
+                <a:pos x="connsiteX79" y="connsiteY79"/>
+              </a:cxn>
+              <a:cxn ang="0">
+                <a:pos x="connsiteX80" y="connsiteY80"/>
+              </a:cxn>
+              <a:cxn ang="0">
+                <a:pos x="connsiteX81" y="connsiteY81"/>
+              </a:cxn>
+              <a:cxn ang="0">
+                <a:pos x="connsiteX82" y="connsiteY82"/>
+              </a:cxn>
+              <a:cxn ang="0">
+                <a:pos x="connsiteX83" y="connsiteY83"/>
+              </a:cxn>
+              <a:cxn ang="0">
+                <a:pos x="connsiteX84" y="connsiteY84"/>
+              </a:cxn>
+              <a:cxn ang="0">
+                <a:pos x="connsiteX85" y="connsiteY85"/>
+              </a:cxn>
+            </a:cxnLst>
+            <a:rect l="l" t="t" r="r" b="b"/>
+            <a:pathLst>
+              <a:path w="8404003" h="857047">
+                <a:moveTo>
+                  <a:pt x="0" y="0"/>
+                </a:moveTo>
+                <a:cubicBezTo>
+                  <a:pt x="0" y="0"/>
+                  <a:pt x="0" y="0"/>
+                  <a:pt x="797860" y="0"/>
+                </a:cubicBezTo>
+                <a:cubicBezTo>
+                  <a:pt x="797860" y="0"/>
+                  <a:pt x="797860" y="0"/>
+                  <a:pt x="2482050" y="0"/>
+                </a:cubicBezTo>
+                <a:lnTo>
+                  <a:pt x="3003610" y="0"/>
+                </a:lnTo>
+                <a:cubicBezTo>
+                  <a:pt x="3003610" y="0"/>
+                  <a:pt x="3003610" y="0"/>
+                  <a:pt x="3219959" y="0"/>
+                </a:cubicBezTo>
+                <a:lnTo>
+                  <a:pt x="3311869" y="0"/>
+                </a:lnTo>
+                <a:lnTo>
+                  <a:pt x="3326218" y="0"/>
+                </a:lnTo>
+                <a:lnTo>
+                  <a:pt x="3426656" y="0"/>
+                </a:lnTo>
+                <a:lnTo>
+                  <a:pt x="3516436" y="0"/>
+                </a:lnTo>
+                <a:cubicBezTo>
+                  <a:pt x="3516436" y="0"/>
+                  <a:pt x="3516436" y="0"/>
+                  <a:pt x="3601649" y="0"/>
+                </a:cubicBezTo>
+                <a:lnTo>
+                  <a:pt x="3699274" y="0"/>
+                </a:lnTo>
+                <a:lnTo>
+                  <a:pt x="3718421" y="0"/>
+                </a:lnTo>
+                <a:cubicBezTo>
+                  <a:pt x="3768918" y="0"/>
+                  <a:pt x="3832038" y="0"/>
+                  <a:pt x="3910939" y="0"/>
+                </a:cubicBezTo>
+                <a:lnTo>
+                  <a:pt x="3927053" y="0"/>
+                </a:lnTo>
+                <a:lnTo>
+                  <a:pt x="4198137" y="0"/>
+                </a:lnTo>
+                <a:lnTo>
+                  <a:pt x="4230161" y="0"/>
+                </a:lnTo>
+                <a:lnTo>
+                  <a:pt x="4245215" y="0"/>
+                </a:lnTo>
+                <a:lnTo>
+                  <a:pt x="4350592" y="0"/>
+                </a:lnTo>
+                <a:lnTo>
+                  <a:pt x="4357296" y="0"/>
+                </a:lnTo>
+                <a:lnTo>
+                  <a:pt x="4404222" y="0"/>
+                </a:lnTo>
+                <a:lnTo>
+                  <a:pt x="4531592" y="0"/>
+                </a:lnTo>
+                <a:lnTo>
+                  <a:pt x="4598953" y="0"/>
+                </a:lnTo>
+                <a:lnTo>
+                  <a:pt x="4779630" y="0"/>
+                </a:lnTo>
+                <a:lnTo>
+                  <a:pt x="5132321" y="0"/>
+                </a:lnTo>
+                <a:cubicBezTo>
+                  <a:pt x="5132321" y="0"/>
+                  <a:pt x="5132321" y="0"/>
+                  <a:pt x="5141543" y="0"/>
+                </a:cubicBezTo>
+                <a:lnTo>
+                  <a:pt x="5188556" y="0"/>
+                </a:lnTo>
+                <a:lnTo>
+                  <a:pt x="5206100" y="0"/>
+                </a:lnTo>
+                <a:cubicBezTo>
+                  <a:pt x="5279879" y="0"/>
+                  <a:pt x="5427438" y="0"/>
+                  <a:pt x="5722554" y="0"/>
+                </a:cubicBezTo>
+                <a:cubicBezTo>
+                  <a:pt x="5722554" y="0"/>
+                  <a:pt x="5722554" y="0"/>
+                  <a:pt x="5732230" y="0"/>
+                </a:cubicBezTo>
+                <a:lnTo>
+                  <a:pt x="5798594" y="0"/>
+                </a:lnTo>
+                <a:lnTo>
+                  <a:pt x="5799962" y="0"/>
+                </a:lnTo>
+                <a:cubicBezTo>
+                  <a:pt x="5799962" y="0"/>
+                  <a:pt x="5799962" y="0"/>
+                  <a:pt x="6338565" y="0"/>
+                </a:cubicBezTo>
+                <a:lnTo>
+                  <a:pt x="6649966" y="0"/>
+                </a:lnTo>
+                <a:lnTo>
+                  <a:pt x="6730668" y="0"/>
+                </a:lnTo>
+                <a:lnTo>
+                  <a:pt x="7178721" y="0"/>
+                </a:lnTo>
+                <a:lnTo>
+                  <a:pt x="7277889" y="0"/>
+                </a:lnTo>
+                <a:lnTo>
+                  <a:pt x="7782893" y="0"/>
+                </a:lnTo>
+                <a:lnTo>
+                  <a:pt x="8006080" y="0"/>
+                </a:lnTo>
+                <a:cubicBezTo>
+                  <a:pt x="8015756" y="0"/>
+                  <a:pt x="8025432" y="5258"/>
+                  <a:pt x="8030270" y="10516"/>
+                </a:cubicBezTo>
+                <a:cubicBezTo>
+                  <a:pt x="8030270" y="10516"/>
+                  <a:pt x="8035108" y="10516"/>
+                  <a:pt x="8035108" y="15774"/>
+                </a:cubicBezTo>
+                <a:cubicBezTo>
+                  <a:pt x="8035108" y="15774"/>
+                  <a:pt x="8035108" y="15774"/>
+                  <a:pt x="8393118" y="404863"/>
+                </a:cubicBezTo>
+                <a:cubicBezTo>
+                  <a:pt x="8407632" y="415379"/>
+                  <a:pt x="8407632" y="436411"/>
+                  <a:pt x="8393118" y="452185"/>
+                </a:cubicBezTo>
+                <a:cubicBezTo>
+                  <a:pt x="8393118" y="452185"/>
+                  <a:pt x="8393118" y="452185"/>
+                  <a:pt x="8035108" y="841273"/>
+                </a:cubicBezTo>
+                <a:cubicBezTo>
+                  <a:pt x="8035108" y="841273"/>
+                  <a:pt x="8030270" y="841273"/>
+                  <a:pt x="8030270" y="846531"/>
+                </a:cubicBezTo>
+                <a:cubicBezTo>
+                  <a:pt x="8025432" y="851789"/>
+                  <a:pt x="8015756" y="857047"/>
+                  <a:pt x="8006080" y="857047"/>
+                </a:cubicBezTo>
+                <a:cubicBezTo>
+                  <a:pt x="8006080" y="857047"/>
+                  <a:pt x="8006080" y="857047"/>
+                  <a:pt x="7889742" y="857047"/>
+                </a:cubicBezTo>
+                <a:lnTo>
+                  <a:pt x="7782893" y="857047"/>
+                </a:lnTo>
+                <a:lnTo>
+                  <a:pt x="7776190" y="857047"/>
+                </a:lnTo>
+                <a:lnTo>
+                  <a:pt x="7730315" y="857047"/>
+                </a:lnTo>
+                <a:lnTo>
+                  <a:pt x="7729264" y="857047"/>
+                </a:lnTo>
+                <a:lnTo>
+                  <a:pt x="7601893" y="857047"/>
+                </a:lnTo>
+                <a:lnTo>
+                  <a:pt x="7467477" y="857047"/>
+                </a:lnTo>
+                <a:lnTo>
+                  <a:pt x="7353856" y="857047"/>
+                </a:lnTo>
+                <a:lnTo>
+                  <a:pt x="7075374" y="857047"/>
+                </a:lnTo>
+                <a:lnTo>
+                  <a:pt x="6944929" y="857047"/>
+                </a:lnTo>
+                <a:lnTo>
+                  <a:pt x="6528153" y="857047"/>
+                </a:lnTo>
+                <a:lnTo>
+                  <a:pt x="6334891" y="857047"/>
+                </a:lnTo>
+                <a:lnTo>
+                  <a:pt x="5799962" y="857047"/>
+                </a:lnTo>
+                <a:cubicBezTo>
+                  <a:pt x="5799962" y="857047"/>
+                  <a:pt x="5799962" y="857047"/>
+                  <a:pt x="5722554" y="857047"/>
+                </a:cubicBezTo>
+                <a:cubicBezTo>
+                  <a:pt x="5722554" y="857047"/>
+                  <a:pt x="5722554" y="857047"/>
+                  <a:pt x="5648775" y="857047"/>
+                </a:cubicBezTo>
+                <a:lnTo>
+                  <a:pt x="5483520" y="857047"/>
+                </a:lnTo>
+                <a:lnTo>
+                  <a:pt x="5473550" y="857047"/>
+                </a:lnTo>
+                <a:cubicBezTo>
+                  <a:pt x="5390548" y="857047"/>
+                  <a:pt x="5279879" y="857047"/>
+                  <a:pt x="5132321" y="857047"/>
+                </a:cubicBezTo>
+                <a:cubicBezTo>
+                  <a:pt x="5132321" y="857047"/>
+                  <a:pt x="5132321" y="857047"/>
+                  <a:pt x="5047108" y="857047"/>
+                </a:cubicBezTo>
+                <a:lnTo>
+                  <a:pt x="4954764" y="857047"/>
+                </a:lnTo>
+                <a:lnTo>
+                  <a:pt x="4930335" y="857047"/>
+                </a:lnTo>
+                <a:cubicBezTo>
+                  <a:pt x="4829342" y="857047"/>
+                  <a:pt x="4677853" y="857047"/>
+                  <a:pt x="4450619" y="857047"/>
+                </a:cubicBezTo>
+                <a:lnTo>
+                  <a:pt x="4350592" y="857047"/>
+                </a:lnTo>
+                <a:lnTo>
+                  <a:pt x="4335538" y="857047"/>
+                </a:lnTo>
+                <a:lnTo>
+                  <a:pt x="4230161" y="857047"/>
+                </a:lnTo>
+                <a:lnTo>
+                  <a:pt x="4215812" y="857047"/>
+                </a:lnTo>
+                <a:lnTo>
+                  <a:pt x="4115374" y="857047"/>
+                </a:lnTo>
+                <a:lnTo>
+                  <a:pt x="4049804" y="857047"/>
+                </a:lnTo>
+                <a:lnTo>
+                  <a:pt x="3842757" y="857047"/>
+                </a:lnTo>
+                <a:lnTo>
+                  <a:pt x="3614977" y="857047"/>
+                </a:lnTo>
+                <a:lnTo>
+                  <a:pt x="3516436" y="857047"/>
+                </a:lnTo>
+                <a:cubicBezTo>
+                  <a:pt x="3516436" y="857047"/>
+                  <a:pt x="3516436" y="857047"/>
+                  <a:pt x="3452333" y="857047"/>
+                </a:cubicBezTo>
+                <a:lnTo>
+                  <a:pt x="3311869" y="857047"/>
+                </a:lnTo>
+                <a:lnTo>
+                  <a:pt x="3300088" y="857047"/>
+                </a:lnTo>
+                <a:lnTo>
+                  <a:pt x="3272588" y="857047"/>
+                </a:lnTo>
+                <a:lnTo>
+                  <a:pt x="3179295" y="857047"/>
+                </a:lnTo>
+                <a:lnTo>
+                  <a:pt x="3003610" y="857047"/>
+                </a:lnTo>
+                <a:lnTo>
+                  <a:pt x="2997618" y="857047"/>
+                </a:lnTo>
+                <a:cubicBezTo>
+                  <a:pt x="2683367" y="857047"/>
+                  <a:pt x="2054864" y="857047"/>
+                  <a:pt x="797860" y="857047"/>
+                </a:cubicBezTo>
+                <a:cubicBezTo>
+                  <a:pt x="797860" y="857047"/>
+                  <a:pt x="797860" y="857047"/>
+                  <a:pt x="0" y="857047"/>
+                </a:cubicBezTo>
+                <a:cubicBezTo>
+                  <a:pt x="0" y="857047"/>
+                  <a:pt x="0" y="857047"/>
+                  <a:pt x="0" y="0"/>
+                </a:cubicBezTo>
+                <a:close/>
+              </a:path>
+            </a:pathLst>
+          </a:custGeom>
+          <a:solidFill>
+            <a:schemeClr val="accent1"/>
+          </a:solidFill>
+          <a:ln>
+            <a:noFill/>
+          </a:ln>
+        </p:spPr>
+        <p:txBody>
+          <a:bodyPr vert="horz" wrap="square" lIns="91440" tIns="45720" rIns="91440" bIns="45720" numCol="1" anchor="t" anchorCtr="0" compatLnSpc="1">
+            <a:prstTxWarp prst="textNoShape">
+              <a:avLst/>
+            </a:prstTxWarp>
+            <a:noAutofit/>
+          </a:bodyPr>
+          <a:lstStyle/>
+          <a:p>
+            <a:endParaRPr lang="en-US"/>
+          </a:p>
+        </p:txBody>
+      </p:sp>
+      <p:sp>
+        <p:nvSpPr>
+          <p:cNvPr id="7" name="Espace réservé du numéro de diapositive 6">
+            <a:extLst>
+              <a:ext uri="{FF2B5EF4-FFF2-40B4-BE49-F238E27FC236}">
+                <a16:creationId xmlns:a16="http://schemas.microsoft.com/office/drawing/2014/main" id="{CB8DD60D-9900-404A-BA19-933D088AC0EA}"/>
+              </a:ext>
+            </a:extLst>
+          </p:cNvPr>
+          <p:cNvSpPr>
+            <a:spLocks noGrp="1"/>
+          </p:cNvSpPr>
+          <p:nvPr>
+            <p:ph type="sldNum" sz="quarter" idx="12"/>
+          </p:nvPr>
+        </p:nvSpPr>
+        <p:spPr>
+          <a:xfrm>
+            <a:off x="7215494" y="5202719"/>
+            <a:ext cx="650510" cy="517624"/>
+          </a:xfrm>
+        </p:spPr>
+        <p:txBody>
+          <a:bodyPr vert="horz" lIns="91440" tIns="45720" rIns="91440" bIns="45720" rtlCol="0" anchor="ctr">
+            <a:normAutofit/>
+          </a:bodyPr>
+          <a:lstStyle/>
+          <a:p>
+            <a:pPr defTabSz="914400">
+              <a:spcAft>
+                <a:spcPts val="600"/>
+              </a:spcAft>
+            </a:pPr>
+            <a:fld id="{D57F1E4F-1CFF-5643-939E-217C01CDF565}" type="slidenum">
+              <a:rPr lang="en-US" smtClean="0"/>
+              <a:pPr defTabSz="914400">
+                <a:spcAft>
+                  <a:spcPts val="600"/>
+                </a:spcAft>
+              </a:pPr>
+              <a:t>21</a:t>
+            </a:fld>
+            <a:endParaRPr lang="en-US"/>
+          </a:p>
+        </p:txBody>
+      </p:sp>
+    </p:spTree>
+    <p:extLst>
+      <p:ext uri="{BB962C8B-B14F-4D97-AF65-F5344CB8AC3E}">
+        <p14:creationId xmlns:p14="http://schemas.microsoft.com/office/powerpoint/2010/main" val="710538631"/>
+      </p:ext>
+    </p:extLst>
+  </p:cSld>
+  <p:clrMapOvr>
+    <a:masterClrMapping/>
+  </p:clrMapOvr>
+  <mc:AlternateContent xmlns:mc="http://schemas.openxmlformats.org/markup-compatibility/2006" xmlns:p14="http://schemas.microsoft.com/office/powerpoint/2010/main">
+    <mc:Choice Requires="p14">
+      <p:transition spd="slow" p14:dur="2000" advTm="70045"/>
+    </mc:Choice>
+    <mc:Fallback xmlns="">
+      <p:transition spd="slow" advTm="70045"/>
+    </mc:Fallback>
+  </mc:AlternateContent>
+</p:sld>
+</file>
+
+<file path=ppt/slides/slide22.xml><?xml version="1.0" encoding="utf-8"?>
+<p:sld xmlns:a="http://schemas.openxmlformats.org/drawingml/2006/main" xmlns:r="http://schemas.openxmlformats.org/officeDocument/2006/relationships" xmlns:p="http://schemas.openxmlformats.org/presentationml/2006/main">
+  <p:cSld>
+    <p:spTree>
+      <p:nvGrpSpPr>
+        <p:cNvPr id="1" name=""/>
+        <p:cNvGrpSpPr/>
+        <p:nvPr/>
+      </p:nvGrpSpPr>
+      <p:grpSpPr>
+        <a:xfrm>
+          <a:off x="0" y="0"/>
+          <a:ext cx="0" cy="0"/>
+          <a:chOff x="0" y="0"/>
+          <a:chExt cx="0" cy="0"/>
+        </a:xfrm>
+      </p:grpSpPr>
+      <p:sp>
+        <p:nvSpPr>
+          <p:cNvPr id="2" name="Titre 1">
+            <a:extLst>
+              <a:ext uri="{FF2B5EF4-FFF2-40B4-BE49-F238E27FC236}">
                 <a16:creationId xmlns:a16="http://schemas.microsoft.com/office/drawing/2014/main" id="{A06687B1-F4AF-4131-A289-23DEF637C213}"/>
               </a:ext>
             </a:extLst>
@@ -15347,7 +19092,7 @@
             <a:fld id="{D57F1E4F-1CFF-5643-939E-217C01CDF565}" type="slidenum">
               <a:rPr lang="en-US" smtClean="0"/>
               <a:pPr/>
-              <a:t>20</a:t>
+              <a:t>22</a:t>
             </a:fld>
             <a:endParaRPr lang="en-US" dirty="0"/>
           </a:p>
@@ -15386,7 +19131,7 @@
     </p:spTree>
     <p:extLst>
       <p:ext uri="{BB962C8B-B14F-4D97-AF65-F5344CB8AC3E}">
-        <p14:creationId xmlns:p14="http://schemas.microsoft.com/office/powerpoint/2010/main" val="555648440"/>
+        <p14:creationId xmlns:p14="http://schemas.microsoft.com/office/powerpoint/2010/main" val="3842865612"/>
       </p:ext>
     </p:extLst>
   </p:cSld>
@@ -15404,7 +19149,7 @@
 </p:sld>
 </file>
 
-<file path=ppt/slides/slide21.xml><?xml version="1.0" encoding="utf-8"?>
+<file path=ppt/slides/slide23.xml><?xml version="1.0" encoding="utf-8"?>
 <p:sld xmlns:a="http://schemas.openxmlformats.org/drawingml/2006/main" xmlns:r="http://schemas.openxmlformats.org/officeDocument/2006/relationships" xmlns:p="http://schemas.openxmlformats.org/presentationml/2006/main">
   <p:cSld>
     <p:spTree>
@@ -15519,7 +19264,7 @@
             <a:fld id="{D57F1E4F-1CFF-5643-939E-217C01CDF565}" type="slidenum">
               <a:rPr lang="en-US" smtClean="0"/>
               <a:pPr/>
-              <a:t>21</a:t>
+              <a:t>23</a:t>
             </a:fld>
             <a:endParaRPr lang="en-US" dirty="0"/>
           </a:p>
@@ -15546,7 +19291,7 @@
 </p:sld>
 </file>
 
-<file path=ppt/slides/slide22.xml><?xml version="1.0" encoding="utf-8"?>
+<file path=ppt/slides/slide24.xml><?xml version="1.0" encoding="utf-8"?>
 <p:sld xmlns:a="http://schemas.openxmlformats.org/drawingml/2006/main" xmlns:r="http://schemas.openxmlformats.org/officeDocument/2006/relationships" xmlns:p="http://schemas.openxmlformats.org/presentationml/2006/main">
   <p:cSld>
     <p:spTree>
@@ -15617,7 +19362,7 @@
             <a:fld id="{D57F1E4F-1CFF-5643-939E-217C01CDF565}" type="slidenum">
               <a:rPr lang="en-US" smtClean="0"/>
               <a:pPr/>
-              <a:t>22</a:t>
+              <a:t>24</a:t>
             </a:fld>
             <a:endParaRPr lang="en-US" dirty="0"/>
           </a:p>
@@ -15674,7 +19419,7 @@
 </p:sld>
 </file>
 
-<file path=ppt/slides/slide23.xml><?xml version="1.0" encoding="utf-8"?>
+<file path=ppt/slides/slide25.xml><?xml version="1.0" encoding="utf-8"?>
 <p:sld xmlns:a="http://schemas.openxmlformats.org/drawingml/2006/main" xmlns:r="http://schemas.openxmlformats.org/officeDocument/2006/relationships" xmlns:p="http://schemas.openxmlformats.org/presentationml/2006/main">
   <p:cSld>
     <p:spTree>
@@ -15743,7 +19488,7 @@
             <a:fld id="{D57F1E4F-1CFF-5643-939E-217C01CDF565}" type="slidenum">
               <a:rPr lang="en-US" smtClean="0"/>
               <a:pPr/>
-              <a:t>23</a:t>
+              <a:t>25</a:t>
             </a:fld>
             <a:endParaRPr lang="en-US" dirty="0"/>
           </a:p>
@@ -15800,7 +19545,7 @@
 </p:sld>
 </file>
 
-<file path=ppt/slides/slide24.xml><?xml version="1.0" encoding="utf-8"?>
+<file path=ppt/slides/slide26.xml><?xml version="1.0" encoding="utf-8"?>
 <p:sld xmlns:a="http://schemas.openxmlformats.org/drawingml/2006/main" xmlns:r="http://schemas.openxmlformats.org/officeDocument/2006/relationships" xmlns:p="http://schemas.openxmlformats.org/presentationml/2006/main">
   <p:cSld>
     <p:spTree>
@@ -15869,7 +19614,7 @@
             <a:fld id="{D57F1E4F-1CFF-5643-939E-217C01CDF565}" type="slidenum">
               <a:rPr lang="en-US" smtClean="0"/>
               <a:pPr/>
-              <a:t>24</a:t>
+              <a:t>26</a:t>
             </a:fld>
             <a:endParaRPr lang="en-US" dirty="0"/>
           </a:p>
@@ -15926,7 +19671,7 @@
 </p:sld>
 </file>
 
-<file path=ppt/slides/slide25.xml><?xml version="1.0" encoding="utf-8"?>
+<file path=ppt/slides/slide27.xml><?xml version="1.0" encoding="utf-8"?>
 <p:sld xmlns:a="http://schemas.openxmlformats.org/drawingml/2006/main" xmlns:r="http://schemas.openxmlformats.org/officeDocument/2006/relationships" xmlns:p="http://schemas.openxmlformats.org/presentationml/2006/main">
   <p:cSld>
     <p:spTree>
@@ -15995,7 +19740,7 @@
             <a:fld id="{D57F1E4F-1CFF-5643-939E-217C01CDF565}" type="slidenum">
               <a:rPr lang="en-US" smtClean="0"/>
               <a:pPr/>
-              <a:t>25</a:t>
+              <a:t>27</a:t>
             </a:fld>
             <a:endParaRPr lang="en-US" dirty="0"/>
           </a:p>
@@ -16051,7 +19796,7 @@
 </p:sld>
 </file>
 
-<file path=ppt/slides/slide26.xml><?xml version="1.0" encoding="utf-8"?>
+<file path=ppt/slides/slide28.xml><?xml version="1.0" encoding="utf-8"?>
 <p:sld xmlns:a="http://schemas.openxmlformats.org/drawingml/2006/main" xmlns:r="http://schemas.openxmlformats.org/officeDocument/2006/relationships" xmlns:p="http://schemas.openxmlformats.org/presentationml/2006/main">
   <p:cSld>
     <p:spTree>
@@ -16165,7 +19910,7 @@
             <a:fld id="{D57F1E4F-1CFF-5643-939E-217C01CDF565}" type="slidenum">
               <a:rPr lang="en-US" smtClean="0"/>
               <a:pPr/>
-              <a:t>26</a:t>
+              <a:t>28</a:t>
             </a:fld>
             <a:endParaRPr lang="en-US" dirty="0"/>
           </a:p>
@@ -16192,7 +19937,7 @@
 </p:sld>
 </file>
 
-<file path=ppt/slides/slide27.xml><?xml version="1.0" encoding="utf-8"?>
+<file path=ppt/slides/slide29.xml><?xml version="1.0" encoding="utf-8"?>
 <p:sld xmlns:a="http://schemas.openxmlformats.org/drawingml/2006/main" xmlns:r="http://schemas.openxmlformats.org/officeDocument/2006/relationships" xmlns:p="http://schemas.openxmlformats.org/presentationml/2006/main">
   <p:cSld>
     <p:spTree>
@@ -16272,7 +20017,7 @@
             <a:fld id="{D57F1E4F-1CFF-5643-939E-217C01CDF565}" type="slidenum">
               <a:rPr lang="en-US" smtClean="0"/>
               <a:pPr/>
-              <a:t>27</a:t>
+              <a:t>29</a:t>
             </a:fld>
             <a:endParaRPr lang="en-US" dirty="0"/>
           </a:p>
@@ -16324,274 +20069,6 @@
     </mc:Choice>
     <mc:Fallback xmlns="">
       <p:transition spd="slow" advTm="74918"/>
-    </mc:Fallback>
-  </mc:AlternateContent>
-</p:sld>
-</file>
-
-<file path=ppt/slides/slide28.xml><?xml version="1.0" encoding="utf-8"?>
-<p:sld xmlns:a="http://schemas.openxmlformats.org/drawingml/2006/main" xmlns:r="http://schemas.openxmlformats.org/officeDocument/2006/relationships" xmlns:p="http://schemas.openxmlformats.org/presentationml/2006/main">
-  <p:cSld>
-    <p:spTree>
-      <p:nvGrpSpPr>
-        <p:cNvPr id="1" name=""/>
-        <p:cNvGrpSpPr/>
-        <p:nvPr/>
-      </p:nvGrpSpPr>
-      <p:grpSpPr>
-        <a:xfrm>
-          <a:off x="0" y="0"/>
-          <a:ext cx="0" cy="0"/>
-          <a:chOff x="0" y="0"/>
-          <a:chExt cx="0" cy="0"/>
-        </a:xfrm>
-      </p:grpSpPr>
-      <p:sp>
-        <p:nvSpPr>
-          <p:cNvPr id="2" name="Titre 1">
-            <a:extLst>
-              <a:ext uri="{FF2B5EF4-FFF2-40B4-BE49-F238E27FC236}">
-                <a16:creationId xmlns:a16="http://schemas.microsoft.com/office/drawing/2014/main" id="{F8BEFCBD-E66A-4F52-8F1C-4E09A4C9104D}"/>
-              </a:ext>
-            </a:extLst>
-          </p:cNvPr>
-          <p:cNvSpPr>
-            <a:spLocks noGrp="1"/>
-          </p:cNvSpPr>
-          <p:nvPr>
-            <p:ph type="title"/>
-          </p:nvPr>
-        </p:nvSpPr>
-        <p:spPr>
-          <a:xfrm>
-            <a:off x="2592925" y="624109"/>
-            <a:ext cx="6351783" cy="724045"/>
-          </a:xfrm>
-        </p:spPr>
-        <p:txBody>
-          <a:bodyPr>
-            <a:normAutofit/>
-          </a:bodyPr>
-          <a:lstStyle/>
-          <a:p>
-            <a:r>
-              <a:rPr lang="fr-FR" dirty="0" err="1"/>
-              <a:t>Stripe</a:t>
-            </a:r>
-            <a:r>
-              <a:rPr lang="fr-FR" dirty="0"/>
-              <a:t> paiement Suite</a:t>
-            </a:r>
-          </a:p>
-        </p:txBody>
-      </p:sp>
-      <p:sp>
-        <p:nvSpPr>
-          <p:cNvPr id="6" name="Espace réservé du numéro de diapositive 5">
-            <a:extLst>
-              <a:ext uri="{FF2B5EF4-FFF2-40B4-BE49-F238E27FC236}">
-                <a16:creationId xmlns:a16="http://schemas.microsoft.com/office/drawing/2014/main" id="{51753DA1-63C9-4D05-B3F9-33661D995345}"/>
-              </a:ext>
-            </a:extLst>
-          </p:cNvPr>
-          <p:cNvSpPr>
-            <a:spLocks noGrp="1"/>
-          </p:cNvSpPr>
-          <p:nvPr>
-            <p:ph type="sldNum" sz="quarter" idx="12"/>
-          </p:nvPr>
-        </p:nvSpPr>
-        <p:spPr/>
-        <p:txBody>
-          <a:bodyPr/>
-          <a:lstStyle/>
-          <a:p>
-            <a:fld id="{D57F1E4F-1CFF-5643-939E-217C01CDF565}" type="slidenum">
-              <a:rPr lang="en-US" smtClean="0"/>
-              <a:pPr/>
-              <a:t>28</a:t>
-            </a:fld>
-            <a:endParaRPr lang="en-US" dirty="0"/>
-          </a:p>
-        </p:txBody>
-      </p:sp>
-      <p:pic>
-        <p:nvPicPr>
-          <p:cNvPr id="5" name="Image 4">
-            <a:extLst>
-              <a:ext uri="{FF2B5EF4-FFF2-40B4-BE49-F238E27FC236}">
-                <a16:creationId xmlns:a16="http://schemas.microsoft.com/office/drawing/2014/main" id="{4DE4817C-C3D3-42B2-AF01-FC2152C229B8}"/>
-              </a:ext>
-            </a:extLst>
-          </p:cNvPr>
-          <p:cNvPicPr>
-            <a:picLocks noChangeAspect="1"/>
-          </p:cNvPicPr>
-          <p:nvPr/>
-        </p:nvPicPr>
-        <p:blipFill>
-          <a:blip r:embed="rId2"/>
-          <a:stretch>
-            <a:fillRect/>
-          </a:stretch>
-        </p:blipFill>
-        <p:spPr>
-          <a:xfrm>
-            <a:off x="2592925" y="1643964"/>
-            <a:ext cx="7968733" cy="3854159"/>
-          </a:xfrm>
-          <a:prstGeom prst="rect">
-            <a:avLst/>
-          </a:prstGeom>
-        </p:spPr>
-      </p:pic>
-    </p:spTree>
-    <p:extLst>
-      <p:ext uri="{BB962C8B-B14F-4D97-AF65-F5344CB8AC3E}">
-        <p14:creationId xmlns:p14="http://schemas.microsoft.com/office/powerpoint/2010/main" val="253877625"/>
-      </p:ext>
-    </p:extLst>
-  </p:cSld>
-  <p:clrMapOvr>
-    <a:masterClrMapping/>
-  </p:clrMapOvr>
-  <mc:AlternateContent xmlns:mc="http://schemas.openxmlformats.org/markup-compatibility/2006">
-    <mc:Choice xmlns:p14="http://schemas.microsoft.com/office/powerpoint/2010/main" Requires="p14">
-      <p:transition spd="slow" p14:dur="2000" advTm="74918"/>
-    </mc:Choice>
-    <mc:Fallback>
-      <p:transition spd="slow" advTm="74918"/>
-    </mc:Fallback>
-  </mc:AlternateContent>
-</p:sld>
-</file>
-
-<file path=ppt/slides/slide29.xml><?xml version="1.0" encoding="utf-8"?>
-<p:sld xmlns:a="http://schemas.openxmlformats.org/drawingml/2006/main" xmlns:r="http://schemas.openxmlformats.org/officeDocument/2006/relationships" xmlns:p="http://schemas.openxmlformats.org/presentationml/2006/main">
-  <p:cSld>
-    <p:spTree>
-      <p:nvGrpSpPr>
-        <p:cNvPr id="1" name=""/>
-        <p:cNvGrpSpPr/>
-        <p:nvPr/>
-      </p:nvGrpSpPr>
-      <p:grpSpPr>
-        <a:xfrm>
-          <a:off x="0" y="0"/>
-          <a:ext cx="0" cy="0"/>
-          <a:chOff x="0" y="0"/>
-          <a:chExt cx="0" cy="0"/>
-        </a:xfrm>
-      </p:grpSpPr>
-      <p:sp>
-        <p:nvSpPr>
-          <p:cNvPr id="2" name="Titre 1">
-            <a:extLst>
-              <a:ext uri="{FF2B5EF4-FFF2-40B4-BE49-F238E27FC236}">
-                <a16:creationId xmlns:a16="http://schemas.microsoft.com/office/drawing/2014/main" id="{E52A49DA-3786-483F-AA3D-48B226E8225E}"/>
-              </a:ext>
-            </a:extLst>
-          </p:cNvPr>
-          <p:cNvSpPr>
-            <a:spLocks noGrp="1"/>
-          </p:cNvSpPr>
-          <p:nvPr>
-            <p:ph type="title"/>
-          </p:nvPr>
-        </p:nvSpPr>
-        <p:spPr>
-          <a:xfrm>
-            <a:off x="2592925" y="624110"/>
-            <a:ext cx="4628969" cy="1280890"/>
-          </a:xfrm>
-        </p:spPr>
-        <p:txBody>
-          <a:bodyPr/>
-          <a:lstStyle/>
-          <a:p>
-            <a:r>
-              <a:rPr lang="fr-FR" dirty="0"/>
-              <a:t>Paiement Réussi</a:t>
-            </a:r>
-          </a:p>
-        </p:txBody>
-      </p:sp>
-      <p:sp>
-        <p:nvSpPr>
-          <p:cNvPr id="6" name="Espace réservé du numéro de diapositive 5">
-            <a:extLst>
-              <a:ext uri="{FF2B5EF4-FFF2-40B4-BE49-F238E27FC236}">
-                <a16:creationId xmlns:a16="http://schemas.microsoft.com/office/drawing/2014/main" id="{279E35C9-0FCF-4244-9B94-C771E613E77F}"/>
-              </a:ext>
-            </a:extLst>
-          </p:cNvPr>
-          <p:cNvSpPr>
-            <a:spLocks noGrp="1"/>
-          </p:cNvSpPr>
-          <p:nvPr>
-            <p:ph type="sldNum" sz="quarter" idx="12"/>
-          </p:nvPr>
-        </p:nvSpPr>
-        <p:spPr/>
-        <p:txBody>
-          <a:bodyPr/>
-          <a:lstStyle/>
-          <a:p>
-            <a:fld id="{D57F1E4F-1CFF-5643-939E-217C01CDF565}" type="slidenum">
-              <a:rPr lang="en-US" smtClean="0"/>
-              <a:pPr/>
-              <a:t>29</a:t>
-            </a:fld>
-            <a:endParaRPr lang="en-US" dirty="0"/>
-          </a:p>
-        </p:txBody>
-      </p:sp>
-      <p:pic>
-        <p:nvPicPr>
-          <p:cNvPr id="5" name="Image 4">
-            <a:extLst>
-              <a:ext uri="{FF2B5EF4-FFF2-40B4-BE49-F238E27FC236}">
-                <a16:creationId xmlns:a16="http://schemas.microsoft.com/office/drawing/2014/main" id="{85E81FC9-21EE-4F46-B1B5-4C7D22EE0BA5}"/>
-              </a:ext>
-            </a:extLst>
-          </p:cNvPr>
-          <p:cNvPicPr>
-            <a:picLocks noChangeAspect="1"/>
-          </p:cNvPicPr>
-          <p:nvPr/>
-        </p:nvPicPr>
-        <p:blipFill>
-          <a:blip r:embed="rId2"/>
-          <a:stretch>
-            <a:fillRect/>
-          </a:stretch>
-        </p:blipFill>
-        <p:spPr>
-          <a:xfrm>
-            <a:off x="2673433" y="1264555"/>
-            <a:ext cx="6925642" cy="5468113"/>
-          </a:xfrm>
-          <a:prstGeom prst="rect">
-            <a:avLst/>
-          </a:prstGeom>
-        </p:spPr>
-      </p:pic>
-    </p:spTree>
-    <p:extLst>
-      <p:ext uri="{BB962C8B-B14F-4D97-AF65-F5344CB8AC3E}">
-        <p14:creationId xmlns:p14="http://schemas.microsoft.com/office/powerpoint/2010/main" val="4073099296"/>
-      </p:ext>
-    </p:extLst>
-  </p:cSld>
-  <p:clrMapOvr>
-    <a:masterClrMapping/>
-  </p:clrMapOvr>
-  <mc:AlternateContent xmlns:mc="http://schemas.openxmlformats.org/markup-compatibility/2006" xmlns:p14="http://schemas.microsoft.com/office/powerpoint/2010/main">
-    <mc:Choice Requires="p14">
-      <p:transition spd="slow" p14:dur="2000" advTm="59903"/>
-    </mc:Choice>
-    <mc:Fallback xmlns="">
-      <p:transition spd="slow" advTm="59903"/>
     </mc:Fallback>
   </mc:AlternateContent>
 </p:sld>
@@ -16883,6 +20360,143 @@
           <p:cNvPr id="2" name="Titre 1">
             <a:extLst>
               <a:ext uri="{FF2B5EF4-FFF2-40B4-BE49-F238E27FC236}">
+                <a16:creationId xmlns:a16="http://schemas.microsoft.com/office/drawing/2014/main" id="{F8BEFCBD-E66A-4F52-8F1C-4E09A4C9104D}"/>
+              </a:ext>
+            </a:extLst>
+          </p:cNvPr>
+          <p:cNvSpPr>
+            <a:spLocks noGrp="1"/>
+          </p:cNvSpPr>
+          <p:nvPr>
+            <p:ph type="title"/>
+          </p:nvPr>
+        </p:nvSpPr>
+        <p:spPr>
+          <a:xfrm>
+            <a:off x="2592925" y="624109"/>
+            <a:ext cx="6351783" cy="724045"/>
+          </a:xfrm>
+        </p:spPr>
+        <p:txBody>
+          <a:bodyPr>
+            <a:normAutofit/>
+          </a:bodyPr>
+          <a:lstStyle/>
+          <a:p>
+            <a:r>
+              <a:rPr lang="fr-FR" dirty="0" err="1"/>
+              <a:t>Stripe</a:t>
+            </a:r>
+            <a:r>
+              <a:rPr lang="fr-FR" dirty="0"/>
+              <a:t> paiement Suite</a:t>
+            </a:r>
+          </a:p>
+        </p:txBody>
+      </p:sp>
+      <p:sp>
+        <p:nvSpPr>
+          <p:cNvPr id="6" name="Espace réservé du numéro de diapositive 5">
+            <a:extLst>
+              <a:ext uri="{FF2B5EF4-FFF2-40B4-BE49-F238E27FC236}">
+                <a16:creationId xmlns:a16="http://schemas.microsoft.com/office/drawing/2014/main" id="{51753DA1-63C9-4D05-B3F9-33661D995345}"/>
+              </a:ext>
+            </a:extLst>
+          </p:cNvPr>
+          <p:cNvSpPr>
+            <a:spLocks noGrp="1"/>
+          </p:cNvSpPr>
+          <p:nvPr>
+            <p:ph type="sldNum" sz="quarter" idx="12"/>
+          </p:nvPr>
+        </p:nvSpPr>
+        <p:spPr/>
+        <p:txBody>
+          <a:bodyPr/>
+          <a:lstStyle/>
+          <a:p>
+            <a:fld id="{D57F1E4F-1CFF-5643-939E-217C01CDF565}" type="slidenum">
+              <a:rPr lang="en-US" smtClean="0"/>
+              <a:pPr/>
+              <a:t>30</a:t>
+            </a:fld>
+            <a:endParaRPr lang="en-US" dirty="0"/>
+          </a:p>
+        </p:txBody>
+      </p:sp>
+      <p:pic>
+        <p:nvPicPr>
+          <p:cNvPr id="5" name="Image 4">
+            <a:extLst>
+              <a:ext uri="{FF2B5EF4-FFF2-40B4-BE49-F238E27FC236}">
+                <a16:creationId xmlns:a16="http://schemas.microsoft.com/office/drawing/2014/main" id="{4DE4817C-C3D3-42B2-AF01-FC2152C229B8}"/>
+              </a:ext>
+            </a:extLst>
+          </p:cNvPr>
+          <p:cNvPicPr>
+            <a:picLocks noChangeAspect="1"/>
+          </p:cNvPicPr>
+          <p:nvPr/>
+        </p:nvPicPr>
+        <p:blipFill>
+          <a:blip r:embed="rId2"/>
+          <a:stretch>
+            <a:fillRect/>
+          </a:stretch>
+        </p:blipFill>
+        <p:spPr>
+          <a:xfrm>
+            <a:off x="2592925" y="1643964"/>
+            <a:ext cx="7968733" cy="3854159"/>
+          </a:xfrm>
+          <a:prstGeom prst="rect">
+            <a:avLst/>
+          </a:prstGeom>
+        </p:spPr>
+      </p:pic>
+    </p:spTree>
+    <p:extLst>
+      <p:ext uri="{BB962C8B-B14F-4D97-AF65-F5344CB8AC3E}">
+        <p14:creationId xmlns:p14="http://schemas.microsoft.com/office/powerpoint/2010/main" val="253877625"/>
+      </p:ext>
+    </p:extLst>
+  </p:cSld>
+  <p:clrMapOvr>
+    <a:masterClrMapping/>
+  </p:clrMapOvr>
+  <mc:AlternateContent xmlns:mc="http://schemas.openxmlformats.org/markup-compatibility/2006" xmlns:p14="http://schemas.microsoft.com/office/powerpoint/2010/main">
+    <mc:Choice Requires="p14">
+      <p:transition spd="slow" p14:dur="2000" advTm="74918"/>
+    </mc:Choice>
+    <mc:Fallback xmlns="">
+      <p:transition spd="slow" advTm="74918"/>
+    </mc:Fallback>
+  </mc:AlternateContent>
+</p:sld>
+</file>
+
+<file path=ppt/slides/slide31.xml><?xml version="1.0" encoding="utf-8"?>
+<p:sld xmlns:a="http://schemas.openxmlformats.org/drawingml/2006/main" xmlns:r="http://schemas.openxmlformats.org/officeDocument/2006/relationships" xmlns:p="http://schemas.openxmlformats.org/presentationml/2006/main">
+  <p:cSld>
+    <p:spTree>
+      <p:nvGrpSpPr>
+        <p:cNvPr id="1" name=""/>
+        <p:cNvGrpSpPr/>
+        <p:nvPr/>
+      </p:nvGrpSpPr>
+      <p:grpSpPr>
+        <a:xfrm>
+          <a:off x="0" y="0"/>
+          <a:ext cx="0" cy="0"/>
+          <a:chOff x="0" y="0"/>
+          <a:chExt cx="0" cy="0"/>
+        </a:xfrm>
+      </p:grpSpPr>
+      <p:sp>
+        <p:nvSpPr>
+          <p:cNvPr id="2" name="Titre 1">
+            <a:extLst>
+              <a:ext uri="{FF2B5EF4-FFF2-40B4-BE49-F238E27FC236}">
                 <a16:creationId xmlns:a16="http://schemas.microsoft.com/office/drawing/2014/main" id="{E52A49DA-3786-483F-AA3D-48B226E8225E}"/>
               </a:ext>
             </a:extLst>
@@ -16897,7 +20511,7 @@
         <p:spPr>
           <a:xfrm>
             <a:off x="2592925" y="624110"/>
-            <a:ext cx="6189568" cy="1280890"/>
+            <a:ext cx="4628969" cy="1280890"/>
           </a:xfrm>
         </p:spPr>
         <p:txBody>
@@ -16906,7 +20520,7 @@
           <a:p>
             <a:r>
               <a:rPr lang="fr-FR" dirty="0"/>
-              <a:t>Paiement Réussi Suite</a:t>
+              <a:t>Paiement Réussi</a:t>
             </a:r>
           </a:p>
         </p:txBody>
@@ -16935,7 +20549,138 @@
             <a:fld id="{D57F1E4F-1CFF-5643-939E-217C01CDF565}" type="slidenum">
               <a:rPr lang="en-US" smtClean="0"/>
               <a:pPr/>
-              <a:t>30</a:t>
+              <a:t>31</a:t>
+            </a:fld>
+            <a:endParaRPr lang="en-US" dirty="0"/>
+          </a:p>
+        </p:txBody>
+      </p:sp>
+      <p:pic>
+        <p:nvPicPr>
+          <p:cNvPr id="4" name="Image 3">
+            <a:extLst>
+              <a:ext uri="{FF2B5EF4-FFF2-40B4-BE49-F238E27FC236}">
+                <a16:creationId xmlns:a16="http://schemas.microsoft.com/office/drawing/2014/main" id="{2B1E0D90-D6F9-49F1-8827-9820823646ED}"/>
+              </a:ext>
+            </a:extLst>
+          </p:cNvPr>
+          <p:cNvPicPr>
+            <a:picLocks noChangeAspect="1"/>
+          </p:cNvPicPr>
+          <p:nvPr/>
+        </p:nvPicPr>
+        <p:blipFill>
+          <a:blip r:embed="rId2"/>
+          <a:stretch>
+            <a:fillRect/>
+          </a:stretch>
+        </p:blipFill>
+        <p:spPr>
+          <a:xfrm>
+            <a:off x="2482906" y="1264555"/>
+            <a:ext cx="7467209" cy="5377990"/>
+          </a:xfrm>
+          <a:prstGeom prst="rect">
+            <a:avLst/>
+          </a:prstGeom>
+        </p:spPr>
+      </p:pic>
+    </p:spTree>
+    <p:extLst>
+      <p:ext uri="{BB962C8B-B14F-4D97-AF65-F5344CB8AC3E}">
+        <p14:creationId xmlns:p14="http://schemas.microsoft.com/office/powerpoint/2010/main" val="4073099296"/>
+      </p:ext>
+    </p:extLst>
+  </p:cSld>
+  <p:clrMapOvr>
+    <a:masterClrMapping/>
+  </p:clrMapOvr>
+  <mc:AlternateContent xmlns:mc="http://schemas.openxmlformats.org/markup-compatibility/2006" xmlns:p14="http://schemas.microsoft.com/office/powerpoint/2010/main">
+    <mc:Choice Requires="p14">
+      <p:transition spd="slow" p14:dur="2000" advTm="59903"/>
+    </mc:Choice>
+    <mc:Fallback xmlns="">
+      <p:transition spd="slow" advTm="59903"/>
+    </mc:Fallback>
+  </mc:AlternateContent>
+</p:sld>
+</file>
+
+<file path=ppt/slides/slide32.xml><?xml version="1.0" encoding="utf-8"?>
+<p:sld xmlns:a="http://schemas.openxmlformats.org/drawingml/2006/main" xmlns:r="http://schemas.openxmlformats.org/officeDocument/2006/relationships" xmlns:p="http://schemas.openxmlformats.org/presentationml/2006/main">
+  <p:cSld>
+    <p:spTree>
+      <p:nvGrpSpPr>
+        <p:cNvPr id="1" name=""/>
+        <p:cNvGrpSpPr/>
+        <p:nvPr/>
+      </p:nvGrpSpPr>
+      <p:grpSpPr>
+        <a:xfrm>
+          <a:off x="0" y="0"/>
+          <a:ext cx="0" cy="0"/>
+          <a:chOff x="0" y="0"/>
+          <a:chExt cx="0" cy="0"/>
+        </a:xfrm>
+      </p:grpSpPr>
+      <p:sp>
+        <p:nvSpPr>
+          <p:cNvPr id="2" name="Titre 1">
+            <a:extLst>
+              <a:ext uri="{FF2B5EF4-FFF2-40B4-BE49-F238E27FC236}">
+                <a16:creationId xmlns:a16="http://schemas.microsoft.com/office/drawing/2014/main" id="{E52A49DA-3786-483F-AA3D-48B226E8225E}"/>
+              </a:ext>
+            </a:extLst>
+          </p:cNvPr>
+          <p:cNvSpPr>
+            <a:spLocks noGrp="1"/>
+          </p:cNvSpPr>
+          <p:nvPr>
+            <p:ph type="title"/>
+          </p:nvPr>
+        </p:nvSpPr>
+        <p:spPr>
+          <a:xfrm>
+            <a:off x="2592925" y="624110"/>
+            <a:ext cx="6189568" cy="1280890"/>
+          </a:xfrm>
+        </p:spPr>
+        <p:txBody>
+          <a:bodyPr/>
+          <a:lstStyle/>
+          <a:p>
+            <a:r>
+              <a:rPr lang="fr-FR" dirty="0"/>
+              <a:t>Paiement Réussi Suite</a:t>
+            </a:r>
+          </a:p>
+        </p:txBody>
+      </p:sp>
+      <p:sp>
+        <p:nvSpPr>
+          <p:cNvPr id="6" name="Espace réservé du numéro de diapositive 5">
+            <a:extLst>
+              <a:ext uri="{FF2B5EF4-FFF2-40B4-BE49-F238E27FC236}">
+                <a16:creationId xmlns:a16="http://schemas.microsoft.com/office/drawing/2014/main" id="{279E35C9-0FCF-4244-9B94-C771E613E77F}"/>
+              </a:ext>
+            </a:extLst>
+          </p:cNvPr>
+          <p:cNvSpPr>
+            <a:spLocks noGrp="1"/>
+          </p:cNvSpPr>
+          <p:nvPr>
+            <p:ph type="sldNum" sz="quarter" idx="12"/>
+          </p:nvPr>
+        </p:nvSpPr>
+        <p:spPr/>
+        <p:txBody>
+          <a:bodyPr/>
+          <a:lstStyle/>
+          <a:p>
+            <a:fld id="{D57F1E4F-1CFF-5643-939E-217C01CDF565}" type="slidenum">
+              <a:rPr lang="en-US" smtClean="0"/>
+              <a:pPr/>
+              <a:t>32</a:t>
             </a:fld>
             <a:endParaRPr lang="en-US" dirty="0"/>
           </a:p>
@@ -16992,7 +20737,7 @@
 </p:sld>
 </file>
 
-<file path=ppt/slides/slide31.xml><?xml version="1.0" encoding="utf-8"?>
+<file path=ppt/slides/slide33.xml><?xml version="1.0" encoding="utf-8"?>
 <p:sld xmlns:a="http://schemas.openxmlformats.org/drawingml/2006/main" xmlns:r="http://schemas.openxmlformats.org/officeDocument/2006/relationships" xmlns:p="http://schemas.openxmlformats.org/presentationml/2006/main">
   <p:cSld>
     <p:bg>
@@ -20836,7 +24581,7 @@
             <a:fld id="{D57F1E4F-1CFF-5643-939E-217C01CDF565}" type="slidenum">
               <a:rPr lang="en-US" smtClean="0"/>
               <a:pPr/>
-              <a:t>31</a:t>
+              <a:t>33</a:t>
             </a:fld>
             <a:endParaRPr lang="en-US" dirty="0"/>
           </a:p>
@@ -20863,7 +24608,7 @@
 </p:sld>
 </file>
 
-<file path=ppt/slides/slide32.xml><?xml version="1.0" encoding="utf-8"?>
+<file path=ppt/slides/slide34.xml><?xml version="1.0" encoding="utf-8"?>
 <p:sld xmlns:a="http://schemas.openxmlformats.org/drawingml/2006/main" xmlns:r="http://schemas.openxmlformats.org/officeDocument/2006/relationships" xmlns:p="http://schemas.openxmlformats.org/presentationml/2006/main">
   <p:cSld>
     <p:spTree>
@@ -21010,7 +24755,7 @@
             <a:fld id="{D57F1E4F-1CFF-5643-939E-217C01CDF565}" type="slidenum">
               <a:rPr lang="en-US" smtClean="0"/>
               <a:pPr/>
-              <a:t>32</a:t>
+              <a:t>34</a:t>
             </a:fld>
             <a:endParaRPr lang="en-US" dirty="0"/>
           </a:p>
@@ -21037,7 +24782,7 @@
 </p:sld>
 </file>
 
-<file path=ppt/slides/slide33.xml><?xml version="1.0" encoding="utf-8"?>
+<file path=ppt/slides/slide35.xml><?xml version="1.0" encoding="utf-8"?>
 <p:sld xmlns:a="http://schemas.openxmlformats.org/drawingml/2006/main" xmlns:r="http://schemas.openxmlformats.org/officeDocument/2006/relationships" xmlns:p="http://schemas.openxmlformats.org/presentationml/2006/main">
   <p:cSld>
     <p:spTree>
@@ -21180,7 +24925,7 @@
             <a:fld id="{D57F1E4F-1CFF-5643-939E-217C01CDF565}" type="slidenum">
               <a:rPr lang="en-US" smtClean="0"/>
               <a:pPr/>
-              <a:t>33</a:t>
+              <a:t>35</a:t>
             </a:fld>
             <a:endParaRPr lang="en-US" dirty="0"/>
           </a:p>
@@ -21476,7 +25221,7 @@
 </p:sld>
 </file>
 
-<file path=ppt/slides/slide34.xml><?xml version="1.0" encoding="utf-8"?>
+<file path=ppt/slides/slide36.xml><?xml version="1.0" encoding="utf-8"?>
 <p:sld xmlns:a="http://schemas.openxmlformats.org/drawingml/2006/main" xmlns:r="http://schemas.openxmlformats.org/officeDocument/2006/relationships" xmlns:p="http://schemas.openxmlformats.org/presentationml/2006/main">
   <p:cSld>
     <p:spTree>
@@ -21579,7 +25324,7 @@
             <a:fld id="{D57F1E4F-1CFF-5643-939E-217C01CDF565}" type="slidenum">
               <a:rPr lang="en-US" smtClean="0"/>
               <a:pPr/>
-              <a:t>34</a:t>
+              <a:t>36</a:t>
             </a:fld>
             <a:endParaRPr lang="en-US" dirty="0"/>
           </a:p>
@@ -22283,7 +26028,7 @@
           <a:p>
             <a:r>
               <a:rPr lang="fr-FR" dirty="0"/>
-              <a:t>S’applique à tous les organismes sur le territoire de l’UE ou dont l’activité cibles des personnes se trouvant sur le territoires de l’UE</a:t>
+              <a:t>S’applique à tous les organismes sur le territoire de l’UE ou dont l’activité cible des personnes se trouvant sur le territoires de l’UE</a:t>
             </a:r>
           </a:p>
           <a:p>
@@ -23084,13 +26829,13 @@
           <a:p>
             <a:r>
               <a:rPr lang="fr-FR" dirty="0"/>
-              <a:t>Récupération des données essentielles</a:t>
+              <a:t>Collecte des données essentielles</a:t>
             </a:r>
           </a:p>
           <a:p>
             <a:r>
               <a:rPr lang="fr-FR" dirty="0"/>
-              <a:t>Aucune données sensibles collectées</a:t>
+              <a:t>Aucune donnée sensible collectée</a:t>
             </a:r>
           </a:p>
           <a:p>

--- a/aDoc/Projet boutique en ligne.pptx
+++ b/aDoc/Projet boutique en ligne.pptx
@@ -12145,7 +12145,7 @@
         <p:spPr>
           <a:xfrm>
             <a:off x="2589212" y="2133600"/>
-            <a:ext cx="5539720" cy="4100290"/>
+            <a:ext cx="5539720" cy="1421363"/>
           </a:xfrm>
         </p:spPr>
         <p:txBody>
@@ -12155,68 +12155,68 @@
           <a:lstStyle/>
           <a:p>
             <a:r>
-              <a:rPr lang="fr-FR"/>
-              <a:t>«  php bin/console make:user »</a:t>
-            </a:r>
-          </a:p>
-          <a:p>
-            <a:r>
-              <a:rPr lang="fr-FR"/>
-              <a:t>«  php bin/console make:registration-form »</a:t>
-            </a:r>
-          </a:p>
-          <a:p>
-            <a:r>
-              <a:rPr lang="fr-FR"/>
-              <a:t>« php bin/console make:auth »</a:t>
-            </a:r>
-          </a:p>
-          <a:p>
-            <a:r>
-              <a:rPr lang="fr-FR"/>
-              <a:t>Fichier Security. yaml</a:t>
-            </a:r>
-          </a:p>
-          <a:p>
-            <a:pPr lvl="1"/>
-            <a:r>
-              <a:rPr lang="fr-FR"/>
-              <a:t>ARGON2</a:t>
-            </a:r>
-          </a:p>
-          <a:p>
-            <a:pPr lvl="1"/>
-            <a:r>
-              <a:rPr lang="fr-FR"/>
-              <a:t>Authentification</a:t>
-            </a:r>
-          </a:p>
-          <a:p>
-            <a:pPr lvl="2"/>
-            <a:r>
-              <a:rPr lang="fr-FR"/>
-              <a:t>Anonyme</a:t>
-            </a:r>
-          </a:p>
-          <a:p>
-            <a:pPr lvl="2"/>
-            <a:r>
-              <a:rPr lang="fr-FR"/>
-              <a:t>Formulaire de connexion</a:t>
-            </a:r>
-          </a:p>
-          <a:p>
-            <a:pPr lvl="2"/>
-            <a:r>
-              <a:rPr lang="fr-FR"/>
-              <a:t>Se déconnecter</a:t>
-            </a:r>
-          </a:p>
-          <a:p>
-            <a:pPr lvl="1"/>
-            <a:r>
-              <a:rPr lang="fr-FR"/>
-              <a:t>Autorisation</a:t>
+              <a:rPr lang="fr-FR" dirty="0"/>
+              <a:t>«  </a:t>
+            </a:r>
+            <a:r>
+              <a:rPr lang="fr-FR" dirty="0" err="1"/>
+              <a:t>php</a:t>
+            </a:r>
+            <a:r>
+              <a:rPr lang="fr-FR" dirty="0"/>
+              <a:t> bin/console </a:t>
+            </a:r>
+            <a:r>
+              <a:rPr lang="fr-FR" dirty="0" err="1"/>
+              <a:t>make:user</a:t>
+            </a:r>
+            <a:r>
+              <a:rPr lang="fr-FR" dirty="0"/>
+              <a:t> »</a:t>
+            </a:r>
+          </a:p>
+          <a:p>
+            <a:r>
+              <a:rPr lang="fr-FR" dirty="0"/>
+              <a:t>«  </a:t>
+            </a:r>
+            <a:r>
+              <a:rPr lang="fr-FR" dirty="0" err="1"/>
+              <a:t>php</a:t>
+            </a:r>
+            <a:r>
+              <a:rPr lang="fr-FR" dirty="0"/>
+              <a:t> bin/console </a:t>
+            </a:r>
+            <a:r>
+              <a:rPr lang="fr-FR" dirty="0" err="1"/>
+              <a:t>make:registration-form</a:t>
+            </a:r>
+            <a:r>
+              <a:rPr lang="fr-FR" dirty="0"/>
+              <a:t> »</a:t>
+            </a:r>
+          </a:p>
+          <a:p>
+            <a:r>
+              <a:rPr lang="fr-FR" dirty="0"/>
+              <a:t>« </a:t>
+            </a:r>
+            <a:r>
+              <a:rPr lang="fr-FR" dirty="0" err="1"/>
+              <a:t>php</a:t>
+            </a:r>
+            <a:r>
+              <a:rPr lang="fr-FR" dirty="0"/>
+              <a:t> bin/console </a:t>
+            </a:r>
+            <a:r>
+              <a:rPr lang="fr-FR" dirty="0" err="1"/>
+              <a:t>make:auth</a:t>
+            </a:r>
+            <a:r>
+              <a:rPr lang="fr-FR" dirty="0"/>
+              <a:t> »</a:t>
             </a:r>
           </a:p>
           <a:p>
@@ -19704,7 +19704,12 @@
             <p:ph type="title"/>
           </p:nvPr>
         </p:nvSpPr>
-        <p:spPr/>
+        <p:spPr>
+          <a:xfrm>
+            <a:off x="2592925" y="624110"/>
+            <a:ext cx="8911687" cy="690340"/>
+          </a:xfrm>
+        </p:spPr>
         <p:txBody>
           <a:bodyPr/>
           <a:lstStyle/>
@@ -19748,10 +19753,10 @@
       </p:sp>
       <p:pic>
         <p:nvPicPr>
-          <p:cNvPr id="9" name="Image 8">
+          <p:cNvPr id="4" name="Image 3">
             <a:extLst>
               <a:ext uri="{FF2B5EF4-FFF2-40B4-BE49-F238E27FC236}">
-                <a16:creationId xmlns:a16="http://schemas.microsoft.com/office/drawing/2014/main" id="{B65D7560-25DE-41C4-9A2F-C44FDA96C404}"/>
+                <a16:creationId xmlns:a16="http://schemas.microsoft.com/office/drawing/2014/main" id="{36599C27-8889-42A3-B1CE-E24664250FF1}"/>
               </a:ext>
             </a:extLst>
           </p:cNvPr>
@@ -19762,13 +19767,13 @@
         </p:nvPicPr>
         <p:blipFill rotWithShape="1">
           <a:blip r:embed="rId2"/>
-          <a:srcRect t="36059"/>
+          <a:srcRect b="23231"/>
           <a:stretch/>
         </p:blipFill>
         <p:spPr>
           <a:xfrm>
-            <a:off x="2592925" y="1594883"/>
-            <a:ext cx="8735644" cy="2704518"/>
+            <a:off x="2592925" y="1752600"/>
+            <a:ext cx="6706536" cy="2844869"/>
           </a:xfrm>
           <a:prstGeom prst="rect">
             <a:avLst/>
@@ -24698,7 +24703,19 @@
           <a:p>
             <a:r>
               <a:rPr lang="fr-FR" dirty="0"/>
+              <a:t>Formulaire de contact</a:t>
+            </a:r>
+          </a:p>
+          <a:p>
+            <a:r>
+              <a:rPr lang="fr-FR" dirty="0"/>
               <a:t>Filtre &amp; panier en AJAX</a:t>
+            </a:r>
+          </a:p>
+          <a:p>
+            <a:r>
+              <a:rPr lang="fr-FR" dirty="0"/>
+              <a:t>Fil d’ariane</a:t>
             </a:r>
           </a:p>
           <a:p>
@@ -24884,14 +24901,8 @@
           <a:p>
             <a:r>
               <a:rPr lang="fr-FR" dirty="0"/>
-              <a:t>Optimisation du code</a:t>
-            </a:r>
-          </a:p>
-          <a:p>
-            <a:pPr marL="0" indent="0">
-              <a:buNone/>
-            </a:pPr>
-            <a:endParaRPr lang="fr-FR" dirty="0"/>
+              <a:t>Optimisation de l’ergonomie et du design</a:t>
+            </a:r>
           </a:p>
           <a:p>
             <a:pPr marL="0" indent="0">

--- a/aDoc/Projet boutique en ligne.pptx
+++ b/aDoc/Projet boutique en ligne.pptx
@@ -4202,7 +4202,7 @@
           <a:p>
             <a:fld id="{2CDCDF8F-3D54-4115-A7BF-B22B247C4638}" type="datetimeFigureOut">
               <a:rPr lang="fr-FR" smtClean="0"/>
-              <a:t>02/02/2021</a:t>
+              <a:t>10/02/2021</a:t>
             </a:fld>
             <a:endParaRPr lang="fr-FR"/>
           </a:p>
@@ -4657,7 +4657,7 @@
           <a:p>
             <a:fld id="{30BF176E-CADB-48F9-B97C-1D186AD99C00}" type="datetime1">
               <a:rPr lang="en-US" smtClean="0"/>
-              <a:t>2/2/2021</a:t>
+              <a:t>2/10/2021</a:t>
             </a:fld>
             <a:endParaRPr lang="en-US" dirty="0"/>
           </a:p>
@@ -4991,7 +4991,7 @@
           <a:p>
             <a:fld id="{F8B59121-EE1F-4479-B37D-243652B9AF57}" type="datetime1">
               <a:rPr lang="en-US" smtClean="0"/>
-              <a:t>2/2/2021</a:t>
+              <a:t>2/10/2021</a:t>
             </a:fld>
             <a:endParaRPr lang="en-US" dirty="0"/>
           </a:p>
@@ -5388,7 +5388,7 @@
           <a:p>
             <a:fld id="{37C5854A-430C-41F8-B4AA-EEE3BC935C71}" type="datetime1">
               <a:rPr lang="en-US" smtClean="0"/>
-              <a:t>2/2/2021</a:t>
+              <a:t>2/10/2021</a:t>
             </a:fld>
             <a:endParaRPr lang="en-US" dirty="0"/>
           </a:p>
@@ -5720,7 +5720,7 @@
           <a:p>
             <a:fld id="{B00D6915-AD78-415E-9082-43687253A670}" type="datetime1">
               <a:rPr lang="en-US" smtClean="0"/>
-              <a:t>2/2/2021</a:t>
+              <a:t>2/10/2021</a:t>
             </a:fld>
             <a:endParaRPr lang="en-US" dirty="0"/>
           </a:p>
@@ -6036,7 +6036,7 @@
           <a:p>
             <a:fld id="{C688B8AB-7942-4DD7-9B83-C03FBC9CFF5D}" type="datetime1">
               <a:rPr lang="en-US" smtClean="0"/>
-              <a:t>2/2/2021</a:t>
+              <a:t>2/10/2021</a:t>
             </a:fld>
             <a:endParaRPr lang="en-US" dirty="0"/>
           </a:p>
@@ -6428,7 +6428,7 @@
           <a:p>
             <a:fld id="{6626BFCB-E957-4302-B399-C285F828936F}" type="datetime1">
               <a:rPr lang="en-US" smtClean="0"/>
-              <a:t>2/2/2021</a:t>
+              <a:t>2/10/2021</a:t>
             </a:fld>
             <a:endParaRPr lang="en-US" dirty="0"/>
           </a:p>
@@ -6681,7 +6681,7 @@
           <a:p>
             <a:fld id="{805BCEB2-B0F8-49F6-9921-FCDDB047B27B}" type="datetime1">
               <a:rPr lang="en-US" smtClean="0"/>
-              <a:t>2/2/2021</a:t>
+              <a:t>2/10/2021</a:t>
             </a:fld>
             <a:endParaRPr lang="en-US" dirty="0"/>
           </a:p>
@@ -6939,7 +6939,7 @@
           <a:p>
             <a:fld id="{8D966F9A-AED3-4BCA-93CD-F2BA2FA9764A}" type="datetime1">
               <a:rPr lang="en-US" smtClean="0"/>
-              <a:t>2/2/2021</a:t>
+              <a:t>2/10/2021</a:t>
             </a:fld>
             <a:endParaRPr lang="en-US" dirty="0"/>
           </a:p>
@@ -7197,7 +7197,7 @@
           <a:p>
             <a:fld id="{25471B62-9AD3-44B3-9B01-E63E073463FB}" type="datetime1">
               <a:rPr lang="en-US" smtClean="0"/>
-              <a:t>2/2/2021</a:t>
+              <a:t>2/10/2021</a:t>
             </a:fld>
             <a:endParaRPr lang="en-US" dirty="0"/>
           </a:p>
@@ -7522,7 +7522,7 @@
           <a:p>
             <a:fld id="{0B6236A2-B66E-4463-AD93-2D5632174887}" type="datetime1">
               <a:rPr lang="en-US" smtClean="0"/>
-              <a:t>2/2/2021</a:t>
+              <a:t>2/10/2021</a:t>
             </a:fld>
             <a:endParaRPr lang="en-US" dirty="0"/>
           </a:p>
@@ -7841,7 +7841,7 @@
           <a:p>
             <a:fld id="{7A72F98A-E971-4236-B7C4-1A6C45CC50CE}" type="datetime1">
               <a:rPr lang="en-US" smtClean="0"/>
-              <a:t>2/2/2021</a:t>
+              <a:t>2/10/2021</a:t>
             </a:fld>
             <a:endParaRPr lang="en-US" dirty="0"/>
           </a:p>
@@ -8294,7 +8294,7 @@
           <a:p>
             <a:fld id="{3FF510AB-544C-40EA-B938-196EAA3D0F2B}" type="datetime1">
               <a:rPr lang="en-US" smtClean="0"/>
-              <a:t>2/2/2021</a:t>
+              <a:t>2/10/2021</a:t>
             </a:fld>
             <a:endParaRPr lang="en-US" dirty="0"/>
           </a:p>
@@ -8495,7 +8495,7 @@
           <a:p>
             <a:fld id="{1D433965-0187-4094-8A8E-91F2CA57F05E}" type="datetime1">
               <a:rPr lang="en-US" smtClean="0"/>
-              <a:t>2/2/2021</a:t>
+              <a:t>2/10/2021</a:t>
             </a:fld>
             <a:endParaRPr lang="en-US" dirty="0"/>
           </a:p>
@@ -8668,7 +8668,7 @@
           <a:p>
             <a:fld id="{69129591-3F3E-4E3F-944D-AF26B2D532FD}" type="datetime1">
               <a:rPr lang="en-US" smtClean="0"/>
-              <a:t>2/2/2021</a:t>
+              <a:t>2/10/2021</a:t>
             </a:fld>
             <a:endParaRPr lang="en-US" dirty="0"/>
           </a:p>
@@ -8997,7 +8997,7 @@
           <a:p>
             <a:fld id="{29C7A8B3-BC23-4952-B9C1-8515DB3EAF5D}" type="datetime1">
               <a:rPr lang="en-US" smtClean="0"/>
-              <a:t>2/2/2021</a:t>
+              <a:t>2/10/2021</a:t>
             </a:fld>
             <a:endParaRPr lang="en-US" dirty="0"/>
           </a:p>
@@ -9338,7 +9338,7 @@
           <a:p>
             <a:fld id="{802DCC3A-F874-4662-A1A8-F3F6DA43E4A3}" type="datetime1">
               <a:rPr lang="en-US" smtClean="0"/>
-              <a:t>2/2/2021</a:t>
+              <a:t>2/10/2021</a:t>
             </a:fld>
             <a:endParaRPr lang="en-US" dirty="0"/>
           </a:p>
@@ -11451,7 +11451,7 @@
           <a:p>
             <a:fld id="{29463D4B-AA9E-408A-A82A-29FCBE21BC24}" type="datetime1">
               <a:rPr lang="en-US" smtClean="0"/>
-              <a:t>2/2/2021</a:t>
+              <a:t>2/10/2021</a:t>
             </a:fld>
             <a:endParaRPr lang="en-US" dirty="0"/>
           </a:p>
@@ -12756,6 +12756,171 @@
       <p:transition spd="slow" advTm="136960"/>
     </mc:Fallback>
   </mc:AlternateContent>
+  <p:timing>
+    <p:tnLst>
+      <p:par>
+        <p:cTn id="1" dur="indefinite" restart="never" nodeType="tmRoot">
+          <p:childTnLst>
+            <p:seq concurrent="1" nextAc="seek">
+              <p:cTn id="2" dur="indefinite" nodeType="mainSeq">
+                <p:childTnLst>
+                  <p:par>
+                    <p:cTn id="3" fill="hold">
+                      <p:stCondLst>
+                        <p:cond delay="indefinite"/>
+                      </p:stCondLst>
+                      <p:childTnLst>
+                        <p:par>
+                          <p:cTn id="4" fill="hold">
+                            <p:stCondLst>
+                              <p:cond delay="0"/>
+                            </p:stCondLst>
+                            <p:childTnLst>
+                              <p:par>
+                                <p:cTn id="5" presetID="1" presetClass="entr" presetSubtype="0" fill="hold" nodeType="clickEffect">
+                                  <p:stCondLst>
+                                    <p:cond delay="0"/>
+                                  </p:stCondLst>
+                                  <p:childTnLst>
+                                    <p:set>
+                                      <p:cBhvr>
+                                        <p:cTn id="6" dur="1" fill="hold">
+                                          <p:stCondLst>
+                                            <p:cond delay="0"/>
+                                          </p:stCondLst>
+                                        </p:cTn>
+                                        <p:tgtEl>
+                                          <p:spTgt spid="7"/>
+                                        </p:tgtEl>
+                                        <p:attrNameLst>
+                                          <p:attrName>style.visibility</p:attrName>
+                                        </p:attrNameLst>
+                                      </p:cBhvr>
+                                      <p:to>
+                                        <p:strVal val="visible"/>
+                                      </p:to>
+                                    </p:set>
+                                  </p:childTnLst>
+                                </p:cTn>
+                              </p:par>
+                            </p:childTnLst>
+                          </p:cTn>
+                        </p:par>
+                      </p:childTnLst>
+                    </p:cTn>
+                  </p:par>
+                  <p:par>
+                    <p:cTn id="7" fill="hold">
+                      <p:stCondLst>
+                        <p:cond delay="indefinite"/>
+                      </p:stCondLst>
+                      <p:childTnLst>
+                        <p:par>
+                          <p:cTn id="8" fill="hold">
+                            <p:stCondLst>
+                              <p:cond delay="0"/>
+                            </p:stCondLst>
+                            <p:childTnLst>
+                              <p:par>
+                                <p:cTn id="9" presetID="1" presetClass="entr" presetSubtype="0" fill="hold" nodeType="clickEffect">
+                                  <p:stCondLst>
+                                    <p:cond delay="0"/>
+                                  </p:stCondLst>
+                                  <p:childTnLst>
+                                    <p:set>
+                                      <p:cBhvr>
+                                        <p:cTn id="10" dur="1" fill="hold">
+                                          <p:stCondLst>
+                                            <p:cond delay="0"/>
+                                          </p:stCondLst>
+                                        </p:cTn>
+                                        <p:tgtEl>
+                                          <p:spTgt spid="9"/>
+                                        </p:tgtEl>
+                                        <p:attrNameLst>
+                                          <p:attrName>style.visibility</p:attrName>
+                                        </p:attrNameLst>
+                                      </p:cBhvr>
+                                      <p:to>
+                                        <p:strVal val="visible"/>
+                                      </p:to>
+                                    </p:set>
+                                  </p:childTnLst>
+                                </p:cTn>
+                              </p:par>
+                            </p:childTnLst>
+                          </p:cTn>
+                        </p:par>
+                      </p:childTnLst>
+                    </p:cTn>
+                  </p:par>
+                  <p:par>
+                    <p:cTn id="11" fill="hold">
+                      <p:stCondLst>
+                        <p:cond delay="indefinite"/>
+                      </p:stCondLst>
+                      <p:childTnLst>
+                        <p:par>
+                          <p:cTn id="12" fill="hold">
+                            <p:stCondLst>
+                              <p:cond delay="0"/>
+                            </p:stCondLst>
+                            <p:childTnLst>
+                              <p:par>
+                                <p:cTn id="13" presetID="1" presetClass="entr" presetSubtype="0" fill="hold" nodeType="clickEffect">
+                                  <p:stCondLst>
+                                    <p:cond delay="0"/>
+                                  </p:stCondLst>
+                                  <p:childTnLst>
+                                    <p:set>
+                                      <p:cBhvr>
+                                        <p:cTn id="14" dur="1" fill="hold">
+                                          <p:stCondLst>
+                                            <p:cond delay="0"/>
+                                          </p:stCondLst>
+                                        </p:cTn>
+                                        <p:tgtEl>
+                                          <p:spTgt spid="11"/>
+                                        </p:tgtEl>
+                                        <p:attrNameLst>
+                                          <p:attrName>style.visibility</p:attrName>
+                                        </p:attrNameLst>
+                                      </p:cBhvr>
+                                      <p:to>
+                                        <p:strVal val="visible"/>
+                                      </p:to>
+                                    </p:set>
+                                  </p:childTnLst>
+                                </p:cTn>
+                              </p:par>
+                            </p:childTnLst>
+                          </p:cTn>
+                        </p:par>
+                      </p:childTnLst>
+                    </p:cTn>
+                  </p:par>
+                </p:childTnLst>
+              </p:cTn>
+              <p:prevCondLst>
+                <p:cond evt="onPrev" delay="0">
+                  <p:tgtEl>
+                    <p:sldTgt/>
+                  </p:tgtEl>
+                </p:cond>
+              </p:prevCondLst>
+              <p:nextCondLst>
+                <p:cond evt="onNext" delay="0">
+                  <p:tgtEl>
+                    <p:sldTgt/>
+                  </p:tgtEl>
+                </p:cond>
+              </p:nextCondLst>
+            </p:seq>
+          </p:childTnLst>
+        </p:cTn>
+      </p:par>
+    </p:tnLst>
+  </p:timing>
 </p:sld>
 </file>
 
@@ -14239,6 +14404,81 @@
       <p:transition spd="slow" advTm="30791"/>
     </mc:Fallback>
   </mc:AlternateContent>
+  <p:timing>
+    <p:tnLst>
+      <p:par>
+        <p:cTn id="1" dur="indefinite" restart="never" nodeType="tmRoot">
+          <p:childTnLst>
+            <p:seq concurrent="1" nextAc="seek">
+              <p:cTn id="2" dur="indefinite" nodeType="mainSeq">
+                <p:childTnLst>
+                  <p:par>
+                    <p:cTn id="3" fill="hold">
+                      <p:stCondLst>
+                        <p:cond delay="indefinite"/>
+                      </p:stCondLst>
+                      <p:childTnLst>
+                        <p:par>
+                          <p:cTn id="4" fill="hold">
+                            <p:stCondLst>
+                              <p:cond delay="0"/>
+                            </p:stCondLst>
+                            <p:childTnLst>
+                              <p:par>
+                                <p:cTn id="5" presetID="1" presetClass="entr" presetSubtype="0" fill="hold" nodeType="clickEffect">
+                                  <p:stCondLst>
+                                    <p:cond delay="0"/>
+                                  </p:stCondLst>
+                                  <p:childTnLst>
+                                    <p:set>
+                                      <p:cBhvr>
+                                        <p:cTn id="6" dur="1" fill="hold">
+                                          <p:stCondLst>
+                                            <p:cond delay="0"/>
+                                          </p:stCondLst>
+                                        </p:cTn>
+                                        <p:tgtEl>
+                                          <p:spTgt spid="13"/>
+                                        </p:tgtEl>
+                                        <p:attrNameLst>
+                                          <p:attrName>style.visibility</p:attrName>
+                                        </p:attrNameLst>
+                                      </p:cBhvr>
+                                      <p:to>
+                                        <p:strVal val="visible"/>
+                                      </p:to>
+                                    </p:set>
+                                  </p:childTnLst>
+                                </p:cTn>
+                              </p:par>
+                            </p:childTnLst>
+                          </p:cTn>
+                        </p:par>
+                      </p:childTnLst>
+                    </p:cTn>
+                  </p:par>
+                </p:childTnLst>
+              </p:cTn>
+              <p:prevCondLst>
+                <p:cond evt="onPrev" delay="0">
+                  <p:tgtEl>
+                    <p:sldTgt/>
+                  </p:tgtEl>
+                </p:cond>
+              </p:prevCondLst>
+              <p:nextCondLst>
+                <p:cond evt="onNext" delay="0">
+                  <p:tgtEl>
+                    <p:sldTgt/>
+                  </p:tgtEl>
+                </p:cond>
+              </p:nextCondLst>
+            </p:seq>
+          </p:childTnLst>
+        </p:cTn>
+      </p:par>
+    </p:tnLst>
+  </p:timing>
 </p:sld>
 </file>
 
@@ -14868,6 +15108,81 @@
       <p:transition spd="slow" advTm="62502"/>
     </mc:Fallback>
   </mc:AlternateContent>
+  <p:timing>
+    <p:tnLst>
+      <p:par>
+        <p:cTn id="1" dur="indefinite" restart="never" nodeType="tmRoot">
+          <p:childTnLst>
+            <p:seq concurrent="1" nextAc="seek">
+              <p:cTn id="2" dur="indefinite" nodeType="mainSeq">
+                <p:childTnLst>
+                  <p:par>
+                    <p:cTn id="3" fill="hold">
+                      <p:stCondLst>
+                        <p:cond delay="indefinite"/>
+                      </p:stCondLst>
+                      <p:childTnLst>
+                        <p:par>
+                          <p:cTn id="4" fill="hold">
+                            <p:stCondLst>
+                              <p:cond delay="0"/>
+                            </p:stCondLst>
+                            <p:childTnLst>
+                              <p:par>
+                                <p:cTn id="5" presetID="1" presetClass="entr" presetSubtype="0" fill="hold" nodeType="clickEffect">
+                                  <p:stCondLst>
+                                    <p:cond delay="0"/>
+                                  </p:stCondLst>
+                                  <p:childTnLst>
+                                    <p:set>
+                                      <p:cBhvr>
+                                        <p:cTn id="6" dur="1" fill="hold">
+                                          <p:stCondLst>
+                                            <p:cond delay="0"/>
+                                          </p:stCondLst>
+                                        </p:cTn>
+                                        <p:tgtEl>
+                                          <p:spTgt spid="8"/>
+                                        </p:tgtEl>
+                                        <p:attrNameLst>
+                                          <p:attrName>style.visibility</p:attrName>
+                                        </p:attrNameLst>
+                                      </p:cBhvr>
+                                      <p:to>
+                                        <p:strVal val="visible"/>
+                                      </p:to>
+                                    </p:set>
+                                  </p:childTnLst>
+                                </p:cTn>
+                              </p:par>
+                            </p:childTnLst>
+                          </p:cTn>
+                        </p:par>
+                      </p:childTnLst>
+                    </p:cTn>
+                  </p:par>
+                </p:childTnLst>
+              </p:cTn>
+              <p:prevCondLst>
+                <p:cond evt="onPrev" delay="0">
+                  <p:tgtEl>
+                    <p:sldTgt/>
+                  </p:tgtEl>
+                </p:cond>
+              </p:prevCondLst>
+              <p:nextCondLst>
+                <p:cond evt="onNext" delay="0">
+                  <p:tgtEl>
+                    <p:sldTgt/>
+                  </p:tgtEl>
+                </p:cond>
+              </p:nextCondLst>
+            </p:seq>
+          </p:childTnLst>
+        </p:cTn>
+      </p:par>
+    </p:tnLst>
+  </p:timing>
 </p:sld>
 </file>
 
@@ -25657,14 +25972,393 @@
   <p:clrMapOvr>
     <a:masterClrMapping/>
   </p:clrMapOvr>
-  <mc:AlternateContent xmlns:mc="http://schemas.openxmlformats.org/markup-compatibility/2006" xmlns:p14="http://schemas.microsoft.com/office/powerpoint/2010/main">
-    <mc:Choice Requires="p14">
-      <p:transition spd="slow" p14:dur="2000" advTm="66888"/>
+  <mc:AlternateContent xmlns:mc="http://schemas.openxmlformats.org/markup-compatibility/2006">
+    <mc:Choice xmlns:p14="http://schemas.microsoft.com/office/powerpoint/2010/main" Requires="p14">
+      <p:transition p14:dur="0" advTm="66888"/>
     </mc:Choice>
-    <mc:Fallback xmlns="">
-      <p:transition spd="slow" advTm="66888"/>
+    <mc:Fallback>
+      <p:transition advTm="66888"/>
     </mc:Fallback>
   </mc:AlternateContent>
+  <p:timing>
+    <p:tnLst>
+      <p:par>
+        <p:cTn id="1" dur="indefinite" restart="never" nodeType="tmRoot">
+          <p:childTnLst>
+            <p:seq concurrent="1" nextAc="seek">
+              <p:cTn id="2" dur="indefinite" nodeType="mainSeq">
+                <p:childTnLst>
+                  <p:par>
+                    <p:cTn id="3" fill="hold">
+                      <p:stCondLst>
+                        <p:cond delay="indefinite"/>
+                      </p:stCondLst>
+                      <p:childTnLst>
+                        <p:par>
+                          <p:cTn id="4" fill="hold">
+                            <p:stCondLst>
+                              <p:cond delay="0"/>
+                            </p:stCondLst>
+                            <p:childTnLst>
+                              <p:par>
+                                <p:cTn id="5" presetID="1" presetClass="entr" presetSubtype="0" fill="hold" grpId="0" nodeType="clickEffect">
+                                  <p:stCondLst>
+                                    <p:cond delay="0"/>
+                                  </p:stCondLst>
+                                  <p:childTnLst>
+                                    <p:set>
+                                      <p:cBhvr>
+                                        <p:cTn id="6" dur="1" fill="hold">
+                                          <p:stCondLst>
+                                            <p:cond delay="0"/>
+                                          </p:stCondLst>
+                                        </p:cTn>
+                                        <p:tgtEl>
+                                          <p:spTgt spid="3">
+                                            <p:txEl>
+                                              <p:pRg st="0" end="0"/>
+                                            </p:txEl>
+                                          </p:spTgt>
+                                        </p:tgtEl>
+                                        <p:attrNameLst>
+                                          <p:attrName>style.visibility</p:attrName>
+                                        </p:attrNameLst>
+                                      </p:cBhvr>
+                                      <p:to>
+                                        <p:strVal val="visible"/>
+                                      </p:to>
+                                    </p:set>
+                                  </p:childTnLst>
+                                </p:cTn>
+                              </p:par>
+                              <p:par>
+                                <p:cTn id="7" presetID="1" presetClass="entr" presetSubtype="0" fill="hold" grpId="0" nodeType="withEffect">
+                                  <p:stCondLst>
+                                    <p:cond delay="0"/>
+                                  </p:stCondLst>
+                                  <p:childTnLst>
+                                    <p:set>
+                                      <p:cBhvr>
+                                        <p:cTn id="8" dur="1" fill="hold">
+                                          <p:stCondLst>
+                                            <p:cond delay="0"/>
+                                          </p:stCondLst>
+                                        </p:cTn>
+                                        <p:tgtEl>
+                                          <p:spTgt spid="3">
+                                            <p:txEl>
+                                              <p:pRg st="1" end="1"/>
+                                            </p:txEl>
+                                          </p:spTgt>
+                                        </p:tgtEl>
+                                        <p:attrNameLst>
+                                          <p:attrName>style.visibility</p:attrName>
+                                        </p:attrNameLst>
+                                      </p:cBhvr>
+                                      <p:to>
+                                        <p:strVal val="visible"/>
+                                      </p:to>
+                                    </p:set>
+                                  </p:childTnLst>
+                                </p:cTn>
+                              </p:par>
+                              <p:par>
+                                <p:cTn id="9" presetID="1" presetClass="entr" presetSubtype="0" fill="hold" grpId="0" nodeType="withEffect">
+                                  <p:stCondLst>
+                                    <p:cond delay="0"/>
+                                  </p:stCondLst>
+                                  <p:childTnLst>
+                                    <p:set>
+                                      <p:cBhvr>
+                                        <p:cTn id="10" dur="1" fill="hold">
+                                          <p:stCondLst>
+                                            <p:cond delay="0"/>
+                                          </p:stCondLst>
+                                        </p:cTn>
+                                        <p:tgtEl>
+                                          <p:spTgt spid="3">
+                                            <p:txEl>
+                                              <p:pRg st="2" end="2"/>
+                                            </p:txEl>
+                                          </p:spTgt>
+                                        </p:tgtEl>
+                                        <p:attrNameLst>
+                                          <p:attrName>style.visibility</p:attrName>
+                                        </p:attrNameLst>
+                                      </p:cBhvr>
+                                      <p:to>
+                                        <p:strVal val="visible"/>
+                                      </p:to>
+                                    </p:set>
+                                  </p:childTnLst>
+                                </p:cTn>
+                              </p:par>
+                              <p:par>
+                                <p:cTn id="11" presetID="1" presetClass="entr" presetSubtype="0" fill="hold" grpId="0" nodeType="withEffect">
+                                  <p:stCondLst>
+                                    <p:cond delay="0"/>
+                                  </p:stCondLst>
+                                  <p:childTnLst>
+                                    <p:set>
+                                      <p:cBhvr>
+                                        <p:cTn id="12" dur="1" fill="hold">
+                                          <p:stCondLst>
+                                            <p:cond delay="0"/>
+                                          </p:stCondLst>
+                                        </p:cTn>
+                                        <p:tgtEl>
+                                          <p:spTgt spid="3">
+                                            <p:txEl>
+                                              <p:pRg st="3" end="3"/>
+                                            </p:txEl>
+                                          </p:spTgt>
+                                        </p:tgtEl>
+                                        <p:attrNameLst>
+                                          <p:attrName>style.visibility</p:attrName>
+                                        </p:attrNameLst>
+                                      </p:cBhvr>
+                                      <p:to>
+                                        <p:strVal val="visible"/>
+                                      </p:to>
+                                    </p:set>
+                                  </p:childTnLst>
+                                </p:cTn>
+                              </p:par>
+                              <p:par>
+                                <p:cTn id="13" presetID="1" presetClass="entr" presetSubtype="0" fill="hold" grpId="0" nodeType="withEffect">
+                                  <p:stCondLst>
+                                    <p:cond delay="0"/>
+                                  </p:stCondLst>
+                                  <p:childTnLst>
+                                    <p:set>
+                                      <p:cBhvr>
+                                        <p:cTn id="14" dur="1" fill="hold">
+                                          <p:stCondLst>
+                                            <p:cond delay="0"/>
+                                          </p:stCondLst>
+                                        </p:cTn>
+                                        <p:tgtEl>
+                                          <p:spTgt spid="3">
+                                            <p:txEl>
+                                              <p:pRg st="4" end="4"/>
+                                            </p:txEl>
+                                          </p:spTgt>
+                                        </p:tgtEl>
+                                        <p:attrNameLst>
+                                          <p:attrName>style.visibility</p:attrName>
+                                        </p:attrNameLst>
+                                      </p:cBhvr>
+                                      <p:to>
+                                        <p:strVal val="visible"/>
+                                      </p:to>
+                                    </p:set>
+                                  </p:childTnLst>
+                                </p:cTn>
+                              </p:par>
+                              <p:par>
+                                <p:cTn id="15" presetID="1" presetClass="entr" presetSubtype="0" fill="hold" grpId="0" nodeType="withEffect">
+                                  <p:stCondLst>
+                                    <p:cond delay="0"/>
+                                  </p:stCondLst>
+                                  <p:childTnLst>
+                                    <p:set>
+                                      <p:cBhvr>
+                                        <p:cTn id="16" dur="1" fill="hold">
+                                          <p:stCondLst>
+                                            <p:cond delay="0"/>
+                                          </p:stCondLst>
+                                        </p:cTn>
+                                        <p:tgtEl>
+                                          <p:spTgt spid="3">
+                                            <p:txEl>
+                                              <p:pRg st="5" end="5"/>
+                                            </p:txEl>
+                                          </p:spTgt>
+                                        </p:tgtEl>
+                                        <p:attrNameLst>
+                                          <p:attrName>style.visibility</p:attrName>
+                                        </p:attrNameLst>
+                                      </p:cBhvr>
+                                      <p:to>
+                                        <p:strVal val="visible"/>
+                                      </p:to>
+                                    </p:set>
+                                  </p:childTnLst>
+                                </p:cTn>
+                              </p:par>
+                              <p:par>
+                                <p:cTn id="17" presetID="1" presetClass="entr" presetSubtype="0" fill="hold" grpId="0" nodeType="withEffect">
+                                  <p:stCondLst>
+                                    <p:cond delay="0"/>
+                                  </p:stCondLst>
+                                  <p:childTnLst>
+                                    <p:set>
+                                      <p:cBhvr>
+                                        <p:cTn id="18" dur="1" fill="hold">
+                                          <p:stCondLst>
+                                            <p:cond delay="0"/>
+                                          </p:stCondLst>
+                                        </p:cTn>
+                                        <p:tgtEl>
+                                          <p:spTgt spid="3">
+                                            <p:txEl>
+                                              <p:pRg st="6" end="6"/>
+                                            </p:txEl>
+                                          </p:spTgt>
+                                        </p:tgtEl>
+                                        <p:attrNameLst>
+                                          <p:attrName>style.visibility</p:attrName>
+                                        </p:attrNameLst>
+                                      </p:cBhvr>
+                                      <p:to>
+                                        <p:strVal val="visible"/>
+                                      </p:to>
+                                    </p:set>
+                                  </p:childTnLst>
+                                </p:cTn>
+                              </p:par>
+                            </p:childTnLst>
+                          </p:cTn>
+                        </p:par>
+                      </p:childTnLst>
+                    </p:cTn>
+                  </p:par>
+                  <p:par>
+                    <p:cTn id="19" fill="hold">
+                      <p:stCondLst>
+                        <p:cond delay="indefinite"/>
+                      </p:stCondLst>
+                      <p:childTnLst>
+                        <p:par>
+                          <p:cTn id="20" fill="hold">
+                            <p:stCondLst>
+                              <p:cond delay="0"/>
+                            </p:stCondLst>
+                            <p:childTnLst>
+                              <p:par>
+                                <p:cTn id="21" presetID="1" presetClass="entr" presetSubtype="0" fill="hold" grpId="0" nodeType="clickEffect">
+                                  <p:stCondLst>
+                                    <p:cond delay="0"/>
+                                  </p:stCondLst>
+                                  <p:childTnLst>
+                                    <p:set>
+                                      <p:cBhvr>
+                                        <p:cTn id="22" dur="1" fill="hold">
+                                          <p:stCondLst>
+                                            <p:cond delay="0"/>
+                                          </p:stCondLst>
+                                        </p:cTn>
+                                        <p:tgtEl>
+                                          <p:spTgt spid="3">
+                                            <p:txEl>
+                                              <p:pRg st="7" end="7"/>
+                                            </p:txEl>
+                                          </p:spTgt>
+                                        </p:tgtEl>
+                                        <p:attrNameLst>
+                                          <p:attrName>style.visibility</p:attrName>
+                                        </p:attrNameLst>
+                                      </p:cBhvr>
+                                      <p:to>
+                                        <p:strVal val="visible"/>
+                                      </p:to>
+                                    </p:set>
+                                  </p:childTnLst>
+                                </p:cTn>
+                              </p:par>
+                              <p:par>
+                                <p:cTn id="23" presetID="1" presetClass="entr" presetSubtype="0" fill="hold" grpId="0" nodeType="withEffect">
+                                  <p:stCondLst>
+                                    <p:cond delay="0"/>
+                                  </p:stCondLst>
+                                  <p:childTnLst>
+                                    <p:set>
+                                      <p:cBhvr>
+                                        <p:cTn id="24" dur="1" fill="hold">
+                                          <p:stCondLst>
+                                            <p:cond delay="0"/>
+                                          </p:stCondLst>
+                                        </p:cTn>
+                                        <p:tgtEl>
+                                          <p:spTgt spid="3">
+                                            <p:txEl>
+                                              <p:pRg st="8" end="8"/>
+                                            </p:txEl>
+                                          </p:spTgt>
+                                        </p:tgtEl>
+                                        <p:attrNameLst>
+                                          <p:attrName>style.visibility</p:attrName>
+                                        </p:attrNameLst>
+                                      </p:cBhvr>
+                                      <p:to>
+                                        <p:strVal val="visible"/>
+                                      </p:to>
+                                    </p:set>
+                                  </p:childTnLst>
+                                </p:cTn>
+                              </p:par>
+                              <p:par>
+                                <p:cTn id="25" presetID="1" presetClass="entr" presetSubtype="0" fill="hold" grpId="0" nodeType="withEffect">
+                                  <p:stCondLst>
+                                    <p:cond delay="0"/>
+                                  </p:stCondLst>
+                                  <p:childTnLst>
+                                    <p:set>
+                                      <p:cBhvr>
+                                        <p:cTn id="26" dur="1" fill="hold">
+                                          <p:stCondLst>
+                                            <p:cond delay="0"/>
+                                          </p:stCondLst>
+                                        </p:cTn>
+                                        <p:tgtEl>
+                                          <p:spTgt spid="3">
+                                            <p:txEl>
+                                              <p:pRg st="9" end="9"/>
+                                            </p:txEl>
+                                          </p:spTgt>
+                                        </p:tgtEl>
+                                        <p:attrNameLst>
+                                          <p:attrName>style.visibility</p:attrName>
+                                        </p:attrNameLst>
+                                      </p:cBhvr>
+                                      <p:to>
+                                        <p:strVal val="visible"/>
+                                      </p:to>
+                                    </p:set>
+                                  </p:childTnLst>
+                                </p:cTn>
+                              </p:par>
+                            </p:childTnLst>
+                          </p:cTn>
+                        </p:par>
+                      </p:childTnLst>
+                    </p:cTn>
+                  </p:par>
+                </p:childTnLst>
+              </p:cTn>
+              <p:prevCondLst>
+                <p:cond evt="onPrev" delay="0">
+                  <p:tgtEl>
+                    <p:sldTgt/>
+                  </p:tgtEl>
+                </p:cond>
+              </p:prevCondLst>
+              <p:nextCondLst>
+                <p:cond evt="onNext" delay="0">
+                  <p:tgtEl>
+                    <p:sldTgt/>
+                  </p:tgtEl>
+                </p:cond>
+              </p:nextCondLst>
+            </p:seq>
+          </p:childTnLst>
+        </p:cTn>
+      </p:par>
+    </p:tnLst>
+    <p:bldLst>
+      <p:bldP spid="3" grpId="0" uiExpand="1" build="p"/>
+    </p:bldLst>
+  </p:timing>
 </p:sld>
 </file>
 
@@ -26757,6 +27451,227 @@
       <p:transition spd="slow" advTm="54976"/>
     </mc:Fallback>
   </mc:AlternateContent>
+  <p:timing>
+    <p:tnLst>
+      <p:par>
+        <p:cTn id="1" dur="indefinite" restart="never" nodeType="tmRoot">
+          <p:childTnLst>
+            <p:seq concurrent="1" nextAc="seek">
+              <p:cTn id="2" dur="indefinite" nodeType="mainSeq">
+                <p:childTnLst>
+                  <p:par>
+                    <p:cTn id="3" fill="hold">
+                      <p:stCondLst>
+                        <p:cond delay="indefinite"/>
+                      </p:stCondLst>
+                      <p:childTnLst>
+                        <p:par>
+                          <p:cTn id="4" fill="hold">
+                            <p:stCondLst>
+                              <p:cond delay="0"/>
+                            </p:stCondLst>
+                            <p:childTnLst>
+                              <p:par>
+                                <p:cTn id="5" presetID="1" presetClass="entr" presetSubtype="0" fill="hold" grpId="0" nodeType="clickEffect">
+                                  <p:stCondLst>
+                                    <p:cond delay="0"/>
+                                  </p:stCondLst>
+                                  <p:childTnLst>
+                                    <p:set>
+                                      <p:cBhvr>
+                                        <p:cTn id="6" dur="1" fill="hold">
+                                          <p:stCondLst>
+                                            <p:cond delay="0"/>
+                                          </p:stCondLst>
+                                        </p:cTn>
+                                        <p:tgtEl>
+                                          <p:spTgt spid="3">
+                                            <p:txEl>
+                                              <p:pRg st="0" end="0"/>
+                                            </p:txEl>
+                                          </p:spTgt>
+                                        </p:tgtEl>
+                                        <p:attrNameLst>
+                                          <p:attrName>style.visibility</p:attrName>
+                                        </p:attrNameLst>
+                                      </p:cBhvr>
+                                      <p:to>
+                                        <p:strVal val="visible"/>
+                                      </p:to>
+                                    </p:set>
+                                  </p:childTnLst>
+                                </p:cTn>
+                              </p:par>
+                              <p:par>
+                                <p:cTn id="7" presetID="1" presetClass="entr" presetSubtype="0" fill="hold" grpId="0" nodeType="withEffect">
+                                  <p:stCondLst>
+                                    <p:cond delay="0"/>
+                                  </p:stCondLst>
+                                  <p:childTnLst>
+                                    <p:set>
+                                      <p:cBhvr>
+                                        <p:cTn id="8" dur="1" fill="hold">
+                                          <p:stCondLst>
+                                            <p:cond delay="0"/>
+                                          </p:stCondLst>
+                                        </p:cTn>
+                                        <p:tgtEl>
+                                          <p:spTgt spid="3">
+                                            <p:txEl>
+                                              <p:pRg st="1" end="1"/>
+                                            </p:txEl>
+                                          </p:spTgt>
+                                        </p:tgtEl>
+                                        <p:attrNameLst>
+                                          <p:attrName>style.visibility</p:attrName>
+                                        </p:attrNameLst>
+                                      </p:cBhvr>
+                                      <p:to>
+                                        <p:strVal val="visible"/>
+                                      </p:to>
+                                    </p:set>
+                                  </p:childTnLst>
+                                </p:cTn>
+                              </p:par>
+                              <p:par>
+                                <p:cTn id="9" presetID="1" presetClass="entr" presetSubtype="0" fill="hold" grpId="0" nodeType="withEffect">
+                                  <p:stCondLst>
+                                    <p:cond delay="0"/>
+                                  </p:stCondLst>
+                                  <p:childTnLst>
+                                    <p:set>
+                                      <p:cBhvr>
+                                        <p:cTn id="10" dur="1" fill="hold">
+                                          <p:stCondLst>
+                                            <p:cond delay="0"/>
+                                          </p:stCondLst>
+                                        </p:cTn>
+                                        <p:tgtEl>
+                                          <p:spTgt spid="3">
+                                            <p:txEl>
+                                              <p:pRg st="2" end="2"/>
+                                            </p:txEl>
+                                          </p:spTgt>
+                                        </p:tgtEl>
+                                        <p:attrNameLst>
+                                          <p:attrName>style.visibility</p:attrName>
+                                        </p:attrNameLst>
+                                      </p:cBhvr>
+                                      <p:to>
+                                        <p:strVal val="visible"/>
+                                      </p:to>
+                                    </p:set>
+                                  </p:childTnLst>
+                                </p:cTn>
+                              </p:par>
+                              <p:par>
+                                <p:cTn id="11" presetID="1" presetClass="entr" presetSubtype="0" fill="hold" grpId="0" nodeType="withEffect">
+                                  <p:stCondLst>
+                                    <p:cond delay="0"/>
+                                  </p:stCondLst>
+                                  <p:childTnLst>
+                                    <p:set>
+                                      <p:cBhvr>
+                                        <p:cTn id="12" dur="1" fill="hold">
+                                          <p:stCondLst>
+                                            <p:cond delay="0"/>
+                                          </p:stCondLst>
+                                        </p:cTn>
+                                        <p:tgtEl>
+                                          <p:spTgt spid="3">
+                                            <p:txEl>
+                                              <p:pRg st="3" end="3"/>
+                                            </p:txEl>
+                                          </p:spTgt>
+                                        </p:tgtEl>
+                                        <p:attrNameLst>
+                                          <p:attrName>style.visibility</p:attrName>
+                                        </p:attrNameLst>
+                                      </p:cBhvr>
+                                      <p:to>
+                                        <p:strVal val="visible"/>
+                                      </p:to>
+                                    </p:set>
+                                  </p:childTnLst>
+                                </p:cTn>
+                              </p:par>
+                            </p:childTnLst>
+                          </p:cTn>
+                        </p:par>
+                      </p:childTnLst>
+                    </p:cTn>
+                  </p:par>
+                  <p:par>
+                    <p:cTn id="13" fill="hold">
+                      <p:stCondLst>
+                        <p:cond delay="indefinite"/>
+                      </p:stCondLst>
+                      <p:childTnLst>
+                        <p:par>
+                          <p:cTn id="14" fill="hold">
+                            <p:stCondLst>
+                              <p:cond delay="0"/>
+                            </p:stCondLst>
+                            <p:childTnLst>
+                              <p:par>
+                                <p:cTn id="15" presetID="1" presetClass="entr" presetSubtype="0" fill="hold" grpId="0" nodeType="clickEffect">
+                                  <p:stCondLst>
+                                    <p:cond delay="0"/>
+                                  </p:stCondLst>
+                                  <p:childTnLst>
+                                    <p:set>
+                                      <p:cBhvr>
+                                        <p:cTn id="16" dur="1" fill="hold">
+                                          <p:stCondLst>
+                                            <p:cond delay="0"/>
+                                          </p:stCondLst>
+                                        </p:cTn>
+                                        <p:tgtEl>
+                                          <p:spTgt spid="7"/>
+                                        </p:tgtEl>
+                                        <p:attrNameLst>
+                                          <p:attrName>style.visibility</p:attrName>
+                                        </p:attrNameLst>
+                                      </p:cBhvr>
+                                      <p:to>
+                                        <p:strVal val="visible"/>
+                                      </p:to>
+                                    </p:set>
+                                  </p:childTnLst>
+                                </p:cTn>
+                              </p:par>
+                            </p:childTnLst>
+                          </p:cTn>
+                        </p:par>
+                      </p:childTnLst>
+                    </p:cTn>
+                  </p:par>
+                </p:childTnLst>
+              </p:cTn>
+              <p:prevCondLst>
+                <p:cond evt="onPrev" delay="0">
+                  <p:tgtEl>
+                    <p:sldTgt/>
+                  </p:tgtEl>
+                </p:cond>
+              </p:prevCondLst>
+              <p:nextCondLst>
+                <p:cond evt="onNext" delay="0">
+                  <p:tgtEl>
+                    <p:sldTgt/>
+                  </p:tgtEl>
+                </p:cond>
+              </p:nextCondLst>
+            </p:seq>
+          </p:childTnLst>
+        </p:cTn>
+      </p:par>
+    </p:tnLst>
+    <p:bldLst>
+      <p:bldP spid="3" grpId="0" uiExpand="1" build="p"/>
+      <p:bldP spid="7" grpId="0"/>
+    </p:bldLst>
+  </p:timing>
 </p:sld>
 </file>
 
@@ -28024,6 +28939,81 @@
       <p:transition spd="slow" advTm="60916"/>
     </mc:Fallback>
   </mc:AlternateContent>
+  <p:timing>
+    <p:tnLst>
+      <p:par>
+        <p:cTn id="1" dur="indefinite" restart="never" nodeType="tmRoot">
+          <p:childTnLst>
+            <p:seq concurrent="1" nextAc="seek">
+              <p:cTn id="2" dur="indefinite" nodeType="mainSeq">
+                <p:childTnLst>
+                  <p:par>
+                    <p:cTn id="3" fill="hold">
+                      <p:stCondLst>
+                        <p:cond delay="indefinite"/>
+                      </p:stCondLst>
+                      <p:childTnLst>
+                        <p:par>
+                          <p:cTn id="4" fill="hold">
+                            <p:stCondLst>
+                              <p:cond delay="0"/>
+                            </p:stCondLst>
+                            <p:childTnLst>
+                              <p:par>
+                                <p:cTn id="5" presetID="1" presetClass="entr" presetSubtype="0" fill="hold" nodeType="clickEffect">
+                                  <p:stCondLst>
+                                    <p:cond delay="0"/>
+                                  </p:stCondLst>
+                                  <p:childTnLst>
+                                    <p:set>
+                                      <p:cBhvr>
+                                        <p:cTn id="6" dur="1" fill="hold">
+                                          <p:stCondLst>
+                                            <p:cond delay="0"/>
+                                          </p:stCondLst>
+                                        </p:cTn>
+                                        <p:tgtEl>
+                                          <p:spTgt spid="5"/>
+                                        </p:tgtEl>
+                                        <p:attrNameLst>
+                                          <p:attrName>style.visibility</p:attrName>
+                                        </p:attrNameLst>
+                                      </p:cBhvr>
+                                      <p:to>
+                                        <p:strVal val="visible"/>
+                                      </p:to>
+                                    </p:set>
+                                  </p:childTnLst>
+                                </p:cTn>
+                              </p:par>
+                            </p:childTnLst>
+                          </p:cTn>
+                        </p:par>
+                      </p:childTnLst>
+                    </p:cTn>
+                  </p:par>
+                </p:childTnLst>
+              </p:cTn>
+              <p:prevCondLst>
+                <p:cond evt="onPrev" delay="0">
+                  <p:tgtEl>
+                    <p:sldTgt/>
+                  </p:tgtEl>
+                </p:cond>
+              </p:prevCondLst>
+              <p:nextCondLst>
+                <p:cond evt="onNext" delay="0">
+                  <p:tgtEl>
+                    <p:sldTgt/>
+                  </p:tgtEl>
+                </p:cond>
+              </p:nextCondLst>
+            </p:seq>
+          </p:childTnLst>
+        </p:cTn>
+      </p:par>
+    </p:tnLst>
+  </p:timing>
 </p:sld>
 </file>
 
